--- a/Javascript_Perfect_Guide/week05_c08.pptx
+++ b/Javascript_Perfect_Guide/week05_c08.pptx
@@ -5,7 +5,7 @@
     <p:sldMasterId id="2147483648" r:id="rId1"/>
   </p:sldMasterIdLst>
   <p:notesMasterIdLst>
-    <p:notesMasterId r:id="rId14"/>
+    <p:notesMasterId r:id="rId18"/>
   </p:notesMasterIdLst>
   <p:sldIdLst>
     <p:sldId id="256" r:id="rId2"/>
@@ -20,6 +20,10 @@
     <p:sldId id="263" r:id="rId11"/>
     <p:sldId id="279" r:id="rId12"/>
     <p:sldId id="280" r:id="rId13"/>
+    <p:sldId id="285" r:id="rId14"/>
+    <p:sldId id="286" r:id="rId15"/>
+    <p:sldId id="287" r:id="rId16"/>
+    <p:sldId id="288" r:id="rId17"/>
   </p:sldIdLst>
   <p:sldSz cx="9144000" cy="6858000" type="screen4x3"/>
   <p:notesSz cx="6858000" cy="9144000"/>
@@ -219,7 +223,7 @@
           <a:p>
             <a:fld id="{05C7776E-DE5C-4F05-B07F-00A91CF8752B}" type="datetimeFigureOut">
               <a:rPr lang="ko-KR" altLang="en-US" smtClean="0"/>
-              <a:t>2018. 1. 30.</a:t>
+              <a:t>2018. 1. 31.</a:t>
             </a:fld>
             <a:endParaRPr lang="ko-KR" altLang="en-US"/>
           </a:p>
@@ -830,6 +834,350 @@
 </p:notes>
 </file>
 
+<file path=ppt/notesSlides/notesSlide13.xml><?xml version="1.0" encoding="utf-8"?>
+<p:notes xmlns:a="http://schemas.openxmlformats.org/drawingml/2006/main" xmlns:r="http://schemas.openxmlformats.org/officeDocument/2006/relationships" xmlns:p="http://schemas.openxmlformats.org/presentationml/2006/main">
+  <p:cSld>
+    <p:spTree>
+      <p:nvGrpSpPr>
+        <p:cNvPr id="1" name=""/>
+        <p:cNvGrpSpPr/>
+        <p:nvPr/>
+      </p:nvGrpSpPr>
+      <p:grpSpPr>
+        <a:xfrm>
+          <a:off x="0" y="0"/>
+          <a:ext cx="0" cy="0"/>
+          <a:chOff x="0" y="0"/>
+          <a:chExt cx="0" cy="0"/>
+        </a:xfrm>
+      </p:grpSpPr>
+      <p:sp>
+        <p:nvSpPr>
+          <p:cNvPr id="2" name="슬라이드 이미지 개체 틀 1"/>
+          <p:cNvSpPr>
+            <a:spLocks noGrp="1" noRot="1" noChangeAspect="1"/>
+          </p:cNvSpPr>
+          <p:nvPr>
+            <p:ph type="sldImg"/>
+          </p:nvPr>
+        </p:nvSpPr>
+        <p:spPr/>
+      </p:sp>
+      <p:sp>
+        <p:nvSpPr>
+          <p:cNvPr id="3" name="슬라이드 노트 개체 틀 2"/>
+          <p:cNvSpPr>
+            <a:spLocks noGrp="1"/>
+          </p:cNvSpPr>
+          <p:nvPr>
+            <p:ph type="body" idx="1"/>
+          </p:nvPr>
+        </p:nvSpPr>
+        <p:spPr/>
+        <p:txBody>
+          <a:bodyPr>
+            <a:normAutofit/>
+          </a:bodyPr>
+          <a:lstStyle/>
+          <a:p>
+            <a:endParaRPr lang="ko-KR" altLang="en-US" dirty="0"/>
+          </a:p>
+        </p:txBody>
+      </p:sp>
+      <p:sp>
+        <p:nvSpPr>
+          <p:cNvPr id="4" name="슬라이드 번호 개체 틀 3"/>
+          <p:cNvSpPr>
+            <a:spLocks noGrp="1"/>
+          </p:cNvSpPr>
+          <p:nvPr>
+            <p:ph type="sldNum" sz="quarter" idx="10"/>
+          </p:nvPr>
+        </p:nvSpPr>
+        <p:spPr/>
+        <p:txBody>
+          <a:bodyPr/>
+          <a:lstStyle/>
+          <a:p>
+            <a:fld id="{363F2302-BBF3-4341-9BA5-57316F180DD2}" type="slidenum">
+              <a:rPr lang="ko-KR" altLang="en-US" smtClean="0"/>
+              <a:t>13</a:t>
+            </a:fld>
+            <a:endParaRPr lang="ko-KR" altLang="en-US"/>
+          </a:p>
+        </p:txBody>
+      </p:sp>
+    </p:spTree>
+    <p:extLst>
+      <p:ext uri="{BB962C8B-B14F-4D97-AF65-F5344CB8AC3E}">
+        <p14:creationId xmlns:p14="http://schemas.microsoft.com/office/powerpoint/2010/main" val="3207522272"/>
+      </p:ext>
+    </p:extLst>
+  </p:cSld>
+  <p:clrMapOvr>
+    <a:masterClrMapping/>
+  </p:clrMapOvr>
+</p:notes>
+</file>
+
+<file path=ppt/notesSlides/notesSlide14.xml><?xml version="1.0" encoding="utf-8"?>
+<p:notes xmlns:a="http://schemas.openxmlformats.org/drawingml/2006/main" xmlns:r="http://schemas.openxmlformats.org/officeDocument/2006/relationships" xmlns:p="http://schemas.openxmlformats.org/presentationml/2006/main">
+  <p:cSld>
+    <p:spTree>
+      <p:nvGrpSpPr>
+        <p:cNvPr id="1" name=""/>
+        <p:cNvGrpSpPr/>
+        <p:nvPr/>
+      </p:nvGrpSpPr>
+      <p:grpSpPr>
+        <a:xfrm>
+          <a:off x="0" y="0"/>
+          <a:ext cx="0" cy="0"/>
+          <a:chOff x="0" y="0"/>
+          <a:chExt cx="0" cy="0"/>
+        </a:xfrm>
+      </p:grpSpPr>
+      <p:sp>
+        <p:nvSpPr>
+          <p:cNvPr id="2" name="슬라이드 이미지 개체 틀 1"/>
+          <p:cNvSpPr>
+            <a:spLocks noGrp="1" noRot="1" noChangeAspect="1"/>
+          </p:cNvSpPr>
+          <p:nvPr>
+            <p:ph type="sldImg"/>
+          </p:nvPr>
+        </p:nvSpPr>
+        <p:spPr/>
+      </p:sp>
+      <p:sp>
+        <p:nvSpPr>
+          <p:cNvPr id="3" name="슬라이드 노트 개체 틀 2"/>
+          <p:cNvSpPr>
+            <a:spLocks noGrp="1"/>
+          </p:cNvSpPr>
+          <p:nvPr>
+            <p:ph type="body" idx="1"/>
+          </p:nvPr>
+        </p:nvSpPr>
+        <p:spPr/>
+        <p:txBody>
+          <a:bodyPr>
+            <a:normAutofit/>
+          </a:bodyPr>
+          <a:lstStyle/>
+          <a:p>
+            <a:endParaRPr lang="ko-KR" altLang="en-US" dirty="0"/>
+          </a:p>
+        </p:txBody>
+      </p:sp>
+      <p:sp>
+        <p:nvSpPr>
+          <p:cNvPr id="4" name="슬라이드 번호 개체 틀 3"/>
+          <p:cNvSpPr>
+            <a:spLocks noGrp="1"/>
+          </p:cNvSpPr>
+          <p:nvPr>
+            <p:ph type="sldNum" sz="quarter" idx="10"/>
+          </p:nvPr>
+        </p:nvSpPr>
+        <p:spPr/>
+        <p:txBody>
+          <a:bodyPr/>
+          <a:lstStyle/>
+          <a:p>
+            <a:fld id="{363F2302-BBF3-4341-9BA5-57316F180DD2}" type="slidenum">
+              <a:rPr lang="ko-KR" altLang="en-US" smtClean="0"/>
+              <a:t>14</a:t>
+            </a:fld>
+            <a:endParaRPr lang="ko-KR" altLang="en-US"/>
+          </a:p>
+        </p:txBody>
+      </p:sp>
+    </p:spTree>
+    <p:extLst>
+      <p:ext uri="{BB962C8B-B14F-4D97-AF65-F5344CB8AC3E}">
+        <p14:creationId xmlns:p14="http://schemas.microsoft.com/office/powerpoint/2010/main" val="1207263356"/>
+      </p:ext>
+    </p:extLst>
+  </p:cSld>
+  <p:clrMapOvr>
+    <a:masterClrMapping/>
+  </p:clrMapOvr>
+</p:notes>
+</file>
+
+<file path=ppt/notesSlides/notesSlide15.xml><?xml version="1.0" encoding="utf-8"?>
+<p:notes xmlns:a="http://schemas.openxmlformats.org/drawingml/2006/main" xmlns:r="http://schemas.openxmlformats.org/officeDocument/2006/relationships" xmlns:p="http://schemas.openxmlformats.org/presentationml/2006/main">
+  <p:cSld>
+    <p:spTree>
+      <p:nvGrpSpPr>
+        <p:cNvPr id="1" name=""/>
+        <p:cNvGrpSpPr/>
+        <p:nvPr/>
+      </p:nvGrpSpPr>
+      <p:grpSpPr>
+        <a:xfrm>
+          <a:off x="0" y="0"/>
+          <a:ext cx="0" cy="0"/>
+          <a:chOff x="0" y="0"/>
+          <a:chExt cx="0" cy="0"/>
+        </a:xfrm>
+      </p:grpSpPr>
+      <p:sp>
+        <p:nvSpPr>
+          <p:cNvPr id="2" name="슬라이드 이미지 개체 틀 1"/>
+          <p:cNvSpPr>
+            <a:spLocks noGrp="1" noRot="1" noChangeAspect="1"/>
+          </p:cNvSpPr>
+          <p:nvPr>
+            <p:ph type="sldImg"/>
+          </p:nvPr>
+        </p:nvSpPr>
+        <p:spPr/>
+      </p:sp>
+      <p:sp>
+        <p:nvSpPr>
+          <p:cNvPr id="3" name="슬라이드 노트 개체 틀 2"/>
+          <p:cNvSpPr>
+            <a:spLocks noGrp="1"/>
+          </p:cNvSpPr>
+          <p:nvPr>
+            <p:ph type="body" idx="1"/>
+          </p:nvPr>
+        </p:nvSpPr>
+        <p:spPr/>
+        <p:txBody>
+          <a:bodyPr>
+            <a:normAutofit/>
+          </a:bodyPr>
+          <a:lstStyle/>
+          <a:p>
+            <a:endParaRPr lang="ko-KR" altLang="en-US" dirty="0"/>
+          </a:p>
+        </p:txBody>
+      </p:sp>
+      <p:sp>
+        <p:nvSpPr>
+          <p:cNvPr id="4" name="슬라이드 번호 개체 틀 3"/>
+          <p:cNvSpPr>
+            <a:spLocks noGrp="1"/>
+          </p:cNvSpPr>
+          <p:nvPr>
+            <p:ph type="sldNum" sz="quarter" idx="10"/>
+          </p:nvPr>
+        </p:nvSpPr>
+        <p:spPr/>
+        <p:txBody>
+          <a:bodyPr/>
+          <a:lstStyle/>
+          <a:p>
+            <a:fld id="{363F2302-BBF3-4341-9BA5-57316F180DD2}" type="slidenum">
+              <a:rPr lang="ko-KR" altLang="en-US" smtClean="0"/>
+              <a:t>15</a:t>
+            </a:fld>
+            <a:endParaRPr lang="ko-KR" altLang="en-US"/>
+          </a:p>
+        </p:txBody>
+      </p:sp>
+    </p:spTree>
+    <p:extLst>
+      <p:ext uri="{BB962C8B-B14F-4D97-AF65-F5344CB8AC3E}">
+        <p14:creationId xmlns:p14="http://schemas.microsoft.com/office/powerpoint/2010/main" val="603239360"/>
+      </p:ext>
+    </p:extLst>
+  </p:cSld>
+  <p:clrMapOvr>
+    <a:masterClrMapping/>
+  </p:clrMapOvr>
+</p:notes>
+</file>
+
+<file path=ppt/notesSlides/notesSlide16.xml><?xml version="1.0" encoding="utf-8"?>
+<p:notes xmlns:a="http://schemas.openxmlformats.org/drawingml/2006/main" xmlns:r="http://schemas.openxmlformats.org/officeDocument/2006/relationships" xmlns:p="http://schemas.openxmlformats.org/presentationml/2006/main">
+  <p:cSld>
+    <p:spTree>
+      <p:nvGrpSpPr>
+        <p:cNvPr id="1" name=""/>
+        <p:cNvGrpSpPr/>
+        <p:nvPr/>
+      </p:nvGrpSpPr>
+      <p:grpSpPr>
+        <a:xfrm>
+          <a:off x="0" y="0"/>
+          <a:ext cx="0" cy="0"/>
+          <a:chOff x="0" y="0"/>
+          <a:chExt cx="0" cy="0"/>
+        </a:xfrm>
+      </p:grpSpPr>
+      <p:sp>
+        <p:nvSpPr>
+          <p:cNvPr id="2" name="슬라이드 이미지 개체 틀 1"/>
+          <p:cNvSpPr>
+            <a:spLocks noGrp="1" noRot="1" noChangeAspect="1"/>
+          </p:cNvSpPr>
+          <p:nvPr>
+            <p:ph type="sldImg"/>
+          </p:nvPr>
+        </p:nvSpPr>
+        <p:spPr/>
+      </p:sp>
+      <p:sp>
+        <p:nvSpPr>
+          <p:cNvPr id="3" name="슬라이드 노트 개체 틀 2"/>
+          <p:cNvSpPr>
+            <a:spLocks noGrp="1"/>
+          </p:cNvSpPr>
+          <p:nvPr>
+            <p:ph type="body" idx="1"/>
+          </p:nvPr>
+        </p:nvSpPr>
+        <p:spPr/>
+        <p:txBody>
+          <a:bodyPr>
+            <a:normAutofit/>
+          </a:bodyPr>
+          <a:lstStyle/>
+          <a:p>
+            <a:endParaRPr lang="ko-KR" altLang="en-US" dirty="0"/>
+          </a:p>
+        </p:txBody>
+      </p:sp>
+      <p:sp>
+        <p:nvSpPr>
+          <p:cNvPr id="4" name="슬라이드 번호 개체 틀 3"/>
+          <p:cNvSpPr>
+            <a:spLocks noGrp="1"/>
+          </p:cNvSpPr>
+          <p:nvPr>
+            <p:ph type="sldNum" sz="quarter" idx="10"/>
+          </p:nvPr>
+        </p:nvSpPr>
+        <p:spPr/>
+        <p:txBody>
+          <a:bodyPr/>
+          <a:lstStyle/>
+          <a:p>
+            <a:fld id="{363F2302-BBF3-4341-9BA5-57316F180DD2}" type="slidenum">
+              <a:rPr lang="ko-KR" altLang="en-US" smtClean="0"/>
+              <a:t>16</a:t>
+            </a:fld>
+            <a:endParaRPr lang="ko-KR" altLang="en-US"/>
+          </a:p>
+        </p:txBody>
+      </p:sp>
+    </p:spTree>
+    <p:extLst>
+      <p:ext uri="{BB962C8B-B14F-4D97-AF65-F5344CB8AC3E}">
+        <p14:creationId xmlns:p14="http://schemas.microsoft.com/office/powerpoint/2010/main" val="1479331131"/>
+      </p:ext>
+    </p:extLst>
+  </p:cSld>
+  <p:clrMapOvr>
+    <a:masterClrMapping/>
+  </p:clrMapOvr>
+</p:notes>
+</file>
+
 <file path=ppt/notesSlides/notesSlide2.xml><?xml version="1.0" encoding="utf-8"?>
 <p:notes xmlns:a="http://schemas.openxmlformats.org/drawingml/2006/main" xmlns:r="http://schemas.openxmlformats.org/officeDocument/2006/relationships" xmlns:p="http://schemas.openxmlformats.org/presentationml/2006/main">
   <p:cSld>
@@ -1697,7 +2045,7 @@
           <a:p>
             <a:fld id="{0D376A1C-8576-477A-9EF2-422E0DEFCEB8}" type="datetimeFigureOut">
               <a:rPr lang="ko-KR" altLang="en-US" smtClean="0"/>
-              <a:t>2018. 1. 30.</a:t>
+              <a:t>2018. 1. 31.</a:t>
             </a:fld>
             <a:endParaRPr lang="ko-KR" altLang="en-US"/>
           </a:p>
@@ -1860,7 +2208,7 @@
           <a:p>
             <a:fld id="{0D376A1C-8576-477A-9EF2-422E0DEFCEB8}" type="datetimeFigureOut">
               <a:rPr lang="ko-KR" altLang="en-US" smtClean="0"/>
-              <a:t>2018. 1. 30.</a:t>
+              <a:t>2018. 1. 31.</a:t>
             </a:fld>
             <a:endParaRPr lang="ko-KR" altLang="en-US"/>
           </a:p>
@@ -2033,7 +2381,7 @@
           <a:p>
             <a:fld id="{0D376A1C-8576-477A-9EF2-422E0DEFCEB8}" type="datetimeFigureOut">
               <a:rPr lang="ko-KR" altLang="en-US" smtClean="0"/>
-              <a:t>2018. 1. 30.</a:t>
+              <a:t>2018. 1. 31.</a:t>
             </a:fld>
             <a:endParaRPr lang="ko-KR" altLang="en-US"/>
           </a:p>
@@ -2196,7 +2544,7 @@
           <a:p>
             <a:fld id="{0D376A1C-8576-477A-9EF2-422E0DEFCEB8}" type="datetimeFigureOut">
               <a:rPr lang="ko-KR" altLang="en-US" smtClean="0"/>
-              <a:t>2018. 1. 30.</a:t>
+              <a:t>2018. 1. 31.</a:t>
             </a:fld>
             <a:endParaRPr lang="ko-KR" altLang="en-US"/>
           </a:p>
@@ -2436,7 +2784,7 @@
           <a:p>
             <a:fld id="{0D376A1C-8576-477A-9EF2-422E0DEFCEB8}" type="datetimeFigureOut">
               <a:rPr lang="ko-KR" altLang="en-US" smtClean="0"/>
-              <a:t>2018. 1. 30.</a:t>
+              <a:t>2018. 1. 31.</a:t>
             </a:fld>
             <a:endParaRPr lang="ko-KR" altLang="en-US"/>
           </a:p>
@@ -2716,7 +3064,7 @@
           <a:p>
             <a:fld id="{0D376A1C-8576-477A-9EF2-422E0DEFCEB8}" type="datetimeFigureOut">
               <a:rPr lang="ko-KR" altLang="en-US" smtClean="0"/>
-              <a:t>2018. 1. 30.</a:t>
+              <a:t>2018. 1. 31.</a:t>
             </a:fld>
             <a:endParaRPr lang="ko-KR" altLang="en-US"/>
           </a:p>
@@ -3130,7 +3478,7 @@
           <a:p>
             <a:fld id="{0D376A1C-8576-477A-9EF2-422E0DEFCEB8}" type="datetimeFigureOut">
               <a:rPr lang="ko-KR" altLang="en-US" smtClean="0"/>
-              <a:t>2018. 1. 30.</a:t>
+              <a:t>2018. 1. 31.</a:t>
             </a:fld>
             <a:endParaRPr lang="ko-KR" altLang="en-US"/>
           </a:p>
@@ -3242,7 +3590,7 @@
           <a:p>
             <a:fld id="{0D376A1C-8576-477A-9EF2-422E0DEFCEB8}" type="datetimeFigureOut">
               <a:rPr lang="ko-KR" altLang="en-US" smtClean="0"/>
-              <a:t>2018. 1. 30.</a:t>
+              <a:t>2018. 1. 31.</a:t>
             </a:fld>
             <a:endParaRPr lang="ko-KR" altLang="en-US"/>
           </a:p>
@@ -3332,7 +3680,7 @@
           <a:p>
             <a:fld id="{0D376A1C-8576-477A-9EF2-422E0DEFCEB8}" type="datetimeFigureOut">
               <a:rPr lang="ko-KR" altLang="en-US" smtClean="0"/>
-              <a:t>2018. 1. 30.</a:t>
+              <a:t>2018. 1. 31.</a:t>
             </a:fld>
             <a:endParaRPr lang="ko-KR" altLang="en-US"/>
           </a:p>
@@ -3602,7 +3950,7 @@
           <a:p>
             <a:fld id="{0D376A1C-8576-477A-9EF2-422E0DEFCEB8}" type="datetimeFigureOut">
               <a:rPr lang="ko-KR" altLang="en-US" smtClean="0"/>
-              <a:t>2018. 1. 30.</a:t>
+              <a:t>2018. 1. 31.</a:t>
             </a:fld>
             <a:endParaRPr lang="ko-KR" altLang="en-US"/>
           </a:p>
@@ -3849,7 +4197,7 @@
           <a:p>
             <a:fld id="{0D376A1C-8576-477A-9EF2-422E0DEFCEB8}" type="datetimeFigureOut">
               <a:rPr lang="ko-KR" altLang="en-US" smtClean="0"/>
-              <a:t>2018. 1. 30.</a:t>
+              <a:t>2018. 1. 31.</a:t>
             </a:fld>
             <a:endParaRPr lang="ko-KR" altLang="en-US"/>
           </a:p>
@@ -4055,7 +4403,7 @@
           <a:p>
             <a:fld id="{0D376A1C-8576-477A-9EF2-422E0DEFCEB8}" type="datetimeFigureOut">
               <a:rPr lang="ko-KR" altLang="en-US" smtClean="0"/>
-              <a:t>2018. 1. 30.</a:t>
+              <a:t>2018. 1. 31.</a:t>
             </a:fld>
             <a:endParaRPr lang="ko-KR" altLang="en-US"/>
           </a:p>
@@ -4502,10 +4850,10 @@
                 <a:ea typeface="Nanum Gothic" charset="-127"/>
                 <a:cs typeface="Nanum Gothic" charset="-127"/>
               </a:rPr>
-              <a:t>실 자바스크립트 </a:t>
-            </a:r>
-            <a:r>
-              <a:rPr lang="ko-KR" altLang="en-US" sz="1600" dirty="0" smtClean="0">
+              <a:t>실 자바스크립트 스터디 </a:t>
+            </a:r>
+            <a:r>
+              <a:rPr lang="en-US" altLang="ko-KR" sz="1600" dirty="0">
                 <a:solidFill>
                   <a:schemeClr val="tx1">
                     <a:lumMod val="50000"/>
@@ -4516,10 +4864,10 @@
                 <a:ea typeface="Nanum Gothic" charset="-127"/>
                 <a:cs typeface="Nanum Gothic" charset="-127"/>
               </a:rPr>
-              <a:t>스터디 </a:t>
-            </a:r>
-            <a:r>
-              <a:rPr lang="en-US" altLang="ko-KR" sz="1600" dirty="0" smtClean="0">
+              <a:t>by 1</a:t>
+            </a:r>
+            <a:r>
+              <a:rPr lang="ko-KR" altLang="en-US" sz="1600" dirty="0">
                 <a:solidFill>
                   <a:schemeClr val="tx1">
                     <a:lumMod val="50000"/>
@@ -4530,10 +4878,10 @@
                 <a:ea typeface="Nanum Gothic" charset="-127"/>
                 <a:cs typeface="Nanum Gothic" charset="-127"/>
               </a:rPr>
-              <a:t>by 1</a:t>
-            </a:r>
-            <a:r>
-              <a:rPr lang="ko-KR" altLang="en-US" sz="1600" dirty="0" smtClean="0">
+              <a:t>팀 정예은</a:t>
+            </a:r>
+            <a:r>
+              <a:rPr lang="en-US" altLang="ko-KR" sz="1600" dirty="0">
                 <a:solidFill>
                   <a:schemeClr val="tx1">
                     <a:lumMod val="50000"/>
@@ -4544,10 +4892,10 @@
                 <a:ea typeface="Nanum Gothic" charset="-127"/>
                 <a:cs typeface="Nanum Gothic" charset="-127"/>
               </a:rPr>
-              <a:t>팀 정예은</a:t>
-            </a:r>
-            <a:r>
-              <a:rPr lang="en-US" altLang="ko-KR" sz="1600" dirty="0" smtClean="0">
+              <a:t>,</a:t>
+            </a:r>
+            <a:r>
+              <a:rPr lang="ko-KR" altLang="en-US" sz="1600" dirty="0">
                 <a:solidFill>
                   <a:schemeClr val="tx1">
                     <a:lumMod val="50000"/>
@@ -4558,10 +4906,10 @@
                 <a:ea typeface="Nanum Gothic" charset="-127"/>
                 <a:cs typeface="Nanum Gothic" charset="-127"/>
               </a:rPr>
-              <a:t>,</a:t>
-            </a:r>
-            <a:r>
-              <a:rPr lang="ko-KR" altLang="en-US" sz="1600" dirty="0" smtClean="0">
+              <a:t> </a:t>
+            </a:r>
+            <a:r>
+              <a:rPr lang="en-US" altLang="ko-KR" sz="1600" dirty="0">
                 <a:solidFill>
                   <a:schemeClr val="tx1">
                     <a:lumMod val="50000"/>
@@ -4572,10 +4920,10 @@
                 <a:ea typeface="Nanum Gothic" charset="-127"/>
                 <a:cs typeface="Nanum Gothic" charset="-127"/>
               </a:rPr>
-              <a:t> </a:t>
-            </a:r>
-            <a:r>
-              <a:rPr lang="en-US" altLang="ko-KR" sz="1600" dirty="0" smtClean="0">
+              <a:t>2</a:t>
+            </a:r>
+            <a:r>
+              <a:rPr lang="ko-KR" altLang="en-US" sz="1600" dirty="0">
                 <a:solidFill>
                   <a:schemeClr val="tx1">
                     <a:lumMod val="50000"/>
@@ -4586,10 +4934,10 @@
                 <a:ea typeface="Nanum Gothic" charset="-127"/>
                 <a:cs typeface="Nanum Gothic" charset="-127"/>
               </a:rPr>
-              <a:t>2</a:t>
-            </a:r>
-            <a:r>
-              <a:rPr lang="ko-KR" altLang="en-US" sz="1600" dirty="0" smtClean="0">
+              <a:t>팀 전솔</a:t>
+            </a:r>
+            <a:r>
+              <a:rPr lang="en-US" altLang="ko-KR" sz="1600" dirty="0">
                 <a:solidFill>
                   <a:schemeClr val="tx1">
                     <a:lumMod val="50000"/>
@@ -4600,10 +4948,10 @@
                 <a:ea typeface="Nanum Gothic" charset="-127"/>
                 <a:cs typeface="Nanum Gothic" charset="-127"/>
               </a:rPr>
-              <a:t>팀 전솔</a:t>
-            </a:r>
-            <a:r>
-              <a:rPr lang="en-US" altLang="ko-KR" sz="1600" dirty="0" smtClean="0">
+              <a:t>,</a:t>
+            </a:r>
+            <a:r>
+              <a:rPr lang="ko-KR" altLang="en-US" sz="1600" dirty="0">
                 <a:solidFill>
                   <a:schemeClr val="tx1">
                     <a:lumMod val="50000"/>
@@ -4614,10 +4962,10 @@
                 <a:ea typeface="Nanum Gothic" charset="-127"/>
                 <a:cs typeface="Nanum Gothic" charset="-127"/>
               </a:rPr>
-              <a:t>,</a:t>
-            </a:r>
-            <a:r>
-              <a:rPr lang="ko-KR" altLang="en-US" sz="1600" dirty="0" smtClean="0">
+              <a:t> </a:t>
+            </a:r>
+            <a:r>
+              <a:rPr lang="en-US" altLang="ko-KR" sz="1600" dirty="0">
                 <a:solidFill>
                   <a:schemeClr val="tx1">
                     <a:lumMod val="50000"/>
@@ -4628,10 +4976,10 @@
                 <a:ea typeface="Nanum Gothic" charset="-127"/>
                 <a:cs typeface="Nanum Gothic" charset="-127"/>
               </a:rPr>
-              <a:t> </a:t>
-            </a:r>
-            <a:r>
-              <a:rPr lang="en-US" altLang="ko-KR" sz="1600" dirty="0" smtClean="0">
+              <a:t>2</a:t>
+            </a:r>
+            <a:r>
+              <a:rPr lang="ko-KR" altLang="en-US" sz="1600" dirty="0">
                 <a:solidFill>
                   <a:schemeClr val="tx1">
                     <a:lumMod val="50000"/>
@@ -4642,10 +4990,10 @@
                 <a:ea typeface="Nanum Gothic" charset="-127"/>
                 <a:cs typeface="Nanum Gothic" charset="-127"/>
               </a:rPr>
-              <a:t>2</a:t>
-            </a:r>
-            <a:r>
-              <a:rPr lang="ko-KR" altLang="en-US" sz="1600" dirty="0" smtClean="0">
+              <a:t>팀 형보영</a:t>
+            </a:r>
+            <a:r>
+              <a:rPr lang="en-US" altLang="ko-KR" sz="1600" dirty="0">
                 <a:solidFill>
                   <a:schemeClr val="tx1">
                     <a:lumMod val="50000"/>
@@ -4656,10 +5004,10 @@
                 <a:ea typeface="Nanum Gothic" charset="-127"/>
                 <a:cs typeface="Nanum Gothic" charset="-127"/>
               </a:rPr>
-              <a:t>팀 형보영</a:t>
-            </a:r>
-            <a:r>
-              <a:rPr lang="en-US" altLang="ko-KR" sz="1600" dirty="0" smtClean="0">
+              <a:t>,</a:t>
+            </a:r>
+            <a:r>
+              <a:rPr lang="ko-KR" altLang="en-US" sz="1600" dirty="0">
                 <a:solidFill>
                   <a:schemeClr val="tx1">
                     <a:lumMod val="50000"/>
@@ -4670,10 +5018,10 @@
                 <a:ea typeface="Nanum Gothic" charset="-127"/>
                 <a:cs typeface="Nanum Gothic" charset="-127"/>
               </a:rPr>
-              <a:t>,</a:t>
-            </a:r>
-            <a:r>
-              <a:rPr lang="ko-KR" altLang="en-US" sz="1600" dirty="0" smtClean="0">
+              <a:t> </a:t>
+            </a:r>
+            <a:r>
+              <a:rPr lang="en-US" altLang="ko-KR" sz="1600" dirty="0">
                 <a:solidFill>
                   <a:schemeClr val="tx1">
                     <a:lumMod val="50000"/>
@@ -4684,10 +5032,10 @@
                 <a:ea typeface="Nanum Gothic" charset="-127"/>
                 <a:cs typeface="Nanum Gothic" charset="-127"/>
               </a:rPr>
-              <a:t> </a:t>
-            </a:r>
-            <a:r>
-              <a:rPr lang="en-US" altLang="ko-KR" sz="1600" dirty="0" smtClean="0">
+              <a:t>3</a:t>
+            </a:r>
+            <a:r>
+              <a:rPr lang="ko-KR" altLang="en-US" sz="1600" dirty="0">
                 <a:solidFill>
                   <a:schemeClr val="tx1">
                     <a:lumMod val="50000"/>
@@ -4698,10 +5046,10 @@
                 <a:ea typeface="Nanum Gothic" charset="-127"/>
                 <a:cs typeface="Nanum Gothic" charset="-127"/>
               </a:rPr>
-              <a:t>3</a:t>
-            </a:r>
-            <a:r>
-              <a:rPr lang="ko-KR" altLang="en-US" sz="1600" dirty="0" smtClean="0">
+              <a:t>팀 박유진</a:t>
+            </a:r>
+            <a:r>
+              <a:rPr lang="en-US" altLang="ko-KR" sz="1600" dirty="0">
                 <a:solidFill>
                   <a:schemeClr val="tx1">
                     <a:lumMod val="50000"/>
@@ -4712,10 +5060,10 @@
                 <a:ea typeface="Nanum Gothic" charset="-127"/>
                 <a:cs typeface="Nanum Gothic" charset="-127"/>
               </a:rPr>
-              <a:t>팀 박유진</a:t>
-            </a:r>
-            <a:r>
-              <a:rPr lang="en-US" altLang="ko-KR" sz="1600" dirty="0" smtClean="0">
+              <a:t>,</a:t>
+            </a:r>
+            <a:r>
+              <a:rPr lang="ko-KR" altLang="en-US" sz="1600" dirty="0">
                 <a:solidFill>
                   <a:schemeClr val="tx1">
                     <a:lumMod val="50000"/>
@@ -4726,10 +5074,10 @@
                 <a:ea typeface="Nanum Gothic" charset="-127"/>
                 <a:cs typeface="Nanum Gothic" charset="-127"/>
               </a:rPr>
-              <a:t>,</a:t>
-            </a:r>
-            <a:r>
-              <a:rPr lang="ko-KR" altLang="en-US" sz="1600" dirty="0" smtClean="0">
+              <a:t> </a:t>
+            </a:r>
+            <a:r>
+              <a:rPr lang="en-US" altLang="ko-KR" sz="1600" dirty="0">
                 <a:solidFill>
                   <a:schemeClr val="tx1">
                     <a:lumMod val="50000"/>
@@ -4740,10 +5088,10 @@
                 <a:ea typeface="Nanum Gothic" charset="-127"/>
                 <a:cs typeface="Nanum Gothic" charset="-127"/>
               </a:rPr>
-              <a:t> </a:t>
-            </a:r>
-            <a:r>
-              <a:rPr lang="en-US" altLang="ko-KR" sz="1600" dirty="0" smtClean="0">
+              <a:t>4</a:t>
+            </a:r>
+            <a:r>
+              <a:rPr lang="ko-KR" altLang="en-US" sz="1600" dirty="0">
                 <a:solidFill>
                   <a:schemeClr val="tx1">
                     <a:lumMod val="50000"/>
@@ -4754,33 +5102,8 @@
                 <a:ea typeface="Nanum Gothic" charset="-127"/>
                 <a:cs typeface="Nanum Gothic" charset="-127"/>
               </a:rPr>
-              <a:t>4</a:t>
-            </a:r>
-            <a:r>
-              <a:rPr lang="ko-KR" altLang="en-US" sz="1600" dirty="0" smtClean="0">
-                <a:solidFill>
-                  <a:schemeClr val="tx1">
-                    <a:lumMod val="50000"/>
-                    <a:lumOff val="50000"/>
-                  </a:schemeClr>
-                </a:solidFill>
-                <a:latin typeface="Nanum Gothic" charset="-127"/>
-                <a:ea typeface="Nanum Gothic" charset="-127"/>
-                <a:cs typeface="Nanum Gothic" charset="-127"/>
-              </a:rPr>
               <a:t>팀 김재원</a:t>
             </a:r>
-            <a:endParaRPr lang="ko-KR" altLang="en-US" sz="1600" dirty="0">
-              <a:solidFill>
-                <a:schemeClr val="tx1">
-                  <a:lumMod val="50000"/>
-                  <a:lumOff val="50000"/>
-                </a:schemeClr>
-              </a:solidFill>
-              <a:latin typeface="Nanum Gothic" charset="-127"/>
-              <a:ea typeface="Nanum Gothic" charset="-127"/>
-              <a:cs typeface="Nanum Gothic" charset="-127"/>
-            </a:endParaRPr>
           </a:p>
         </p:txBody>
       </p:sp>
@@ -4862,14 +5185,14 @@
           <p:nvPr>
             <p:extLst>
               <p:ext uri="{D42A27DB-BD31-4B8C-83A1-F6EECF244321}">
-                <p14:modId xmlns:p14="http://schemas.microsoft.com/office/powerpoint/2010/main" val="1216392755"/>
+                <p14:modId xmlns:p14="http://schemas.microsoft.com/office/powerpoint/2010/main" val="3984301053"/>
               </p:ext>
             </p:extLst>
           </p:nvPr>
         </p:nvGraphicFramePr>
         <p:xfrm>
-          <a:off x="1094168" y="1154361"/>
-          <a:ext cx="4990000" cy="5220000"/>
+          <a:off x="1094168" y="1089280"/>
+          <a:ext cx="4990000" cy="4860000"/>
         </p:xfrm>
         <a:graphic>
           <a:graphicData uri="http://schemas.openxmlformats.org/drawingml/2006/table">
@@ -4881,14 +5204,14 @@
                 <a:gridCol w="720000">
                   <a:extLst>
                     <a:ext uri="{9D8B030D-6E8A-4147-A177-3AD203B41FA5}">
-                      <a16:colId xmlns:a16="http://schemas.microsoft.com/office/drawing/2014/main" xmlns="" val="20000"/>
+                      <a16:colId xmlns:a16="http://schemas.microsoft.com/office/drawing/2014/main" val="20000"/>
                     </a:ext>
                   </a:extLst>
                 </a:gridCol>
                 <a:gridCol w="4270000">
                   <a:extLst>
                     <a:ext uri="{9D8B030D-6E8A-4147-A177-3AD203B41FA5}">
-                      <a16:colId xmlns:a16="http://schemas.microsoft.com/office/drawing/2014/main" xmlns="" val="20001"/>
+                      <a16:colId xmlns:a16="http://schemas.microsoft.com/office/drawing/2014/main" val="20001"/>
                     </a:ext>
                   </a:extLst>
                 </a:gridCol>
@@ -5032,7 +5355,7 @@
                 </a:tc>
                 <a:extLst>
                   <a:ext uri="{0D108BD9-81ED-4DB2-BD59-A6C34878D82A}">
-                    <a16:rowId xmlns:a16="http://schemas.microsoft.com/office/drawing/2014/main" xmlns="" val="10000"/>
+                    <a16:rowId xmlns:a16="http://schemas.microsoft.com/office/drawing/2014/main" val="10000"/>
                   </a:ext>
                 </a:extLst>
               </a:tr>
@@ -5104,24 +5427,10 @@
                           <a:ea typeface="Nanum Gothic" charset="-127"/>
                           <a:cs typeface="Nanum Gothic" charset="-127"/>
                         </a:rPr>
-                        <a:t>실행 컨텍스트와 </a:t>
+                        <a:t>실행 컨텍스트와 활성객체</a:t>
                       </a:r>
                       <a:r>
-                        <a:rPr kumimoji="1" lang="ko-KR" altLang="en-US" sz="1200" dirty="0" smtClean="0">
-                          <a:solidFill>
-                            <a:schemeClr val="tx1">
-                              <a:lumMod val="65000"/>
-                              <a:lumOff val="35000"/>
-                            </a:schemeClr>
-                          </a:solidFill>
-                          <a:latin typeface="Nanum Gothic" charset="-127"/>
-                          <a:ea typeface="Nanum Gothic" charset="-127"/>
-                          <a:cs typeface="Nanum Gothic" charset="-127"/>
-                        </a:rPr>
-                        <a:t>활성객체</a:t>
-                      </a:r>
-                      <a:r>
-                        <a:rPr kumimoji="1" lang="en-US" altLang="ko-KR" sz="1200" dirty="0" smtClean="0">
+                        <a:rPr kumimoji="1" lang="en-US" altLang="ko-KR" sz="1200" dirty="0">
                           <a:solidFill>
                             <a:schemeClr val="tx1">
                               <a:lumMod val="65000"/>
@@ -5135,7 +5444,7 @@
                         <a:t>(</a:t>
                       </a:r>
                       <a:r>
-                        <a:rPr kumimoji="1" lang="ko-KR" altLang="en-US" sz="1200" dirty="0" smtClean="0">
+                        <a:rPr kumimoji="1" lang="ko-KR" altLang="en-US" sz="1200" dirty="0">
                           <a:solidFill>
                             <a:schemeClr val="tx1">
                               <a:lumMod val="65000"/>
@@ -5149,7 +5458,7 @@
                         <a:t>변수객체</a:t>
                       </a:r>
                       <a:r>
-                        <a:rPr kumimoji="1" lang="en-US" altLang="ko-KR" sz="1200" dirty="0" smtClean="0">
+                        <a:rPr kumimoji="1" lang="en-US" altLang="ko-KR" sz="1200" dirty="0">
                           <a:solidFill>
                             <a:schemeClr val="tx1">
                               <a:lumMod val="65000"/>
@@ -5162,24 +5471,13 @@
                         </a:rPr>
                         <a:t>)</a:t>
                       </a:r>
-                      <a:endParaRPr kumimoji="1" lang="en-US" altLang="ko-KR" sz="1200" dirty="0">
-                        <a:solidFill>
-                          <a:schemeClr val="tx1">
-                            <a:lumMod val="65000"/>
-                            <a:lumOff val="35000"/>
-                          </a:schemeClr>
-                        </a:solidFill>
-                        <a:latin typeface="Nanum Gothic" charset="-127"/>
-                        <a:ea typeface="Nanum Gothic" charset="-127"/>
-                        <a:cs typeface="Nanum Gothic" charset="-127"/>
-                      </a:endParaRPr>
                     </a:p>
                   </a:txBody>
                   <a:tcPr marL="0" marR="0" marT="0" marB="0" anchor="b"/>
                 </a:tc>
                 <a:extLst>
                   <a:ext uri="{0D108BD9-81ED-4DB2-BD59-A6C34878D82A}">
-                    <a16:rowId xmlns:a16="http://schemas.microsoft.com/office/drawing/2014/main" xmlns="" val="3781827053"/>
+                    <a16:rowId xmlns:a16="http://schemas.microsoft.com/office/drawing/2014/main" val="3781827053"/>
                   </a:ext>
                 </a:extLst>
               </a:tr>
@@ -5195,7 +5493,7 @@
                         </a:lnSpc>
                       </a:pPr>
                       <a:r>
-                        <a:rPr lang="en-US" altLang="ko-KR" sz="1200" dirty="0" smtClean="0">
+                        <a:rPr lang="en-US" altLang="ko-KR" sz="1200" dirty="0">
                           <a:solidFill>
                             <a:schemeClr val="tx1">
                               <a:lumMod val="65000"/>
@@ -5240,7 +5538,7 @@
                         <a:defRPr/>
                       </a:pPr>
                       <a:r>
-                        <a:rPr kumimoji="1" lang="en-US" altLang="ko-KR" sz="1200" dirty="0" smtClean="0">
+                        <a:rPr kumimoji="1" lang="en-US" altLang="ko-KR" sz="1200" dirty="0">
                           <a:solidFill>
                             <a:schemeClr val="tx1">
                               <a:lumMod val="65000"/>
@@ -5254,7 +5552,7 @@
                         <a:t>scope</a:t>
                       </a:r>
                       <a:r>
-                        <a:rPr kumimoji="1" lang="en-US" altLang="ko-KR" sz="1200" baseline="0" dirty="0" smtClean="0">
+                        <a:rPr kumimoji="1" lang="en-US" altLang="ko-KR" sz="1200" baseline="0" dirty="0">
                           <a:solidFill>
                             <a:schemeClr val="tx1">
                               <a:lumMod val="65000"/>
@@ -5268,7 +5566,7 @@
                         <a:t> </a:t>
                       </a:r>
                       <a:r>
-                        <a:rPr kumimoji="1" lang="ko-KR" altLang="en-US" sz="1200" baseline="0" dirty="0" smtClean="0">
+                        <a:rPr kumimoji="1" lang="ko-KR" altLang="en-US" sz="1200" baseline="0" dirty="0">
                           <a:solidFill>
                             <a:schemeClr val="tx1">
                               <a:lumMod val="65000"/>
@@ -5296,6 +5594,11 @@
                   </a:txBody>
                   <a:tcPr marL="0" marR="0" marT="0" marB="0" anchor="b"/>
                 </a:tc>
+                <a:extLst>
+                  <a:ext uri="{0D108BD9-81ED-4DB2-BD59-A6C34878D82A}">
+                    <a16:rowId xmlns:a16="http://schemas.microsoft.com/office/drawing/2014/main" val="10006"/>
+                  </a:ext>
+                </a:extLst>
               </a:tr>
               <a:tr h="360000">
                 <a:tc>
@@ -5398,7 +5701,7 @@
                 </a:tc>
                 <a:extLst>
                   <a:ext uri="{0D108BD9-81ED-4DB2-BD59-A6C34878D82A}">
-                    <a16:rowId xmlns:a16="http://schemas.microsoft.com/office/drawing/2014/main" xmlns="" val="3135941519"/>
+                    <a16:rowId xmlns:a16="http://schemas.microsoft.com/office/drawing/2014/main" val="3135941519"/>
                   </a:ext>
                 </a:extLst>
               </a:tr>
@@ -5511,7 +5814,7 @@
                 </a:tc>
                 <a:extLst>
                   <a:ext uri="{0D108BD9-81ED-4DB2-BD59-A6C34878D82A}">
-                    <a16:rowId xmlns:a16="http://schemas.microsoft.com/office/drawing/2014/main" xmlns="" val="10002"/>
+                    <a16:rowId xmlns:a16="http://schemas.microsoft.com/office/drawing/2014/main" val="10002"/>
                   </a:ext>
                 </a:extLst>
               </a:tr>
@@ -5602,7 +5905,7 @@
                 </a:tc>
                 <a:extLst>
                   <a:ext uri="{0D108BD9-81ED-4DB2-BD59-A6C34878D82A}">
-                    <a16:rowId xmlns:a16="http://schemas.microsoft.com/office/drawing/2014/main" xmlns="" val="830414056"/>
+                    <a16:rowId xmlns:a16="http://schemas.microsoft.com/office/drawing/2014/main" val="830414056"/>
                   </a:ext>
                 </a:extLst>
               </a:tr>
@@ -5693,7 +5996,7 @@
                 </a:tc>
                 <a:extLst>
                   <a:ext uri="{0D108BD9-81ED-4DB2-BD59-A6C34878D82A}">
-                    <a16:rowId xmlns:a16="http://schemas.microsoft.com/office/drawing/2014/main" xmlns="" val="10003"/>
+                    <a16:rowId xmlns:a16="http://schemas.microsoft.com/office/drawing/2014/main" val="10003"/>
                   </a:ext>
                 </a:extLst>
               </a:tr>
@@ -5784,7 +6087,7 @@
                 </a:tc>
                 <a:extLst>
                   <a:ext uri="{0D108BD9-81ED-4DB2-BD59-A6C34878D82A}">
-                    <a16:rowId xmlns:a16="http://schemas.microsoft.com/office/drawing/2014/main" xmlns="" val="3502526133"/>
+                    <a16:rowId xmlns:a16="http://schemas.microsoft.com/office/drawing/2014/main" val="3502526133"/>
                   </a:ext>
                 </a:extLst>
               </a:tr>
@@ -5875,7 +6178,7 @@
                 </a:tc>
                 <a:extLst>
                   <a:ext uri="{0D108BD9-81ED-4DB2-BD59-A6C34878D82A}">
-                    <a16:rowId xmlns:a16="http://schemas.microsoft.com/office/drawing/2014/main" xmlns="" val="2661599193"/>
+                    <a16:rowId xmlns:a16="http://schemas.microsoft.com/office/drawing/2014/main" val="2661599193"/>
                   </a:ext>
                 </a:extLst>
               </a:tr>
@@ -5985,7 +6288,7 @@
                 </a:tc>
                 <a:extLst>
                   <a:ext uri="{0D108BD9-81ED-4DB2-BD59-A6C34878D82A}">
-                    <a16:rowId xmlns:a16="http://schemas.microsoft.com/office/drawing/2014/main" xmlns="" val="10004"/>
+                    <a16:rowId xmlns:a16="http://schemas.microsoft.com/office/drawing/2014/main" val="10004"/>
                   </a:ext>
                 </a:extLst>
               </a:tr>
@@ -6073,98 +6376,7 @@
                 </a:tc>
                 <a:extLst>
                   <a:ext uri="{0D108BD9-81ED-4DB2-BD59-A6C34878D82A}">
-                    <a16:rowId xmlns:a16="http://schemas.microsoft.com/office/drawing/2014/main" xmlns="" val="10005"/>
-                  </a:ext>
-                </a:extLst>
-              </a:tr>
-              <a:tr h="360000">
-                <a:tc>
-                  <a:txBody>
-                    <a:bodyPr/>
-                    <a:lstStyle/>
-                    <a:p>
-                      <a:pPr algn="ctr" latinLnBrk="1">
-                        <a:lnSpc>
-                          <a:spcPct val="100000"/>
-                        </a:lnSpc>
-                      </a:pPr>
-                      <a:r>
-                        <a:rPr lang="en-US" altLang="ko-KR" sz="1200" dirty="0">
-                          <a:solidFill>
-                            <a:schemeClr val="tx1">
-                              <a:lumMod val="65000"/>
-                              <a:lumOff val="35000"/>
-                            </a:schemeClr>
-                          </a:solidFill>
-                        </a:rPr>
-                        <a:t>-</a:t>
-                      </a:r>
-                      <a:endParaRPr lang="ko-KR" altLang="en-US" sz="1200" dirty="0">
-                        <a:solidFill>
-                          <a:schemeClr val="tx1">
-                            <a:lumMod val="65000"/>
-                            <a:lumOff val="35000"/>
-                          </a:schemeClr>
-                        </a:solidFill>
-                      </a:endParaRPr>
-                    </a:p>
-                  </a:txBody>
-                  <a:tcPr marL="0" marR="0" marT="0" marB="0" anchor="b"/>
-                </a:tc>
-                <a:tc>
-                  <a:txBody>
-                    <a:bodyPr/>
-                    <a:lstStyle/>
-                    <a:p>
-                      <a:pPr marL="0" marR="0" indent="0" algn="l" defTabSz="914400" rtl="0" eaLnBrk="1" fontAlgn="auto" latinLnBrk="1" hangingPunct="1">
-                        <a:lnSpc>
-                          <a:spcPct val="100000"/>
-                        </a:lnSpc>
-                        <a:spcBef>
-                          <a:spcPts val="0"/>
-                        </a:spcBef>
-                        <a:spcAft>
-                          <a:spcPts val="0"/>
-                        </a:spcAft>
-                        <a:buClrTx/>
-                        <a:buSzTx/>
-                        <a:buFontTx/>
-                        <a:buNone/>
-                        <a:tabLst/>
-                        <a:defRPr/>
-                      </a:pPr>
-                      <a:r>
-                        <a:rPr kumimoji="1" lang="ko-KR" altLang="en-US" sz="1200" dirty="0">
-                          <a:solidFill>
-                            <a:schemeClr val="tx1">
-                              <a:lumMod val="65000"/>
-                              <a:lumOff val="35000"/>
-                            </a:schemeClr>
-                          </a:solidFill>
-                          <a:latin typeface="Nanum Gothic" charset="-127"/>
-                          <a:ea typeface="Nanum Gothic" charset="-127"/>
-                          <a:cs typeface="Nanum Gothic" charset="-127"/>
-                        </a:rPr>
-                        <a:t>함수형 프로그래밍</a:t>
-                      </a:r>
-                      <a:endParaRPr kumimoji="1" lang="en-US" altLang="ko-KR" sz="1200" dirty="0">
-                        <a:solidFill>
-                          <a:schemeClr val="tx1">
-                            <a:lumMod val="65000"/>
-                            <a:lumOff val="35000"/>
-                          </a:schemeClr>
-                        </a:solidFill>
-                        <a:latin typeface="Nanum Gothic" charset="-127"/>
-                        <a:ea typeface="Nanum Gothic" charset="-127"/>
-                        <a:cs typeface="Nanum Gothic" charset="-127"/>
-                      </a:endParaRPr>
-                    </a:p>
-                  </a:txBody>
-                  <a:tcPr marL="0" marR="0" marT="0" marB="0" anchor="b"/>
-                </a:tc>
-                <a:extLst>
-                  <a:ext uri="{0D108BD9-81ED-4DB2-BD59-A6C34878D82A}">
-                    <a16:rowId xmlns:a16="http://schemas.microsoft.com/office/drawing/2014/main" xmlns="" val="402843568"/>
+                    <a16:rowId xmlns:a16="http://schemas.microsoft.com/office/drawing/2014/main" val="10005"/>
                   </a:ext>
                 </a:extLst>
               </a:tr>
@@ -6255,7 +6467,7 @@
                 </a:tc>
                 <a:extLst>
                   <a:ext uri="{0D108BD9-81ED-4DB2-BD59-A6C34878D82A}">
-                    <a16:rowId xmlns:a16="http://schemas.microsoft.com/office/drawing/2014/main" xmlns="" val="2058244213"/>
+                    <a16:rowId xmlns:a16="http://schemas.microsoft.com/office/drawing/2014/main" val="2058244213"/>
                   </a:ext>
                 </a:extLst>
               </a:tr>
@@ -6263,18 +6475,97 @@
           </a:graphicData>
         </a:graphic>
       </p:graphicFrame>
+      <p:sp>
+        <p:nvSpPr>
+          <p:cNvPr id="6" name="TextBox 7">
+            <a:extLst>
+              <a:ext uri="{FF2B5EF4-FFF2-40B4-BE49-F238E27FC236}">
+                <a16:creationId xmlns:a16="http://schemas.microsoft.com/office/drawing/2014/main" id="{3E5D1CC2-638E-124B-B94B-1CB5F624ACDA}"/>
+              </a:ext>
+            </a:extLst>
+          </p:cNvPr>
+          <p:cNvSpPr txBox="1"/>
+          <p:nvPr/>
+        </p:nvSpPr>
+        <p:spPr>
+          <a:xfrm>
+            <a:off x="899592" y="6248345"/>
+            <a:ext cx="5957080" cy="276999"/>
+          </a:xfrm>
+          <a:prstGeom prst="rect">
+            <a:avLst/>
+          </a:prstGeom>
+          <a:noFill/>
+        </p:spPr>
+        <p:txBody>
+          <a:bodyPr wrap="none" rtlCol="0">
+            <a:spAutoFit/>
+          </a:bodyPr>
+          <a:lstStyle/>
+          <a:p>
+            <a:r>
+              <a:rPr kumimoji="1" lang="ko-KR" altLang="en-US" sz="1200" b="1" dirty="0">
+                <a:solidFill>
+                  <a:schemeClr val="tx1">
+                    <a:lumMod val="65000"/>
+                    <a:lumOff val="35000"/>
+                  </a:schemeClr>
+                </a:solidFill>
+              </a:rPr>
+              <a:t>*생략된 내용*</a:t>
+            </a:r>
+            <a:r>
+              <a:rPr kumimoji="1" lang="ko-KR" altLang="en-US" sz="1200" dirty="0">
+                <a:solidFill>
+                  <a:schemeClr val="tx1">
+                    <a:lumMod val="65000"/>
+                    <a:lumOff val="35000"/>
+                  </a:schemeClr>
+                </a:solidFill>
+              </a:rPr>
+              <a:t>  함수형 프로그래밍 </a:t>
+            </a:r>
+            <a:r>
+              <a:rPr kumimoji="1" lang="en-US" altLang="ko-KR" sz="1200" dirty="0">
+                <a:solidFill>
+                  <a:schemeClr val="tx1">
+                    <a:lumMod val="65000"/>
+                    <a:lumOff val="35000"/>
+                  </a:schemeClr>
+                </a:solidFill>
+              </a:rPr>
+              <a:t>&gt;</a:t>
+            </a:r>
+            <a:r>
+              <a:rPr kumimoji="1" lang="ko-KR" altLang="en-US" sz="1200" dirty="0">
+                <a:solidFill>
+                  <a:schemeClr val="tx1">
+                    <a:lumMod val="65000"/>
+                    <a:lumOff val="35000"/>
+                  </a:schemeClr>
+                </a:solidFill>
+              </a:rPr>
+              <a:t> 추후 프로그래밍 패러다임으로 따로 다룰 계획</a:t>
+            </a:r>
+            <a:r>
+              <a:rPr kumimoji="1" lang="en-US" altLang="ko-KR" sz="1200" dirty="0">
+                <a:solidFill>
+                  <a:schemeClr val="tx1">
+                    <a:lumMod val="65000"/>
+                    <a:lumOff val="35000"/>
+                  </a:schemeClr>
+                </a:solidFill>
+              </a:rPr>
+              <a:t>.</a:t>
+            </a:r>
+          </a:p>
+        </p:txBody>
+      </p:sp>
     </p:spTree>
   </p:cSld>
   <p:clrMapOvr>
     <a:masterClrMapping/>
   </p:clrMapOvr>
-  <p:timing>
-    <p:tnLst>
-      <p:par>
-        <p:cTn id="1" dur="indefinite" restart="never" nodeType="tmRoot"/>
-      </p:par>
-    </p:tnLst>
-  </p:timing>
 </p:sld>
 </file>
 
@@ -6387,7 +6678,7 @@
           <p:cNvPr id="11" name="TextBox 6">
             <a:extLst>
               <a:ext uri="{FF2B5EF4-FFF2-40B4-BE49-F238E27FC236}">
-                <a16:creationId xmlns:a16="http://schemas.microsoft.com/office/drawing/2014/main" xmlns="" id="{6D527928-482C-E943-BBFB-D3D1130C192A}"/>
+                <a16:creationId xmlns:a16="http://schemas.microsoft.com/office/drawing/2014/main" id="{6D527928-482C-E943-BBFB-D3D1130C192A}"/>
               </a:ext>
             </a:extLst>
           </p:cNvPr>
@@ -6444,7 +6735,7 @@
           <p:cNvPr id="13" name="TextBox 6">
             <a:extLst>
               <a:ext uri="{FF2B5EF4-FFF2-40B4-BE49-F238E27FC236}">
-                <a16:creationId xmlns:a16="http://schemas.microsoft.com/office/drawing/2014/main" xmlns="" id="{212573A1-855A-1340-B5DD-1CB0EF68C5FE}"/>
+                <a16:creationId xmlns:a16="http://schemas.microsoft.com/office/drawing/2014/main" id="{212573A1-855A-1340-B5DD-1CB0EF68C5FE}"/>
               </a:ext>
             </a:extLst>
           </p:cNvPr>
@@ -6540,7 +6831,7 @@
           <p:cNvPr id="14" name="TextBox 6">
             <a:extLst>
               <a:ext uri="{FF2B5EF4-FFF2-40B4-BE49-F238E27FC236}">
-                <a16:creationId xmlns:a16="http://schemas.microsoft.com/office/drawing/2014/main" xmlns="" id="{15972864-CA74-2A4E-8C86-22B579E92837}"/>
+                <a16:creationId xmlns:a16="http://schemas.microsoft.com/office/drawing/2014/main" id="{15972864-CA74-2A4E-8C86-22B579E92837}"/>
               </a:ext>
             </a:extLst>
           </p:cNvPr>
@@ -6688,7 +6979,7 @@
           <p:cNvPr id="19" name="TextBox 6">
             <a:extLst>
               <a:ext uri="{FF2B5EF4-FFF2-40B4-BE49-F238E27FC236}">
-                <a16:creationId xmlns:a16="http://schemas.microsoft.com/office/drawing/2014/main" xmlns="" id="{BF8AB98C-2AF5-9E44-8765-AA8016C4B1F2}"/>
+                <a16:creationId xmlns:a16="http://schemas.microsoft.com/office/drawing/2014/main" id="{BF8AB98C-2AF5-9E44-8765-AA8016C4B1F2}"/>
               </a:ext>
             </a:extLst>
           </p:cNvPr>
@@ -6742,7 +7033,7 @@
           <p:cNvPr id="20" name="TextBox 6">
             <a:extLst>
               <a:ext uri="{FF2B5EF4-FFF2-40B4-BE49-F238E27FC236}">
-                <a16:creationId xmlns:a16="http://schemas.microsoft.com/office/drawing/2014/main" xmlns="" id="{FF918BCE-6F97-434A-B3A2-439095FDE56D}"/>
+                <a16:creationId xmlns:a16="http://schemas.microsoft.com/office/drawing/2014/main" id="{FF918BCE-6F97-434A-B3A2-439095FDE56D}"/>
               </a:ext>
             </a:extLst>
           </p:cNvPr>
@@ -6922,7 +7213,7 @@
           <p:cNvPr id="21" name="TextBox 6">
             <a:extLst>
               <a:ext uri="{FF2B5EF4-FFF2-40B4-BE49-F238E27FC236}">
-                <a16:creationId xmlns:a16="http://schemas.microsoft.com/office/drawing/2014/main" xmlns="" id="{A34547BB-7EEC-4C49-A8A2-1C55ABEEBFD0}"/>
+                <a16:creationId xmlns:a16="http://schemas.microsoft.com/office/drawing/2014/main" id="{A34547BB-7EEC-4C49-A8A2-1C55ABEEBFD0}"/>
               </a:ext>
             </a:extLst>
           </p:cNvPr>
@@ -6976,7 +7267,7 @@
           <p:cNvPr id="22" name="TextBox 6">
             <a:extLst>
               <a:ext uri="{FF2B5EF4-FFF2-40B4-BE49-F238E27FC236}">
-                <a16:creationId xmlns:a16="http://schemas.microsoft.com/office/drawing/2014/main" xmlns="" id="{38A16BBC-8817-0741-8AEE-9D316E04CBD1}"/>
+                <a16:creationId xmlns:a16="http://schemas.microsoft.com/office/drawing/2014/main" id="{38A16BBC-8817-0741-8AEE-9D316E04CBD1}"/>
               </a:ext>
             </a:extLst>
           </p:cNvPr>
@@ -7075,7 +7366,7 @@
           <p:cNvPr id="23" name="TextBox 6">
             <a:extLst>
               <a:ext uri="{FF2B5EF4-FFF2-40B4-BE49-F238E27FC236}">
-                <a16:creationId xmlns:a16="http://schemas.microsoft.com/office/drawing/2014/main" xmlns="" id="{76FB57A3-37F4-8642-B8CF-EE03A08AAF74}"/>
+                <a16:creationId xmlns:a16="http://schemas.microsoft.com/office/drawing/2014/main" id="{76FB57A3-37F4-8642-B8CF-EE03A08AAF74}"/>
               </a:ext>
             </a:extLst>
           </p:cNvPr>
@@ -7158,13 +7449,6 @@
   <p:clrMapOvr>
     <a:masterClrMapping/>
   </p:clrMapOvr>
-  <p:timing>
-    <p:tnLst>
-      <p:par>
-        <p:cTn id="1" dur="indefinite" restart="never" nodeType="tmRoot"/>
-      </p:par>
-    </p:tnLst>
-  </p:timing>
 </p:sld>
 </file>
 
@@ -7277,7 +7561,7 @@
           <p:cNvPr id="13" name="TextBox 6">
             <a:extLst>
               <a:ext uri="{FF2B5EF4-FFF2-40B4-BE49-F238E27FC236}">
-                <a16:creationId xmlns:a16="http://schemas.microsoft.com/office/drawing/2014/main" xmlns="" id="{212573A1-855A-1340-B5DD-1CB0EF68C5FE}"/>
+                <a16:creationId xmlns:a16="http://schemas.microsoft.com/office/drawing/2014/main" id="{212573A1-855A-1340-B5DD-1CB0EF68C5FE}"/>
               </a:ext>
             </a:extLst>
           </p:cNvPr>
@@ -7341,7 +7625,7 @@
           <p:cNvPr id="14" name="TextBox 6">
             <a:extLst>
               <a:ext uri="{FF2B5EF4-FFF2-40B4-BE49-F238E27FC236}">
-                <a16:creationId xmlns:a16="http://schemas.microsoft.com/office/drawing/2014/main" xmlns="" id="{15972864-CA74-2A4E-8C86-22B579E92837}"/>
+                <a16:creationId xmlns:a16="http://schemas.microsoft.com/office/drawing/2014/main" id="{15972864-CA74-2A4E-8C86-22B579E92837}"/>
               </a:ext>
             </a:extLst>
           </p:cNvPr>
@@ -7527,7 +7811,7 @@
           <p:cNvPr id="23" name="TextBox 6">
             <a:extLst>
               <a:ext uri="{FF2B5EF4-FFF2-40B4-BE49-F238E27FC236}">
-                <a16:creationId xmlns:a16="http://schemas.microsoft.com/office/drawing/2014/main" xmlns="" id="{76FB57A3-37F4-8642-B8CF-EE03A08AAF74}"/>
+                <a16:creationId xmlns:a16="http://schemas.microsoft.com/office/drawing/2014/main" id="{76FB57A3-37F4-8642-B8CF-EE03A08AAF74}"/>
               </a:ext>
             </a:extLst>
           </p:cNvPr>
@@ -7661,7 +7945,7 @@
           <p:cNvPr id="12" name="TextBox 6">
             <a:extLst>
               <a:ext uri="{FF2B5EF4-FFF2-40B4-BE49-F238E27FC236}">
-                <a16:creationId xmlns:a16="http://schemas.microsoft.com/office/drawing/2014/main" xmlns="" id="{BCC312F4-8E64-1647-A96E-C34E155D7993}"/>
+                <a16:creationId xmlns:a16="http://schemas.microsoft.com/office/drawing/2014/main" id="{BCC312F4-8E64-1647-A96E-C34E155D7993}"/>
               </a:ext>
             </a:extLst>
           </p:cNvPr>
@@ -7753,7 +8037,7 @@
           <p:cNvPr id="15" name="TextBox 6">
             <a:extLst>
               <a:ext uri="{FF2B5EF4-FFF2-40B4-BE49-F238E27FC236}">
-                <a16:creationId xmlns:a16="http://schemas.microsoft.com/office/drawing/2014/main" xmlns="" id="{4C433121-55F9-BF41-9CAB-571182E75852}"/>
+                <a16:creationId xmlns:a16="http://schemas.microsoft.com/office/drawing/2014/main" id="{4C433121-55F9-BF41-9CAB-571182E75852}"/>
               </a:ext>
             </a:extLst>
           </p:cNvPr>
@@ -7850,13 +8134,6 @@
   <p:clrMapOvr>
     <a:masterClrMapping/>
   </p:clrMapOvr>
-  <p:timing>
-    <p:tnLst>
-      <p:par>
-        <p:cTn id="1" dur="indefinite" restart="never" nodeType="tmRoot"/>
-      </p:par>
-    </p:tnLst>
-  </p:timing>
 </p:sld>
 </file>
 
@@ -7969,7 +8246,7 @@
           <p:cNvPr id="11" name="TextBox 6">
             <a:extLst>
               <a:ext uri="{FF2B5EF4-FFF2-40B4-BE49-F238E27FC236}">
-                <a16:creationId xmlns:a16="http://schemas.microsoft.com/office/drawing/2014/main" xmlns="" id="{6D527928-482C-E943-BBFB-D3D1130C192A}"/>
+                <a16:creationId xmlns:a16="http://schemas.microsoft.com/office/drawing/2014/main" id="{6D527928-482C-E943-BBFB-D3D1130C192A}"/>
               </a:ext>
             </a:extLst>
           </p:cNvPr>
@@ -7978,7 +8255,7 @@
         </p:nvSpPr>
         <p:spPr>
           <a:xfrm>
-            <a:off x="544267" y="4113217"/>
+            <a:off x="544267" y="4644845"/>
             <a:ext cx="1523879" cy="338554"/>
           </a:xfrm>
           <a:prstGeom prst="rect">
@@ -8049,7 +8326,7 @@
           <p:cNvPr id="13" name="TextBox 6">
             <a:extLst>
               <a:ext uri="{FF2B5EF4-FFF2-40B4-BE49-F238E27FC236}">
-                <a16:creationId xmlns:a16="http://schemas.microsoft.com/office/drawing/2014/main" xmlns="" id="{212573A1-855A-1340-B5DD-1CB0EF68C5FE}"/>
+                <a16:creationId xmlns:a16="http://schemas.microsoft.com/office/drawing/2014/main" id="{212573A1-855A-1340-B5DD-1CB0EF68C5FE}"/>
               </a:ext>
             </a:extLst>
           </p:cNvPr>
@@ -8058,7 +8335,7 @@
         </p:nvSpPr>
         <p:spPr>
           <a:xfrm>
-            <a:off x="550896" y="4477714"/>
+            <a:off x="550896" y="5009342"/>
             <a:ext cx="5097870" cy="867930"/>
           </a:xfrm>
           <a:prstGeom prst="rect">
@@ -8238,7 +8515,7 @@
           <p:cNvPr id="19" name="TextBox 6">
             <a:extLst>
               <a:ext uri="{FF2B5EF4-FFF2-40B4-BE49-F238E27FC236}">
-                <a16:creationId xmlns:a16="http://schemas.microsoft.com/office/drawing/2014/main" xmlns="" id="{BF8AB98C-2AF5-9E44-8765-AA8016C4B1F2}"/>
+                <a16:creationId xmlns:a16="http://schemas.microsoft.com/office/drawing/2014/main" id="{BF8AB98C-2AF5-9E44-8765-AA8016C4B1F2}"/>
               </a:ext>
             </a:extLst>
           </p:cNvPr>
@@ -8292,7 +8569,7 @@
           <p:cNvPr id="20" name="TextBox 6">
             <a:extLst>
               <a:ext uri="{FF2B5EF4-FFF2-40B4-BE49-F238E27FC236}">
-                <a16:creationId xmlns:a16="http://schemas.microsoft.com/office/drawing/2014/main" xmlns="" id="{FF918BCE-6F97-434A-B3A2-439095FDE56D}"/>
+                <a16:creationId xmlns:a16="http://schemas.microsoft.com/office/drawing/2014/main" id="{FF918BCE-6F97-434A-B3A2-439095FDE56D}"/>
               </a:ext>
             </a:extLst>
           </p:cNvPr>
@@ -8563,7 +8840,7 @@
           <p:cNvPr id="8" name="TextBox 6">
             <a:extLst>
               <a:ext uri="{FF2B5EF4-FFF2-40B4-BE49-F238E27FC236}">
-                <a16:creationId xmlns:a16="http://schemas.microsoft.com/office/drawing/2014/main" xmlns="" id="{BF8AB98C-2AF5-9E44-8765-AA8016C4B1F2}"/>
+                <a16:creationId xmlns:a16="http://schemas.microsoft.com/office/drawing/2014/main" id="{BF8AB98C-2AF5-9E44-8765-AA8016C4B1F2}"/>
               </a:ext>
             </a:extLst>
           </p:cNvPr>
@@ -8572,7 +8849,7 @@
         </p:nvSpPr>
         <p:spPr>
           <a:xfrm>
-            <a:off x="550399" y="2743137"/>
+            <a:off x="550399" y="2986733"/>
             <a:ext cx="1622560" cy="338554"/>
           </a:xfrm>
           <a:prstGeom prst="rect">
@@ -8587,7 +8864,7 @@
           <a:lstStyle/>
           <a:p>
             <a:r>
-              <a:rPr kumimoji="1" lang="en-US" altLang="ko-KR" sz="1600" b="1" dirty="0" smtClean="0">
+              <a:rPr kumimoji="1" lang="en-US" altLang="ko-KR" sz="1600" b="1" dirty="0">
                 <a:solidFill>
                   <a:schemeClr val="accent6">
                     <a:lumMod val="50000"/>
@@ -8600,7 +8877,7 @@
               <a:t>length </a:t>
             </a:r>
             <a:r>
-              <a:rPr kumimoji="1" lang="ko-KR" altLang="en-US" sz="1600" b="1" dirty="0" smtClean="0">
+              <a:rPr kumimoji="1" lang="ko-KR" altLang="en-US" sz="1600" b="1" dirty="0">
                 <a:solidFill>
                   <a:schemeClr val="accent6">
                     <a:lumMod val="50000"/>
@@ -8630,7 +8907,7 @@
           <p:cNvPr id="9" name="TextBox 6">
             <a:extLst>
               <a:ext uri="{FF2B5EF4-FFF2-40B4-BE49-F238E27FC236}">
-                <a16:creationId xmlns:a16="http://schemas.microsoft.com/office/drawing/2014/main" xmlns="" id="{FF918BCE-6F97-434A-B3A2-439095FDE56D}"/>
+                <a16:creationId xmlns:a16="http://schemas.microsoft.com/office/drawing/2014/main" id="{FF918BCE-6F97-434A-B3A2-439095FDE56D}"/>
               </a:ext>
             </a:extLst>
           </p:cNvPr>
@@ -8639,7 +8916,7 @@
         </p:nvSpPr>
         <p:spPr>
           <a:xfrm>
-            <a:off x="557028" y="3107634"/>
+            <a:off x="557028" y="3351230"/>
             <a:ext cx="6170279" cy="609398"/>
           </a:xfrm>
           <a:prstGeom prst="rect">
@@ -8659,7 +8936,7 @@
               </a:lnSpc>
             </a:pPr>
             <a:r>
-              <a:rPr kumimoji="1" lang="ko-KR" altLang="en-US" sz="1400" dirty="0" smtClean="0">
+              <a:rPr kumimoji="1" lang="ko-KR" altLang="en-US" sz="1400" dirty="0">
                 <a:solidFill>
                   <a:schemeClr val="tx1">
                     <a:lumMod val="75000"/>
@@ -8673,7 +8950,7 @@
               <a:t>함수 객체의 </a:t>
             </a:r>
             <a:r>
-              <a:rPr kumimoji="1" lang="en-US" altLang="ko-KR" sz="1400" dirty="0" smtClean="0">
+              <a:rPr kumimoji="1" lang="en-US" altLang="ko-KR" sz="1400" dirty="0">
                 <a:solidFill>
                   <a:schemeClr val="tx1">
                     <a:lumMod val="75000"/>
@@ -8687,7 +8964,7 @@
               <a:t>length </a:t>
             </a:r>
             <a:r>
-              <a:rPr kumimoji="1" lang="ko-KR" altLang="en-US" sz="1400" dirty="0" smtClean="0">
+              <a:rPr kumimoji="1" lang="ko-KR" altLang="en-US" sz="1400" dirty="0">
                 <a:solidFill>
                   <a:schemeClr val="tx1">
                     <a:lumMod val="75000"/>
@@ -8701,7 +8978,7 @@
               <a:t>프로퍼티는 명시되어 있는 매개변수의 개수가 할당되어있다</a:t>
             </a:r>
             <a:r>
-              <a:rPr kumimoji="1" lang="en-US" altLang="ko-KR" sz="1400" dirty="0" smtClean="0">
+              <a:rPr kumimoji="1" lang="en-US" altLang="ko-KR" sz="1400" dirty="0">
                 <a:solidFill>
                   <a:schemeClr val="tx1">
                     <a:lumMod val="75000"/>
@@ -8722,7 +8999,7 @@
               </a:lnSpc>
             </a:pPr>
             <a:r>
-              <a:rPr kumimoji="1" lang="en-US" altLang="ko-KR" sz="1400" dirty="0" err="1" smtClean="0">
+              <a:rPr kumimoji="1" lang="en-US" altLang="ko-KR" sz="1400" dirty="0" err="1">
                 <a:solidFill>
                   <a:schemeClr val="tx1">
                     <a:lumMod val="75000"/>
@@ -8736,7 +9013,7 @@
               <a:t>arguments.length</a:t>
             </a:r>
             <a:r>
-              <a:rPr kumimoji="1" lang="ko-KR" altLang="en-US" sz="1400" dirty="0" smtClean="0">
+              <a:rPr kumimoji="1" lang="ko-KR" altLang="en-US" sz="1400" dirty="0">
                 <a:solidFill>
                   <a:schemeClr val="tx1">
                     <a:lumMod val="75000"/>
@@ -8750,7 +9027,7 @@
               <a:t> 는 실제 전달된 매개변수의 개수이다</a:t>
             </a:r>
             <a:r>
-              <a:rPr kumimoji="1" lang="en-US" altLang="ko-KR" sz="1400" dirty="0" smtClean="0">
+              <a:rPr kumimoji="1" lang="en-US" altLang="ko-KR" sz="1400" dirty="0">
                 <a:solidFill>
                   <a:schemeClr val="tx1">
                     <a:lumMod val="75000"/>
@@ -8763,6 +9040,406 @@
               </a:rPr>
               <a:t>.</a:t>
             </a:r>
+          </a:p>
+        </p:txBody>
+      </p:sp>
+    </p:spTree>
+    <p:extLst>
+      <p:ext uri="{BB962C8B-B14F-4D97-AF65-F5344CB8AC3E}">
+        <p14:creationId xmlns:p14="http://schemas.microsoft.com/office/powerpoint/2010/main" val="1715436146"/>
+      </p:ext>
+    </p:extLst>
+  </p:cSld>
+  <p:clrMapOvr>
+    <a:masterClrMapping/>
+  </p:clrMapOvr>
+</p:sld>
+</file>
+
+<file path=ppt/slides/slide13.xml><?xml version="1.0" encoding="utf-8"?>
+<p:sld xmlns:a="http://schemas.openxmlformats.org/drawingml/2006/main" xmlns:r="http://schemas.openxmlformats.org/officeDocument/2006/relationships" xmlns:p="http://schemas.openxmlformats.org/presentationml/2006/main">
+  <p:cSld>
+    <p:spTree>
+      <p:nvGrpSpPr>
+        <p:cNvPr id="1" name=""/>
+        <p:cNvGrpSpPr/>
+        <p:nvPr/>
+      </p:nvGrpSpPr>
+      <p:grpSpPr>
+        <a:xfrm>
+          <a:off x="0" y="0"/>
+          <a:ext cx="0" cy="0"/>
+          <a:chOff x="0" y="0"/>
+          <a:chExt cx="0" cy="0"/>
+        </a:xfrm>
+      </p:grpSpPr>
+      <p:sp>
+        <p:nvSpPr>
+          <p:cNvPr id="19" name="TextBox 6">
+            <a:extLst>
+              <a:ext uri="{FF2B5EF4-FFF2-40B4-BE49-F238E27FC236}">
+                <a16:creationId xmlns:a16="http://schemas.microsoft.com/office/drawing/2014/main" id="{BF8AB98C-2AF5-9E44-8765-AA8016C4B1F2}"/>
+              </a:ext>
+            </a:extLst>
+          </p:cNvPr>
+          <p:cNvSpPr txBox="1"/>
+          <p:nvPr/>
+        </p:nvSpPr>
+        <p:spPr>
+          <a:xfrm>
+            <a:off x="544267" y="366079"/>
+            <a:ext cx="1718740" cy="338554"/>
+          </a:xfrm>
+          <a:prstGeom prst="rect">
+            <a:avLst/>
+          </a:prstGeom>
+          <a:noFill/>
+        </p:spPr>
+        <p:txBody>
+          <a:bodyPr wrap="none" rtlCol="0">
+            <a:spAutoFit/>
+          </a:bodyPr>
+          <a:lstStyle/>
+          <a:p>
+            <a:r>
+              <a:rPr kumimoji="1" lang="en-US" altLang="ko-KR" sz="1600" b="1" dirty="0">
+                <a:solidFill>
+                  <a:schemeClr val="accent6">
+                    <a:lumMod val="50000"/>
+                  </a:schemeClr>
+                </a:solidFill>
+                <a:latin typeface="Nanum Gothic" charset="-127"/>
+                <a:ea typeface="Nanum Gothic" charset="-127"/>
+                <a:cs typeface="Nanum Gothic" charset="-127"/>
+              </a:rPr>
+              <a:t>Function()</a:t>
+            </a:r>
+            <a:r>
+              <a:rPr kumimoji="1" lang="ko-KR" altLang="en-US" sz="1600" b="1" dirty="0">
+                <a:solidFill>
+                  <a:schemeClr val="accent6">
+                    <a:lumMod val="50000"/>
+                  </a:schemeClr>
+                </a:solidFill>
+                <a:latin typeface="Nanum Gothic" charset="-127"/>
+                <a:ea typeface="Nanum Gothic" charset="-127"/>
+                <a:cs typeface="Nanum Gothic" charset="-127"/>
+              </a:rPr>
+              <a:t> 생성자</a:t>
+            </a:r>
+            <a:endParaRPr kumimoji="1" lang="en-US" altLang="ko-KR" sz="1600" b="1" dirty="0">
+              <a:solidFill>
+                <a:schemeClr val="accent6">
+                  <a:lumMod val="50000"/>
+                </a:schemeClr>
+              </a:solidFill>
+              <a:latin typeface="Nanum Gothic" charset="-127"/>
+              <a:ea typeface="Nanum Gothic" charset="-127"/>
+              <a:cs typeface="Nanum Gothic" charset="-127"/>
+            </a:endParaRPr>
+          </a:p>
+        </p:txBody>
+      </p:sp>
+      <p:sp>
+        <p:nvSpPr>
+          <p:cNvPr id="20" name="TextBox 6">
+            <a:extLst>
+              <a:ext uri="{FF2B5EF4-FFF2-40B4-BE49-F238E27FC236}">
+                <a16:creationId xmlns:a16="http://schemas.microsoft.com/office/drawing/2014/main" id="{FF918BCE-6F97-434A-B3A2-439095FDE56D}"/>
+              </a:ext>
+            </a:extLst>
+          </p:cNvPr>
+          <p:cNvSpPr txBox="1"/>
+          <p:nvPr/>
+        </p:nvSpPr>
+        <p:spPr>
+          <a:xfrm>
+            <a:off x="550896" y="704633"/>
+            <a:ext cx="4347665" cy="535531"/>
+          </a:xfrm>
+          <a:prstGeom prst="rect">
+            <a:avLst/>
+          </a:prstGeom>
+          <a:noFill/>
+        </p:spPr>
+        <p:txBody>
+          <a:bodyPr wrap="none" rtlCol="0">
+            <a:spAutoFit/>
+          </a:bodyPr>
+          <a:lstStyle/>
+          <a:p>
+            <a:pPr>
+              <a:lnSpc>
+                <a:spcPct val="120000"/>
+              </a:lnSpc>
+            </a:pPr>
+            <a:r>
+              <a:rPr kumimoji="1" lang="en-US" altLang="ko-KR" sz="1200" dirty="0" err="1">
+                <a:solidFill>
+                  <a:schemeClr val="tx1">
+                    <a:lumMod val="50000"/>
+                    <a:lumOff val="50000"/>
+                  </a:schemeClr>
+                </a:solidFill>
+                <a:latin typeface="Consolas" panose="020B0609020204030204" pitchFamily="49" charset="0"/>
+                <a:ea typeface="Nanum Gothic" charset="-127"/>
+                <a:cs typeface="Consolas" panose="020B0609020204030204" pitchFamily="49" charset="0"/>
+              </a:rPr>
+              <a:t>var</a:t>
+            </a:r>
+            <a:r>
+              <a:rPr kumimoji="1" lang="en-US" altLang="ko-KR" sz="1200" dirty="0">
+                <a:solidFill>
+                  <a:schemeClr val="tx1">
+                    <a:lumMod val="50000"/>
+                    <a:lumOff val="50000"/>
+                  </a:schemeClr>
+                </a:solidFill>
+                <a:latin typeface="Consolas" panose="020B0609020204030204" pitchFamily="49" charset="0"/>
+                <a:ea typeface="Nanum Gothic" charset="-127"/>
+                <a:cs typeface="Consolas" panose="020B0609020204030204" pitchFamily="49" charset="0"/>
+              </a:rPr>
+              <a:t> </a:t>
+            </a:r>
+            <a:r>
+              <a:rPr kumimoji="1" lang="en-US" altLang="ko-KR" sz="1200" dirty="0" err="1">
+                <a:solidFill>
+                  <a:schemeClr val="tx1">
+                    <a:lumMod val="50000"/>
+                    <a:lumOff val="50000"/>
+                  </a:schemeClr>
+                </a:solidFill>
+                <a:latin typeface="Consolas" panose="020B0609020204030204" pitchFamily="49" charset="0"/>
+                <a:ea typeface="Nanum Gothic" charset="-127"/>
+                <a:cs typeface="Consolas" panose="020B0609020204030204" pitchFamily="49" charset="0"/>
+              </a:rPr>
+              <a:t>fn</a:t>
+            </a:r>
+            <a:r>
+              <a:rPr kumimoji="1" lang="en-US" altLang="ko-KR" sz="1200" dirty="0">
+                <a:solidFill>
+                  <a:schemeClr val="tx1">
+                    <a:lumMod val="50000"/>
+                    <a:lumOff val="50000"/>
+                  </a:schemeClr>
+                </a:solidFill>
+                <a:latin typeface="Consolas" panose="020B0609020204030204" pitchFamily="49" charset="0"/>
+                <a:ea typeface="Nanum Gothic" charset="-127"/>
+                <a:cs typeface="Consolas" panose="020B0609020204030204" pitchFamily="49" charset="0"/>
+              </a:rPr>
+              <a:t> = function(x, y) {return x + y;}</a:t>
+            </a:r>
+          </a:p>
+          <a:p>
+            <a:pPr>
+              <a:lnSpc>
+                <a:spcPct val="120000"/>
+              </a:lnSpc>
+            </a:pPr>
+            <a:r>
+              <a:rPr kumimoji="1" lang="en-US" altLang="ko-KR" sz="1200" dirty="0" err="1">
+                <a:solidFill>
+                  <a:schemeClr val="tx1">
+                    <a:lumMod val="50000"/>
+                    <a:lumOff val="50000"/>
+                  </a:schemeClr>
+                </a:solidFill>
+                <a:latin typeface="Consolas" panose="020B0609020204030204" pitchFamily="49" charset="0"/>
+                <a:ea typeface="Nanum Gothic" charset="-127"/>
+                <a:cs typeface="Consolas" panose="020B0609020204030204" pitchFamily="49" charset="0"/>
+              </a:rPr>
+              <a:t>var</a:t>
+            </a:r>
+            <a:r>
+              <a:rPr kumimoji="1" lang="en-US" altLang="ko-KR" sz="1200" dirty="0">
+                <a:solidFill>
+                  <a:schemeClr val="tx1">
+                    <a:lumMod val="50000"/>
+                    <a:lumOff val="50000"/>
+                  </a:schemeClr>
+                </a:solidFill>
+                <a:latin typeface="Consolas" panose="020B0609020204030204" pitchFamily="49" charset="0"/>
+                <a:ea typeface="Nanum Gothic" charset="-127"/>
+                <a:cs typeface="Consolas" panose="020B0609020204030204" pitchFamily="49" charset="0"/>
+              </a:rPr>
+              <a:t> </a:t>
+            </a:r>
+            <a:r>
+              <a:rPr kumimoji="1" lang="en-US" altLang="ko-KR" sz="1200" dirty="0" err="1">
+                <a:solidFill>
+                  <a:schemeClr val="tx1">
+                    <a:lumMod val="50000"/>
+                    <a:lumOff val="50000"/>
+                  </a:schemeClr>
+                </a:solidFill>
+                <a:latin typeface="Consolas" panose="020B0609020204030204" pitchFamily="49" charset="0"/>
+                <a:ea typeface="Nanum Gothic" charset="-127"/>
+                <a:cs typeface="Consolas" panose="020B0609020204030204" pitchFamily="49" charset="0"/>
+              </a:rPr>
+              <a:t>fn</a:t>
+            </a:r>
+            <a:r>
+              <a:rPr kumimoji="1" lang="en-US" altLang="ko-KR" sz="1200" dirty="0">
+                <a:solidFill>
+                  <a:schemeClr val="tx1">
+                    <a:lumMod val="50000"/>
+                    <a:lumOff val="50000"/>
+                  </a:schemeClr>
+                </a:solidFill>
+                <a:latin typeface="Consolas" panose="020B0609020204030204" pitchFamily="49" charset="0"/>
+                <a:ea typeface="Nanum Gothic" charset="-127"/>
+                <a:cs typeface="Consolas" panose="020B0609020204030204" pitchFamily="49" charset="0"/>
+              </a:rPr>
+              <a:t> = new Function(“x”, “y”, “return x + y;”);</a:t>
+            </a:r>
+          </a:p>
+        </p:txBody>
+      </p:sp>
+      <p:sp>
+        <p:nvSpPr>
+          <p:cNvPr id="9" name="TextBox 6">
+            <a:extLst>
+              <a:ext uri="{FF2B5EF4-FFF2-40B4-BE49-F238E27FC236}">
+                <a16:creationId xmlns:a16="http://schemas.microsoft.com/office/drawing/2014/main" id="{FF918BCE-6F97-434A-B3A2-439095FDE56D}"/>
+              </a:ext>
+            </a:extLst>
+          </p:cNvPr>
+          <p:cNvSpPr txBox="1"/>
+          <p:nvPr/>
+        </p:nvSpPr>
+        <p:spPr>
+          <a:xfrm>
+            <a:off x="557028" y="1412857"/>
+            <a:ext cx="5484322" cy="1384995"/>
+          </a:xfrm>
+          <a:prstGeom prst="rect">
+            <a:avLst/>
+          </a:prstGeom>
+          <a:noFill/>
+        </p:spPr>
+        <p:txBody>
+          <a:bodyPr wrap="none" rtlCol="0">
+            <a:spAutoFit/>
+          </a:bodyPr>
+          <a:lstStyle/>
+          <a:p>
+            <a:pPr>
+              <a:lnSpc>
+                <a:spcPct val="120000"/>
+              </a:lnSpc>
+            </a:pPr>
+            <a:r>
+              <a:rPr kumimoji="1" lang="ko-KR" altLang="en-US" sz="1400" dirty="0">
+                <a:solidFill>
+                  <a:schemeClr val="tx1">
+                    <a:lumMod val="75000"/>
+                    <a:lumOff val="25000"/>
+                  </a:schemeClr>
+                </a:solidFill>
+                <a:latin typeface="Nanum Gothic" charset="-127"/>
+                <a:ea typeface="Nanum Gothic" charset="-127"/>
+                <a:cs typeface="Nanum Gothic" charset="-127"/>
+              </a:rPr>
+              <a:t>위의 두 코드는 </a:t>
+            </a:r>
+            <a:r>
+              <a:rPr kumimoji="1" lang="ko-KR" altLang="en-US" sz="1400" u="sng" dirty="0">
+                <a:solidFill>
+                  <a:schemeClr val="tx1">
+                    <a:lumMod val="75000"/>
+                    <a:lumOff val="25000"/>
+                  </a:schemeClr>
+                </a:solidFill>
+                <a:latin typeface="Nanum Gothic" charset="-127"/>
+                <a:ea typeface="Nanum Gothic" charset="-127"/>
+                <a:cs typeface="Nanum Gothic" charset="-127"/>
+              </a:rPr>
+              <a:t>거의</a:t>
+            </a:r>
+            <a:r>
+              <a:rPr kumimoji="1" lang="ko-KR" altLang="en-US" sz="1400" dirty="0">
+                <a:solidFill>
+                  <a:schemeClr val="tx1">
+                    <a:lumMod val="75000"/>
+                    <a:lumOff val="25000"/>
+                  </a:schemeClr>
+                </a:solidFill>
+                <a:latin typeface="Nanum Gothic" charset="-127"/>
+                <a:ea typeface="Nanum Gothic" charset="-127"/>
+                <a:cs typeface="Nanum Gothic" charset="-127"/>
+              </a:rPr>
+              <a:t> 같은 동작을 한다</a:t>
+            </a:r>
+            <a:r>
+              <a:rPr kumimoji="1" lang="en-US" altLang="ko-KR" sz="1400" dirty="0">
+                <a:solidFill>
+                  <a:schemeClr val="tx1">
+                    <a:lumMod val="75000"/>
+                    <a:lumOff val="25000"/>
+                  </a:schemeClr>
+                </a:solidFill>
+                <a:latin typeface="Nanum Gothic" charset="-127"/>
+                <a:ea typeface="Nanum Gothic" charset="-127"/>
+                <a:cs typeface="Nanum Gothic" charset="-127"/>
+              </a:rPr>
+              <a:t>.</a:t>
+            </a:r>
+          </a:p>
+          <a:p>
+            <a:pPr>
+              <a:lnSpc>
+                <a:spcPct val="120000"/>
+              </a:lnSpc>
+            </a:pPr>
+            <a:r>
+              <a:rPr kumimoji="1" lang="en-US" altLang="ko-KR" sz="1400" dirty="0">
+                <a:solidFill>
+                  <a:schemeClr val="tx1">
+                    <a:lumMod val="75000"/>
+                    <a:lumOff val="25000"/>
+                  </a:schemeClr>
+                </a:solidFill>
+                <a:latin typeface="Nanum Gothic" charset="-127"/>
+                <a:ea typeface="Nanum Gothic" charset="-127"/>
+                <a:cs typeface="Nanum Gothic" charset="-127"/>
+              </a:rPr>
+              <a:t>Function()</a:t>
+            </a:r>
+            <a:r>
+              <a:rPr kumimoji="1" lang="ko-KR" altLang="en-US" sz="1400" dirty="0">
+                <a:solidFill>
+                  <a:schemeClr val="tx1">
+                    <a:lumMod val="75000"/>
+                    <a:lumOff val="25000"/>
+                  </a:schemeClr>
+                </a:solidFill>
+                <a:latin typeface="Nanum Gothic" charset="-127"/>
+                <a:ea typeface="Nanum Gothic" charset="-127"/>
+                <a:cs typeface="Nanum Gothic" charset="-127"/>
+              </a:rPr>
+              <a:t> 생성자를 통해 우리는 함수를 동적으로 생성해낼 수 있다</a:t>
+            </a:r>
+            <a:r>
+              <a:rPr kumimoji="1" lang="en-US" altLang="ko-KR" sz="1400" dirty="0">
+                <a:solidFill>
+                  <a:schemeClr val="tx1">
+                    <a:lumMod val="75000"/>
+                    <a:lumOff val="25000"/>
+                  </a:schemeClr>
+                </a:solidFill>
+                <a:latin typeface="Nanum Gothic" charset="-127"/>
+                <a:ea typeface="Nanum Gothic" charset="-127"/>
+                <a:cs typeface="Nanum Gothic" charset="-127"/>
+              </a:rPr>
+              <a:t>.</a:t>
+            </a:r>
+          </a:p>
+          <a:p>
+            <a:pPr>
+              <a:lnSpc>
+                <a:spcPct val="120000"/>
+              </a:lnSpc>
+            </a:pPr>
             <a:endParaRPr kumimoji="1" lang="en-US" altLang="ko-KR" sz="1400" dirty="0">
               <a:solidFill>
                 <a:schemeClr val="tx1">
@@ -8775,29 +9452,187 @@
               <a:cs typeface="Nanum Gothic" charset="-127"/>
             </a:endParaRPr>
           </a:p>
+          <a:p>
+            <a:pPr>
+              <a:lnSpc>
+                <a:spcPct val="120000"/>
+              </a:lnSpc>
+            </a:pPr>
+            <a:r>
+              <a:rPr kumimoji="1" lang="ko-KR" altLang="en-US" sz="1400" dirty="0">
+                <a:solidFill>
+                  <a:schemeClr val="tx1">
+                    <a:lumMod val="75000"/>
+                    <a:lumOff val="25000"/>
+                  </a:schemeClr>
+                </a:solidFill>
+                <a:latin typeface="Nanum Gothic" charset="-127"/>
+                <a:ea typeface="Nanum Gothic" charset="-127"/>
+                <a:cs typeface="Nanum Gothic" charset="-127"/>
+              </a:rPr>
+              <a:t>단</a:t>
+            </a:r>
+            <a:r>
+              <a:rPr kumimoji="1" lang="en-US" altLang="ko-KR" sz="1400" dirty="0">
+                <a:solidFill>
+                  <a:schemeClr val="tx1">
+                    <a:lumMod val="75000"/>
+                    <a:lumOff val="25000"/>
+                  </a:schemeClr>
+                </a:solidFill>
+                <a:latin typeface="Nanum Gothic" charset="-127"/>
+                <a:ea typeface="Nanum Gothic" charset="-127"/>
+                <a:cs typeface="Nanum Gothic" charset="-127"/>
+              </a:rPr>
+              <a:t>,</a:t>
+            </a:r>
+            <a:r>
+              <a:rPr kumimoji="1" lang="ko-KR" altLang="en-US" sz="1400" dirty="0">
+                <a:solidFill>
+                  <a:schemeClr val="tx1">
+                    <a:lumMod val="75000"/>
+                    <a:lumOff val="25000"/>
+                  </a:schemeClr>
+                </a:solidFill>
+                <a:latin typeface="Nanum Gothic" charset="-127"/>
+                <a:ea typeface="Nanum Gothic" charset="-127"/>
+                <a:cs typeface="Nanum Gothic" charset="-127"/>
+              </a:rPr>
+              <a:t> 유의해야할 중요한 부분은 생성자 함수를 이용한 방법은</a:t>
+            </a:r>
+            <a:endParaRPr kumimoji="1" lang="en-US" altLang="ko-KR" sz="1400" dirty="0">
+              <a:solidFill>
+                <a:schemeClr val="tx1">
+                  <a:lumMod val="75000"/>
+                  <a:lumOff val="25000"/>
+                </a:schemeClr>
+              </a:solidFill>
+              <a:latin typeface="Nanum Gothic" charset="-127"/>
+              <a:ea typeface="Nanum Gothic" charset="-127"/>
+              <a:cs typeface="Nanum Gothic" charset="-127"/>
+            </a:endParaRPr>
+          </a:p>
+          <a:p>
+            <a:pPr>
+              <a:lnSpc>
+                <a:spcPct val="120000"/>
+              </a:lnSpc>
+            </a:pPr>
+            <a:r>
+              <a:rPr kumimoji="1" lang="ko-KR" altLang="en-US" sz="1400" u="sng" dirty="0">
+                <a:solidFill>
+                  <a:schemeClr val="tx1">
+                    <a:lumMod val="75000"/>
+                    <a:lumOff val="25000"/>
+                  </a:schemeClr>
+                </a:solidFill>
+                <a:latin typeface="Nanum Gothic" charset="-127"/>
+                <a:ea typeface="Nanum Gothic" charset="-127"/>
+                <a:cs typeface="Nanum Gothic" charset="-127"/>
+              </a:rPr>
+              <a:t>언제나 최상위 레벨의 </a:t>
+            </a:r>
+            <a:r>
+              <a:rPr kumimoji="1" lang="en-US" altLang="ko-KR" sz="1400" u="sng" dirty="0">
+                <a:solidFill>
+                  <a:schemeClr val="tx1">
+                    <a:lumMod val="75000"/>
+                    <a:lumOff val="25000"/>
+                  </a:schemeClr>
+                </a:solidFill>
+                <a:latin typeface="Nanum Gothic" charset="-127"/>
+                <a:ea typeface="Nanum Gothic" charset="-127"/>
+                <a:cs typeface="Nanum Gothic" charset="-127"/>
+              </a:rPr>
+              <a:t>scope(</a:t>
+            </a:r>
+            <a:r>
+              <a:rPr kumimoji="1" lang="ko-KR" altLang="en-US" sz="1400" u="sng" dirty="0">
+                <a:solidFill>
+                  <a:schemeClr val="tx1">
+                    <a:lumMod val="75000"/>
+                    <a:lumOff val="25000"/>
+                  </a:schemeClr>
+                </a:solidFill>
+                <a:latin typeface="Nanum Gothic" charset="-127"/>
+                <a:ea typeface="Nanum Gothic" charset="-127"/>
+                <a:cs typeface="Nanum Gothic" charset="-127"/>
+              </a:rPr>
+              <a:t>전역</a:t>
+            </a:r>
+            <a:r>
+              <a:rPr kumimoji="1" lang="en-US" altLang="ko-KR" sz="1400" u="sng" dirty="0">
+                <a:solidFill>
+                  <a:schemeClr val="tx1">
+                    <a:lumMod val="75000"/>
+                    <a:lumOff val="25000"/>
+                  </a:schemeClr>
+                </a:solidFill>
+                <a:latin typeface="Nanum Gothic" charset="-127"/>
+                <a:ea typeface="Nanum Gothic" charset="-127"/>
+                <a:cs typeface="Nanum Gothic" charset="-127"/>
+              </a:rPr>
+              <a:t>)</a:t>
+            </a:r>
+            <a:r>
+              <a:rPr kumimoji="1" lang="ko-KR" altLang="en-US" sz="1400" u="sng" dirty="0">
+                <a:solidFill>
+                  <a:schemeClr val="tx1">
+                    <a:lumMod val="75000"/>
+                    <a:lumOff val="25000"/>
+                  </a:schemeClr>
+                </a:solidFill>
+                <a:latin typeface="Nanum Gothic" charset="-127"/>
+                <a:ea typeface="Nanum Gothic" charset="-127"/>
+                <a:cs typeface="Nanum Gothic" charset="-127"/>
+              </a:rPr>
+              <a:t>를 가진 함수</a:t>
+            </a:r>
+            <a:r>
+              <a:rPr kumimoji="1" lang="ko-KR" altLang="en-US" sz="1400" dirty="0">
+                <a:solidFill>
+                  <a:schemeClr val="tx1">
+                    <a:lumMod val="75000"/>
+                    <a:lumOff val="25000"/>
+                  </a:schemeClr>
+                </a:solidFill>
+                <a:latin typeface="Nanum Gothic" charset="-127"/>
+                <a:ea typeface="Nanum Gothic" charset="-127"/>
+                <a:cs typeface="Nanum Gothic" charset="-127"/>
+              </a:rPr>
+              <a:t>로 생성된다는 것이다</a:t>
+            </a:r>
+            <a:r>
+              <a:rPr kumimoji="1" lang="en-US" altLang="ko-KR" sz="1400" dirty="0">
+                <a:solidFill>
+                  <a:schemeClr val="tx1">
+                    <a:lumMod val="75000"/>
+                    <a:lumOff val="25000"/>
+                  </a:schemeClr>
+                </a:solidFill>
+                <a:latin typeface="Nanum Gothic" charset="-127"/>
+                <a:ea typeface="Nanum Gothic" charset="-127"/>
+                <a:cs typeface="Nanum Gothic" charset="-127"/>
+              </a:rPr>
+              <a:t>.</a:t>
+            </a:r>
+          </a:p>
         </p:txBody>
       </p:sp>
     </p:spTree>
     <p:extLst>
       <p:ext uri="{BB962C8B-B14F-4D97-AF65-F5344CB8AC3E}">
-        <p14:creationId xmlns:p14="http://schemas.microsoft.com/office/powerpoint/2010/main" val="1715436146"/>
+        <p14:creationId xmlns:p14="http://schemas.microsoft.com/office/powerpoint/2010/main" val="2470327605"/>
       </p:ext>
     </p:extLst>
   </p:cSld>
   <p:clrMapOvr>
     <a:masterClrMapping/>
   </p:clrMapOvr>
-  <p:timing>
-    <p:tnLst>
-      <p:par>
-        <p:cTn id="1" dur="indefinite" restart="never" nodeType="tmRoot"/>
-      </p:par>
-    </p:tnLst>
-  </p:timing>
 </p:sld>
 </file>
 
-<file path=ppt/slides/slide2.xml><?xml version="1.0" encoding="utf-8"?>
+<file path=ppt/slides/slide14.xml><?xml version="1.0" encoding="utf-8"?>
 <p:sld xmlns:a="http://schemas.openxmlformats.org/drawingml/2006/main" xmlns:r="http://schemas.openxmlformats.org/officeDocument/2006/relationships" xmlns:p="http://schemas.openxmlformats.org/presentationml/2006/main">
   <p:cSld>
     <p:spTree>
@@ -8896,7 +9731,7 @@
                 <a:ea typeface="Nanum Gothic" charset="-127"/>
                 <a:cs typeface="Nanum Gothic" charset="-127"/>
               </a:rPr>
-              <a:t>1.</a:t>
+              <a:t>2.</a:t>
             </a:r>
             <a:r>
               <a:rPr lang="ko-KR" altLang="en-US" sz="2000" b="1" dirty="0">
@@ -8907,27 +9742,8 @@
                 <a:ea typeface="Nanum Gothic" charset="-127"/>
                 <a:cs typeface="Nanum Gothic" charset="-127"/>
               </a:rPr>
-              <a:t> 자바스크립트 함수는 어떻게 동작하는가</a:t>
-            </a:r>
-            <a:r>
-              <a:rPr lang="en-US" altLang="ko-KR" sz="2000" b="1" dirty="0">
-                <a:solidFill>
-                  <a:schemeClr val="bg1"/>
-                </a:solidFill>
-                <a:latin typeface="Nanum Gothic" charset="-127"/>
-                <a:ea typeface="Nanum Gothic" charset="-127"/>
-                <a:cs typeface="Nanum Gothic" charset="-127"/>
-              </a:rPr>
-              <a:t>?</a:t>
-            </a:r>
-            <a:endParaRPr lang="ko-KR" altLang="en-US" sz="2000" b="1" dirty="0">
-              <a:solidFill>
-                <a:schemeClr val="bg1"/>
-              </a:solidFill>
-              <a:latin typeface="Nanum Gothic" charset="-127"/>
-              <a:ea typeface="Nanum Gothic" charset="-127"/>
-              <a:cs typeface="Nanum Gothic" charset="-127"/>
-            </a:endParaRPr>
+              <a:t> 자바스크립트 함수 활용하기</a:t>
+            </a:r>
           </a:p>
         </p:txBody>
       </p:sp>
@@ -8936,7 +9752,7 @@
           <p:cNvPr id="10" name="제목 1">
             <a:extLst>
               <a:ext uri="{FF2B5EF4-FFF2-40B4-BE49-F238E27FC236}">
-                <a16:creationId xmlns:a16="http://schemas.microsoft.com/office/drawing/2014/main" xmlns="" id="{0E498A0E-6AFE-5542-9539-8A498B955B52}"/>
+                <a16:creationId xmlns:a16="http://schemas.microsoft.com/office/drawing/2014/main" id="{0E498A0E-6AFE-5542-9539-8A498B955B52}"/>
               </a:ext>
             </a:extLst>
           </p:cNvPr>
@@ -8985,7 +9801,7 @@
                 <a:ea typeface="Nanum Gothic" charset="-127"/>
                 <a:cs typeface="Nanum Gothic" charset="-127"/>
               </a:rPr>
-              <a:t>실행 컨텍스트와 활성객체</a:t>
+              <a:t>클로저</a:t>
             </a:r>
           </a:p>
         </p:txBody>
@@ -8995,7 +9811,7 @@
           <p:cNvPr id="11" name="제목 1">
             <a:extLst>
               <a:ext uri="{FF2B5EF4-FFF2-40B4-BE49-F238E27FC236}">
-                <a16:creationId xmlns:a16="http://schemas.microsoft.com/office/drawing/2014/main" xmlns="" id="{5B58744F-7323-0447-9907-AAC6C937C11E}"/>
+                <a16:creationId xmlns:a16="http://schemas.microsoft.com/office/drawing/2014/main" id="{5B58744F-7323-0447-9907-AAC6C937C11E}"/>
               </a:ext>
             </a:extLst>
           </p:cNvPr>
@@ -9051,7 +9867,7 @@
           <p:cNvPr id="12" name="제목 1">
             <a:extLst>
               <a:ext uri="{FF2B5EF4-FFF2-40B4-BE49-F238E27FC236}">
-                <a16:creationId xmlns:a16="http://schemas.microsoft.com/office/drawing/2014/main" xmlns="" id="{9C9DDEE2-EC18-E145-A856-D3D5409C57E6}"/>
+                <a16:creationId xmlns:a16="http://schemas.microsoft.com/office/drawing/2014/main" id="{9C9DDEE2-EC18-E145-A856-D3D5409C57E6}"/>
               </a:ext>
             </a:extLst>
           </p:cNvPr>
@@ -9092,7 +9908,7 @@
           <a:p>
             <a:pPr algn="r"/>
             <a:r>
-              <a:rPr lang="en-US" altLang="ko-KR" sz="1600" dirty="0" smtClean="0">
+              <a:rPr lang="ko-KR" altLang="en-US" sz="1600" dirty="0">
                 <a:solidFill>
                   <a:schemeClr val="bg1"/>
                 </a:solidFill>
@@ -9100,38 +9916,8 @@
                 <a:ea typeface="Nanum Gothic" charset="-127"/>
                 <a:cs typeface="Nanum Gothic" charset="-127"/>
               </a:rPr>
-              <a:t>scope</a:t>
-            </a:r>
-            <a:r>
-              <a:rPr lang="en-US" altLang="ko-KR" sz="1600" dirty="0" smtClean="0">
-                <a:solidFill>
-                  <a:schemeClr val="bg1"/>
-                </a:solidFill>
-                <a:latin typeface="Nanum Gothic" charset="-127"/>
-                <a:ea typeface="Nanum Gothic" charset="-127"/>
-                <a:cs typeface="Nanum Gothic" charset="-127"/>
-              </a:rPr>
-              <a:t> </a:t>
-            </a:r>
-            <a:r>
-              <a:rPr lang="ko-KR" altLang="en-US" sz="1600" dirty="0" smtClean="0">
-                <a:solidFill>
-                  <a:schemeClr val="bg1"/>
-                </a:solidFill>
-                <a:latin typeface="Nanum Gothic" charset="-127"/>
-                <a:ea typeface="Nanum Gothic" charset="-127"/>
-                <a:cs typeface="Nanum Gothic" charset="-127"/>
-              </a:rPr>
-              <a:t>체이닝</a:t>
-            </a:r>
-            <a:endParaRPr lang="ko-KR" altLang="en-US" sz="1600" dirty="0">
-              <a:solidFill>
-                <a:schemeClr val="bg1"/>
-              </a:solidFill>
-              <a:latin typeface="Nanum Gothic" charset="-127"/>
-              <a:ea typeface="Nanum Gothic" charset="-127"/>
-              <a:cs typeface="Nanum Gothic" charset="-127"/>
-            </a:endParaRPr>
+              <a:t>함수형 프로그래밍</a:t>
+            </a:r>
           </a:p>
         </p:txBody>
       </p:sp>
@@ -9140,7 +9926,7 @@
           <p:cNvPr id="7" name="제목 1">
             <a:extLst>
               <a:ext uri="{FF2B5EF4-FFF2-40B4-BE49-F238E27FC236}">
-                <a16:creationId xmlns:a16="http://schemas.microsoft.com/office/drawing/2014/main" xmlns="" id="{9C9DDEE2-EC18-E145-A856-D3D5409C57E6}"/>
+                <a16:creationId xmlns:a16="http://schemas.microsoft.com/office/drawing/2014/main" id="{9346C264-0E4E-3641-9A07-7D619DB334A1}"/>
               </a:ext>
             </a:extLst>
           </p:cNvPr>
@@ -9151,7 +9937,7 @@
         </p:nvSpPr>
         <p:spPr>
           <a:xfrm>
-            <a:off x="3491882" y="4150450"/>
+            <a:off x="3496060" y="4150450"/>
             <a:ext cx="5181947" cy="324000"/>
           </a:xfrm>
           <a:prstGeom prst="rect">
@@ -9181,7 +9967,7 @@
           <a:p>
             <a:pPr algn="r"/>
             <a:r>
-              <a:rPr lang="en-US" altLang="ko-KR" sz="1600" dirty="0">
+              <a:rPr lang="ko-KR" altLang="en-US" sz="1600" dirty="0">
                 <a:solidFill>
                   <a:schemeClr val="bg1"/>
                 </a:solidFill>
@@ -9189,18 +9975,7 @@
                 <a:ea typeface="Nanum Gothic" charset="-127"/>
                 <a:cs typeface="Nanum Gothic" charset="-127"/>
               </a:rPr>
-              <a:t>this </a:t>
-            </a:r>
-            <a:r>
-              <a:rPr lang="ko-KR" altLang="en-US" sz="1600" dirty="0">
-                <a:solidFill>
-                  <a:schemeClr val="bg1"/>
-                </a:solidFill>
-                <a:latin typeface="Nanum Gothic" charset="-127"/>
-                <a:ea typeface="Nanum Gothic" charset="-127"/>
-                <a:cs typeface="Nanum Gothic" charset="-127"/>
-              </a:rPr>
-              <a:t>바인딩</a:t>
+              <a:t>메모이제이션</a:t>
             </a:r>
           </a:p>
         </p:txBody>
@@ -9208,24 +9983,17 @@
     </p:spTree>
     <p:extLst>
       <p:ext uri="{BB962C8B-B14F-4D97-AF65-F5344CB8AC3E}">
-        <p14:creationId xmlns:p14="http://schemas.microsoft.com/office/powerpoint/2010/main" val="3615591332"/>
+        <p14:creationId xmlns:p14="http://schemas.microsoft.com/office/powerpoint/2010/main" val="3683818383"/>
       </p:ext>
     </p:extLst>
   </p:cSld>
   <p:clrMapOvr>
     <a:masterClrMapping/>
   </p:clrMapOvr>
-  <p:timing>
-    <p:tnLst>
-      <p:par>
-        <p:cTn id="1" dur="indefinite" restart="never" nodeType="tmRoot"/>
-      </p:par>
-    </p:tnLst>
-  </p:timing>
 </p:sld>
 </file>
 
-<file path=ppt/slides/slide3.xml><?xml version="1.0" encoding="utf-8"?>
+<file path=ppt/slides/slide15.xml><?xml version="1.0" encoding="utf-8"?>
 <p:sld xmlns:a="http://schemas.openxmlformats.org/drawingml/2006/main" xmlns:r="http://schemas.openxmlformats.org/officeDocument/2006/relationships" xmlns:p="http://schemas.openxmlformats.org/presentationml/2006/main">
   <p:cSld>
     <p:spTree>
@@ -9255,7 +10023,7 @@
         <p:spPr>
           <a:xfrm>
             <a:off x="395536" y="199006"/>
-            <a:ext cx="5616624" cy="421682"/>
+            <a:ext cx="4752528" cy="421682"/>
           </a:xfrm>
         </p:spPr>
         <p:txBody>
@@ -9274,7 +10042,7 @@
                 <a:ea typeface="Nanum Gothic" charset="-127"/>
                 <a:cs typeface="Nanum Gothic" charset="-127"/>
               </a:rPr>
-              <a:t>실행 컨텍스트와 활성객체</a:t>
+              <a:t>클로저</a:t>
             </a:r>
           </a:p>
         </p:txBody>
@@ -9331,10 +10099,10 @@
       </p:sp>
       <p:sp>
         <p:nvSpPr>
-          <p:cNvPr id="10" name="TextBox 6">
+          <p:cNvPr id="14" name="TextBox 6">
             <a:extLst>
               <a:ext uri="{FF2B5EF4-FFF2-40B4-BE49-F238E27FC236}">
-                <a16:creationId xmlns:a16="http://schemas.microsoft.com/office/drawing/2014/main" xmlns="" id="{6D527928-482C-E943-BBFB-D3D1130C192A}"/>
+                <a16:creationId xmlns:a16="http://schemas.microsoft.com/office/drawing/2014/main" id="{15972864-CA74-2A4E-8C86-22B579E92837}"/>
               </a:ext>
             </a:extLst>
           </p:cNvPr>
@@ -9343,8 +10111,8 @@
         </p:nvSpPr>
         <p:spPr>
           <a:xfrm>
-            <a:off x="550896" y="870596"/>
-            <a:ext cx="1396536" cy="338554"/>
+            <a:off x="421891" y="865539"/>
+            <a:ext cx="8470589" cy="2160591"/>
           </a:xfrm>
           <a:prstGeom prst="rect">
             <a:avLst/>
@@ -9357,119 +10125,66 @@
           </a:bodyPr>
           <a:lstStyle/>
           <a:p>
-            <a:r>
-              <a:rPr kumimoji="1" lang="ko-KR" altLang="en-US" sz="1600" b="1" dirty="0" smtClean="0">
-                <a:solidFill>
-                  <a:schemeClr val="accent6">
-                    <a:lumMod val="50000"/>
-                  </a:schemeClr>
-                </a:solidFill>
-                <a:latin typeface="Nanum Gothic" charset="-127"/>
-                <a:ea typeface="Nanum Gothic" charset="-127"/>
-                <a:cs typeface="Nanum Gothic" charset="-127"/>
-              </a:rPr>
-              <a:t>실행 컨텍스트</a:t>
-            </a:r>
-            <a:endParaRPr kumimoji="1" lang="en-US" altLang="ko-KR" sz="1600" b="1" dirty="0">
-              <a:solidFill>
-                <a:schemeClr val="accent6">
-                  <a:lumMod val="50000"/>
-                </a:schemeClr>
-              </a:solidFill>
-              <a:latin typeface="Nanum Gothic" charset="-127"/>
-              <a:ea typeface="Nanum Gothic" charset="-127"/>
-              <a:cs typeface="Nanum Gothic" charset="-127"/>
-            </a:endParaRPr>
-          </a:p>
-        </p:txBody>
-      </p:sp>
-      <p:sp>
-        <p:nvSpPr>
-          <p:cNvPr id="11" name="TextBox 6">
-            <a:extLst>
-              <a:ext uri="{FF2B5EF4-FFF2-40B4-BE49-F238E27FC236}">
-                <a16:creationId xmlns:a16="http://schemas.microsoft.com/office/drawing/2014/main" xmlns="" id="{FF918BCE-6F97-434A-B3A2-439095FDE56D}"/>
-              </a:ext>
-            </a:extLst>
-          </p:cNvPr>
-          <p:cNvSpPr txBox="1"/>
-          <p:nvPr/>
-        </p:nvSpPr>
-        <p:spPr>
-          <a:xfrm>
-            <a:off x="550896" y="1209150"/>
-            <a:ext cx="7907934" cy="1643527"/>
-          </a:xfrm>
-          <a:prstGeom prst="rect">
-            <a:avLst/>
-          </a:prstGeom>
-          <a:noFill/>
-        </p:spPr>
-        <p:txBody>
-          <a:bodyPr wrap="none" rtlCol="0">
-            <a:spAutoFit/>
-          </a:bodyPr>
-          <a:lstStyle/>
-          <a:p>
             <a:pPr>
               <a:lnSpc>
                 <a:spcPct val="120000"/>
               </a:lnSpc>
             </a:pPr>
             <a:r>
-              <a:rPr kumimoji="1" lang="ko-KR" altLang="en-US" sz="1400" u="sng" dirty="0" smtClean="0">
-                <a:solidFill>
-                  <a:schemeClr val="tx1">
-                    <a:lumMod val="75000"/>
-                    <a:lumOff val="25000"/>
-                  </a:schemeClr>
-                </a:solidFill>
-                <a:latin typeface="Nanum Gothic" charset="-127"/>
-                <a:ea typeface="Nanum Gothic" charset="-127"/>
-                <a:cs typeface="Nanum Gothic" charset="-127"/>
-              </a:rPr>
-              <a:t>자바스크립트 코드 블록이 실행되는 </a:t>
-            </a:r>
-            <a:r>
-              <a:rPr kumimoji="1" lang="ko-KR" altLang="en-US" sz="1400" b="1" u="sng" dirty="0" smtClean="0">
-                <a:solidFill>
-                  <a:schemeClr val="tx2">
-                    <a:lumMod val="50000"/>
-                  </a:schemeClr>
-                </a:solidFill>
-                <a:latin typeface="Nanum Gothic" charset="-127"/>
-                <a:ea typeface="Nanum Gothic" charset="-127"/>
-                <a:cs typeface="Nanum Gothic" charset="-127"/>
-              </a:rPr>
-              <a:t>환경</a:t>
-            </a:r>
-            <a:r>
-              <a:rPr kumimoji="1" lang="ko-KR" altLang="en-US" sz="1400" dirty="0" smtClean="0">
-                <a:solidFill>
-                  <a:schemeClr val="tx1">
-                    <a:lumMod val="75000"/>
-                    <a:lumOff val="25000"/>
-                  </a:schemeClr>
-                </a:solidFill>
-                <a:latin typeface="Nanum Gothic" charset="-127"/>
-                <a:ea typeface="Nanum Gothic" charset="-127"/>
-                <a:cs typeface="Nanum Gothic" charset="-127"/>
-              </a:rPr>
-              <a:t> 을 뜻한다</a:t>
-            </a:r>
-            <a:r>
-              <a:rPr kumimoji="1" lang="en-US" altLang="ko-KR" sz="1400" dirty="0" smtClean="0">
-                <a:solidFill>
-                  <a:schemeClr val="tx1">
-                    <a:lumMod val="75000"/>
-                    <a:lumOff val="25000"/>
-                  </a:schemeClr>
-                </a:solidFill>
-                <a:latin typeface="Nanum Gothic" charset="-127"/>
-                <a:ea typeface="Nanum Gothic" charset="-127"/>
-                <a:cs typeface="Nanum Gothic" charset="-127"/>
-              </a:rPr>
-              <a:t>. </a:t>
+              <a:rPr kumimoji="1" lang="ko-KR" altLang="en-US" sz="1400" dirty="0">
+                <a:solidFill>
+                  <a:schemeClr val="tx1">
+                    <a:lumMod val="75000"/>
+                    <a:lumOff val="25000"/>
+                  </a:schemeClr>
+                </a:solidFill>
+                <a:latin typeface="Nanum Gothic" charset="-127"/>
+                <a:ea typeface="Nanum Gothic" charset="-127"/>
+                <a:cs typeface="Nanum Gothic" charset="-127"/>
+              </a:rPr>
+              <a:t>일반적인 컴퓨터과학에서 클로저</a:t>
+            </a:r>
+            <a:r>
+              <a:rPr kumimoji="1" lang="en-US" altLang="ko-KR" sz="1400" dirty="0">
+                <a:solidFill>
+                  <a:schemeClr val="tx1">
+                    <a:lumMod val="75000"/>
+                    <a:lumOff val="25000"/>
+                  </a:schemeClr>
+                </a:solidFill>
+                <a:latin typeface="Nanum Gothic" charset="-127"/>
+                <a:ea typeface="Nanum Gothic" charset="-127"/>
+                <a:cs typeface="Nanum Gothic" charset="-127"/>
+              </a:rPr>
+              <a:t>(Closure)</a:t>
+            </a:r>
+            <a:r>
+              <a:rPr kumimoji="1" lang="ko-KR" altLang="en-US" sz="1400" dirty="0">
+                <a:solidFill>
+                  <a:schemeClr val="tx1">
+                    <a:lumMod val="75000"/>
+                    <a:lumOff val="25000"/>
+                  </a:schemeClr>
+                </a:solidFill>
+                <a:latin typeface="Nanum Gothic" charset="-127"/>
+                <a:ea typeface="Nanum Gothic" charset="-127"/>
+                <a:cs typeface="Nanum Gothic" charset="-127"/>
+              </a:rPr>
+              <a:t>란 함수의 변수 유효범위를 뜻한다</a:t>
+            </a:r>
+            <a:r>
+              <a:rPr kumimoji="1" lang="en-US" altLang="ko-KR" sz="1400" dirty="0">
+                <a:solidFill>
+                  <a:schemeClr val="tx1">
+                    <a:lumMod val="75000"/>
+                    <a:lumOff val="25000"/>
+                  </a:schemeClr>
+                </a:solidFill>
+                <a:latin typeface="Nanum Gothic" charset="-127"/>
+                <a:ea typeface="Nanum Gothic" charset="-127"/>
+                <a:cs typeface="Nanum Gothic" charset="-127"/>
+              </a:rPr>
+              <a:t>.</a:t>
             </a:r>
           </a:p>
           <a:p>
@@ -9479,49 +10194,21 @@
               </a:lnSpc>
             </a:pPr>
             <a:r>
-              <a:rPr kumimoji="1" lang="ko-KR" altLang="en-US" sz="1400" dirty="0" smtClean="0">
-                <a:solidFill>
-                  <a:schemeClr val="tx1">
-                    <a:lumMod val="75000"/>
-                    <a:lumOff val="25000"/>
-                  </a:schemeClr>
-                </a:solidFill>
-                <a:latin typeface="Nanum Gothic" charset="-127"/>
-                <a:ea typeface="Nanum Gothic" charset="-127"/>
-                <a:cs typeface="Nanum Gothic" charset="-127"/>
-              </a:rPr>
-              <a:t>즉</a:t>
-            </a:r>
-            <a:r>
-              <a:rPr kumimoji="1" lang="en-US" altLang="ko-KR" sz="1400" dirty="0" smtClean="0">
-                <a:solidFill>
-                  <a:schemeClr val="tx1">
-                    <a:lumMod val="75000"/>
-                    <a:lumOff val="25000"/>
-                  </a:schemeClr>
-                </a:solidFill>
-                <a:latin typeface="Nanum Gothic" charset="-127"/>
-                <a:ea typeface="Nanum Gothic" charset="-127"/>
-                <a:cs typeface="Nanum Gothic" charset="-127"/>
-              </a:rPr>
-              <a:t>,</a:t>
-            </a:r>
-            <a:r>
-              <a:rPr kumimoji="1" lang="ko-KR" altLang="en-US" sz="1400" dirty="0" smtClean="0">
-                <a:solidFill>
-                  <a:schemeClr val="tx1">
-                    <a:lumMod val="75000"/>
-                    <a:lumOff val="25000"/>
-                  </a:schemeClr>
-                </a:solidFill>
-                <a:latin typeface="Nanum Gothic" charset="-127"/>
-                <a:ea typeface="Nanum Gothic" charset="-127"/>
-                <a:cs typeface="Nanum Gothic" charset="-127"/>
-              </a:rPr>
-              <a:t> 함수를 실행하는데 필요한 정보를 담고있다고 볼 수 있다</a:t>
-            </a:r>
-            <a:r>
-              <a:rPr kumimoji="1" lang="en-US" altLang="ko-KR" sz="1400" dirty="0" smtClean="0">
+              <a:rPr kumimoji="1" lang="ko-KR" altLang="en-US" sz="1400" dirty="0">
+                <a:solidFill>
+                  <a:schemeClr val="tx1">
+                    <a:lumMod val="75000"/>
+                    <a:lumOff val="25000"/>
+                  </a:schemeClr>
+                </a:solidFill>
+                <a:latin typeface="Nanum Gothic" charset="-127"/>
+                <a:ea typeface="Nanum Gothic" charset="-127"/>
+                <a:cs typeface="Nanum Gothic" charset="-127"/>
+              </a:rPr>
+              <a:t>자바스크립트 언어는 유효범위를 함수 단위로 갖기 때문에 모든 함수는 기술적으로 클로저라고 할 수 있다</a:t>
+            </a:r>
+            <a:r>
+              <a:rPr kumimoji="1" lang="en-US" altLang="ko-KR" sz="1400" dirty="0">
                 <a:solidFill>
                   <a:schemeClr val="tx1">
                     <a:lumMod val="75000"/>
@@ -9534,17 +10221,6 @@
               </a:rPr>
               <a:t>.</a:t>
             </a:r>
-            <a:endParaRPr kumimoji="1" lang="en-US" altLang="ko-KR" sz="1400" dirty="0" smtClean="0">
-              <a:solidFill>
-                <a:schemeClr val="tx1">
-                  <a:lumMod val="75000"/>
-                  <a:lumOff val="25000"/>
-                </a:schemeClr>
-              </a:solidFill>
-              <a:latin typeface="Nanum Gothic" charset="-127"/>
-              <a:ea typeface="Nanum Gothic" charset="-127"/>
-              <a:cs typeface="Nanum Gothic" charset="-127"/>
-            </a:endParaRPr>
           </a:p>
           <a:p>
             <a:pPr>
@@ -9571,35 +10247,63 @@
               </a:lnSpc>
             </a:pPr>
             <a:r>
-              <a:rPr kumimoji="1" lang="en-US" altLang="ko-KR" sz="1400" dirty="0" smtClean="0">
-                <a:solidFill>
-                  <a:schemeClr val="tx1">
-                    <a:lumMod val="75000"/>
-                    <a:lumOff val="25000"/>
-                  </a:schemeClr>
-                </a:solidFill>
-                <a:latin typeface="Nanum Gothic" charset="-127"/>
-                <a:ea typeface="Nanum Gothic" charset="-127"/>
-                <a:cs typeface="Nanum Gothic" charset="-127"/>
-              </a:rPr>
-              <a:t>ECMA Script</a:t>
-            </a:r>
-            <a:r>
-              <a:rPr kumimoji="1" lang="ko-KR" altLang="en-US" sz="1400" dirty="0" smtClean="0">
-                <a:solidFill>
-                  <a:schemeClr val="tx1">
-                    <a:lumMod val="75000"/>
-                    <a:lumOff val="25000"/>
-                  </a:schemeClr>
-                </a:solidFill>
-                <a:latin typeface="Nanum Gothic" charset="-127"/>
-                <a:ea typeface="Nanum Gothic" charset="-127"/>
-                <a:cs typeface="Nanum Gothic" charset="-127"/>
-              </a:rPr>
-              <a:t>에서는 실행 컨텍스트의 생성을 다음과 같이 정의한다</a:t>
-            </a:r>
-            <a:r>
-              <a:rPr kumimoji="1" lang="en-US" altLang="ko-KR" sz="1400" dirty="0" smtClean="0">
+              <a:rPr kumimoji="1" lang="ko-KR" altLang="en-US" sz="1400" dirty="0">
+                <a:solidFill>
+                  <a:schemeClr val="tx1">
+                    <a:lumMod val="75000"/>
+                    <a:lumOff val="25000"/>
+                  </a:schemeClr>
+                </a:solidFill>
+                <a:latin typeface="Nanum Gothic" charset="-127"/>
+                <a:ea typeface="Nanum Gothic" charset="-127"/>
+                <a:cs typeface="Nanum Gothic" charset="-127"/>
+              </a:rPr>
+              <a:t>일반적으로 클로저를 구현한다는 것은 </a:t>
+            </a:r>
+            <a:r>
+              <a:rPr kumimoji="1" lang="en-US" altLang="ko-KR" sz="1400" u="sng" dirty="0">
+                <a:solidFill>
+                  <a:schemeClr val="tx1">
+                    <a:lumMod val="75000"/>
+                    <a:lumOff val="25000"/>
+                  </a:schemeClr>
+                </a:solidFill>
+                <a:latin typeface="Nanum Gothic" charset="-127"/>
+                <a:ea typeface="Nanum Gothic" charset="-127"/>
+                <a:cs typeface="Nanum Gothic" charset="-127"/>
+              </a:rPr>
+              <a:t>scope </a:t>
+            </a:r>
+            <a:r>
+              <a:rPr kumimoji="1" lang="ko-KR" altLang="en-US" sz="1400" u="sng" dirty="0">
+                <a:solidFill>
+                  <a:schemeClr val="tx1">
+                    <a:lumMod val="75000"/>
+                    <a:lumOff val="25000"/>
+                  </a:schemeClr>
+                </a:solidFill>
+                <a:latin typeface="Nanum Gothic" charset="-127"/>
+                <a:ea typeface="Nanum Gothic" charset="-127"/>
+                <a:cs typeface="Nanum Gothic" charset="-127"/>
+              </a:rPr>
+              <a:t>체이닝의 원리를 이용해서 변수를 바인딩하는 것</a:t>
+            </a:r>
+            <a:r>
+              <a:rPr kumimoji="1" lang="ko-KR" altLang="en-US" sz="1400" dirty="0">
+                <a:solidFill>
+                  <a:schemeClr val="tx1">
+                    <a:lumMod val="75000"/>
+                    <a:lumOff val="25000"/>
+                  </a:schemeClr>
+                </a:solidFill>
+                <a:latin typeface="Nanum Gothic" charset="-127"/>
+                <a:ea typeface="Nanum Gothic" charset="-127"/>
+                <a:cs typeface="Nanum Gothic" charset="-127"/>
+              </a:rPr>
+              <a:t>을 뜻한다</a:t>
+            </a:r>
+            <a:r>
+              <a:rPr kumimoji="1" lang="en-US" altLang="ko-KR" sz="1400" dirty="0">
                 <a:solidFill>
                   <a:schemeClr val="tx1">
                     <a:lumMod val="75000"/>
@@ -9619,8 +10323,1825 @@
                 <a:spcPct val="120000"/>
               </a:lnSpc>
             </a:pPr>
-            <a:r>
-              <a:rPr kumimoji="1" lang="en-US" altLang="ko-KR" sz="1400" i="1" spc="300" dirty="0" smtClean="0">
+            <a:endParaRPr kumimoji="1" lang="en-US" altLang="ko-KR" sz="1400" dirty="0">
+              <a:solidFill>
+                <a:schemeClr val="tx1">
+                  <a:lumMod val="75000"/>
+                  <a:lumOff val="25000"/>
+                </a:schemeClr>
+              </a:solidFill>
+              <a:latin typeface="Nanum Gothic" charset="-127"/>
+              <a:ea typeface="Nanum Gothic" charset="-127"/>
+              <a:cs typeface="Nanum Gothic" charset="-127"/>
+            </a:endParaRPr>
+          </a:p>
+          <a:p>
+            <a:pPr>
+              <a:lnSpc>
+                <a:spcPct val="120000"/>
+              </a:lnSpc>
+            </a:pPr>
+            <a:r>
+              <a:rPr kumimoji="1" lang="ko-KR" altLang="en-US" sz="1400" dirty="0">
+                <a:solidFill>
+                  <a:schemeClr val="tx1">
+                    <a:lumMod val="75000"/>
+                    <a:lumOff val="25000"/>
+                  </a:schemeClr>
+                </a:solidFill>
+                <a:latin typeface="Nanum Gothic" charset="-127"/>
+                <a:ea typeface="Nanum Gothic" charset="-127"/>
+                <a:cs typeface="Nanum Gothic" charset="-127"/>
+              </a:rPr>
+              <a:t>클로저를 잘 활용하면 </a:t>
+            </a:r>
+            <a:r>
+              <a:rPr kumimoji="1" lang="en-US" altLang="ko-KR" sz="1400" dirty="0">
+                <a:solidFill>
+                  <a:schemeClr val="tx1">
+                    <a:lumMod val="75000"/>
+                    <a:lumOff val="25000"/>
+                  </a:schemeClr>
+                </a:solidFill>
+                <a:latin typeface="Nanum Gothic" charset="-127"/>
+                <a:ea typeface="Nanum Gothic" charset="-127"/>
+                <a:cs typeface="Nanum Gothic" charset="-127"/>
+              </a:rPr>
+              <a:t>private </a:t>
+            </a:r>
+            <a:r>
+              <a:rPr kumimoji="1" lang="ko-KR" altLang="en-US" sz="1400" dirty="0">
+                <a:solidFill>
+                  <a:schemeClr val="tx1">
+                    <a:lumMod val="75000"/>
+                    <a:lumOff val="25000"/>
+                  </a:schemeClr>
+                </a:solidFill>
+                <a:latin typeface="Nanum Gothic" charset="-127"/>
+                <a:ea typeface="Nanum Gothic" charset="-127"/>
+                <a:cs typeface="Nanum Gothic" charset="-127"/>
+              </a:rPr>
+              <a:t>변수와 같은 효과를 낼 수도 있다</a:t>
+            </a:r>
+            <a:r>
+              <a:rPr kumimoji="1" lang="en-US" altLang="ko-KR" sz="1400" dirty="0">
+                <a:solidFill>
+                  <a:schemeClr val="tx1">
+                    <a:lumMod val="75000"/>
+                    <a:lumOff val="25000"/>
+                  </a:schemeClr>
+                </a:solidFill>
+                <a:latin typeface="Nanum Gothic" charset="-127"/>
+                <a:ea typeface="Nanum Gothic" charset="-127"/>
+                <a:cs typeface="Nanum Gothic" charset="-127"/>
+              </a:rPr>
+              <a:t>.</a:t>
+            </a:r>
+          </a:p>
+          <a:p>
+            <a:pPr>
+              <a:lnSpc>
+                <a:spcPct val="120000"/>
+              </a:lnSpc>
+            </a:pPr>
+            <a:endParaRPr kumimoji="1" lang="en-US" altLang="ko-KR" sz="1400" dirty="0">
+              <a:solidFill>
+                <a:schemeClr val="tx1">
+                  <a:lumMod val="75000"/>
+                  <a:lumOff val="25000"/>
+                </a:schemeClr>
+              </a:solidFill>
+              <a:latin typeface="Nanum Gothic" charset="-127"/>
+              <a:ea typeface="Nanum Gothic" charset="-127"/>
+              <a:cs typeface="Nanum Gothic" charset="-127"/>
+            </a:endParaRPr>
+          </a:p>
+          <a:p>
+            <a:pPr>
+              <a:lnSpc>
+                <a:spcPct val="120000"/>
+              </a:lnSpc>
+            </a:pPr>
+            <a:r>
+              <a:rPr kumimoji="1" lang="ko-KR" altLang="en-US" sz="1400" dirty="0">
+                <a:solidFill>
+                  <a:schemeClr val="tx1">
+                    <a:lumMod val="75000"/>
+                    <a:lumOff val="25000"/>
+                  </a:schemeClr>
+                </a:solidFill>
+                <a:latin typeface="Nanum Gothic" charset="-127"/>
+                <a:ea typeface="Nanum Gothic" charset="-127"/>
+                <a:cs typeface="Nanum Gothic" charset="-127"/>
+              </a:rPr>
+              <a:t>다음 예제를 통해 클로저를 이해하자</a:t>
+            </a:r>
+            <a:r>
+              <a:rPr kumimoji="1" lang="en-US" altLang="ko-KR" sz="1400" dirty="0">
+                <a:solidFill>
+                  <a:schemeClr val="tx1">
+                    <a:lumMod val="75000"/>
+                    <a:lumOff val="25000"/>
+                  </a:schemeClr>
+                </a:solidFill>
+                <a:latin typeface="Nanum Gothic" charset="-127"/>
+                <a:ea typeface="Nanum Gothic" charset="-127"/>
+                <a:cs typeface="Nanum Gothic" charset="-127"/>
+              </a:rPr>
+              <a:t>.</a:t>
+            </a:r>
+          </a:p>
+        </p:txBody>
+      </p:sp>
+      <p:sp>
+        <p:nvSpPr>
+          <p:cNvPr id="9" name="TextBox 6">
+            <a:extLst>
+              <a:ext uri="{FF2B5EF4-FFF2-40B4-BE49-F238E27FC236}">
+                <a16:creationId xmlns:a16="http://schemas.microsoft.com/office/drawing/2014/main" id="{B9A9763B-5943-2044-931E-92FCA2CC5136}"/>
+              </a:ext>
+            </a:extLst>
+          </p:cNvPr>
+          <p:cNvSpPr txBox="1"/>
+          <p:nvPr/>
+        </p:nvSpPr>
+        <p:spPr>
+          <a:xfrm>
+            <a:off x="550896" y="3270981"/>
+            <a:ext cx="3667992" cy="1643527"/>
+          </a:xfrm>
+          <a:prstGeom prst="rect">
+            <a:avLst/>
+          </a:prstGeom>
+          <a:noFill/>
+        </p:spPr>
+        <p:txBody>
+          <a:bodyPr wrap="none" rtlCol="0">
+            <a:spAutoFit/>
+          </a:bodyPr>
+          <a:lstStyle/>
+          <a:p>
+            <a:pPr>
+              <a:lnSpc>
+                <a:spcPct val="120000"/>
+              </a:lnSpc>
+            </a:pPr>
+            <a:r>
+              <a:rPr kumimoji="1" lang="en-US" altLang="ko-KR" sz="1200" dirty="0">
+                <a:solidFill>
+                  <a:schemeClr val="tx1">
+                    <a:lumMod val="50000"/>
+                    <a:lumOff val="50000"/>
+                  </a:schemeClr>
+                </a:solidFill>
+                <a:latin typeface="Consolas" panose="020B0609020204030204" pitchFamily="49" charset="0"/>
+                <a:ea typeface="Nanum Gothic" charset="-127"/>
+                <a:cs typeface="Consolas" panose="020B0609020204030204" pitchFamily="49" charset="0"/>
+              </a:rPr>
+              <a:t>function counter() {</a:t>
+            </a:r>
+          </a:p>
+          <a:p>
+            <a:pPr>
+              <a:lnSpc>
+                <a:spcPct val="120000"/>
+              </a:lnSpc>
+            </a:pPr>
+            <a:r>
+              <a:rPr kumimoji="1" lang="en-US" altLang="ko-KR" sz="1200" dirty="0">
+                <a:solidFill>
+                  <a:schemeClr val="tx1">
+                    <a:lumMod val="50000"/>
+                    <a:lumOff val="50000"/>
+                  </a:schemeClr>
+                </a:solidFill>
+                <a:latin typeface="Consolas" panose="020B0609020204030204" pitchFamily="49" charset="0"/>
+                <a:ea typeface="Nanum Gothic" charset="-127"/>
+                <a:cs typeface="Consolas" panose="020B0609020204030204" pitchFamily="49" charset="0"/>
+              </a:rPr>
+              <a:t>    </a:t>
+            </a:r>
+            <a:r>
+              <a:rPr kumimoji="1" lang="en-US" altLang="ko-KR" sz="1200" dirty="0" err="1">
+                <a:solidFill>
+                  <a:schemeClr val="tx1">
+                    <a:lumMod val="50000"/>
+                    <a:lumOff val="50000"/>
+                  </a:schemeClr>
+                </a:solidFill>
+                <a:latin typeface="Consolas" panose="020B0609020204030204" pitchFamily="49" charset="0"/>
+                <a:ea typeface="Nanum Gothic" charset="-127"/>
+                <a:cs typeface="Consolas" panose="020B0609020204030204" pitchFamily="49" charset="0"/>
+              </a:rPr>
+              <a:t>var</a:t>
+            </a:r>
+            <a:r>
+              <a:rPr kumimoji="1" lang="en-US" altLang="ko-KR" sz="1200" dirty="0">
+                <a:solidFill>
+                  <a:schemeClr val="tx1">
+                    <a:lumMod val="50000"/>
+                    <a:lumOff val="50000"/>
+                  </a:schemeClr>
+                </a:solidFill>
+                <a:latin typeface="Consolas" panose="020B0609020204030204" pitchFamily="49" charset="0"/>
+                <a:ea typeface="Nanum Gothic" charset="-127"/>
+                <a:cs typeface="Consolas" panose="020B0609020204030204" pitchFamily="49" charset="0"/>
+              </a:rPr>
+              <a:t> n = 0;</a:t>
+            </a:r>
+          </a:p>
+          <a:p>
+            <a:pPr>
+              <a:lnSpc>
+                <a:spcPct val="120000"/>
+              </a:lnSpc>
+            </a:pPr>
+            <a:r>
+              <a:rPr kumimoji="1" lang="en-US" altLang="ko-KR" sz="1200" dirty="0">
+                <a:solidFill>
+                  <a:schemeClr val="tx1">
+                    <a:lumMod val="50000"/>
+                    <a:lumOff val="50000"/>
+                  </a:schemeClr>
+                </a:solidFill>
+                <a:latin typeface="Consolas" panose="020B0609020204030204" pitchFamily="49" charset="0"/>
+                <a:ea typeface="Nanum Gothic" charset="-127"/>
+                <a:cs typeface="Consolas" panose="020B0609020204030204" pitchFamily="49" charset="0"/>
+              </a:rPr>
+              <a:t>    return {</a:t>
+            </a:r>
+          </a:p>
+          <a:p>
+            <a:pPr>
+              <a:lnSpc>
+                <a:spcPct val="120000"/>
+              </a:lnSpc>
+            </a:pPr>
+            <a:r>
+              <a:rPr kumimoji="1" lang="en-US" altLang="ko-KR" sz="1200" dirty="0">
+                <a:solidFill>
+                  <a:schemeClr val="tx1">
+                    <a:lumMod val="50000"/>
+                    <a:lumOff val="50000"/>
+                  </a:schemeClr>
+                </a:solidFill>
+                <a:latin typeface="Consolas" panose="020B0609020204030204" pitchFamily="49" charset="0"/>
+                <a:ea typeface="Nanum Gothic" charset="-127"/>
+                <a:cs typeface="Consolas" panose="020B0609020204030204" pitchFamily="49" charset="0"/>
+              </a:rPr>
+              <a:t>        count: function() { return n++; }</a:t>
+            </a:r>
+          </a:p>
+          <a:p>
+            <a:pPr>
+              <a:lnSpc>
+                <a:spcPct val="120000"/>
+              </a:lnSpc>
+            </a:pPr>
+            <a:r>
+              <a:rPr kumimoji="1" lang="en-US" altLang="ko-KR" sz="1200" dirty="0">
+                <a:solidFill>
+                  <a:schemeClr val="tx1">
+                    <a:lumMod val="50000"/>
+                    <a:lumOff val="50000"/>
+                  </a:schemeClr>
+                </a:solidFill>
+                <a:latin typeface="Consolas" panose="020B0609020204030204" pitchFamily="49" charset="0"/>
+                <a:ea typeface="Nanum Gothic" charset="-127"/>
+                <a:cs typeface="Consolas" panose="020B0609020204030204" pitchFamily="49" charset="0"/>
+              </a:rPr>
+              <a:t>        reset: function() { n = 0; }</a:t>
+            </a:r>
+          </a:p>
+          <a:p>
+            <a:pPr>
+              <a:lnSpc>
+                <a:spcPct val="120000"/>
+              </a:lnSpc>
+            </a:pPr>
+            <a:r>
+              <a:rPr kumimoji="1" lang="en-US" altLang="ko-KR" sz="1200" dirty="0">
+                <a:solidFill>
+                  <a:schemeClr val="tx1">
+                    <a:lumMod val="50000"/>
+                    <a:lumOff val="50000"/>
+                  </a:schemeClr>
+                </a:solidFill>
+                <a:latin typeface="Consolas" panose="020B0609020204030204" pitchFamily="49" charset="0"/>
+                <a:ea typeface="Nanum Gothic" charset="-127"/>
+                <a:cs typeface="Consolas" panose="020B0609020204030204" pitchFamily="49" charset="0"/>
+              </a:rPr>
+              <a:t>    };</a:t>
+            </a:r>
+          </a:p>
+          <a:p>
+            <a:pPr>
+              <a:lnSpc>
+                <a:spcPct val="120000"/>
+              </a:lnSpc>
+            </a:pPr>
+            <a:r>
+              <a:rPr kumimoji="1" lang="en-US" altLang="ko-KR" sz="1200" dirty="0">
+                <a:solidFill>
+                  <a:schemeClr val="tx1">
+                    <a:lumMod val="50000"/>
+                    <a:lumOff val="50000"/>
+                  </a:schemeClr>
+                </a:solidFill>
+                <a:latin typeface="Consolas" panose="020B0609020204030204" pitchFamily="49" charset="0"/>
+                <a:ea typeface="Nanum Gothic" charset="-127"/>
+                <a:cs typeface="Consolas" panose="020B0609020204030204" pitchFamily="49" charset="0"/>
+              </a:rPr>
+              <a:t>}</a:t>
+            </a:r>
+          </a:p>
+        </p:txBody>
+      </p:sp>
+    </p:spTree>
+    <p:extLst>
+      <p:ext uri="{BB962C8B-B14F-4D97-AF65-F5344CB8AC3E}">
+        <p14:creationId xmlns:p14="http://schemas.microsoft.com/office/powerpoint/2010/main" val="2630042987"/>
+      </p:ext>
+    </p:extLst>
+  </p:cSld>
+  <p:clrMapOvr>
+    <a:masterClrMapping/>
+  </p:clrMapOvr>
+</p:sld>
+</file>
+
+<file path=ppt/slides/slide16.xml><?xml version="1.0" encoding="utf-8"?>
+<p:sld xmlns:a="http://schemas.openxmlformats.org/drawingml/2006/main" xmlns:r="http://schemas.openxmlformats.org/officeDocument/2006/relationships" xmlns:p="http://schemas.openxmlformats.org/presentationml/2006/main">
+  <p:cSld>
+    <p:spTree>
+      <p:nvGrpSpPr>
+        <p:cNvPr id="1" name=""/>
+        <p:cNvGrpSpPr/>
+        <p:nvPr/>
+      </p:nvGrpSpPr>
+      <p:grpSpPr>
+        <a:xfrm>
+          <a:off x="0" y="0"/>
+          <a:ext cx="0" cy="0"/>
+          <a:chOff x="0" y="0"/>
+          <a:chExt cx="0" cy="0"/>
+        </a:xfrm>
+      </p:grpSpPr>
+      <p:sp>
+        <p:nvSpPr>
+          <p:cNvPr id="2" name="제목 1"/>
+          <p:cNvSpPr>
+            <a:spLocks noGrp="1"/>
+          </p:cNvSpPr>
+          <p:nvPr>
+            <p:ph type="title"/>
+          </p:nvPr>
+        </p:nvSpPr>
+        <p:spPr>
+          <a:xfrm>
+            <a:off x="395536" y="199006"/>
+            <a:ext cx="4752528" cy="421682"/>
+          </a:xfrm>
+        </p:spPr>
+        <p:txBody>
+          <a:bodyPr>
+            <a:noAutofit/>
+          </a:bodyPr>
+          <a:lstStyle/>
+          <a:p>
+            <a:pPr algn="l"/>
+            <a:r>
+              <a:rPr lang="ko-KR" altLang="en-US" sz="2000" b="1">
+                <a:solidFill>
+                  <a:schemeClr val="tx2"/>
+                </a:solidFill>
+                <a:latin typeface="Nanum Gothic" charset="-127"/>
+                <a:ea typeface="Nanum Gothic" charset="-127"/>
+                <a:cs typeface="Nanum Gothic" charset="-127"/>
+              </a:rPr>
+              <a:t>메모이제이션</a:t>
+            </a:r>
+            <a:endParaRPr lang="ko-KR" altLang="en-US" sz="2000" b="1" dirty="0">
+              <a:solidFill>
+                <a:schemeClr val="tx2"/>
+              </a:solidFill>
+              <a:latin typeface="Nanum Gothic" charset="-127"/>
+              <a:ea typeface="Nanum Gothic" charset="-127"/>
+              <a:cs typeface="Nanum Gothic" charset="-127"/>
+            </a:endParaRPr>
+          </a:p>
+        </p:txBody>
+      </p:sp>
+      <p:sp>
+        <p:nvSpPr>
+          <p:cNvPr id="4" name="직사각형 3"/>
+          <p:cNvSpPr/>
+          <p:nvPr/>
+        </p:nvSpPr>
+        <p:spPr>
+          <a:xfrm>
+            <a:off x="0" y="0"/>
+            <a:ext cx="323528" cy="692696"/>
+          </a:xfrm>
+          <a:prstGeom prst="rect">
+            <a:avLst/>
+          </a:prstGeom>
+          <a:solidFill>
+            <a:schemeClr val="tx2"/>
+          </a:solidFill>
+        </p:spPr>
+        <p:style>
+          <a:lnRef idx="2">
+            <a:schemeClr val="accent1">
+              <a:shade val="50000"/>
+            </a:schemeClr>
+          </a:lnRef>
+          <a:fillRef idx="1">
+            <a:schemeClr val="accent1"/>
+          </a:fillRef>
+          <a:effectRef idx="0">
+            <a:schemeClr val="accent1"/>
+          </a:effectRef>
+          <a:fontRef idx="minor">
+            <a:schemeClr val="lt1"/>
+          </a:fontRef>
+        </p:style>
+        <p:txBody>
+          <a:bodyPr rtlCol="0" anchor="ctr"/>
+          <a:lstStyle/>
+          <a:p>
+            <a:pPr algn="ctr"/>
+            <a:r>
+              <a:rPr kumimoji="1" lang="ko-KR" altLang="en-US" dirty="0">
+                <a:solidFill>
+                  <a:schemeClr val="tx2"/>
+                </a:solidFill>
+              </a:rPr>
+              <a:t>ㅊ</a:t>
+            </a:r>
+          </a:p>
+        </p:txBody>
+      </p:sp>
+      <p:sp>
+        <p:nvSpPr>
+          <p:cNvPr id="14" name="TextBox 6">
+            <a:extLst>
+              <a:ext uri="{FF2B5EF4-FFF2-40B4-BE49-F238E27FC236}">
+                <a16:creationId xmlns:a16="http://schemas.microsoft.com/office/drawing/2014/main" id="{15972864-CA74-2A4E-8C86-22B579E92837}"/>
+              </a:ext>
+            </a:extLst>
+          </p:cNvPr>
+          <p:cNvSpPr txBox="1"/>
+          <p:nvPr/>
+        </p:nvSpPr>
+        <p:spPr>
+          <a:xfrm>
+            <a:off x="421891" y="865539"/>
+            <a:ext cx="8470589" cy="2160591"/>
+          </a:xfrm>
+          <a:prstGeom prst="rect">
+            <a:avLst/>
+          </a:prstGeom>
+          <a:noFill/>
+        </p:spPr>
+        <p:txBody>
+          <a:bodyPr wrap="none" rtlCol="0">
+            <a:spAutoFit/>
+          </a:bodyPr>
+          <a:lstStyle/>
+          <a:p>
+            <a:pPr>
+              <a:lnSpc>
+                <a:spcPct val="120000"/>
+              </a:lnSpc>
+            </a:pPr>
+            <a:r>
+              <a:rPr kumimoji="1" lang="ko-KR" altLang="en-US" sz="1400" dirty="0">
+                <a:solidFill>
+                  <a:schemeClr val="tx1">
+                    <a:lumMod val="75000"/>
+                    <a:lumOff val="25000"/>
+                  </a:schemeClr>
+                </a:solidFill>
+                <a:latin typeface="Nanum Gothic" charset="-127"/>
+                <a:ea typeface="Nanum Gothic" charset="-127"/>
+                <a:cs typeface="Nanum Gothic" charset="-127"/>
+              </a:rPr>
+              <a:t>일반적인 컴퓨터과학에서 클로저</a:t>
+            </a:r>
+            <a:r>
+              <a:rPr kumimoji="1" lang="en-US" altLang="ko-KR" sz="1400" dirty="0">
+                <a:solidFill>
+                  <a:schemeClr val="tx1">
+                    <a:lumMod val="75000"/>
+                    <a:lumOff val="25000"/>
+                  </a:schemeClr>
+                </a:solidFill>
+                <a:latin typeface="Nanum Gothic" charset="-127"/>
+                <a:ea typeface="Nanum Gothic" charset="-127"/>
+                <a:cs typeface="Nanum Gothic" charset="-127"/>
+              </a:rPr>
+              <a:t>(Closure)</a:t>
+            </a:r>
+            <a:r>
+              <a:rPr kumimoji="1" lang="ko-KR" altLang="en-US" sz="1400" dirty="0">
+                <a:solidFill>
+                  <a:schemeClr val="tx1">
+                    <a:lumMod val="75000"/>
+                    <a:lumOff val="25000"/>
+                  </a:schemeClr>
+                </a:solidFill>
+                <a:latin typeface="Nanum Gothic" charset="-127"/>
+                <a:ea typeface="Nanum Gothic" charset="-127"/>
+                <a:cs typeface="Nanum Gothic" charset="-127"/>
+              </a:rPr>
+              <a:t>란 함수의 변수 유효범위를 뜻한다</a:t>
+            </a:r>
+            <a:r>
+              <a:rPr kumimoji="1" lang="en-US" altLang="ko-KR" sz="1400" dirty="0">
+                <a:solidFill>
+                  <a:schemeClr val="tx1">
+                    <a:lumMod val="75000"/>
+                    <a:lumOff val="25000"/>
+                  </a:schemeClr>
+                </a:solidFill>
+                <a:latin typeface="Nanum Gothic" charset="-127"/>
+                <a:ea typeface="Nanum Gothic" charset="-127"/>
+                <a:cs typeface="Nanum Gothic" charset="-127"/>
+              </a:rPr>
+              <a:t>.</a:t>
+            </a:r>
+          </a:p>
+          <a:p>
+            <a:pPr>
+              <a:lnSpc>
+                <a:spcPct val="120000"/>
+              </a:lnSpc>
+            </a:pPr>
+            <a:r>
+              <a:rPr kumimoji="1" lang="ko-KR" altLang="en-US" sz="1400" dirty="0">
+                <a:solidFill>
+                  <a:schemeClr val="tx1">
+                    <a:lumMod val="75000"/>
+                    <a:lumOff val="25000"/>
+                  </a:schemeClr>
+                </a:solidFill>
+                <a:latin typeface="Nanum Gothic" charset="-127"/>
+                <a:ea typeface="Nanum Gothic" charset="-127"/>
+                <a:cs typeface="Nanum Gothic" charset="-127"/>
+              </a:rPr>
+              <a:t>자바스크립트 언어는 유효범위를 함수 단위로 갖기 때문에 모든 함수는 기술적으로 클로저라고 할 수 있다</a:t>
+            </a:r>
+            <a:r>
+              <a:rPr kumimoji="1" lang="en-US" altLang="ko-KR" sz="1400" dirty="0">
+                <a:solidFill>
+                  <a:schemeClr val="tx1">
+                    <a:lumMod val="75000"/>
+                    <a:lumOff val="25000"/>
+                  </a:schemeClr>
+                </a:solidFill>
+                <a:latin typeface="Nanum Gothic" charset="-127"/>
+                <a:ea typeface="Nanum Gothic" charset="-127"/>
+                <a:cs typeface="Nanum Gothic" charset="-127"/>
+              </a:rPr>
+              <a:t>.</a:t>
+            </a:r>
+          </a:p>
+          <a:p>
+            <a:pPr>
+              <a:lnSpc>
+                <a:spcPct val="120000"/>
+              </a:lnSpc>
+            </a:pPr>
+            <a:endParaRPr kumimoji="1" lang="en-US" altLang="ko-KR" sz="1400" dirty="0">
+              <a:solidFill>
+                <a:schemeClr val="tx1">
+                  <a:lumMod val="75000"/>
+                  <a:lumOff val="25000"/>
+                </a:schemeClr>
+              </a:solidFill>
+              <a:latin typeface="Nanum Gothic" charset="-127"/>
+              <a:ea typeface="Nanum Gothic" charset="-127"/>
+              <a:cs typeface="Nanum Gothic" charset="-127"/>
+            </a:endParaRPr>
+          </a:p>
+          <a:p>
+            <a:pPr>
+              <a:lnSpc>
+                <a:spcPct val="120000"/>
+              </a:lnSpc>
+            </a:pPr>
+            <a:r>
+              <a:rPr kumimoji="1" lang="ko-KR" altLang="en-US" sz="1400" dirty="0">
+                <a:solidFill>
+                  <a:schemeClr val="tx1">
+                    <a:lumMod val="75000"/>
+                    <a:lumOff val="25000"/>
+                  </a:schemeClr>
+                </a:solidFill>
+                <a:latin typeface="Nanum Gothic" charset="-127"/>
+                <a:ea typeface="Nanum Gothic" charset="-127"/>
+                <a:cs typeface="Nanum Gothic" charset="-127"/>
+              </a:rPr>
+              <a:t>일반적으로 클로저를 구현한다는 것은 </a:t>
+            </a:r>
+            <a:r>
+              <a:rPr kumimoji="1" lang="en-US" altLang="ko-KR" sz="1400" u="sng" dirty="0">
+                <a:solidFill>
+                  <a:schemeClr val="tx1">
+                    <a:lumMod val="75000"/>
+                    <a:lumOff val="25000"/>
+                  </a:schemeClr>
+                </a:solidFill>
+                <a:latin typeface="Nanum Gothic" charset="-127"/>
+                <a:ea typeface="Nanum Gothic" charset="-127"/>
+                <a:cs typeface="Nanum Gothic" charset="-127"/>
+              </a:rPr>
+              <a:t>scope </a:t>
+            </a:r>
+            <a:r>
+              <a:rPr kumimoji="1" lang="ko-KR" altLang="en-US" sz="1400" u="sng" dirty="0">
+                <a:solidFill>
+                  <a:schemeClr val="tx1">
+                    <a:lumMod val="75000"/>
+                    <a:lumOff val="25000"/>
+                  </a:schemeClr>
+                </a:solidFill>
+                <a:latin typeface="Nanum Gothic" charset="-127"/>
+                <a:ea typeface="Nanum Gothic" charset="-127"/>
+                <a:cs typeface="Nanum Gothic" charset="-127"/>
+              </a:rPr>
+              <a:t>체이닝의 원리를 이용해서 변수를 바인딩하는 것</a:t>
+            </a:r>
+            <a:r>
+              <a:rPr kumimoji="1" lang="ko-KR" altLang="en-US" sz="1400" dirty="0">
+                <a:solidFill>
+                  <a:schemeClr val="tx1">
+                    <a:lumMod val="75000"/>
+                    <a:lumOff val="25000"/>
+                  </a:schemeClr>
+                </a:solidFill>
+                <a:latin typeface="Nanum Gothic" charset="-127"/>
+                <a:ea typeface="Nanum Gothic" charset="-127"/>
+                <a:cs typeface="Nanum Gothic" charset="-127"/>
+              </a:rPr>
+              <a:t>을 뜻한다</a:t>
+            </a:r>
+            <a:r>
+              <a:rPr kumimoji="1" lang="en-US" altLang="ko-KR" sz="1400" dirty="0">
+                <a:solidFill>
+                  <a:schemeClr val="tx1">
+                    <a:lumMod val="75000"/>
+                    <a:lumOff val="25000"/>
+                  </a:schemeClr>
+                </a:solidFill>
+                <a:latin typeface="Nanum Gothic" charset="-127"/>
+                <a:ea typeface="Nanum Gothic" charset="-127"/>
+                <a:cs typeface="Nanum Gothic" charset="-127"/>
+              </a:rPr>
+              <a:t>.</a:t>
+            </a:r>
+          </a:p>
+          <a:p>
+            <a:pPr>
+              <a:lnSpc>
+                <a:spcPct val="120000"/>
+              </a:lnSpc>
+            </a:pPr>
+            <a:endParaRPr kumimoji="1" lang="en-US" altLang="ko-KR" sz="1400" dirty="0">
+              <a:solidFill>
+                <a:schemeClr val="tx1">
+                  <a:lumMod val="75000"/>
+                  <a:lumOff val="25000"/>
+                </a:schemeClr>
+              </a:solidFill>
+              <a:latin typeface="Nanum Gothic" charset="-127"/>
+              <a:ea typeface="Nanum Gothic" charset="-127"/>
+              <a:cs typeface="Nanum Gothic" charset="-127"/>
+            </a:endParaRPr>
+          </a:p>
+          <a:p>
+            <a:pPr>
+              <a:lnSpc>
+                <a:spcPct val="120000"/>
+              </a:lnSpc>
+            </a:pPr>
+            <a:r>
+              <a:rPr kumimoji="1" lang="ko-KR" altLang="en-US" sz="1400" dirty="0">
+                <a:solidFill>
+                  <a:schemeClr val="tx1">
+                    <a:lumMod val="75000"/>
+                    <a:lumOff val="25000"/>
+                  </a:schemeClr>
+                </a:solidFill>
+                <a:latin typeface="Nanum Gothic" charset="-127"/>
+                <a:ea typeface="Nanum Gothic" charset="-127"/>
+                <a:cs typeface="Nanum Gothic" charset="-127"/>
+              </a:rPr>
+              <a:t>클로저를 잘 활용하면 </a:t>
+            </a:r>
+            <a:r>
+              <a:rPr kumimoji="1" lang="en-US" altLang="ko-KR" sz="1400" dirty="0">
+                <a:solidFill>
+                  <a:schemeClr val="tx1">
+                    <a:lumMod val="75000"/>
+                    <a:lumOff val="25000"/>
+                  </a:schemeClr>
+                </a:solidFill>
+                <a:latin typeface="Nanum Gothic" charset="-127"/>
+                <a:ea typeface="Nanum Gothic" charset="-127"/>
+                <a:cs typeface="Nanum Gothic" charset="-127"/>
+              </a:rPr>
+              <a:t>private </a:t>
+            </a:r>
+            <a:r>
+              <a:rPr kumimoji="1" lang="ko-KR" altLang="en-US" sz="1400" dirty="0">
+                <a:solidFill>
+                  <a:schemeClr val="tx1">
+                    <a:lumMod val="75000"/>
+                    <a:lumOff val="25000"/>
+                  </a:schemeClr>
+                </a:solidFill>
+                <a:latin typeface="Nanum Gothic" charset="-127"/>
+                <a:ea typeface="Nanum Gothic" charset="-127"/>
+                <a:cs typeface="Nanum Gothic" charset="-127"/>
+              </a:rPr>
+              <a:t>변수와 같은 효과를 낼 수도 있다</a:t>
+            </a:r>
+            <a:r>
+              <a:rPr kumimoji="1" lang="en-US" altLang="ko-KR" sz="1400" dirty="0">
+                <a:solidFill>
+                  <a:schemeClr val="tx1">
+                    <a:lumMod val="75000"/>
+                    <a:lumOff val="25000"/>
+                  </a:schemeClr>
+                </a:solidFill>
+                <a:latin typeface="Nanum Gothic" charset="-127"/>
+                <a:ea typeface="Nanum Gothic" charset="-127"/>
+                <a:cs typeface="Nanum Gothic" charset="-127"/>
+              </a:rPr>
+              <a:t>.</a:t>
+            </a:r>
+          </a:p>
+          <a:p>
+            <a:pPr>
+              <a:lnSpc>
+                <a:spcPct val="120000"/>
+              </a:lnSpc>
+            </a:pPr>
+            <a:endParaRPr kumimoji="1" lang="en-US" altLang="ko-KR" sz="1400" dirty="0">
+              <a:solidFill>
+                <a:schemeClr val="tx1">
+                  <a:lumMod val="75000"/>
+                  <a:lumOff val="25000"/>
+                </a:schemeClr>
+              </a:solidFill>
+              <a:latin typeface="Nanum Gothic" charset="-127"/>
+              <a:ea typeface="Nanum Gothic" charset="-127"/>
+              <a:cs typeface="Nanum Gothic" charset="-127"/>
+            </a:endParaRPr>
+          </a:p>
+          <a:p>
+            <a:pPr>
+              <a:lnSpc>
+                <a:spcPct val="120000"/>
+              </a:lnSpc>
+            </a:pPr>
+            <a:r>
+              <a:rPr kumimoji="1" lang="ko-KR" altLang="en-US" sz="1400" dirty="0">
+                <a:solidFill>
+                  <a:schemeClr val="tx1">
+                    <a:lumMod val="75000"/>
+                    <a:lumOff val="25000"/>
+                  </a:schemeClr>
+                </a:solidFill>
+                <a:latin typeface="Nanum Gothic" charset="-127"/>
+                <a:ea typeface="Nanum Gothic" charset="-127"/>
+                <a:cs typeface="Nanum Gothic" charset="-127"/>
+              </a:rPr>
+              <a:t>다음 예제를 통해 클로저를 이해하자</a:t>
+            </a:r>
+            <a:r>
+              <a:rPr kumimoji="1" lang="en-US" altLang="ko-KR" sz="1400" dirty="0">
+                <a:solidFill>
+                  <a:schemeClr val="tx1">
+                    <a:lumMod val="75000"/>
+                    <a:lumOff val="25000"/>
+                  </a:schemeClr>
+                </a:solidFill>
+                <a:latin typeface="Nanum Gothic" charset="-127"/>
+                <a:ea typeface="Nanum Gothic" charset="-127"/>
+                <a:cs typeface="Nanum Gothic" charset="-127"/>
+              </a:rPr>
+              <a:t>.</a:t>
+            </a:r>
+          </a:p>
+        </p:txBody>
+      </p:sp>
+      <p:sp>
+        <p:nvSpPr>
+          <p:cNvPr id="9" name="TextBox 6">
+            <a:extLst>
+              <a:ext uri="{FF2B5EF4-FFF2-40B4-BE49-F238E27FC236}">
+                <a16:creationId xmlns:a16="http://schemas.microsoft.com/office/drawing/2014/main" id="{B9A9763B-5943-2044-931E-92FCA2CC5136}"/>
+              </a:ext>
+            </a:extLst>
+          </p:cNvPr>
+          <p:cNvSpPr txBox="1"/>
+          <p:nvPr/>
+        </p:nvSpPr>
+        <p:spPr>
+          <a:xfrm>
+            <a:off x="550896" y="3270981"/>
+            <a:ext cx="3667992" cy="1643527"/>
+          </a:xfrm>
+          <a:prstGeom prst="rect">
+            <a:avLst/>
+          </a:prstGeom>
+          <a:noFill/>
+        </p:spPr>
+        <p:txBody>
+          <a:bodyPr wrap="none" rtlCol="0">
+            <a:spAutoFit/>
+          </a:bodyPr>
+          <a:lstStyle/>
+          <a:p>
+            <a:pPr>
+              <a:lnSpc>
+                <a:spcPct val="120000"/>
+              </a:lnSpc>
+            </a:pPr>
+            <a:r>
+              <a:rPr kumimoji="1" lang="en-US" altLang="ko-KR" sz="1200" dirty="0">
+                <a:solidFill>
+                  <a:schemeClr val="tx1">
+                    <a:lumMod val="50000"/>
+                    <a:lumOff val="50000"/>
+                  </a:schemeClr>
+                </a:solidFill>
+                <a:latin typeface="Consolas" panose="020B0609020204030204" pitchFamily="49" charset="0"/>
+                <a:ea typeface="Nanum Gothic" charset="-127"/>
+                <a:cs typeface="Consolas" panose="020B0609020204030204" pitchFamily="49" charset="0"/>
+              </a:rPr>
+              <a:t>function counter() {</a:t>
+            </a:r>
+          </a:p>
+          <a:p>
+            <a:pPr>
+              <a:lnSpc>
+                <a:spcPct val="120000"/>
+              </a:lnSpc>
+            </a:pPr>
+            <a:r>
+              <a:rPr kumimoji="1" lang="en-US" altLang="ko-KR" sz="1200" dirty="0">
+                <a:solidFill>
+                  <a:schemeClr val="tx1">
+                    <a:lumMod val="50000"/>
+                    <a:lumOff val="50000"/>
+                  </a:schemeClr>
+                </a:solidFill>
+                <a:latin typeface="Consolas" panose="020B0609020204030204" pitchFamily="49" charset="0"/>
+                <a:ea typeface="Nanum Gothic" charset="-127"/>
+                <a:cs typeface="Consolas" panose="020B0609020204030204" pitchFamily="49" charset="0"/>
+              </a:rPr>
+              <a:t>    </a:t>
+            </a:r>
+            <a:r>
+              <a:rPr kumimoji="1" lang="en-US" altLang="ko-KR" sz="1200" dirty="0" err="1">
+                <a:solidFill>
+                  <a:schemeClr val="tx1">
+                    <a:lumMod val="50000"/>
+                    <a:lumOff val="50000"/>
+                  </a:schemeClr>
+                </a:solidFill>
+                <a:latin typeface="Consolas" panose="020B0609020204030204" pitchFamily="49" charset="0"/>
+                <a:ea typeface="Nanum Gothic" charset="-127"/>
+                <a:cs typeface="Consolas" panose="020B0609020204030204" pitchFamily="49" charset="0"/>
+              </a:rPr>
+              <a:t>var</a:t>
+            </a:r>
+            <a:r>
+              <a:rPr kumimoji="1" lang="en-US" altLang="ko-KR" sz="1200" dirty="0">
+                <a:solidFill>
+                  <a:schemeClr val="tx1">
+                    <a:lumMod val="50000"/>
+                    <a:lumOff val="50000"/>
+                  </a:schemeClr>
+                </a:solidFill>
+                <a:latin typeface="Consolas" panose="020B0609020204030204" pitchFamily="49" charset="0"/>
+                <a:ea typeface="Nanum Gothic" charset="-127"/>
+                <a:cs typeface="Consolas" panose="020B0609020204030204" pitchFamily="49" charset="0"/>
+              </a:rPr>
+              <a:t> n = 0;</a:t>
+            </a:r>
+          </a:p>
+          <a:p>
+            <a:pPr>
+              <a:lnSpc>
+                <a:spcPct val="120000"/>
+              </a:lnSpc>
+            </a:pPr>
+            <a:r>
+              <a:rPr kumimoji="1" lang="en-US" altLang="ko-KR" sz="1200" dirty="0">
+                <a:solidFill>
+                  <a:schemeClr val="tx1">
+                    <a:lumMod val="50000"/>
+                    <a:lumOff val="50000"/>
+                  </a:schemeClr>
+                </a:solidFill>
+                <a:latin typeface="Consolas" panose="020B0609020204030204" pitchFamily="49" charset="0"/>
+                <a:ea typeface="Nanum Gothic" charset="-127"/>
+                <a:cs typeface="Consolas" panose="020B0609020204030204" pitchFamily="49" charset="0"/>
+              </a:rPr>
+              <a:t>    return {</a:t>
+            </a:r>
+          </a:p>
+          <a:p>
+            <a:pPr>
+              <a:lnSpc>
+                <a:spcPct val="120000"/>
+              </a:lnSpc>
+            </a:pPr>
+            <a:r>
+              <a:rPr kumimoji="1" lang="en-US" altLang="ko-KR" sz="1200" dirty="0">
+                <a:solidFill>
+                  <a:schemeClr val="tx1">
+                    <a:lumMod val="50000"/>
+                    <a:lumOff val="50000"/>
+                  </a:schemeClr>
+                </a:solidFill>
+                <a:latin typeface="Consolas" panose="020B0609020204030204" pitchFamily="49" charset="0"/>
+                <a:ea typeface="Nanum Gothic" charset="-127"/>
+                <a:cs typeface="Consolas" panose="020B0609020204030204" pitchFamily="49" charset="0"/>
+              </a:rPr>
+              <a:t>        count: function() { return n++; }</a:t>
+            </a:r>
+          </a:p>
+          <a:p>
+            <a:pPr>
+              <a:lnSpc>
+                <a:spcPct val="120000"/>
+              </a:lnSpc>
+            </a:pPr>
+            <a:r>
+              <a:rPr kumimoji="1" lang="en-US" altLang="ko-KR" sz="1200" dirty="0">
+                <a:solidFill>
+                  <a:schemeClr val="tx1">
+                    <a:lumMod val="50000"/>
+                    <a:lumOff val="50000"/>
+                  </a:schemeClr>
+                </a:solidFill>
+                <a:latin typeface="Consolas" panose="020B0609020204030204" pitchFamily="49" charset="0"/>
+                <a:ea typeface="Nanum Gothic" charset="-127"/>
+                <a:cs typeface="Consolas" panose="020B0609020204030204" pitchFamily="49" charset="0"/>
+              </a:rPr>
+              <a:t>        reset: function() { n = 0; }</a:t>
+            </a:r>
+          </a:p>
+          <a:p>
+            <a:pPr>
+              <a:lnSpc>
+                <a:spcPct val="120000"/>
+              </a:lnSpc>
+            </a:pPr>
+            <a:r>
+              <a:rPr kumimoji="1" lang="en-US" altLang="ko-KR" sz="1200" dirty="0">
+                <a:solidFill>
+                  <a:schemeClr val="tx1">
+                    <a:lumMod val="50000"/>
+                    <a:lumOff val="50000"/>
+                  </a:schemeClr>
+                </a:solidFill>
+                <a:latin typeface="Consolas" panose="020B0609020204030204" pitchFamily="49" charset="0"/>
+                <a:ea typeface="Nanum Gothic" charset="-127"/>
+                <a:cs typeface="Consolas" panose="020B0609020204030204" pitchFamily="49" charset="0"/>
+              </a:rPr>
+              <a:t>    };</a:t>
+            </a:r>
+          </a:p>
+          <a:p>
+            <a:pPr>
+              <a:lnSpc>
+                <a:spcPct val="120000"/>
+              </a:lnSpc>
+            </a:pPr>
+            <a:r>
+              <a:rPr kumimoji="1" lang="en-US" altLang="ko-KR" sz="1200" dirty="0">
+                <a:solidFill>
+                  <a:schemeClr val="tx1">
+                    <a:lumMod val="50000"/>
+                    <a:lumOff val="50000"/>
+                  </a:schemeClr>
+                </a:solidFill>
+                <a:latin typeface="Consolas" panose="020B0609020204030204" pitchFamily="49" charset="0"/>
+                <a:ea typeface="Nanum Gothic" charset="-127"/>
+                <a:cs typeface="Consolas" panose="020B0609020204030204" pitchFamily="49" charset="0"/>
+              </a:rPr>
+              <a:t>}</a:t>
+            </a:r>
+          </a:p>
+        </p:txBody>
+      </p:sp>
+    </p:spTree>
+    <p:extLst>
+      <p:ext uri="{BB962C8B-B14F-4D97-AF65-F5344CB8AC3E}">
+        <p14:creationId xmlns:p14="http://schemas.microsoft.com/office/powerpoint/2010/main" val="47839835"/>
+      </p:ext>
+    </p:extLst>
+  </p:cSld>
+  <p:clrMapOvr>
+    <a:masterClrMapping/>
+  </p:clrMapOvr>
+</p:sld>
+</file>
+
+<file path=ppt/slides/slide2.xml><?xml version="1.0" encoding="utf-8"?>
+<p:sld xmlns:a="http://schemas.openxmlformats.org/drawingml/2006/main" xmlns:r="http://schemas.openxmlformats.org/officeDocument/2006/relationships" xmlns:p="http://schemas.openxmlformats.org/presentationml/2006/main">
+  <p:cSld>
+    <p:spTree>
+      <p:nvGrpSpPr>
+        <p:cNvPr id="1" name=""/>
+        <p:cNvGrpSpPr/>
+        <p:nvPr/>
+      </p:nvGrpSpPr>
+      <p:grpSpPr>
+        <a:xfrm>
+          <a:off x="0" y="0"/>
+          <a:ext cx="0" cy="0"/>
+          <a:chOff x="0" y="0"/>
+          <a:chExt cx="0" cy="0"/>
+        </a:xfrm>
+      </p:grpSpPr>
+      <p:sp>
+        <p:nvSpPr>
+          <p:cNvPr id="4" name="직사각형 3"/>
+          <p:cNvSpPr/>
+          <p:nvPr/>
+        </p:nvSpPr>
+        <p:spPr>
+          <a:xfrm>
+            <a:off x="0" y="0"/>
+            <a:ext cx="9144000" cy="6858000"/>
+          </a:xfrm>
+          <a:prstGeom prst="rect">
+            <a:avLst/>
+          </a:prstGeom>
+          <a:solidFill>
+            <a:schemeClr val="tx2"/>
+          </a:solidFill>
+        </p:spPr>
+        <p:style>
+          <a:lnRef idx="2">
+            <a:schemeClr val="accent1">
+              <a:shade val="50000"/>
+            </a:schemeClr>
+          </a:lnRef>
+          <a:fillRef idx="1">
+            <a:schemeClr val="accent1"/>
+          </a:fillRef>
+          <a:effectRef idx="0">
+            <a:schemeClr val="accent1"/>
+          </a:effectRef>
+          <a:fontRef idx="minor">
+            <a:schemeClr val="lt1"/>
+          </a:fontRef>
+        </p:style>
+        <p:txBody>
+          <a:bodyPr rtlCol="0" anchor="ctr"/>
+          <a:lstStyle/>
+          <a:p>
+            <a:pPr algn="ctr"/>
+            <a:r>
+              <a:rPr kumimoji="1" lang="ko-KR" altLang="en-US" dirty="0">
+                <a:solidFill>
+                  <a:schemeClr val="tx2"/>
+                </a:solidFill>
+              </a:rPr>
+              <a:t>ㅊ</a:t>
+            </a:r>
+          </a:p>
+        </p:txBody>
+      </p:sp>
+      <p:sp>
+        <p:nvSpPr>
+          <p:cNvPr id="2" name="제목 1"/>
+          <p:cNvSpPr>
+            <a:spLocks noGrp="1"/>
+          </p:cNvSpPr>
+          <p:nvPr>
+            <p:ph type="title"/>
+          </p:nvPr>
+        </p:nvSpPr>
+        <p:spPr>
+          <a:xfrm>
+            <a:off x="3638525" y="3068960"/>
+            <a:ext cx="5181947" cy="421682"/>
+          </a:xfrm>
+        </p:spPr>
+        <p:txBody>
+          <a:bodyPr>
+            <a:noAutofit/>
+          </a:bodyPr>
+          <a:lstStyle/>
+          <a:p>
+            <a:pPr algn="r"/>
+            <a:r>
+              <a:rPr lang="en-US" altLang="ko-KR" sz="2000" b="1" dirty="0">
+                <a:solidFill>
+                  <a:schemeClr val="bg1"/>
+                </a:solidFill>
+                <a:latin typeface="Nanum Gothic" charset="-127"/>
+                <a:ea typeface="Nanum Gothic" charset="-127"/>
+                <a:cs typeface="Nanum Gothic" charset="-127"/>
+              </a:rPr>
+              <a:t>1.</a:t>
+            </a:r>
+            <a:r>
+              <a:rPr lang="ko-KR" altLang="en-US" sz="2000" b="1" dirty="0">
+                <a:solidFill>
+                  <a:schemeClr val="bg1"/>
+                </a:solidFill>
+                <a:latin typeface="Nanum Gothic" charset="-127"/>
+                <a:ea typeface="Nanum Gothic" charset="-127"/>
+                <a:cs typeface="Nanum Gothic" charset="-127"/>
+              </a:rPr>
+              <a:t> 자바스크립트 함수는 어떻게 동작하는가</a:t>
+            </a:r>
+            <a:r>
+              <a:rPr lang="en-US" altLang="ko-KR" sz="2000" b="1" dirty="0">
+                <a:solidFill>
+                  <a:schemeClr val="bg1"/>
+                </a:solidFill>
+                <a:latin typeface="Nanum Gothic" charset="-127"/>
+                <a:ea typeface="Nanum Gothic" charset="-127"/>
+                <a:cs typeface="Nanum Gothic" charset="-127"/>
+              </a:rPr>
+              <a:t>?</a:t>
+            </a:r>
+            <a:endParaRPr lang="ko-KR" altLang="en-US" sz="2000" b="1" dirty="0">
+              <a:solidFill>
+                <a:schemeClr val="bg1"/>
+              </a:solidFill>
+              <a:latin typeface="Nanum Gothic" charset="-127"/>
+              <a:ea typeface="Nanum Gothic" charset="-127"/>
+              <a:cs typeface="Nanum Gothic" charset="-127"/>
+            </a:endParaRPr>
+          </a:p>
+        </p:txBody>
+      </p:sp>
+      <p:sp>
+        <p:nvSpPr>
+          <p:cNvPr id="10" name="제목 1">
+            <a:extLst>
+              <a:ext uri="{FF2B5EF4-FFF2-40B4-BE49-F238E27FC236}">
+                <a16:creationId xmlns:a16="http://schemas.microsoft.com/office/drawing/2014/main" id="{0E498A0E-6AFE-5542-9539-8A498B955B52}"/>
+              </a:ext>
+            </a:extLst>
+          </p:cNvPr>
+          <p:cNvSpPr txBox="1">
+            <a:spLocks/>
+          </p:cNvSpPr>
+          <p:nvPr/>
+        </p:nvSpPr>
+        <p:spPr>
+          <a:xfrm>
+            <a:off x="3491886" y="3490642"/>
+            <a:ext cx="5181947" cy="324000"/>
+          </a:xfrm>
+          <a:prstGeom prst="rect">
+            <a:avLst/>
+          </a:prstGeom>
+        </p:spPr>
+        <p:txBody>
+          <a:bodyPr vert="horz" lIns="91440" tIns="45720" rIns="91440" bIns="45720" rtlCol="0" anchor="ctr">
+            <a:noAutofit/>
+          </a:bodyPr>
+          <a:lstStyle>
+            <a:lvl1pPr algn="ctr" defTabSz="914400" rtl="0" eaLnBrk="1" latinLnBrk="1" hangingPunct="1">
+              <a:spcBef>
+                <a:spcPct val="0"/>
+              </a:spcBef>
+              <a:buNone/>
+              <a:defRPr sz="4400" kern="1200">
+                <a:solidFill>
+                  <a:schemeClr val="tx1"/>
+                </a:solidFill>
+                <a:latin typeface="+mj-lt"/>
+                <a:ea typeface="+mj-ea"/>
+                <a:cs typeface="+mj-cs"/>
+              </a:defRPr>
+            </a:lvl1pPr>
+          </a:lstStyle>
+          <a:p>
+            <a:pPr algn="r"/>
+            <a:r>
+              <a:rPr lang="ko-KR" altLang="en-US" sz="1600" dirty="0">
+                <a:solidFill>
+                  <a:schemeClr val="bg1"/>
+                </a:solidFill>
+                <a:latin typeface="Nanum Gothic" charset="-127"/>
+                <a:ea typeface="Nanum Gothic" charset="-127"/>
+                <a:cs typeface="Nanum Gothic" charset="-127"/>
+              </a:rPr>
+              <a:t>실행 컨텍스트와 활성객체</a:t>
+            </a:r>
+          </a:p>
+        </p:txBody>
+      </p:sp>
+      <p:sp>
+        <p:nvSpPr>
+          <p:cNvPr id="11" name="제목 1">
+            <a:extLst>
+              <a:ext uri="{FF2B5EF4-FFF2-40B4-BE49-F238E27FC236}">
+                <a16:creationId xmlns:a16="http://schemas.microsoft.com/office/drawing/2014/main" id="{5B58744F-7323-0447-9907-AAC6C937C11E}"/>
+              </a:ext>
+            </a:extLst>
+          </p:cNvPr>
+          <p:cNvSpPr txBox="1">
+            <a:spLocks/>
+          </p:cNvSpPr>
+          <p:nvPr/>
+        </p:nvSpPr>
+        <p:spPr>
+          <a:xfrm>
+            <a:off x="3638524" y="3814642"/>
+            <a:ext cx="5181947" cy="324000"/>
+          </a:xfrm>
+          <a:prstGeom prst="rect">
+            <a:avLst/>
+          </a:prstGeom>
+        </p:spPr>
+        <p:txBody>
+          <a:bodyPr vert="horz" lIns="91440" tIns="45720" rIns="91440" bIns="45720" rtlCol="0" anchor="ctr">
+            <a:noAutofit/>
+          </a:bodyPr>
+          <a:lstStyle>
+            <a:lvl1pPr algn="ctr" defTabSz="914400" rtl="0" eaLnBrk="1" latinLnBrk="1" hangingPunct="1">
+              <a:spcBef>
+                <a:spcPct val="0"/>
+              </a:spcBef>
+              <a:buNone/>
+              <a:defRPr sz="4400" kern="1200">
+                <a:solidFill>
+                  <a:schemeClr val="tx1"/>
+                </a:solidFill>
+                <a:latin typeface="+mj-lt"/>
+                <a:ea typeface="+mj-ea"/>
+                <a:cs typeface="+mj-cs"/>
+              </a:defRPr>
+            </a:lvl1pPr>
+          </a:lstStyle>
+          <a:p>
+            <a:pPr algn="r"/>
+            <a:endParaRPr lang="ko-KR" altLang="en-US" sz="1600" dirty="0">
+              <a:solidFill>
+                <a:schemeClr val="bg1"/>
+              </a:solidFill>
+              <a:latin typeface="Nanum Gothic" charset="-127"/>
+              <a:ea typeface="Nanum Gothic" charset="-127"/>
+              <a:cs typeface="Nanum Gothic" charset="-127"/>
+            </a:endParaRPr>
+          </a:p>
+        </p:txBody>
+      </p:sp>
+      <p:sp>
+        <p:nvSpPr>
+          <p:cNvPr id="12" name="제목 1">
+            <a:extLst>
+              <a:ext uri="{FF2B5EF4-FFF2-40B4-BE49-F238E27FC236}">
+                <a16:creationId xmlns:a16="http://schemas.microsoft.com/office/drawing/2014/main" id="{9C9DDEE2-EC18-E145-A856-D3D5409C57E6}"/>
+              </a:ext>
+            </a:extLst>
+          </p:cNvPr>
+          <p:cNvSpPr txBox="1">
+            <a:spLocks/>
+          </p:cNvSpPr>
+          <p:nvPr/>
+        </p:nvSpPr>
+        <p:spPr>
+          <a:xfrm>
+            <a:off x="3491882" y="3820546"/>
+            <a:ext cx="5181947" cy="324000"/>
+          </a:xfrm>
+          <a:prstGeom prst="rect">
+            <a:avLst/>
+          </a:prstGeom>
+        </p:spPr>
+        <p:txBody>
+          <a:bodyPr vert="horz" lIns="91440" tIns="45720" rIns="91440" bIns="45720" rtlCol="0" anchor="ctr">
+            <a:noAutofit/>
+          </a:bodyPr>
+          <a:lstStyle>
+            <a:lvl1pPr algn="ctr" defTabSz="914400" rtl="0" eaLnBrk="1" latinLnBrk="1" hangingPunct="1">
+              <a:spcBef>
+                <a:spcPct val="0"/>
+              </a:spcBef>
+              <a:buNone/>
+              <a:defRPr sz="4400" kern="1200">
+                <a:solidFill>
+                  <a:schemeClr val="tx1"/>
+                </a:solidFill>
+                <a:latin typeface="+mj-lt"/>
+                <a:ea typeface="+mj-ea"/>
+                <a:cs typeface="+mj-cs"/>
+              </a:defRPr>
+            </a:lvl1pPr>
+          </a:lstStyle>
+          <a:p>
+            <a:pPr algn="r"/>
+            <a:r>
+              <a:rPr lang="en-US" altLang="ko-KR" sz="1600" dirty="0">
+                <a:solidFill>
+                  <a:schemeClr val="bg1"/>
+                </a:solidFill>
+                <a:latin typeface="Nanum Gothic" charset="-127"/>
+                <a:ea typeface="Nanum Gothic" charset="-127"/>
+                <a:cs typeface="Nanum Gothic" charset="-127"/>
+              </a:rPr>
+              <a:t>scope </a:t>
+            </a:r>
+            <a:r>
+              <a:rPr lang="ko-KR" altLang="en-US" sz="1600" dirty="0">
+                <a:solidFill>
+                  <a:schemeClr val="bg1"/>
+                </a:solidFill>
+                <a:latin typeface="Nanum Gothic" charset="-127"/>
+                <a:ea typeface="Nanum Gothic" charset="-127"/>
+                <a:cs typeface="Nanum Gothic" charset="-127"/>
+              </a:rPr>
+              <a:t>체이닝</a:t>
+            </a:r>
+          </a:p>
+        </p:txBody>
+      </p:sp>
+      <p:sp>
+        <p:nvSpPr>
+          <p:cNvPr id="7" name="제목 1">
+            <a:extLst>
+              <a:ext uri="{FF2B5EF4-FFF2-40B4-BE49-F238E27FC236}">
+                <a16:creationId xmlns:a16="http://schemas.microsoft.com/office/drawing/2014/main" id="{9C9DDEE2-EC18-E145-A856-D3D5409C57E6}"/>
+              </a:ext>
+            </a:extLst>
+          </p:cNvPr>
+          <p:cNvSpPr txBox="1">
+            <a:spLocks/>
+          </p:cNvSpPr>
+          <p:nvPr/>
+        </p:nvSpPr>
+        <p:spPr>
+          <a:xfrm>
+            <a:off x="3491882" y="4150450"/>
+            <a:ext cx="5181947" cy="324000"/>
+          </a:xfrm>
+          <a:prstGeom prst="rect">
+            <a:avLst/>
+          </a:prstGeom>
+        </p:spPr>
+        <p:txBody>
+          <a:bodyPr vert="horz" lIns="91440" tIns="45720" rIns="91440" bIns="45720" rtlCol="0" anchor="ctr">
+            <a:noAutofit/>
+          </a:bodyPr>
+          <a:lstStyle>
+            <a:lvl1pPr algn="ctr" defTabSz="914400" rtl="0" eaLnBrk="1" latinLnBrk="1" hangingPunct="1">
+              <a:spcBef>
+                <a:spcPct val="0"/>
+              </a:spcBef>
+              <a:buNone/>
+              <a:defRPr sz="4400" kern="1200">
+                <a:solidFill>
+                  <a:schemeClr val="tx1"/>
+                </a:solidFill>
+                <a:latin typeface="+mj-lt"/>
+                <a:ea typeface="+mj-ea"/>
+                <a:cs typeface="+mj-cs"/>
+              </a:defRPr>
+            </a:lvl1pPr>
+          </a:lstStyle>
+          <a:p>
+            <a:pPr algn="r"/>
+            <a:r>
+              <a:rPr lang="en-US" altLang="ko-KR" sz="1600" dirty="0">
+                <a:solidFill>
+                  <a:schemeClr val="bg1"/>
+                </a:solidFill>
+                <a:latin typeface="Nanum Gothic" charset="-127"/>
+                <a:ea typeface="Nanum Gothic" charset="-127"/>
+                <a:cs typeface="Nanum Gothic" charset="-127"/>
+              </a:rPr>
+              <a:t>this </a:t>
+            </a:r>
+            <a:r>
+              <a:rPr lang="ko-KR" altLang="en-US" sz="1600" dirty="0">
+                <a:solidFill>
+                  <a:schemeClr val="bg1"/>
+                </a:solidFill>
+                <a:latin typeface="Nanum Gothic" charset="-127"/>
+                <a:ea typeface="Nanum Gothic" charset="-127"/>
+                <a:cs typeface="Nanum Gothic" charset="-127"/>
+              </a:rPr>
+              <a:t>바인딩</a:t>
+            </a:r>
+          </a:p>
+        </p:txBody>
+      </p:sp>
+    </p:spTree>
+    <p:extLst>
+      <p:ext uri="{BB962C8B-B14F-4D97-AF65-F5344CB8AC3E}">
+        <p14:creationId xmlns:p14="http://schemas.microsoft.com/office/powerpoint/2010/main" val="3615591332"/>
+      </p:ext>
+    </p:extLst>
+  </p:cSld>
+  <p:clrMapOvr>
+    <a:masterClrMapping/>
+  </p:clrMapOvr>
+</p:sld>
+</file>
+
+<file path=ppt/slides/slide3.xml><?xml version="1.0" encoding="utf-8"?>
+<p:sld xmlns:a="http://schemas.openxmlformats.org/drawingml/2006/main" xmlns:r="http://schemas.openxmlformats.org/officeDocument/2006/relationships" xmlns:p="http://schemas.openxmlformats.org/presentationml/2006/main">
+  <p:cSld>
+    <p:spTree>
+      <p:nvGrpSpPr>
+        <p:cNvPr id="1" name=""/>
+        <p:cNvGrpSpPr/>
+        <p:nvPr/>
+      </p:nvGrpSpPr>
+      <p:grpSpPr>
+        <a:xfrm>
+          <a:off x="0" y="0"/>
+          <a:ext cx="0" cy="0"/>
+          <a:chOff x="0" y="0"/>
+          <a:chExt cx="0" cy="0"/>
+        </a:xfrm>
+      </p:grpSpPr>
+      <p:sp>
+        <p:nvSpPr>
+          <p:cNvPr id="2" name="제목 1"/>
+          <p:cNvSpPr>
+            <a:spLocks noGrp="1"/>
+          </p:cNvSpPr>
+          <p:nvPr>
+            <p:ph type="title"/>
+          </p:nvPr>
+        </p:nvSpPr>
+        <p:spPr>
+          <a:xfrm>
+            <a:off x="395536" y="199006"/>
+            <a:ext cx="5616624" cy="421682"/>
+          </a:xfrm>
+        </p:spPr>
+        <p:txBody>
+          <a:bodyPr>
+            <a:noAutofit/>
+          </a:bodyPr>
+          <a:lstStyle/>
+          <a:p>
+            <a:pPr algn="l"/>
+            <a:r>
+              <a:rPr lang="ko-KR" altLang="en-US" sz="2000" b="1" dirty="0">
+                <a:solidFill>
+                  <a:schemeClr val="tx2"/>
+                </a:solidFill>
+                <a:latin typeface="Nanum Gothic" charset="-127"/>
+                <a:ea typeface="Nanum Gothic" charset="-127"/>
+                <a:cs typeface="Nanum Gothic" charset="-127"/>
+              </a:rPr>
+              <a:t>실행 컨텍스트와 활성객체</a:t>
+            </a:r>
+          </a:p>
+        </p:txBody>
+      </p:sp>
+      <p:sp>
+        <p:nvSpPr>
+          <p:cNvPr id="4" name="직사각형 3"/>
+          <p:cNvSpPr/>
+          <p:nvPr/>
+        </p:nvSpPr>
+        <p:spPr>
+          <a:xfrm>
+            <a:off x="0" y="0"/>
+            <a:ext cx="323528" cy="692696"/>
+          </a:xfrm>
+          <a:prstGeom prst="rect">
+            <a:avLst/>
+          </a:prstGeom>
+          <a:solidFill>
+            <a:schemeClr val="tx2"/>
+          </a:solidFill>
+        </p:spPr>
+        <p:style>
+          <a:lnRef idx="2">
+            <a:schemeClr val="accent1">
+              <a:shade val="50000"/>
+            </a:schemeClr>
+          </a:lnRef>
+          <a:fillRef idx="1">
+            <a:schemeClr val="accent1"/>
+          </a:fillRef>
+          <a:effectRef idx="0">
+            <a:schemeClr val="accent1"/>
+          </a:effectRef>
+          <a:fontRef idx="minor">
+            <a:schemeClr val="lt1"/>
+          </a:fontRef>
+        </p:style>
+        <p:txBody>
+          <a:bodyPr rtlCol="0" anchor="ctr"/>
+          <a:lstStyle/>
+          <a:p>
+            <a:pPr algn="ctr"/>
+            <a:r>
+              <a:rPr kumimoji="1" lang="ko-KR" altLang="en-US" dirty="0">
+                <a:solidFill>
+                  <a:schemeClr val="tx2"/>
+                </a:solidFill>
+              </a:rPr>
+              <a:t>ㅊ</a:t>
+            </a:r>
+          </a:p>
+        </p:txBody>
+      </p:sp>
+      <p:sp>
+        <p:nvSpPr>
+          <p:cNvPr id="10" name="TextBox 6">
+            <a:extLst>
+              <a:ext uri="{FF2B5EF4-FFF2-40B4-BE49-F238E27FC236}">
+                <a16:creationId xmlns:a16="http://schemas.microsoft.com/office/drawing/2014/main" id="{6D527928-482C-E943-BBFB-D3D1130C192A}"/>
+              </a:ext>
+            </a:extLst>
+          </p:cNvPr>
+          <p:cNvSpPr txBox="1"/>
+          <p:nvPr/>
+        </p:nvSpPr>
+        <p:spPr>
+          <a:xfrm>
+            <a:off x="550896" y="870596"/>
+            <a:ext cx="1396536" cy="338554"/>
+          </a:xfrm>
+          <a:prstGeom prst="rect">
+            <a:avLst/>
+          </a:prstGeom>
+          <a:noFill/>
+        </p:spPr>
+        <p:txBody>
+          <a:bodyPr wrap="none" rtlCol="0">
+            <a:spAutoFit/>
+          </a:bodyPr>
+          <a:lstStyle/>
+          <a:p>
+            <a:r>
+              <a:rPr kumimoji="1" lang="ko-KR" altLang="en-US" sz="1600" b="1" dirty="0">
+                <a:solidFill>
+                  <a:schemeClr val="accent6">
+                    <a:lumMod val="50000"/>
+                  </a:schemeClr>
+                </a:solidFill>
+                <a:latin typeface="Nanum Gothic" charset="-127"/>
+                <a:ea typeface="Nanum Gothic" charset="-127"/>
+                <a:cs typeface="Nanum Gothic" charset="-127"/>
+              </a:rPr>
+              <a:t>실행 컨텍스트</a:t>
+            </a:r>
+            <a:endParaRPr kumimoji="1" lang="en-US" altLang="ko-KR" sz="1600" b="1" dirty="0">
+              <a:solidFill>
+                <a:schemeClr val="accent6">
+                  <a:lumMod val="50000"/>
+                </a:schemeClr>
+              </a:solidFill>
+              <a:latin typeface="Nanum Gothic" charset="-127"/>
+              <a:ea typeface="Nanum Gothic" charset="-127"/>
+              <a:cs typeface="Nanum Gothic" charset="-127"/>
+            </a:endParaRPr>
+          </a:p>
+        </p:txBody>
+      </p:sp>
+      <p:sp>
+        <p:nvSpPr>
+          <p:cNvPr id="11" name="TextBox 6">
+            <a:extLst>
+              <a:ext uri="{FF2B5EF4-FFF2-40B4-BE49-F238E27FC236}">
+                <a16:creationId xmlns:a16="http://schemas.microsoft.com/office/drawing/2014/main" id="{FF918BCE-6F97-434A-B3A2-439095FDE56D}"/>
+              </a:ext>
+            </a:extLst>
+          </p:cNvPr>
+          <p:cNvSpPr txBox="1"/>
+          <p:nvPr/>
+        </p:nvSpPr>
+        <p:spPr>
+          <a:xfrm>
+            <a:off x="550896" y="1209150"/>
+            <a:ext cx="7907934" cy="1643527"/>
+          </a:xfrm>
+          <a:prstGeom prst="rect">
+            <a:avLst/>
+          </a:prstGeom>
+          <a:noFill/>
+        </p:spPr>
+        <p:txBody>
+          <a:bodyPr wrap="none" rtlCol="0">
+            <a:spAutoFit/>
+          </a:bodyPr>
+          <a:lstStyle/>
+          <a:p>
+            <a:pPr>
+              <a:lnSpc>
+                <a:spcPct val="120000"/>
+              </a:lnSpc>
+            </a:pPr>
+            <a:r>
+              <a:rPr kumimoji="1" lang="ko-KR" altLang="en-US" sz="1400" u="sng" dirty="0">
+                <a:solidFill>
+                  <a:schemeClr val="tx1">
+                    <a:lumMod val="75000"/>
+                    <a:lumOff val="25000"/>
+                  </a:schemeClr>
+                </a:solidFill>
+                <a:latin typeface="Nanum Gothic" charset="-127"/>
+                <a:ea typeface="Nanum Gothic" charset="-127"/>
+                <a:cs typeface="Nanum Gothic" charset="-127"/>
+              </a:rPr>
+              <a:t>자바스크립트 코드 블록이 실행되는 </a:t>
+            </a:r>
+            <a:r>
+              <a:rPr kumimoji="1" lang="ko-KR" altLang="en-US" sz="1400" b="1" u="sng" dirty="0">
+                <a:solidFill>
+                  <a:schemeClr val="tx2">
+                    <a:lumMod val="50000"/>
+                  </a:schemeClr>
+                </a:solidFill>
+                <a:latin typeface="Nanum Gothic" charset="-127"/>
+                <a:ea typeface="Nanum Gothic" charset="-127"/>
+                <a:cs typeface="Nanum Gothic" charset="-127"/>
+              </a:rPr>
+              <a:t>환경</a:t>
+            </a:r>
+            <a:r>
+              <a:rPr kumimoji="1" lang="ko-KR" altLang="en-US" sz="1400" dirty="0">
+                <a:solidFill>
+                  <a:schemeClr val="tx1">
+                    <a:lumMod val="75000"/>
+                    <a:lumOff val="25000"/>
+                  </a:schemeClr>
+                </a:solidFill>
+                <a:latin typeface="Nanum Gothic" charset="-127"/>
+                <a:ea typeface="Nanum Gothic" charset="-127"/>
+                <a:cs typeface="Nanum Gothic" charset="-127"/>
+              </a:rPr>
+              <a:t> 을 뜻한다</a:t>
+            </a:r>
+            <a:r>
+              <a:rPr kumimoji="1" lang="en-US" altLang="ko-KR" sz="1400" dirty="0">
+                <a:solidFill>
+                  <a:schemeClr val="tx1">
+                    <a:lumMod val="75000"/>
+                    <a:lumOff val="25000"/>
+                  </a:schemeClr>
+                </a:solidFill>
+                <a:latin typeface="Nanum Gothic" charset="-127"/>
+                <a:ea typeface="Nanum Gothic" charset="-127"/>
+                <a:cs typeface="Nanum Gothic" charset="-127"/>
+              </a:rPr>
+              <a:t>. </a:t>
+            </a:r>
+          </a:p>
+          <a:p>
+            <a:pPr>
+              <a:lnSpc>
+                <a:spcPct val="120000"/>
+              </a:lnSpc>
+            </a:pPr>
+            <a:r>
+              <a:rPr kumimoji="1" lang="ko-KR" altLang="en-US" sz="1400" dirty="0">
+                <a:solidFill>
+                  <a:schemeClr val="tx1">
+                    <a:lumMod val="75000"/>
+                    <a:lumOff val="25000"/>
+                  </a:schemeClr>
+                </a:solidFill>
+                <a:latin typeface="Nanum Gothic" charset="-127"/>
+                <a:ea typeface="Nanum Gothic" charset="-127"/>
+                <a:cs typeface="Nanum Gothic" charset="-127"/>
+              </a:rPr>
+              <a:t>즉</a:t>
+            </a:r>
+            <a:r>
+              <a:rPr kumimoji="1" lang="en-US" altLang="ko-KR" sz="1400" dirty="0">
+                <a:solidFill>
+                  <a:schemeClr val="tx1">
+                    <a:lumMod val="75000"/>
+                    <a:lumOff val="25000"/>
+                  </a:schemeClr>
+                </a:solidFill>
+                <a:latin typeface="Nanum Gothic" charset="-127"/>
+                <a:ea typeface="Nanum Gothic" charset="-127"/>
+                <a:cs typeface="Nanum Gothic" charset="-127"/>
+              </a:rPr>
+              <a:t>,</a:t>
+            </a:r>
+            <a:r>
+              <a:rPr kumimoji="1" lang="ko-KR" altLang="en-US" sz="1400" dirty="0">
+                <a:solidFill>
+                  <a:schemeClr val="tx1">
+                    <a:lumMod val="75000"/>
+                    <a:lumOff val="25000"/>
+                  </a:schemeClr>
+                </a:solidFill>
+                <a:latin typeface="Nanum Gothic" charset="-127"/>
+                <a:ea typeface="Nanum Gothic" charset="-127"/>
+                <a:cs typeface="Nanum Gothic" charset="-127"/>
+              </a:rPr>
+              <a:t> 함수를 실행하는데 필요한 정보를 담고있다고 볼 수 있다</a:t>
+            </a:r>
+            <a:r>
+              <a:rPr kumimoji="1" lang="en-US" altLang="ko-KR" sz="1400" dirty="0">
+                <a:solidFill>
+                  <a:schemeClr val="tx1">
+                    <a:lumMod val="75000"/>
+                    <a:lumOff val="25000"/>
+                  </a:schemeClr>
+                </a:solidFill>
+                <a:latin typeface="Nanum Gothic" charset="-127"/>
+                <a:ea typeface="Nanum Gothic" charset="-127"/>
+                <a:cs typeface="Nanum Gothic" charset="-127"/>
+              </a:rPr>
+              <a:t>.</a:t>
+            </a:r>
+          </a:p>
+          <a:p>
+            <a:pPr>
+              <a:lnSpc>
+                <a:spcPct val="120000"/>
+              </a:lnSpc>
+            </a:pPr>
+            <a:endParaRPr kumimoji="1" lang="en-US" altLang="ko-KR" sz="1400" dirty="0">
+              <a:solidFill>
+                <a:schemeClr val="tx1">
+                  <a:lumMod val="75000"/>
+                  <a:lumOff val="25000"/>
+                </a:schemeClr>
+              </a:solidFill>
+              <a:latin typeface="Nanum Gothic" charset="-127"/>
+              <a:ea typeface="Nanum Gothic" charset="-127"/>
+              <a:cs typeface="Nanum Gothic" charset="-127"/>
+            </a:endParaRPr>
+          </a:p>
+          <a:p>
+            <a:pPr>
+              <a:lnSpc>
+                <a:spcPct val="120000"/>
+              </a:lnSpc>
+            </a:pPr>
+            <a:r>
+              <a:rPr kumimoji="1" lang="en-US" altLang="ko-KR" sz="1400" dirty="0">
+                <a:solidFill>
+                  <a:schemeClr val="tx1">
+                    <a:lumMod val="75000"/>
+                    <a:lumOff val="25000"/>
+                  </a:schemeClr>
+                </a:solidFill>
+                <a:latin typeface="Nanum Gothic" charset="-127"/>
+                <a:ea typeface="Nanum Gothic" charset="-127"/>
+                <a:cs typeface="Nanum Gothic" charset="-127"/>
+              </a:rPr>
+              <a:t>ECMA Script</a:t>
+            </a:r>
+            <a:r>
+              <a:rPr kumimoji="1" lang="ko-KR" altLang="en-US" sz="1400" dirty="0">
+                <a:solidFill>
+                  <a:schemeClr val="tx1">
+                    <a:lumMod val="75000"/>
+                    <a:lumOff val="25000"/>
+                  </a:schemeClr>
+                </a:solidFill>
+                <a:latin typeface="Nanum Gothic" charset="-127"/>
+                <a:ea typeface="Nanum Gothic" charset="-127"/>
+                <a:cs typeface="Nanum Gothic" charset="-127"/>
+              </a:rPr>
+              <a:t>에서는 실행 컨텍스트의 생성을 다음과 같이 정의한다</a:t>
+            </a:r>
+            <a:r>
+              <a:rPr kumimoji="1" lang="en-US" altLang="ko-KR" sz="1400" dirty="0">
+                <a:solidFill>
+                  <a:schemeClr val="tx1">
+                    <a:lumMod val="75000"/>
+                    <a:lumOff val="25000"/>
+                  </a:schemeClr>
+                </a:solidFill>
+                <a:latin typeface="Nanum Gothic" charset="-127"/>
+                <a:ea typeface="Nanum Gothic" charset="-127"/>
+                <a:cs typeface="Nanum Gothic" charset="-127"/>
+              </a:rPr>
+              <a:t>.</a:t>
+            </a:r>
+          </a:p>
+          <a:p>
+            <a:pPr>
+              <a:lnSpc>
+                <a:spcPct val="120000"/>
+              </a:lnSpc>
+            </a:pPr>
+            <a:r>
+              <a:rPr kumimoji="1" lang="en-US" altLang="ko-KR" sz="1400" i="1" spc="300" dirty="0">
                 <a:solidFill>
                   <a:schemeClr val="tx2">
                     <a:lumMod val="60000"/>
@@ -9634,7 +12155,7 @@
               <a:t>“</a:t>
             </a:r>
             <a:r>
-              <a:rPr kumimoji="1" lang="ko-KR" altLang="en-US" sz="1400" i="1" spc="300" dirty="0" smtClean="0">
+              <a:rPr kumimoji="1" lang="ko-KR" altLang="en-US" sz="1400" i="1" spc="300" dirty="0">
                 <a:solidFill>
                   <a:schemeClr val="tx2">
                     <a:lumMod val="60000"/>
@@ -9648,7 +12169,7 @@
               <a:t>현재 실행되는 컨텍스트에서 </a:t>
             </a:r>
             <a:r>
-              <a:rPr kumimoji="1" lang="ko-KR" altLang="en-US" sz="1400" i="1" u="sng" spc="300" dirty="0" smtClean="0">
+              <a:rPr kumimoji="1" lang="ko-KR" altLang="en-US" sz="1400" i="1" u="sng" spc="300" dirty="0">
                 <a:solidFill>
                   <a:schemeClr val="tx2">
                     <a:lumMod val="60000"/>
@@ -9662,7 +12183,7 @@
               <a:t>이 컨텍스트와 관련이 없는</a:t>
             </a:r>
             <a:r>
-              <a:rPr kumimoji="1" lang="ko-KR" altLang="en-US" sz="1400" i="1" spc="300" dirty="0" smtClean="0">
+              <a:rPr kumimoji="1" lang="ko-KR" altLang="en-US" sz="1400" i="1" spc="300" dirty="0">
                 <a:solidFill>
                   <a:schemeClr val="tx2">
                     <a:lumMod val="60000"/>
@@ -9676,7 +12197,7 @@
               <a:t> 실행 코드가 실행되면</a:t>
             </a:r>
             <a:r>
-              <a:rPr kumimoji="1" lang="en-US" altLang="ko-KR" sz="1400" i="1" spc="300" dirty="0" smtClean="0">
+              <a:rPr kumimoji="1" lang="en-US" altLang="ko-KR" sz="1400" i="1" spc="300" dirty="0">
                 <a:solidFill>
                   <a:schemeClr val="tx2">
                     <a:lumMod val="60000"/>
@@ -9690,7 +12211,7 @@
               <a:t>,</a:t>
             </a:r>
             <a:r>
-              <a:rPr kumimoji="1" lang="ko-KR" altLang="en-US" sz="1400" i="1" spc="300" dirty="0" smtClean="0">
+              <a:rPr kumimoji="1" lang="ko-KR" altLang="en-US" sz="1400" i="1" spc="300" dirty="0">
                 <a:solidFill>
                   <a:schemeClr val="tx2">
                     <a:lumMod val="60000"/>
@@ -9703,7 +12224,7 @@
               </a:rPr>
               <a:t> </a:t>
             </a:r>
-            <a:endParaRPr kumimoji="1" lang="en-US" altLang="ko-KR" sz="1400" i="1" spc="300" dirty="0" smtClean="0">
+            <a:endParaRPr kumimoji="1" lang="en-US" altLang="ko-KR" sz="1400" i="1" spc="300" dirty="0">
               <a:solidFill>
                 <a:schemeClr val="tx2">
                   <a:lumMod val="60000"/>
@@ -9722,7 +12243,7 @@
               </a:lnSpc>
             </a:pPr>
             <a:r>
-              <a:rPr kumimoji="1" lang="ko-KR" altLang="en-US" sz="1400" i="1" spc="300" dirty="0" smtClean="0">
+              <a:rPr kumimoji="1" lang="ko-KR" altLang="en-US" sz="1400" i="1" spc="300" dirty="0">
                 <a:solidFill>
                   <a:schemeClr val="tx2">
                     <a:lumMod val="60000"/>
@@ -9733,10 +12254,10 @@
                 <a:ea typeface="Nanum Gothic" charset="-127"/>
                 <a:cs typeface="Nanum Gothic" charset="-127"/>
               </a:rPr>
-              <a:t>새로운 컨텍스트가 생성되어 </a:t>
-            </a:r>
-            <a:r>
-              <a:rPr kumimoji="1" lang="ko-KR" altLang="en-US" sz="1400" i="1" spc="300" dirty="0" smtClean="0">
+              <a:t>새로운 컨텍스트가 생성되어 스택에 들어가고 제어권이 그 컨텍스트로 이동한다</a:t>
+            </a:r>
+            <a:r>
+              <a:rPr kumimoji="1" lang="en-US" altLang="ko-KR" sz="1400" i="1" spc="300" dirty="0">
                 <a:solidFill>
                   <a:schemeClr val="tx2">
                     <a:lumMod val="60000"/>
@@ -9747,20 +12268,6 @@
                 <a:ea typeface="Nanum Gothic" charset="-127"/>
                 <a:cs typeface="Nanum Gothic" charset="-127"/>
               </a:rPr>
-              <a:t>스택에 들어가고 제어권이 그 컨텍스트로 이동한다</a:t>
-            </a:r>
-            <a:r>
-              <a:rPr kumimoji="1" lang="en-US" altLang="ko-KR" sz="1400" i="1" spc="300" dirty="0" smtClean="0">
-                <a:solidFill>
-                  <a:schemeClr val="tx2">
-                    <a:lumMod val="60000"/>
-                    <a:lumOff val="40000"/>
-                  </a:schemeClr>
-                </a:solidFill>
-                <a:latin typeface="Nanum Gothic" charset="-127"/>
-                <a:ea typeface="Nanum Gothic" charset="-127"/>
-                <a:cs typeface="Nanum Gothic" charset="-127"/>
-              </a:rPr>
               <a:t>.”</a:t>
             </a:r>
           </a:p>
@@ -9771,7 +12278,7 @@
           <p:cNvPr id="12" name="TextBox 6">
             <a:extLst>
               <a:ext uri="{FF2B5EF4-FFF2-40B4-BE49-F238E27FC236}">
-                <a16:creationId xmlns:a16="http://schemas.microsoft.com/office/drawing/2014/main" xmlns="" id="{FF918BCE-6F97-434A-B3A2-439095FDE56D}"/>
+                <a16:creationId xmlns:a16="http://schemas.microsoft.com/office/drawing/2014/main" id="{FF918BCE-6F97-434A-B3A2-439095FDE56D}"/>
               </a:ext>
             </a:extLst>
           </p:cNvPr>
@@ -9800,7 +12307,7 @@
               </a:lnSpc>
             </a:pPr>
             <a:r>
-              <a:rPr kumimoji="1" lang="ko-KR" altLang="en-US" sz="1400" dirty="0" smtClean="0">
+              <a:rPr kumimoji="1" lang="ko-KR" altLang="en-US" sz="1400" dirty="0">
                 <a:solidFill>
                   <a:schemeClr val="tx1">
                     <a:lumMod val="75000"/>
@@ -9814,7 +12321,7 @@
               <a:t>실행 컨텍스트는 고급 프로그래밍 언어에서 흔히 사용하는 </a:t>
             </a:r>
             <a:r>
-              <a:rPr kumimoji="1" lang="ko-KR" altLang="en-US" sz="1400" b="1" dirty="0" smtClean="0">
+              <a:rPr kumimoji="1" lang="ko-KR" altLang="en-US" sz="1400" b="1" dirty="0">
                 <a:solidFill>
                   <a:schemeClr val="tx2">
                     <a:lumMod val="50000"/>
@@ -9827,7 +12334,7 @@
               <a:t>콜스택</a:t>
             </a:r>
             <a:r>
-              <a:rPr kumimoji="1" lang="ko-KR" altLang="en-US" sz="1400" dirty="0" smtClean="0">
+              <a:rPr kumimoji="1" lang="ko-KR" altLang="en-US" sz="1400" dirty="0">
                 <a:solidFill>
                   <a:schemeClr val="tx1">
                     <a:lumMod val="75000"/>
@@ -9841,7 +12348,7 @@
               <a:t>과 유사하다</a:t>
             </a:r>
             <a:r>
-              <a:rPr kumimoji="1" lang="en-US" altLang="ko-KR" sz="1400" dirty="0" smtClean="0">
+              <a:rPr kumimoji="1" lang="en-US" altLang="ko-KR" sz="1400" dirty="0">
                 <a:solidFill>
                   <a:schemeClr val="tx1">
                     <a:lumMod val="75000"/>
@@ -9933,7 +12440,7 @@
           <a:lstStyle/>
           <a:p>
             <a:r>
-              <a:rPr kumimoji="1" lang="ko-KR" altLang="en-US" sz="1400" dirty="0" smtClean="0">
+              <a:rPr kumimoji="1" lang="ko-KR" altLang="en-US" sz="1400" dirty="0">
                 <a:solidFill>
                   <a:schemeClr val="tx1">
                     <a:lumMod val="75000"/>
@@ -9946,17 +12453,6 @@
               </a:rPr>
               <a:t>실행 컨텍스트 스택</a:t>
             </a:r>
-            <a:endParaRPr kumimoji="1" lang="ko-KR" altLang="en-US" sz="1400" dirty="0">
-              <a:solidFill>
-                <a:schemeClr val="tx1">
-                  <a:lumMod val="75000"/>
-                  <a:lumOff val="25000"/>
-                </a:schemeClr>
-              </a:solidFill>
-              <a:latin typeface="Nanum Gothic" charset="-127"/>
-              <a:ea typeface="Nanum Gothic" charset="-127"/>
-              <a:cs typeface="Nanum Gothic" charset="-127"/>
-            </a:endParaRPr>
           </a:p>
         </p:txBody>
       </p:sp>
@@ -10036,7 +12532,7 @@
           <a:lstStyle/>
           <a:p>
             <a:r>
-              <a:rPr kumimoji="1" lang="ko-KR" altLang="en-US" sz="1400" dirty="0" smtClean="0">
+              <a:rPr kumimoji="1" lang="ko-KR" altLang="en-US" sz="1400" dirty="0">
                 <a:solidFill>
                   <a:schemeClr val="tx1">
                     <a:lumMod val="75000"/>
@@ -10049,17 +12545,6 @@
               </a:rPr>
               <a:t>실행 컨텍스트 스택</a:t>
             </a:r>
-            <a:endParaRPr kumimoji="1" lang="ko-KR" altLang="en-US" sz="1400" dirty="0">
-              <a:solidFill>
-                <a:schemeClr val="tx1">
-                  <a:lumMod val="75000"/>
-                  <a:lumOff val="25000"/>
-                </a:schemeClr>
-              </a:solidFill>
-              <a:latin typeface="Nanum Gothic" charset="-127"/>
-              <a:ea typeface="Nanum Gothic" charset="-127"/>
-              <a:cs typeface="Nanum Gothic" charset="-127"/>
-            </a:endParaRPr>
           </a:p>
         </p:txBody>
       </p:sp>
@@ -10139,7 +12624,7 @@
           <a:lstStyle/>
           <a:p>
             <a:r>
-              <a:rPr kumimoji="1" lang="ko-KR" altLang="en-US" sz="1400" dirty="0" smtClean="0">
+              <a:rPr kumimoji="1" lang="ko-KR" altLang="en-US" sz="1400" dirty="0">
                 <a:solidFill>
                   <a:schemeClr val="tx1">
                     <a:lumMod val="75000"/>
@@ -10152,17 +12637,6 @@
               </a:rPr>
               <a:t>실행 컨텍스트 스택</a:t>
             </a:r>
-            <a:endParaRPr kumimoji="1" lang="ko-KR" altLang="en-US" sz="1400" dirty="0">
-              <a:solidFill>
-                <a:schemeClr val="tx1">
-                  <a:lumMod val="75000"/>
-                  <a:lumOff val="25000"/>
-                </a:schemeClr>
-              </a:solidFill>
-              <a:latin typeface="Nanum Gothic" charset="-127"/>
-              <a:ea typeface="Nanum Gothic" charset="-127"/>
-              <a:cs typeface="Nanum Gothic" charset="-127"/>
-            </a:endParaRPr>
           </a:p>
         </p:txBody>
       </p:sp>
@@ -10215,7 +12689,7 @@
           <a:p>
             <a:pPr algn="ctr"/>
             <a:r>
-              <a:rPr kumimoji="1" lang="ko-KR" altLang="en-US" sz="1400" dirty="0" smtClean="0">
+              <a:rPr kumimoji="1" lang="ko-KR" altLang="en-US" sz="1400" dirty="0">
                 <a:solidFill>
                   <a:schemeClr val="tx1">
                     <a:lumMod val="95000"/>
@@ -10225,14 +12699,6 @@
               </a:rPr>
               <a:t>전역 컨텍스트</a:t>
             </a:r>
-            <a:endParaRPr kumimoji="1" lang="ko-KR" altLang="en-US" sz="1400" dirty="0">
-              <a:solidFill>
-                <a:schemeClr val="tx1">
-                  <a:lumMod val="95000"/>
-                  <a:lumOff val="5000"/>
-                </a:schemeClr>
-              </a:solidFill>
-            </a:endParaRPr>
           </a:p>
         </p:txBody>
       </p:sp>
@@ -10285,7 +12751,7 @@
           <a:p>
             <a:pPr algn="ctr"/>
             <a:r>
-              <a:rPr kumimoji="1" lang="ko-KR" altLang="en-US" sz="1400" dirty="0" smtClean="0">
+              <a:rPr kumimoji="1" lang="ko-KR" altLang="en-US" sz="1400" dirty="0">
                 <a:solidFill>
                   <a:schemeClr val="tx1">
                     <a:lumMod val="95000"/>
@@ -10295,14 +12761,6 @@
               </a:rPr>
               <a:t>전역 컨텍스트</a:t>
             </a:r>
-            <a:endParaRPr kumimoji="1" lang="ko-KR" altLang="en-US" sz="1400" dirty="0">
-              <a:solidFill>
-                <a:schemeClr val="tx1">
-                  <a:lumMod val="95000"/>
-                  <a:lumOff val="5000"/>
-                </a:schemeClr>
-              </a:solidFill>
-            </a:endParaRPr>
           </a:p>
         </p:txBody>
       </p:sp>
@@ -10355,7 +12813,7 @@
           <a:p>
             <a:pPr algn="ctr"/>
             <a:r>
-              <a:rPr kumimoji="1" lang="ko-KR" altLang="en-US" sz="1400" dirty="0" smtClean="0">
+              <a:rPr kumimoji="1" lang="ko-KR" altLang="en-US" sz="1400" dirty="0">
                 <a:solidFill>
                   <a:schemeClr val="tx1">
                     <a:lumMod val="95000"/>
@@ -10365,14 +12823,6 @@
               </a:rPr>
               <a:t>전역 컨텍스트</a:t>
             </a:r>
-            <a:endParaRPr kumimoji="1" lang="ko-KR" altLang="en-US" sz="1400" dirty="0">
-              <a:solidFill>
-                <a:schemeClr val="tx1">
-                  <a:lumMod val="95000"/>
-                  <a:lumOff val="5000"/>
-                </a:schemeClr>
-              </a:solidFill>
-            </a:endParaRPr>
           </a:p>
         </p:txBody>
       </p:sp>
@@ -10425,7 +12875,7 @@
           <a:p>
             <a:pPr algn="ctr"/>
             <a:r>
-              <a:rPr kumimoji="1" lang="en-US" altLang="ko-KR" sz="1400" dirty="0" smtClean="0">
+              <a:rPr kumimoji="1" lang="en-US" altLang="ko-KR" sz="1400" dirty="0">
                 <a:solidFill>
                   <a:schemeClr val="tx1">
                     <a:lumMod val="95000"/>
@@ -10495,7 +12945,7 @@
           <a:p>
             <a:pPr algn="ctr"/>
             <a:r>
-              <a:rPr kumimoji="1" lang="en-US" altLang="ko-KR" sz="1400" smtClean="0">
+              <a:rPr kumimoji="1" lang="en-US" altLang="ko-KR" sz="1400">
                 <a:solidFill>
                   <a:schemeClr val="tx1">
                     <a:lumMod val="95000"/>
@@ -10565,7 +13015,7 @@
           <a:p>
             <a:pPr algn="ctr"/>
             <a:r>
-              <a:rPr kumimoji="1" lang="en-US" altLang="ko-KR" sz="1400" dirty="0" smtClean="0">
+              <a:rPr kumimoji="1" lang="en-US" altLang="ko-KR" sz="1400" dirty="0">
                 <a:solidFill>
                   <a:schemeClr val="tx1">
                     <a:lumMod val="95000"/>
@@ -10765,7 +13215,7 @@
           <a:lstStyle/>
           <a:p>
             <a:r>
-              <a:rPr kumimoji="1" lang="en-US" altLang="ko-KR" dirty="0" smtClean="0"/>
+              <a:rPr kumimoji="1" lang="en-US" altLang="ko-KR" dirty="0"/>
               <a:t>1</a:t>
             </a:r>
             <a:endParaRPr kumimoji="1" lang="ko-KR" altLang="en-US" dirty="0"/>
@@ -10855,7 +13305,7 @@
           <a:lstStyle/>
           <a:p>
             <a:r>
-              <a:rPr kumimoji="1" lang="en-US" altLang="ko-KR" dirty="0" smtClean="0"/>
+              <a:rPr kumimoji="1" lang="en-US" altLang="ko-KR" dirty="0"/>
               <a:t>3</a:t>
             </a:r>
             <a:endParaRPr kumimoji="1" lang="ko-KR" altLang="en-US" dirty="0"/>
@@ -10867,7 +13317,7 @@
           <p:cNvPr id="36" name="TextBox 6">
             <a:extLst>
               <a:ext uri="{FF2B5EF4-FFF2-40B4-BE49-F238E27FC236}">
-                <a16:creationId xmlns:a16="http://schemas.microsoft.com/office/drawing/2014/main" xmlns="" id="{4C433121-55F9-BF41-9CAB-571182E75852}"/>
+                <a16:creationId xmlns:a16="http://schemas.microsoft.com/office/drawing/2014/main" id="{4C433121-55F9-BF41-9CAB-571182E75852}"/>
               </a:ext>
             </a:extLst>
           </p:cNvPr>
@@ -10907,10 +13357,10 @@
                 <a:ea typeface="Nanum Gothic" charset="-127"/>
                 <a:cs typeface="Consolas" panose="020B0609020204030204" pitchFamily="49" charset="0"/>
               </a:rPr>
-              <a:t>f</a:t>
-            </a:r>
-            <a:r>
-              <a:rPr kumimoji="1" lang="en-US" altLang="ko-KR" sz="1200" dirty="0" smtClean="0">
+              <a:t>function ExContext1() {</a:t>
+            </a:r>
+            <a:r>
+              <a:rPr kumimoji="1" lang="en-US" altLang="ko-KR" sz="1200" dirty="0" err="1">
                 <a:solidFill>
                   <a:schemeClr val="tx1">
                     <a:lumMod val="50000"/>
@@ -10921,24 +13371,10 @@
                 <a:ea typeface="Nanum Gothic" charset="-127"/>
                 <a:cs typeface="Consolas" panose="020B0609020204030204" pitchFamily="49" charset="0"/>
               </a:rPr>
-              <a:t>unction ExContext1() {</a:t>
-            </a:r>
-            <a:r>
-              <a:rPr kumimoji="1" lang="en-US" altLang="ko-KR" sz="1200" dirty="0" err="1" smtClean="0">
-                <a:solidFill>
-                  <a:schemeClr val="tx1">
-                    <a:lumMod val="50000"/>
-                    <a:lumOff val="50000"/>
-                  </a:schemeClr>
-                </a:solidFill>
-                <a:latin typeface="Consolas" panose="020B0609020204030204" pitchFamily="49" charset="0"/>
-                <a:ea typeface="Nanum Gothic" charset="-127"/>
-                <a:cs typeface="Consolas" panose="020B0609020204030204" pitchFamily="49" charset="0"/>
-              </a:rPr>
               <a:t>console.log</a:t>
             </a:r>
             <a:r>
-              <a:rPr kumimoji="1" lang="en-US" altLang="ko-KR" sz="1200" dirty="0" smtClean="0">
+              <a:rPr kumimoji="1" lang="en-US" altLang="ko-KR" sz="1200" dirty="0">
                 <a:solidFill>
                   <a:schemeClr val="tx1">
                     <a:lumMod val="50000"/>
@@ -10970,10 +13406,10 @@
                 <a:ea typeface="Nanum Gothic" charset="-127"/>
                 <a:cs typeface="Consolas" panose="020B0609020204030204" pitchFamily="49" charset="0"/>
               </a:rPr>
-              <a:t>f</a:t>
-            </a:r>
-            <a:r>
-              <a:rPr kumimoji="1" lang="en-US" altLang="ko-KR" sz="1200" dirty="0" smtClean="0">
+              <a:t>function ExContext2() {ExContext1(); </a:t>
+            </a:r>
+            <a:r>
+              <a:rPr kumimoji="1" lang="en-US" altLang="ko-KR" sz="1200" dirty="0" err="1">
                 <a:solidFill>
                   <a:schemeClr val="tx1">
                     <a:lumMod val="50000"/>
@@ -10984,24 +13420,10 @@
                 <a:ea typeface="Nanum Gothic" charset="-127"/>
                 <a:cs typeface="Consolas" panose="020B0609020204030204" pitchFamily="49" charset="0"/>
               </a:rPr>
-              <a:t>unction ExContext2() {ExContext1(); </a:t>
-            </a:r>
-            <a:r>
-              <a:rPr kumimoji="1" lang="en-US" altLang="ko-KR" sz="1200" dirty="0" err="1" smtClean="0">
-                <a:solidFill>
-                  <a:schemeClr val="tx1">
-                    <a:lumMod val="50000"/>
-                    <a:lumOff val="50000"/>
-                  </a:schemeClr>
-                </a:solidFill>
-                <a:latin typeface="Consolas" panose="020B0609020204030204" pitchFamily="49" charset="0"/>
-                <a:ea typeface="Nanum Gothic" charset="-127"/>
-                <a:cs typeface="Consolas" panose="020B0609020204030204" pitchFamily="49" charset="0"/>
-              </a:rPr>
               <a:t>console.log</a:t>
             </a:r>
             <a:r>
-              <a:rPr kumimoji="1" lang="en-US" altLang="ko-KR" sz="1200" dirty="0" smtClean="0">
+              <a:rPr kumimoji="1" lang="en-US" altLang="ko-KR" sz="1200" dirty="0">
                 <a:solidFill>
                   <a:schemeClr val="tx1">
                     <a:lumMod val="50000"/>
@@ -11022,7 +13444,7 @@
               </a:lnSpc>
             </a:pPr>
             <a:r>
-              <a:rPr kumimoji="1" lang="en-US" altLang="ko-KR" sz="1200" dirty="0" smtClean="0">
+              <a:rPr kumimoji="1" lang="en-US" altLang="ko-KR" sz="1200" dirty="0">
                 <a:solidFill>
                   <a:schemeClr val="tx1">
                     <a:lumMod val="50000"/>
@@ -11035,17 +13457,6 @@
               </a:rPr>
               <a:t>ExContext2();</a:t>
             </a:r>
-            <a:endParaRPr kumimoji="1" lang="en-US" altLang="ko-KR" sz="1200" dirty="0">
-              <a:solidFill>
-                <a:schemeClr val="tx1">
-                  <a:lumMod val="50000"/>
-                  <a:lumOff val="50000"/>
-                </a:schemeClr>
-              </a:solidFill>
-              <a:latin typeface="Consolas" panose="020B0609020204030204" pitchFamily="49" charset="0"/>
-              <a:ea typeface="Nanum Gothic" charset="-127"/>
-              <a:cs typeface="Consolas" panose="020B0609020204030204" pitchFamily="49" charset="0"/>
-            </a:endParaRPr>
           </a:p>
         </p:txBody>
       </p:sp>
@@ -11059,13 +13470,6 @@
   <p:clrMapOvr>
     <a:masterClrMapping/>
   </p:clrMapOvr>
-  <p:timing>
-    <p:tnLst>
-      <p:par>
-        <p:cTn id="1" dur="indefinite" restart="never" nodeType="tmRoot"/>
-      </p:par>
-    </p:tnLst>
-  </p:timing>
 </p:sld>
 </file>
 
@@ -11091,7 +13495,7 @@
           <p:cNvPr id="10" name="TextBox 6">
             <a:extLst>
               <a:ext uri="{FF2B5EF4-FFF2-40B4-BE49-F238E27FC236}">
-                <a16:creationId xmlns:a16="http://schemas.microsoft.com/office/drawing/2014/main" xmlns="" id="{6D527928-482C-E943-BBFB-D3D1130C192A}"/>
+                <a16:creationId xmlns:a16="http://schemas.microsoft.com/office/drawing/2014/main" id="{6D527928-482C-E943-BBFB-D3D1130C192A}"/>
               </a:ext>
             </a:extLst>
           </p:cNvPr>
@@ -11115,7 +13519,7 @@
           <a:lstStyle/>
           <a:p>
             <a:r>
-              <a:rPr kumimoji="1" lang="ko-KR" altLang="en-US" sz="1600" b="1" dirty="0" smtClean="0">
+              <a:rPr kumimoji="1" lang="ko-KR" altLang="en-US" sz="1600" b="1" dirty="0">
                 <a:solidFill>
                   <a:schemeClr val="accent6">
                     <a:lumMod val="50000"/>
@@ -11145,7 +13549,7 @@
           <p:cNvPr id="11" name="TextBox 6">
             <a:extLst>
               <a:ext uri="{FF2B5EF4-FFF2-40B4-BE49-F238E27FC236}">
-                <a16:creationId xmlns:a16="http://schemas.microsoft.com/office/drawing/2014/main" xmlns="" id="{FF918BCE-6F97-434A-B3A2-439095FDE56D}"/>
+                <a16:creationId xmlns:a16="http://schemas.microsoft.com/office/drawing/2014/main" id="{FF918BCE-6F97-434A-B3A2-439095FDE56D}"/>
               </a:ext>
             </a:extLst>
           </p:cNvPr>
@@ -11175,7 +13579,7 @@
               <a:buAutoNum type="arabicPeriod"/>
             </a:pPr>
             <a:r>
-              <a:rPr kumimoji="1" lang="ko-KR" altLang="en-US" sz="1400" spc="300" dirty="0" smtClean="0">
+              <a:rPr kumimoji="1" lang="ko-KR" altLang="en-US" sz="1400" spc="300" dirty="0">
                 <a:latin typeface="Nanum Gothic" charset="-127"/>
                 <a:ea typeface="Nanum Gothic" charset="-127"/>
                 <a:cs typeface="Nanum Gothic" charset="-127"/>
@@ -11183,7 +13587,7 @@
               <a:t> </a:t>
             </a:r>
             <a:r>
-              <a:rPr kumimoji="1" lang="ko-KR" altLang="en-US" sz="1400" spc="300" dirty="0" smtClean="0">
+              <a:rPr kumimoji="1" lang="ko-KR" altLang="en-US" sz="1400" spc="300" dirty="0">
                 <a:solidFill>
                   <a:schemeClr val="accent6">
                     <a:lumMod val="50000"/>
@@ -11196,7 +13600,7 @@
               <a:t>실행컨텍스트</a:t>
             </a:r>
             <a:r>
-              <a:rPr kumimoji="1" lang="ko-KR" altLang="en-US" sz="1400" spc="300" dirty="0" smtClean="0">
+              <a:rPr kumimoji="1" lang="ko-KR" altLang="en-US" sz="1400" spc="300" dirty="0">
                 <a:solidFill>
                   <a:schemeClr val="tx1">
                     <a:lumMod val="75000"/>
@@ -11209,7 +13613,7 @@
               </a:rPr>
               <a:t> 생성</a:t>
             </a:r>
-            <a:endParaRPr kumimoji="1" lang="en-US" altLang="ko-KR" sz="1400" spc="300" dirty="0" smtClean="0">
+            <a:endParaRPr kumimoji="1" lang="en-US" altLang="ko-KR" sz="1400" spc="300" dirty="0">
               <a:solidFill>
                 <a:schemeClr val="tx1">
                   <a:lumMod val="75000"/>
@@ -11237,7 +13641,7 @@
               <a:t> </a:t>
             </a:r>
             <a:r>
-              <a:rPr kumimoji="1" lang="ko-KR" altLang="en-US" sz="1400" spc="300" dirty="0" smtClean="0">
+              <a:rPr kumimoji="1" lang="ko-KR" altLang="en-US" sz="1400" spc="300" dirty="0">
                 <a:solidFill>
                   <a:schemeClr val="accent6">
                     <a:lumMod val="50000"/>
@@ -11250,7 +13654,7 @@
               <a:t>활성 객체</a:t>
             </a:r>
             <a:r>
-              <a:rPr kumimoji="1" lang="en-US" altLang="ko-KR" sz="1400" spc="300" dirty="0" smtClean="0">
+              <a:rPr kumimoji="1" lang="en-US" altLang="ko-KR" sz="1400" spc="300" dirty="0">
                 <a:solidFill>
                   <a:schemeClr val="accent6">
                     <a:lumMod val="50000"/>
@@ -11263,7 +13667,7 @@
               <a:t>(</a:t>
             </a:r>
             <a:r>
-              <a:rPr kumimoji="1" lang="ko-KR" altLang="en-US" sz="1400" spc="300" dirty="0" smtClean="0">
+              <a:rPr kumimoji="1" lang="ko-KR" altLang="en-US" sz="1400" spc="300" dirty="0">
                 <a:solidFill>
                   <a:schemeClr val="accent6">
                     <a:lumMod val="50000"/>
@@ -11276,7 +13680,7 @@
               <a:t>변수객체</a:t>
             </a:r>
             <a:r>
-              <a:rPr kumimoji="1" lang="en-US" altLang="ko-KR" sz="1400" spc="300" dirty="0" smtClean="0">
+              <a:rPr kumimoji="1" lang="en-US" altLang="ko-KR" sz="1400" spc="300" dirty="0">
                 <a:solidFill>
                   <a:schemeClr val="accent6">
                     <a:lumMod val="50000"/>
@@ -11289,7 +13693,7 @@
               <a:t>)</a:t>
             </a:r>
             <a:r>
-              <a:rPr kumimoji="1" lang="ko-KR" altLang="en-US" sz="1400" spc="300" dirty="0" smtClean="0">
+              <a:rPr kumimoji="1" lang="ko-KR" altLang="en-US" sz="1400" spc="300" dirty="0">
                 <a:solidFill>
                   <a:schemeClr val="tx1">
                     <a:lumMod val="75000"/>
@@ -11302,7 +13706,7 @@
               </a:rPr>
               <a:t> 생성</a:t>
             </a:r>
-            <a:endParaRPr kumimoji="1" lang="en-US" altLang="ko-KR" sz="1400" spc="300" dirty="0" smtClean="0">
+            <a:endParaRPr kumimoji="1" lang="en-US" altLang="ko-KR" sz="1400" spc="300" dirty="0">
               <a:solidFill>
                 <a:schemeClr val="tx1">
                   <a:lumMod val="75000"/>
@@ -11322,7 +13726,7 @@
               <a:buAutoNum type="arabicPeriod"/>
             </a:pPr>
             <a:r>
-              <a:rPr kumimoji="1" lang="ko-KR" altLang="en-US" sz="1400" spc="300" dirty="0" smtClean="0">
+              <a:rPr kumimoji="1" lang="ko-KR" altLang="en-US" sz="1400" spc="300" dirty="0">
                 <a:solidFill>
                   <a:schemeClr val="tx1">
                     <a:lumMod val="75000"/>
@@ -11336,7 +13740,7 @@
               <a:t> </a:t>
             </a:r>
             <a:r>
-              <a:rPr kumimoji="1" lang="en-US" altLang="ko-KR" sz="1400" spc="300" dirty="0" smtClean="0">
+              <a:rPr kumimoji="1" lang="en-US" altLang="ko-KR" sz="1400" spc="300" dirty="0">
                 <a:solidFill>
                   <a:schemeClr val="accent6">
                     <a:lumMod val="50000"/>
@@ -11349,7 +13753,7 @@
               <a:t>arguments </a:t>
             </a:r>
             <a:r>
-              <a:rPr kumimoji="1" lang="ko-KR" altLang="en-US" sz="1400" spc="300" dirty="0" smtClean="0">
+              <a:rPr kumimoji="1" lang="ko-KR" altLang="en-US" sz="1400" spc="300" dirty="0">
                 <a:solidFill>
                   <a:schemeClr val="accent6">
                     <a:lumMod val="50000"/>
@@ -11362,7 +13766,7 @@
               <a:t>객체</a:t>
             </a:r>
             <a:r>
-              <a:rPr kumimoji="1" lang="ko-KR" altLang="en-US" sz="1400" spc="300" dirty="0" smtClean="0">
+              <a:rPr kumimoji="1" lang="ko-KR" altLang="en-US" sz="1400" spc="300" dirty="0">
                 <a:solidFill>
                   <a:schemeClr val="tx1">
                     <a:lumMod val="75000"/>
@@ -11375,7 +13779,7 @@
               </a:rPr>
               <a:t> 생성 </a:t>
             </a:r>
-            <a:endParaRPr kumimoji="1" lang="en-US" altLang="ko-KR" sz="1400" spc="300" dirty="0" smtClean="0">
+            <a:endParaRPr kumimoji="1" lang="en-US" altLang="ko-KR" sz="1400" spc="300" dirty="0">
               <a:solidFill>
                 <a:schemeClr val="tx1">
                   <a:lumMod val="75000"/>
@@ -11395,7 +13799,7 @@
               <a:buAutoNum type="arabicPeriod"/>
             </a:pPr>
             <a:r>
-              <a:rPr kumimoji="1" lang="ko-KR" altLang="en-US" sz="1400" spc="300" dirty="0" smtClean="0">
+              <a:rPr kumimoji="1" lang="ko-KR" altLang="en-US" sz="1400" spc="300" dirty="0">
                 <a:solidFill>
                   <a:schemeClr val="tx1">
                     <a:lumMod val="75000"/>
@@ -11409,7 +13813,7 @@
               <a:t> </a:t>
             </a:r>
             <a:r>
-              <a:rPr kumimoji="1" lang="en-US" altLang="ko-KR" sz="1400" spc="300" dirty="0" smtClean="0">
+              <a:rPr kumimoji="1" lang="en-US" altLang="ko-KR" sz="1400" spc="300" dirty="0">
                 <a:solidFill>
                   <a:schemeClr val="accent6">
                     <a:lumMod val="50000"/>
@@ -11422,7 +13826,7 @@
               <a:t>scope </a:t>
             </a:r>
             <a:r>
-              <a:rPr kumimoji="1" lang="ko-KR" altLang="en-US" sz="1400" spc="300" dirty="0" smtClean="0">
+              <a:rPr kumimoji="1" lang="ko-KR" altLang="en-US" sz="1400" spc="300" dirty="0">
                 <a:solidFill>
                   <a:schemeClr val="accent6">
                     <a:lumMod val="50000"/>
@@ -11435,7 +13839,7 @@
               <a:t>정보</a:t>
             </a:r>
             <a:r>
-              <a:rPr kumimoji="1" lang="ko-KR" altLang="en-US" sz="1400" spc="300" dirty="0" smtClean="0">
+              <a:rPr kumimoji="1" lang="ko-KR" altLang="en-US" sz="1400" spc="300" dirty="0">
                 <a:solidFill>
                   <a:schemeClr val="tx1">
                     <a:lumMod val="75000"/>
@@ -11448,7 +13852,7 @@
               </a:rPr>
               <a:t> 생성</a:t>
             </a:r>
-            <a:endParaRPr kumimoji="1" lang="en-US" altLang="ko-KR" sz="1400" spc="300" dirty="0" smtClean="0">
+            <a:endParaRPr kumimoji="1" lang="en-US" altLang="ko-KR" sz="1400" spc="300" dirty="0">
               <a:solidFill>
                 <a:schemeClr val="tx1">
                   <a:lumMod val="75000"/>
@@ -11468,7 +13872,7 @@
               <a:buAutoNum type="arabicPeriod"/>
             </a:pPr>
             <a:r>
-              <a:rPr kumimoji="1" lang="ko-KR" altLang="en-US" sz="1400" spc="300" dirty="0" smtClean="0">
+              <a:rPr kumimoji="1" lang="ko-KR" altLang="en-US" sz="1400" spc="300" dirty="0">
                 <a:solidFill>
                   <a:schemeClr val="tx1">
                     <a:lumMod val="75000"/>
@@ -11482,7 +13886,7 @@
               <a:t> </a:t>
             </a:r>
             <a:r>
-              <a:rPr kumimoji="1" lang="ko-KR" altLang="en-US" sz="1400" spc="300" dirty="0" smtClean="0">
+              <a:rPr kumimoji="1" lang="ko-KR" altLang="en-US" sz="1400" spc="300" dirty="0">
                 <a:solidFill>
                   <a:schemeClr val="accent6">
                     <a:lumMod val="50000"/>
@@ -11495,7 +13899,7 @@
               <a:t>변수</a:t>
             </a:r>
             <a:r>
-              <a:rPr kumimoji="1" lang="ko-KR" altLang="en-US" sz="1400" spc="300" dirty="0" smtClean="0">
+              <a:rPr kumimoji="1" lang="ko-KR" altLang="en-US" sz="1400" spc="300" dirty="0">
                 <a:solidFill>
                   <a:schemeClr val="tx1">
                     <a:lumMod val="75000"/>
@@ -11508,7 +13912,7 @@
               </a:rPr>
               <a:t> 생성</a:t>
             </a:r>
-            <a:endParaRPr kumimoji="1" lang="en-US" altLang="ko-KR" sz="1400" spc="300" dirty="0" smtClean="0">
+            <a:endParaRPr kumimoji="1" lang="en-US" altLang="ko-KR" sz="1400" spc="300" dirty="0">
               <a:solidFill>
                 <a:schemeClr val="tx1">
                   <a:lumMod val="75000"/>
@@ -11528,7 +13932,7 @@
               <a:buAutoNum type="arabicPeriod"/>
             </a:pPr>
             <a:r>
-              <a:rPr kumimoji="1" lang="ko-KR" altLang="en-US" sz="1400" spc="300" dirty="0" smtClean="0">
+              <a:rPr kumimoji="1" lang="ko-KR" altLang="en-US" sz="1400" spc="300" dirty="0">
                 <a:solidFill>
                   <a:schemeClr val="tx1">
                     <a:lumMod val="75000"/>
@@ -11542,7 +13946,7 @@
               <a:t> </a:t>
             </a:r>
             <a:r>
-              <a:rPr kumimoji="1" lang="en-US" altLang="ko-KR" sz="1400" spc="300" dirty="0" smtClean="0">
+              <a:rPr kumimoji="1" lang="en-US" altLang="ko-KR" sz="1400" spc="300" dirty="0">
                 <a:solidFill>
                   <a:schemeClr val="accent6">
                     <a:lumMod val="50000"/>
@@ -11555,7 +13959,7 @@
               <a:t>this</a:t>
             </a:r>
             <a:r>
-              <a:rPr kumimoji="1" lang="en-US" altLang="ko-KR" sz="1400" spc="300" dirty="0" smtClean="0">
+              <a:rPr kumimoji="1" lang="en-US" altLang="ko-KR" sz="1400" spc="300" dirty="0">
                 <a:solidFill>
                   <a:schemeClr val="tx1">
                     <a:lumMod val="75000"/>
@@ -11569,7 +13973,7 @@
               <a:t> </a:t>
             </a:r>
             <a:r>
-              <a:rPr kumimoji="1" lang="ko-KR" altLang="en-US" sz="1400" spc="300" dirty="0" smtClean="0">
+              <a:rPr kumimoji="1" lang="ko-KR" altLang="en-US" sz="1400" spc="300" dirty="0">
                 <a:solidFill>
                   <a:schemeClr val="tx1">
                     <a:lumMod val="75000"/>
@@ -11582,7 +13986,7 @@
               </a:rPr>
               <a:t>바인딩</a:t>
             </a:r>
-            <a:endParaRPr kumimoji="1" lang="en-US" altLang="ko-KR" sz="1400" spc="300" dirty="0" smtClean="0">
+            <a:endParaRPr kumimoji="1" lang="en-US" altLang="ko-KR" sz="1400" spc="300" dirty="0">
               <a:solidFill>
                 <a:schemeClr val="tx1">
                   <a:lumMod val="75000"/>
@@ -11602,7 +14006,7 @@
               <a:buAutoNum type="arabicPeriod"/>
             </a:pPr>
             <a:r>
-              <a:rPr kumimoji="1" lang="ko-KR" altLang="en-US" sz="1400" spc="300" dirty="0" smtClean="0">
+              <a:rPr kumimoji="1" lang="ko-KR" altLang="en-US" sz="1400" spc="300" dirty="0">
                 <a:solidFill>
                   <a:schemeClr val="tx1">
                     <a:lumMod val="75000"/>
@@ -11705,7 +14109,7 @@
           <a:lstStyle/>
           <a:p>
             <a:r>
-              <a:rPr kumimoji="1" lang="en-US" altLang="ko-KR" sz="1400" dirty="0" err="1" smtClean="0">
+              <a:rPr kumimoji="1" lang="en-US" altLang="ko-KR" sz="1400" dirty="0" err="1">
                 <a:solidFill>
                   <a:schemeClr val="tx1">
                     <a:lumMod val="75000"/>
@@ -11719,7 +14123,7 @@
               <a:t>myFunc</a:t>
             </a:r>
             <a:r>
-              <a:rPr kumimoji="1" lang="ko-KR" altLang="en-US" sz="1400" dirty="0" smtClean="0">
+              <a:rPr kumimoji="1" lang="ko-KR" altLang="en-US" sz="1400" dirty="0">
                 <a:solidFill>
                   <a:schemeClr val="tx1">
                     <a:lumMod val="75000"/>
@@ -11733,7 +14137,7 @@
               <a:t> 의 활성 객체 </a:t>
             </a:r>
             <a:r>
-              <a:rPr kumimoji="1" lang="en-US" altLang="ko-KR" sz="1400" dirty="0" smtClean="0">
+              <a:rPr kumimoji="1" lang="en-US" altLang="ko-KR" sz="1400" dirty="0">
                 <a:solidFill>
                   <a:schemeClr val="tx1">
                     <a:lumMod val="75000"/>
@@ -11747,7 +14151,7 @@
               <a:t>(</a:t>
             </a:r>
             <a:r>
-              <a:rPr kumimoji="1" lang="ko-KR" altLang="en-US" sz="1400" dirty="0" smtClean="0">
+              <a:rPr kumimoji="1" lang="ko-KR" altLang="en-US" sz="1400" dirty="0">
                 <a:solidFill>
                   <a:schemeClr val="tx1">
                     <a:lumMod val="75000"/>
@@ -11761,7 +14165,7 @@
               <a:t> 변수 객체 </a:t>
             </a:r>
             <a:r>
-              <a:rPr kumimoji="1" lang="en-US" altLang="ko-KR" sz="1400" dirty="0" smtClean="0">
+              <a:rPr kumimoji="1" lang="en-US" altLang="ko-KR" sz="1400" dirty="0">
                 <a:solidFill>
                   <a:schemeClr val="tx1">
                     <a:lumMod val="75000"/>
@@ -11793,7 +14197,7 @@
           <p:cNvPr id="38" name="TextBox 6">
             <a:extLst>
               <a:ext uri="{FF2B5EF4-FFF2-40B4-BE49-F238E27FC236}">
-                <a16:creationId xmlns:a16="http://schemas.microsoft.com/office/drawing/2014/main" xmlns="" id="{4C433121-55F9-BF41-9CAB-571182E75852}"/>
+                <a16:creationId xmlns:a16="http://schemas.microsoft.com/office/drawing/2014/main" id="{4C433121-55F9-BF41-9CAB-571182E75852}"/>
               </a:ext>
             </a:extLst>
           </p:cNvPr>
@@ -11833,10 +14237,10 @@
                 <a:ea typeface="Nanum Gothic" charset="-127"/>
                 <a:cs typeface="Consolas" panose="020B0609020204030204" pitchFamily="49" charset="0"/>
               </a:rPr>
-              <a:t>f</a:t>
-            </a:r>
-            <a:r>
-              <a:rPr kumimoji="1" lang="en-US" altLang="ko-KR" sz="1200" dirty="0" smtClean="0">
+              <a:t>function </a:t>
+            </a:r>
+            <a:r>
+              <a:rPr kumimoji="1" lang="en-US" altLang="ko-KR" sz="1200" dirty="0" err="1">
                 <a:solidFill>
                   <a:schemeClr val="tx1">
                     <a:lumMod val="50000"/>
@@ -11847,24 +14251,10 @@
                 <a:ea typeface="Nanum Gothic" charset="-127"/>
                 <a:cs typeface="Consolas" panose="020B0609020204030204" pitchFamily="49" charset="0"/>
               </a:rPr>
-              <a:t>unction </a:t>
-            </a:r>
-            <a:r>
-              <a:rPr kumimoji="1" lang="en-US" altLang="ko-KR" sz="1200" dirty="0" err="1" smtClean="0">
-                <a:solidFill>
-                  <a:schemeClr val="tx1">
-                    <a:lumMod val="50000"/>
-                    <a:lumOff val="50000"/>
-                  </a:schemeClr>
-                </a:solidFill>
-                <a:latin typeface="Consolas" panose="020B0609020204030204" pitchFamily="49" charset="0"/>
-                <a:ea typeface="Nanum Gothic" charset="-127"/>
-                <a:cs typeface="Consolas" panose="020B0609020204030204" pitchFamily="49" charset="0"/>
-              </a:rPr>
               <a:t>myFunc</a:t>
             </a:r>
             <a:r>
-              <a:rPr kumimoji="1" lang="en-US" altLang="ko-KR" sz="1200" dirty="0" smtClean="0">
+              <a:rPr kumimoji="1" lang="en-US" altLang="ko-KR" sz="1200" dirty="0">
                 <a:solidFill>
                   <a:schemeClr val="tx1">
                     <a:lumMod val="50000"/>
@@ -11885,7 +14275,7 @@
               </a:lnSpc>
             </a:pPr>
             <a:r>
-              <a:rPr kumimoji="1" lang="en-US" altLang="ko-KR" sz="1200" dirty="0" smtClean="0">
+              <a:rPr kumimoji="1" lang="en-US" altLang="ko-KR" sz="1200" dirty="0">
                 <a:solidFill>
                   <a:schemeClr val="tx1">
                     <a:lumMod val="50000"/>
@@ -11899,7 +14289,7 @@
               <a:t>    </a:t>
             </a:r>
             <a:r>
-              <a:rPr kumimoji="1" lang="en-US" altLang="ko-KR" sz="1200" dirty="0" err="1" smtClean="0">
+              <a:rPr kumimoji="1" lang="en-US" altLang="ko-KR" sz="1200" dirty="0" err="1">
                 <a:solidFill>
                   <a:schemeClr val="tx1">
                     <a:lumMod val="50000"/>
@@ -11913,7 +14303,7 @@
               <a:t>var</a:t>
             </a:r>
             <a:r>
-              <a:rPr kumimoji="1" lang="en-US" altLang="ko-KR" sz="1200" dirty="0" smtClean="0">
+              <a:rPr kumimoji="1" lang="en-US" altLang="ko-KR" sz="1200" dirty="0">
                 <a:solidFill>
                   <a:schemeClr val="tx1">
                     <a:lumMod val="50000"/>
@@ -11945,10 +14335,10 @@
                 <a:ea typeface="Nanum Gothic" charset="-127"/>
                 <a:cs typeface="Consolas" panose="020B0609020204030204" pitchFamily="49" charset="0"/>
               </a:rPr>
-              <a:t> </a:t>
-            </a:r>
-            <a:r>
-              <a:rPr kumimoji="1" lang="en-US" altLang="ko-KR" sz="1200" dirty="0" smtClean="0">
+              <a:t>    </a:t>
+            </a:r>
+            <a:r>
+              <a:rPr kumimoji="1" lang="en-US" altLang="ko-KR" sz="1200" dirty="0" err="1">
                 <a:solidFill>
                   <a:schemeClr val="tx1">
                     <a:lumMod val="50000"/>
@@ -11959,24 +14349,10 @@
                 <a:ea typeface="Nanum Gothic" charset="-127"/>
                 <a:cs typeface="Consolas" panose="020B0609020204030204" pitchFamily="49" charset="0"/>
               </a:rPr>
-              <a:t>   </a:t>
-            </a:r>
-            <a:r>
-              <a:rPr kumimoji="1" lang="en-US" altLang="ko-KR" sz="1200" dirty="0" err="1" smtClean="0">
-                <a:solidFill>
-                  <a:schemeClr val="tx1">
-                    <a:lumMod val="50000"/>
-                    <a:lumOff val="50000"/>
-                  </a:schemeClr>
-                </a:solidFill>
-                <a:latin typeface="Consolas" panose="020B0609020204030204" pitchFamily="49" charset="0"/>
-                <a:ea typeface="Nanum Gothic" charset="-127"/>
-                <a:cs typeface="Consolas" panose="020B0609020204030204" pitchFamily="49" charset="0"/>
-              </a:rPr>
               <a:t>var</a:t>
             </a:r>
             <a:r>
-              <a:rPr kumimoji="1" lang="en-US" altLang="ko-KR" sz="1200" dirty="0" smtClean="0">
+              <a:rPr kumimoji="1" lang="en-US" altLang="ko-KR" sz="1200" dirty="0">
                 <a:solidFill>
                   <a:schemeClr val="tx1">
                     <a:lumMod val="50000"/>
@@ -12015,7 +14391,7 @@
               </a:lnSpc>
             </a:pPr>
             <a:r>
-              <a:rPr kumimoji="1" lang="en-US" altLang="ko-KR" sz="1200" dirty="0" smtClean="0">
+              <a:rPr kumimoji="1" lang="en-US" altLang="ko-KR" sz="1200" dirty="0">
                 <a:solidFill>
                   <a:schemeClr val="tx1">
                     <a:lumMod val="50000"/>
@@ -12029,7 +14405,7 @@
               <a:t>    function </a:t>
             </a:r>
             <a:r>
-              <a:rPr kumimoji="1" lang="en-US" altLang="ko-KR" sz="1200" dirty="0" err="1" smtClean="0">
+              <a:rPr kumimoji="1" lang="en-US" altLang="ko-KR" sz="1200" dirty="0" err="1">
                 <a:solidFill>
                   <a:schemeClr val="tx1">
                     <a:lumMod val="50000"/>
@@ -12043,7 +14419,7 @@
               <a:t>innerFunc</a:t>
             </a:r>
             <a:r>
-              <a:rPr kumimoji="1" lang="en-US" altLang="ko-KR" sz="1200" dirty="0" smtClean="0">
+              <a:rPr kumimoji="1" lang="en-US" altLang="ko-KR" sz="1200" dirty="0">
                 <a:solidFill>
                   <a:schemeClr val="tx1">
                     <a:lumMod val="50000"/>
@@ -12075,10 +14451,10 @@
                 <a:ea typeface="Nanum Gothic" charset="-127"/>
                 <a:cs typeface="Consolas" panose="020B0609020204030204" pitchFamily="49" charset="0"/>
               </a:rPr>
-              <a:t> </a:t>
-            </a:r>
-            <a:r>
-              <a:rPr kumimoji="1" lang="en-US" altLang="ko-KR" sz="1200" dirty="0" smtClean="0">
+              <a:t>        </a:t>
+            </a:r>
+            <a:r>
+              <a:rPr kumimoji="1" lang="en-US" altLang="ko-KR" sz="1200" dirty="0" err="1">
                 <a:solidFill>
                   <a:schemeClr val="tx1">
                     <a:lumMod val="50000"/>
@@ -12089,10 +14465,10 @@
                 <a:ea typeface="Nanum Gothic" charset="-127"/>
                 <a:cs typeface="Consolas" panose="020B0609020204030204" pitchFamily="49" charset="0"/>
               </a:rPr>
-              <a:t>       </a:t>
-            </a:r>
-            <a:r>
-              <a:rPr kumimoji="1" lang="en-US" altLang="ko-KR" sz="1200" dirty="0" err="1" smtClean="0">
+              <a:t>console.log</a:t>
+            </a:r>
+            <a:r>
+              <a:rPr kumimoji="1" lang="en-US" altLang="ko-KR" sz="1200" dirty="0">
                 <a:solidFill>
                   <a:schemeClr val="tx1">
                     <a:lumMod val="50000"/>
@@ -12103,10 +14479,10 @@
                 <a:ea typeface="Nanum Gothic" charset="-127"/>
                 <a:cs typeface="Consolas" panose="020B0609020204030204" pitchFamily="49" charset="0"/>
               </a:rPr>
-              <a:t>console.log</a:t>
-            </a:r>
-            <a:r>
-              <a:rPr kumimoji="1" lang="en-US" altLang="ko-KR" sz="1200" dirty="0" smtClean="0">
+              <a:t>(“this is </a:t>
+            </a:r>
+            <a:r>
+              <a:rPr kumimoji="1" lang="en-US" altLang="ko-KR" sz="1200" dirty="0" err="1">
                 <a:solidFill>
                   <a:schemeClr val="tx1">
                     <a:lumMod val="50000"/>
@@ -12117,24 +14493,10 @@
                 <a:ea typeface="Nanum Gothic" charset="-127"/>
                 <a:cs typeface="Consolas" panose="020B0609020204030204" pitchFamily="49" charset="0"/>
               </a:rPr>
-              <a:t>(“this is </a:t>
-            </a:r>
-            <a:r>
-              <a:rPr kumimoji="1" lang="en-US" altLang="ko-KR" sz="1200" dirty="0" err="1" smtClean="0">
-                <a:solidFill>
-                  <a:schemeClr val="tx1">
-                    <a:lumMod val="50000"/>
-                    <a:lumOff val="50000"/>
-                  </a:schemeClr>
-                </a:solidFill>
-                <a:latin typeface="Consolas" panose="020B0609020204030204" pitchFamily="49" charset="0"/>
-                <a:ea typeface="Nanum Gothic" charset="-127"/>
-                <a:cs typeface="Consolas" panose="020B0609020204030204" pitchFamily="49" charset="0"/>
-              </a:rPr>
               <a:t>innerFunc</a:t>
             </a:r>
             <a:r>
-              <a:rPr kumimoji="1" lang="en-US" altLang="ko-KR" sz="1200" dirty="0" smtClean="0">
+              <a:rPr kumimoji="1" lang="en-US" altLang="ko-KR" sz="1200" dirty="0">
                 <a:solidFill>
                   <a:schemeClr val="tx1">
                     <a:lumMod val="50000"/>
@@ -12166,21 +14528,7 @@
                 <a:ea typeface="Nanum Gothic" charset="-127"/>
                 <a:cs typeface="Consolas" panose="020B0609020204030204" pitchFamily="49" charset="0"/>
               </a:rPr>
-              <a:t> </a:t>
-            </a:r>
-            <a:r>
-              <a:rPr kumimoji="1" lang="en-US" altLang="ko-KR" sz="1200" dirty="0" smtClean="0">
-                <a:solidFill>
-                  <a:schemeClr val="tx1">
-                    <a:lumMod val="50000"/>
-                    <a:lumOff val="50000"/>
-                  </a:schemeClr>
-                </a:solidFill>
-                <a:latin typeface="Consolas" panose="020B0609020204030204" pitchFamily="49" charset="0"/>
-                <a:ea typeface="Nanum Gothic" charset="-127"/>
-                <a:cs typeface="Consolas" panose="020B0609020204030204" pitchFamily="49" charset="0"/>
-              </a:rPr>
-              <a:t>   }</a:t>
+              <a:t>    }</a:t>
             </a:r>
           </a:p>
           <a:p>
@@ -12219,10 +14567,10 @@
                 <a:ea typeface="Nanum Gothic" charset="-127"/>
                 <a:cs typeface="Consolas" panose="020B0609020204030204" pitchFamily="49" charset="0"/>
               </a:rPr>
-              <a:t> </a:t>
-            </a:r>
-            <a:r>
-              <a:rPr kumimoji="1" lang="en-US" altLang="ko-KR" sz="1200" dirty="0" smtClean="0">
+              <a:t>    </a:t>
+            </a:r>
+            <a:r>
+              <a:rPr kumimoji="1" lang="en-US" altLang="ko-KR" sz="1200" dirty="0" err="1">
                 <a:solidFill>
                   <a:schemeClr val="tx1">
                     <a:lumMod val="50000"/>
@@ -12233,24 +14581,10 @@
                 <a:ea typeface="Nanum Gothic" charset="-127"/>
                 <a:cs typeface="Consolas" panose="020B0609020204030204" pitchFamily="49" charset="0"/>
               </a:rPr>
-              <a:t>   </a:t>
-            </a:r>
-            <a:r>
-              <a:rPr kumimoji="1" lang="en-US" altLang="ko-KR" sz="1200" dirty="0" err="1" smtClean="0">
-                <a:solidFill>
-                  <a:schemeClr val="tx1">
-                    <a:lumMod val="50000"/>
-                    <a:lumOff val="50000"/>
-                  </a:schemeClr>
-                </a:solidFill>
-                <a:latin typeface="Consolas" panose="020B0609020204030204" pitchFamily="49" charset="0"/>
-                <a:ea typeface="Nanum Gothic" charset="-127"/>
-                <a:cs typeface="Consolas" panose="020B0609020204030204" pitchFamily="49" charset="0"/>
-              </a:rPr>
               <a:t>innerFunc</a:t>
             </a:r>
             <a:r>
-              <a:rPr kumimoji="1" lang="en-US" altLang="ko-KR" sz="1200" dirty="0" smtClean="0">
+              <a:rPr kumimoji="1" lang="en-US" altLang="ko-KR" sz="1200" dirty="0">
                 <a:solidFill>
                   <a:schemeClr val="tx1">
                     <a:lumMod val="50000"/>
@@ -12271,7 +14605,7 @@
               </a:lnSpc>
             </a:pPr>
             <a:r>
-              <a:rPr kumimoji="1" lang="en-US" altLang="ko-KR" sz="1200" dirty="0" smtClean="0">
+              <a:rPr kumimoji="1" lang="en-US" altLang="ko-KR" sz="1200" dirty="0">
                 <a:solidFill>
                   <a:schemeClr val="tx1">
                     <a:lumMod val="50000"/>
@@ -12285,7 +14619,7 @@
               <a:t>    </a:t>
             </a:r>
             <a:r>
-              <a:rPr kumimoji="1" lang="en-US" altLang="ko-KR" sz="1200" dirty="0" err="1" smtClean="0">
+              <a:rPr kumimoji="1" lang="en-US" altLang="ko-KR" sz="1200" dirty="0" err="1">
                 <a:solidFill>
                   <a:schemeClr val="tx1">
                     <a:lumMod val="50000"/>
@@ -12299,7 +14633,7 @@
               <a:t>console.log</a:t>
             </a:r>
             <a:r>
-              <a:rPr kumimoji="1" lang="en-US" altLang="ko-KR" sz="1200" dirty="0" smtClean="0">
+              <a:rPr kumimoji="1" lang="en-US" altLang="ko-KR" sz="1200" dirty="0">
                 <a:solidFill>
                   <a:schemeClr val="tx1">
                     <a:lumMod val="50000"/>
@@ -12313,7 +14647,7 @@
               <a:t>(“this is </a:t>
             </a:r>
             <a:r>
-              <a:rPr kumimoji="1" lang="en-US" altLang="ko-KR" sz="1200" dirty="0" err="1" smtClean="0">
+              <a:rPr kumimoji="1" lang="en-US" altLang="ko-KR" sz="1200" dirty="0" err="1">
                 <a:solidFill>
                   <a:schemeClr val="tx1">
                     <a:lumMod val="50000"/>
@@ -12327,7 +14661,7 @@
               <a:t>outerFunc</a:t>
             </a:r>
             <a:r>
-              <a:rPr kumimoji="1" lang="en-US" altLang="ko-KR" sz="1200" dirty="0" smtClean="0">
+              <a:rPr kumimoji="1" lang="en-US" altLang="ko-KR" sz="1200" dirty="0">
                 <a:solidFill>
                   <a:schemeClr val="tx1">
                     <a:lumMod val="50000"/>
@@ -12340,17 +14674,6 @@
               </a:rPr>
               <a:t>”);</a:t>
             </a:r>
-            <a:endParaRPr kumimoji="1" lang="en-US" altLang="ko-KR" sz="1200" dirty="0" smtClean="0">
-              <a:solidFill>
-                <a:schemeClr val="tx1">
-                  <a:lumMod val="50000"/>
-                  <a:lumOff val="50000"/>
-                </a:schemeClr>
-              </a:solidFill>
-              <a:latin typeface="Consolas" panose="020B0609020204030204" pitchFamily="49" charset="0"/>
-              <a:ea typeface="Nanum Gothic" charset="-127"/>
-              <a:cs typeface="Consolas" panose="020B0609020204030204" pitchFamily="49" charset="0"/>
-            </a:endParaRPr>
           </a:p>
           <a:p>
             <a:pPr>
@@ -12359,7 +14682,7 @@
               </a:lnSpc>
             </a:pPr>
             <a:r>
-              <a:rPr kumimoji="1" lang="en-US" altLang="ko-KR" sz="1200" dirty="0" smtClean="0">
+              <a:rPr kumimoji="1" lang="en-US" altLang="ko-KR" sz="1200" dirty="0">
                 <a:solidFill>
                   <a:schemeClr val="tx1">
                     <a:lumMod val="50000"/>
@@ -12380,7 +14703,7 @@
               </a:lnSpc>
             </a:pPr>
             <a:r>
-              <a:rPr kumimoji="1" lang="en-US" altLang="ko-KR" sz="1200" dirty="0" err="1" smtClean="0">
+              <a:rPr kumimoji="1" lang="en-US" altLang="ko-KR" sz="1200" dirty="0" err="1">
                 <a:solidFill>
                   <a:schemeClr val="tx1">
                     <a:lumMod val="50000"/>
@@ -12394,7 +14717,7 @@
               <a:t>myFunc</a:t>
             </a:r>
             <a:r>
-              <a:rPr kumimoji="1" lang="en-US" altLang="ko-KR" sz="1200" dirty="0" smtClean="0">
+              <a:rPr kumimoji="1" lang="en-US" altLang="ko-KR" sz="1200" dirty="0">
                 <a:solidFill>
                   <a:schemeClr val="tx1">
                     <a:lumMod val="50000"/>
@@ -12407,17 +14730,6 @@
               </a:rPr>
               <a:t>(‘hi’, 1);</a:t>
             </a:r>
-            <a:endParaRPr kumimoji="1" lang="en-US" altLang="ko-KR" sz="1200" dirty="0">
-              <a:solidFill>
-                <a:schemeClr val="tx1">
-                  <a:lumMod val="50000"/>
-                  <a:lumOff val="50000"/>
-                </a:schemeClr>
-              </a:solidFill>
-              <a:latin typeface="Consolas" panose="020B0609020204030204" pitchFamily="49" charset="0"/>
-              <a:ea typeface="Nanum Gothic" charset="-127"/>
-              <a:cs typeface="Consolas" panose="020B0609020204030204" pitchFamily="49" charset="0"/>
-            </a:endParaRPr>
           </a:p>
         </p:txBody>
       </p:sp>
@@ -12455,7 +14767,7 @@
           <a:p>
             <a:pPr algn="ctr"/>
             <a:r>
-              <a:rPr kumimoji="1" lang="en-US" altLang="ko-KR" sz="1400" dirty="0" smtClean="0">
+              <a:rPr kumimoji="1" lang="en-US" altLang="ko-KR" sz="1400" dirty="0">
                 <a:solidFill>
                   <a:schemeClr val="tx1">
                     <a:lumMod val="75000"/>
@@ -12518,21 +14830,7 @@
                 <a:ea typeface="Consolas" charset="0"/>
                 <a:cs typeface="Consolas" charset="0"/>
               </a:rPr>
-              <a:t>a</a:t>
-            </a:r>
-            <a:r>
-              <a:rPr kumimoji="1" lang="en-US" altLang="ko-KR" sz="1400" dirty="0" smtClean="0">
-                <a:solidFill>
-                  <a:schemeClr val="tx1">
-                    <a:lumMod val="75000"/>
-                    <a:lumOff val="25000"/>
-                  </a:schemeClr>
-                </a:solidFill>
-                <a:latin typeface="Consolas" charset="0"/>
-                <a:ea typeface="Consolas" charset="0"/>
-                <a:cs typeface="Consolas" charset="0"/>
-              </a:rPr>
-              <a:t>rguments: { 0 : “hi”, 1: 1, length: 2, ..} </a:t>
+              <a:t>arguments: { 0 : “hi”, 1: 1, length: 2, ..} </a:t>
             </a:r>
           </a:p>
         </p:txBody>
@@ -12571,7 +14869,7 @@
           <a:p>
             <a:pPr algn="ctr"/>
             <a:r>
-              <a:rPr kumimoji="1" lang="en-US" altLang="ko-KR" sz="1400" dirty="0" smtClean="0">
+              <a:rPr kumimoji="1" lang="en-US" altLang="ko-KR" sz="1400" dirty="0">
                 <a:solidFill>
                   <a:schemeClr val="tx1">
                     <a:lumMod val="75000"/>
@@ -12623,7 +14921,7 @@
           <a:lstStyle/>
           <a:p>
             <a:r>
-              <a:rPr kumimoji="1" lang="ko-KR" altLang="en-US" sz="1400" i="1" dirty="0" smtClean="0">
+              <a:rPr kumimoji="1" lang="ko-KR" altLang="en-US" sz="1400" i="1" dirty="0">
                 <a:solidFill>
                   <a:schemeClr val="tx1">
                     <a:lumMod val="75000"/>
@@ -12637,7 +14935,7 @@
               <a:t>참조값 </a:t>
             </a:r>
             <a:r>
-              <a:rPr kumimoji="1" lang="en-US" altLang="ko-KR" sz="1400" i="1" dirty="0" smtClean="0">
+              <a:rPr kumimoji="1" lang="en-US" altLang="ko-KR" sz="1400" i="1" dirty="0">
                 <a:solidFill>
                   <a:schemeClr val="tx1">
                     <a:lumMod val="75000"/>
@@ -12651,7 +14949,7 @@
               <a:t>Linked List</a:t>
             </a:r>
             <a:r>
-              <a:rPr kumimoji="1" lang="ko-KR" altLang="en-US" sz="1400" i="1" dirty="0" smtClean="0">
+              <a:rPr kumimoji="1" lang="ko-KR" altLang="en-US" sz="1400" i="1" dirty="0">
                 <a:solidFill>
                   <a:schemeClr val="tx1">
                     <a:lumMod val="75000"/>
@@ -12665,7 +14963,7 @@
               <a:t> 형태</a:t>
             </a:r>
             <a:r>
-              <a:rPr kumimoji="1" lang="en-US" altLang="ko-KR" sz="1400" i="1" dirty="0" smtClean="0">
+              <a:rPr kumimoji="1" lang="en-US" altLang="ko-KR" sz="1400" i="1" dirty="0">
                 <a:solidFill>
                   <a:schemeClr val="tx1">
                     <a:lumMod val="75000"/>
@@ -12679,7 +14977,7 @@
               <a:t> (</a:t>
             </a:r>
             <a:r>
-              <a:rPr kumimoji="1" lang="ko-KR" altLang="en-US" sz="1400" i="1" dirty="0" smtClean="0">
+              <a:rPr kumimoji="1" lang="ko-KR" altLang="en-US" sz="1400" i="1" dirty="0">
                 <a:solidFill>
                   <a:schemeClr val="tx1">
                     <a:lumMod val="75000"/>
@@ -12693,7 +14991,7 @@
               <a:t>유사함</a:t>
             </a:r>
             <a:r>
-              <a:rPr kumimoji="1" lang="en-US" altLang="ko-KR" sz="1400" i="1" dirty="0" smtClean="0">
+              <a:rPr kumimoji="1" lang="en-US" altLang="ko-KR" sz="1400" i="1" dirty="0">
                 <a:solidFill>
                   <a:schemeClr val="tx1">
                     <a:lumMod val="75000"/>
@@ -12709,7 +15007,7 @@
           </a:p>
           <a:p>
             <a:r>
-              <a:rPr kumimoji="1" lang="en-US" altLang="ko-KR" sz="1400" dirty="0" smtClean="0">
+              <a:rPr kumimoji="1" lang="en-US" altLang="ko-KR" sz="1400" dirty="0">
                 <a:solidFill>
                   <a:schemeClr val="tx1">
                     <a:lumMod val="75000"/>
@@ -12723,7 +15021,7 @@
               <a:t>__scope__: [</a:t>
             </a:r>
             <a:r>
-              <a:rPr kumimoji="1" lang="ko-KR" altLang="en-US" sz="1400" dirty="0" smtClean="0">
+              <a:rPr kumimoji="1" lang="ko-KR" altLang="en-US" sz="1400" dirty="0">
                 <a:solidFill>
                   <a:schemeClr val="tx1">
                     <a:lumMod val="75000"/>
@@ -12737,7 +15035,7 @@
               <a:t> </a:t>
             </a:r>
             <a:r>
-              <a:rPr kumimoji="1" lang="en-US" altLang="ko-KR" sz="1400" dirty="0" err="1" smtClean="0">
+              <a:rPr kumimoji="1" lang="en-US" altLang="ko-KR" sz="1400" dirty="0" err="1">
                 <a:solidFill>
                   <a:schemeClr val="tx1">
                     <a:lumMod val="75000"/>
@@ -12751,7 +15049,7 @@
               <a:t>myFunc</a:t>
             </a:r>
             <a:r>
-              <a:rPr kumimoji="1" lang="ko-KR" altLang="en-US" sz="1400" dirty="0" smtClean="0">
+              <a:rPr kumimoji="1" lang="ko-KR" altLang="en-US" sz="1400" dirty="0">
                 <a:solidFill>
                   <a:schemeClr val="tx1">
                     <a:lumMod val="75000"/>
@@ -12765,7 +15063,7 @@
               <a:t> 활성객체</a:t>
             </a:r>
             <a:r>
-              <a:rPr kumimoji="1" lang="en-US" altLang="ko-KR" sz="1400" dirty="0" smtClean="0">
+              <a:rPr kumimoji="1" lang="en-US" altLang="ko-KR" sz="1400" dirty="0">
                 <a:solidFill>
                   <a:schemeClr val="tx1">
                     <a:lumMod val="75000"/>
@@ -12779,7 +15077,7 @@
               <a:t>, </a:t>
             </a:r>
             <a:r>
-              <a:rPr kumimoji="1" lang="ko-KR" altLang="en-US" sz="1400" dirty="0" smtClean="0">
+              <a:rPr kumimoji="1" lang="ko-KR" altLang="en-US" sz="1400" dirty="0">
                 <a:solidFill>
                   <a:schemeClr val="tx1">
                     <a:lumMod val="75000"/>
@@ -12793,7 +15091,7 @@
               <a:t>전역객체 </a:t>
             </a:r>
             <a:r>
-              <a:rPr kumimoji="1" lang="en-US" altLang="ko-KR" sz="1400" dirty="0" smtClean="0">
+              <a:rPr kumimoji="1" lang="en-US" altLang="ko-KR" sz="1400" dirty="0">
                 <a:solidFill>
                   <a:schemeClr val="tx1">
                     <a:lumMod val="75000"/>
@@ -12843,7 +15141,7 @@
           <a:p>
             <a:pPr algn="ctr"/>
             <a:r>
-              <a:rPr kumimoji="1" lang="en-US" altLang="ko-KR" sz="1400" dirty="0" smtClean="0">
+              <a:rPr kumimoji="1" lang="en-US" altLang="ko-KR" sz="1400" dirty="0">
                 <a:solidFill>
                   <a:schemeClr val="tx1">
                     <a:lumMod val="75000"/>
@@ -12895,7 +15193,7 @@
           <a:lstStyle/>
           <a:p>
             <a:r>
-              <a:rPr kumimoji="1" lang="en-US" altLang="ko-KR" sz="1400" dirty="0" smtClean="0">
+              <a:rPr kumimoji="1" lang="en-US" altLang="ko-KR" sz="1400" dirty="0">
                 <a:solidFill>
                   <a:schemeClr val="tx1">
                     <a:lumMod val="75000"/>
@@ -12911,7 +15209,7 @@
           </a:p>
           <a:p>
             <a:r>
-              <a:rPr kumimoji="1" lang="en-US" altLang="ko-KR" sz="1400" dirty="0" smtClean="0">
+              <a:rPr kumimoji="1" lang="en-US" altLang="ko-KR" sz="1400" dirty="0">
                 <a:solidFill>
                   <a:schemeClr val="tx1">
                     <a:lumMod val="75000"/>
@@ -12927,7 +15225,7 @@
           </a:p>
           <a:p>
             <a:r>
-              <a:rPr kumimoji="1" lang="en-US" altLang="ko-KR" sz="1400" dirty="0" smtClean="0">
+              <a:rPr kumimoji="1" lang="en-US" altLang="ko-KR" sz="1400" dirty="0">
                 <a:solidFill>
                   <a:schemeClr val="tx1">
                     <a:lumMod val="75000"/>
@@ -12943,7 +15241,7 @@
           </a:p>
           <a:p>
             <a:r>
-              <a:rPr kumimoji="1" lang="en-US" altLang="ko-KR" sz="1400" dirty="0" smtClean="0">
+              <a:rPr kumimoji="1" lang="en-US" altLang="ko-KR" sz="1400" dirty="0">
                 <a:solidFill>
                   <a:schemeClr val="tx1">
                     <a:lumMod val="75000"/>
@@ -12959,7 +15257,7 @@
           </a:p>
           <a:p>
             <a:r>
-              <a:rPr kumimoji="1" lang="en-US" altLang="ko-KR" sz="1400" dirty="0" err="1" smtClean="0">
+              <a:rPr kumimoji="1" lang="en-US" altLang="ko-KR" sz="1400" dirty="0" err="1">
                 <a:solidFill>
                   <a:schemeClr val="tx1">
                     <a:lumMod val="75000"/>
@@ -12973,7 +15271,7 @@
               <a:t>innerFunc</a:t>
             </a:r>
             <a:r>
-              <a:rPr kumimoji="1" lang="en-US" altLang="ko-KR" sz="1400" dirty="0" smtClean="0">
+              <a:rPr kumimoji="1" lang="en-US" altLang="ko-KR" sz="1400" dirty="0">
                 <a:solidFill>
                   <a:schemeClr val="tx1">
                     <a:lumMod val="75000"/>
@@ -13023,7 +15321,7 @@
           <a:p>
             <a:pPr algn="ctr"/>
             <a:r>
-              <a:rPr kumimoji="1" lang="en-US" altLang="ko-KR" sz="1400" dirty="0" smtClean="0">
+              <a:rPr kumimoji="1" lang="en-US" altLang="ko-KR" sz="1400" dirty="0">
                 <a:solidFill>
                   <a:schemeClr val="tx1">
                     <a:lumMod val="75000"/>
@@ -13075,7 +15373,7 @@
           <a:lstStyle/>
           <a:p>
             <a:r>
-              <a:rPr kumimoji="1" lang="en-US" altLang="ko-KR" sz="1400" dirty="0" smtClean="0">
+              <a:rPr kumimoji="1" lang="en-US" altLang="ko-KR" sz="1400" dirty="0">
                 <a:solidFill>
                   <a:schemeClr val="tx1">
                     <a:lumMod val="75000"/>
@@ -13096,7 +15394,7 @@
           <p:cNvPr id="47" name="TextBox 6">
             <a:extLst>
               <a:ext uri="{FF2B5EF4-FFF2-40B4-BE49-F238E27FC236}">
-                <a16:creationId xmlns:a16="http://schemas.microsoft.com/office/drawing/2014/main" xmlns="" id="{FF918BCE-6F97-434A-B3A2-439095FDE56D}"/>
+                <a16:creationId xmlns:a16="http://schemas.microsoft.com/office/drawing/2014/main" id="{FF918BCE-6F97-434A-B3A2-439095FDE56D}"/>
               </a:ext>
             </a:extLst>
           </p:cNvPr>
@@ -13125,7 +15423,7 @@
               </a:lnSpc>
             </a:pPr>
             <a:r>
-              <a:rPr kumimoji="1" lang="en-US" altLang="ko-KR" sz="1400" i="1" dirty="0" smtClean="0">
+              <a:rPr kumimoji="1" lang="en-US" altLang="ko-KR" sz="1400" i="1" dirty="0">
                 <a:solidFill>
                   <a:schemeClr val="tx1">
                     <a:lumMod val="65000"/>
@@ -13139,7 +15437,7 @@
               <a:t>this </a:t>
             </a:r>
             <a:r>
-              <a:rPr kumimoji="1" lang="ko-KR" altLang="en-US" sz="1400" i="1" dirty="0" smtClean="0">
+              <a:rPr kumimoji="1" lang="ko-KR" altLang="en-US" sz="1400" i="1" dirty="0">
                 <a:solidFill>
                   <a:schemeClr val="tx1">
                     <a:lumMod val="65000"/>
@@ -13171,7 +15469,7 @@
               </a:lnSpc>
             </a:pPr>
             <a:r>
-              <a:rPr kumimoji="1" lang="ko-KR" altLang="en-US" sz="1400" i="1" dirty="0" smtClean="0">
+              <a:rPr kumimoji="1" lang="ko-KR" altLang="en-US" sz="1400" i="1" dirty="0">
                 <a:solidFill>
                   <a:schemeClr val="tx1">
                     <a:lumMod val="65000"/>
@@ -13185,7 +15483,7 @@
               <a:t>메소드일때는 상위 객체</a:t>
             </a:r>
             <a:r>
-              <a:rPr kumimoji="1" lang="en-US" altLang="ko-KR" sz="1400" i="1" dirty="0" smtClean="0">
+              <a:rPr kumimoji="1" lang="en-US" altLang="ko-KR" sz="1400" i="1" dirty="0">
                 <a:solidFill>
                   <a:schemeClr val="tx1">
                     <a:lumMod val="65000"/>
@@ -13206,7 +15504,7 @@
               </a:lnSpc>
             </a:pPr>
             <a:r>
-              <a:rPr kumimoji="1" lang="ko-KR" altLang="en-US" sz="1400" i="1" dirty="0" smtClean="0">
+              <a:rPr kumimoji="1" lang="ko-KR" altLang="en-US" sz="1400" i="1" dirty="0">
                 <a:solidFill>
                   <a:schemeClr val="tx1">
                     <a:lumMod val="65000"/>
@@ -13219,7 +15517,7 @@
               </a:rPr>
               <a:t>그 외에는 전역객체를</a:t>
             </a:r>
-            <a:endParaRPr kumimoji="1" lang="en-US" altLang="ko-KR" sz="1400" i="1" dirty="0" smtClean="0">
+            <a:endParaRPr kumimoji="1" lang="en-US" altLang="ko-KR" sz="1400" i="1" dirty="0">
               <a:solidFill>
                 <a:schemeClr val="tx1">
                   <a:lumMod val="65000"/>
@@ -13238,7 +15536,7 @@
               </a:lnSpc>
             </a:pPr>
             <a:r>
-              <a:rPr kumimoji="1" lang="ko-KR" altLang="en-US" sz="1400" i="1" dirty="0" smtClean="0">
+              <a:rPr kumimoji="1" lang="ko-KR" altLang="en-US" sz="1400" i="1" dirty="0">
                 <a:solidFill>
                   <a:schemeClr val="tx1">
                     <a:lumMod val="65000"/>
@@ -13252,7 +15550,7 @@
               <a:t>바인딩한다</a:t>
             </a:r>
             <a:r>
-              <a:rPr kumimoji="1" lang="en-US" altLang="ko-KR" sz="1400" i="1" dirty="0" smtClean="0">
+              <a:rPr kumimoji="1" lang="en-US" altLang="ko-KR" sz="1400" i="1" dirty="0">
                 <a:solidFill>
                   <a:schemeClr val="tx1">
                     <a:lumMod val="65000"/>
@@ -13278,13 +15576,6 @@
   <p:clrMapOvr>
     <a:masterClrMapping/>
   </p:clrMapOvr>
-  <p:timing>
-    <p:tnLst>
-      <p:par>
-        <p:cTn id="1" dur="indefinite" restart="never" nodeType="tmRoot"/>
-      </p:par>
-    </p:tnLst>
-  </p:timing>
 </p:sld>
 </file>
 
@@ -13337,10 +15628,10 @@
                 <a:ea typeface="Nanum Gothic" charset="-127"/>
                 <a:cs typeface="Nanum Gothic" charset="-127"/>
               </a:rPr>
-              <a:t>s</a:t>
-            </a:r>
-            <a:r>
-              <a:rPr lang="en-US" altLang="ko-KR" sz="2000" b="1" dirty="0" smtClean="0">
+              <a:t>scope </a:t>
+            </a:r>
+            <a:r>
+              <a:rPr lang="ko-KR" altLang="en-US" sz="2000" b="1" dirty="0">
                 <a:solidFill>
                   <a:schemeClr val="tx2"/>
                 </a:solidFill>
@@ -13348,27 +15639,8 @@
                 <a:ea typeface="Nanum Gothic" charset="-127"/>
                 <a:cs typeface="Nanum Gothic" charset="-127"/>
               </a:rPr>
-              <a:t>cope </a:t>
-            </a:r>
-            <a:r>
-              <a:rPr lang="ko-KR" altLang="en-US" sz="2000" b="1" dirty="0" smtClean="0">
-                <a:solidFill>
-                  <a:schemeClr val="tx2"/>
-                </a:solidFill>
-                <a:latin typeface="Nanum Gothic" charset="-127"/>
-                <a:ea typeface="Nanum Gothic" charset="-127"/>
-                <a:cs typeface="Nanum Gothic" charset="-127"/>
-              </a:rPr>
               <a:t>체이닝</a:t>
             </a:r>
-            <a:endParaRPr lang="ko-KR" altLang="en-US" sz="2000" b="1" dirty="0">
-              <a:solidFill>
-                <a:schemeClr val="tx2"/>
-              </a:solidFill>
-              <a:latin typeface="Nanum Gothic" charset="-127"/>
-              <a:ea typeface="Nanum Gothic" charset="-127"/>
-              <a:cs typeface="Nanum Gothic" charset="-127"/>
-            </a:endParaRPr>
           </a:p>
         </p:txBody>
       </p:sp>
@@ -13427,7 +15699,7 @@
           <p:cNvPr id="11" name="TextBox 6">
             <a:extLst>
               <a:ext uri="{FF2B5EF4-FFF2-40B4-BE49-F238E27FC236}">
-                <a16:creationId xmlns:a16="http://schemas.microsoft.com/office/drawing/2014/main" xmlns="" id="{FF918BCE-6F97-434A-B3A2-439095FDE56D}"/>
+                <a16:creationId xmlns:a16="http://schemas.microsoft.com/office/drawing/2014/main" id="{FF918BCE-6F97-434A-B3A2-439095FDE56D}"/>
               </a:ext>
             </a:extLst>
           </p:cNvPr>
@@ -13456,7 +15728,7 @@
               </a:lnSpc>
             </a:pPr>
             <a:r>
-              <a:rPr kumimoji="1" lang="ko-KR" altLang="en-US" sz="1400" dirty="0" smtClean="0">
+              <a:rPr kumimoji="1" lang="ko-KR" altLang="en-US" sz="1400" dirty="0">
                 <a:solidFill>
                   <a:schemeClr val="tx1">
                     <a:lumMod val="75000"/>
@@ -13470,7 +15742,7 @@
               <a:t>함수가 실행될때</a:t>
             </a:r>
             <a:r>
-              <a:rPr kumimoji="1" lang="en-US" altLang="ko-KR" sz="1400" dirty="0" smtClean="0">
+              <a:rPr kumimoji="1" lang="en-US" altLang="ko-KR" sz="1400" dirty="0">
                 <a:solidFill>
                   <a:schemeClr val="tx1">
                     <a:lumMod val="75000"/>
@@ -13484,7 +15756,7 @@
               <a:t>,</a:t>
             </a:r>
             <a:r>
-              <a:rPr kumimoji="1" lang="ko-KR" altLang="en-US" sz="1400" dirty="0" smtClean="0">
+              <a:rPr kumimoji="1" lang="ko-KR" altLang="en-US" sz="1400" dirty="0">
                 <a:solidFill>
                   <a:schemeClr val="tx1">
                     <a:lumMod val="75000"/>
@@ -13498,7 +15770,7 @@
               <a:t> 실행 컨텍스트가 생성되며 활성객체가 생성된다</a:t>
             </a:r>
             <a:r>
-              <a:rPr kumimoji="1" lang="en-US" altLang="ko-KR" sz="1400" dirty="0" smtClean="0">
+              <a:rPr kumimoji="1" lang="en-US" altLang="ko-KR" sz="1400" dirty="0">
                 <a:solidFill>
                   <a:schemeClr val="tx1">
                     <a:lumMod val="75000"/>
@@ -13519,7 +15791,7 @@
               </a:lnSpc>
             </a:pPr>
             <a:r>
-              <a:rPr kumimoji="1" lang="ko-KR" altLang="en-US" sz="1400" dirty="0" smtClean="0">
+              <a:rPr kumimoji="1" lang="ko-KR" altLang="en-US" sz="1400" dirty="0">
                 <a:solidFill>
                   <a:schemeClr val="tx1">
                     <a:lumMod val="75000"/>
@@ -13533,7 +15805,7 @@
               <a:t>이 활성객체의 </a:t>
             </a:r>
             <a:r>
-              <a:rPr kumimoji="1" lang="en-US" altLang="ko-KR" sz="1400" dirty="0" smtClean="0">
+              <a:rPr kumimoji="1" lang="en-US" altLang="ko-KR" sz="1400" dirty="0">
                 <a:solidFill>
                   <a:schemeClr val="tx1">
                     <a:lumMod val="75000"/>
@@ -13547,7 +15819,7 @@
               <a:t>scope </a:t>
             </a:r>
             <a:r>
-              <a:rPr kumimoji="1" lang="ko-KR" altLang="en-US" sz="1400" dirty="0" smtClean="0">
+              <a:rPr kumimoji="1" lang="ko-KR" altLang="en-US" sz="1400" dirty="0">
                 <a:solidFill>
                   <a:schemeClr val="tx1">
                     <a:lumMod val="75000"/>
@@ -13561,7 +15833,7 @@
               <a:t>정보를 통해 </a:t>
             </a:r>
             <a:r>
-              <a:rPr kumimoji="1" lang="en-US" altLang="ko-KR" sz="1400" dirty="0" smtClean="0">
+              <a:rPr kumimoji="1" lang="en-US" altLang="ko-KR" sz="1400" dirty="0">
                 <a:solidFill>
                   <a:schemeClr val="tx1">
                     <a:lumMod val="75000"/>
@@ -13575,7 +15847,7 @@
               <a:t>scope </a:t>
             </a:r>
             <a:r>
-              <a:rPr kumimoji="1" lang="ko-KR" altLang="en-US" sz="1400" dirty="0" smtClean="0">
+              <a:rPr kumimoji="1" lang="ko-KR" altLang="en-US" sz="1400" dirty="0">
                 <a:solidFill>
                   <a:schemeClr val="tx1">
                     <a:lumMod val="75000"/>
@@ -13589,7 +15861,7 @@
               <a:t>체이닝이 이뤄진다</a:t>
             </a:r>
             <a:r>
-              <a:rPr kumimoji="1" lang="en-US" altLang="ko-KR" sz="1400" dirty="0" smtClean="0">
+              <a:rPr kumimoji="1" lang="en-US" altLang="ko-KR" sz="1400" dirty="0">
                 <a:solidFill>
                   <a:schemeClr val="tx1">
                     <a:lumMod val="75000"/>
@@ -13628,7 +15900,7 @@
               </a:lnSpc>
             </a:pPr>
             <a:r>
-              <a:rPr kumimoji="1" lang="ko-KR" altLang="en-US" sz="1400" dirty="0" smtClean="0">
+              <a:rPr kumimoji="1" lang="ko-KR" altLang="en-US" sz="1400" dirty="0">
                 <a:solidFill>
                   <a:schemeClr val="tx1">
                     <a:lumMod val="75000"/>
@@ -13642,7 +15914,7 @@
               <a:t>다음 예제를 통해 </a:t>
             </a:r>
             <a:r>
-              <a:rPr kumimoji="1" lang="en-US" altLang="ko-KR" sz="1400" dirty="0" smtClean="0">
+              <a:rPr kumimoji="1" lang="en-US" altLang="ko-KR" sz="1400" dirty="0">
                 <a:solidFill>
                   <a:schemeClr val="tx1">
                     <a:lumMod val="75000"/>
@@ -13656,7 +15928,7 @@
               <a:t>scope </a:t>
             </a:r>
             <a:r>
-              <a:rPr kumimoji="1" lang="ko-KR" altLang="en-US" sz="1400" dirty="0" smtClean="0">
+              <a:rPr kumimoji="1" lang="ko-KR" altLang="en-US" sz="1400" dirty="0">
                 <a:solidFill>
                   <a:schemeClr val="tx1">
                     <a:lumMod val="75000"/>
@@ -13670,7 +15942,7 @@
               <a:t>체이닝을 간단하게 이해할 수 있다</a:t>
             </a:r>
             <a:r>
-              <a:rPr kumimoji="1" lang="en-US" altLang="ko-KR" sz="1400" dirty="0" smtClean="0">
+              <a:rPr kumimoji="1" lang="en-US" altLang="ko-KR" sz="1400" dirty="0">
                 <a:solidFill>
                   <a:schemeClr val="tx1">
                     <a:lumMod val="75000"/>
@@ -13691,7 +15963,7 @@
           <p:cNvPr id="35" name="TextBox 6">
             <a:extLst>
               <a:ext uri="{FF2B5EF4-FFF2-40B4-BE49-F238E27FC236}">
-                <a16:creationId xmlns:a16="http://schemas.microsoft.com/office/drawing/2014/main" xmlns="" id="{4C433121-55F9-BF41-9CAB-571182E75852}"/>
+                <a16:creationId xmlns:a16="http://schemas.microsoft.com/office/drawing/2014/main" id="{4C433121-55F9-BF41-9CAB-571182E75852}"/>
               </a:ext>
             </a:extLst>
           </p:cNvPr>
@@ -13731,10 +16003,10 @@
                 <a:ea typeface="Nanum Gothic" charset="-127"/>
                 <a:cs typeface="Consolas" panose="020B0609020204030204" pitchFamily="49" charset="0"/>
               </a:rPr>
-              <a:t>f</a:t>
-            </a:r>
-            <a:r>
-              <a:rPr kumimoji="1" lang="en-US" altLang="ko-KR" sz="1200" dirty="0" smtClean="0">
+              <a:t>function </a:t>
+            </a:r>
+            <a:r>
+              <a:rPr kumimoji="1" lang="en-US" altLang="ko-KR" sz="1200" dirty="0" err="1">
                 <a:solidFill>
                   <a:schemeClr val="tx1">
                     <a:lumMod val="50000"/>
@@ -13745,38 +16017,10 @@
                 <a:ea typeface="Nanum Gothic" charset="-127"/>
                 <a:cs typeface="Consolas" panose="020B0609020204030204" pitchFamily="49" charset="0"/>
               </a:rPr>
-              <a:t>unction </a:t>
-            </a:r>
-            <a:r>
-              <a:rPr kumimoji="1" lang="en-US" altLang="ko-KR" sz="1200" dirty="0" err="1" smtClean="0">
-                <a:solidFill>
-                  <a:schemeClr val="tx1">
-                    <a:lumMod val="50000"/>
-                    <a:lumOff val="50000"/>
-                  </a:schemeClr>
-                </a:solidFill>
-                <a:latin typeface="Consolas" panose="020B0609020204030204" pitchFamily="49" charset="0"/>
-                <a:ea typeface="Nanum Gothic" charset="-127"/>
-                <a:cs typeface="Consolas" panose="020B0609020204030204" pitchFamily="49" charset="0"/>
-              </a:rPr>
-              <a:t>outer</a:t>
-            </a:r>
-            <a:r>
-              <a:rPr kumimoji="1" lang="en-US" altLang="ko-KR" sz="1200" dirty="0" err="1" smtClean="0">
-                <a:solidFill>
-                  <a:schemeClr val="tx1">
-                    <a:lumMod val="50000"/>
-                    <a:lumOff val="50000"/>
-                  </a:schemeClr>
-                </a:solidFill>
-                <a:latin typeface="Consolas" panose="020B0609020204030204" pitchFamily="49" charset="0"/>
-                <a:ea typeface="Nanum Gothic" charset="-127"/>
-                <a:cs typeface="Consolas" panose="020B0609020204030204" pitchFamily="49" charset="0"/>
-              </a:rPr>
-              <a:t>Func</a:t>
-            </a:r>
-            <a:r>
-              <a:rPr kumimoji="1" lang="en-US" altLang="ko-KR" sz="1200" dirty="0" smtClean="0">
+              <a:t>outerFunc</a:t>
+            </a:r>
+            <a:r>
+              <a:rPr kumimoji="1" lang="en-US" altLang="ko-KR" sz="1200" dirty="0">
                 <a:solidFill>
                   <a:schemeClr val="tx1">
                     <a:lumMod val="50000"/>
@@ -13797,7 +16041,7 @@
               </a:lnSpc>
             </a:pPr>
             <a:r>
-              <a:rPr kumimoji="1" lang="en-US" altLang="ko-KR" sz="1200" dirty="0" smtClean="0">
+              <a:rPr kumimoji="1" lang="en-US" altLang="ko-KR" sz="1200" dirty="0">
                 <a:solidFill>
                   <a:schemeClr val="tx1">
                     <a:lumMod val="50000"/>
@@ -13811,7 +16055,7 @@
               <a:t>    </a:t>
             </a:r>
             <a:r>
-              <a:rPr kumimoji="1" lang="en-US" altLang="ko-KR" sz="1200" dirty="0" err="1" smtClean="0">
+              <a:rPr kumimoji="1" lang="en-US" altLang="ko-KR" sz="1200" dirty="0" err="1">
                 <a:solidFill>
                   <a:schemeClr val="tx1">
                     <a:lumMod val="50000"/>
@@ -13825,7 +16069,7 @@
               <a:t>var</a:t>
             </a:r>
             <a:r>
-              <a:rPr kumimoji="1" lang="en-US" altLang="ko-KR" sz="1200" dirty="0" smtClean="0">
+              <a:rPr kumimoji="1" lang="en-US" altLang="ko-KR" sz="1200" dirty="0">
                 <a:solidFill>
                   <a:schemeClr val="tx1">
                     <a:lumMod val="50000"/>
@@ -13838,17 +16082,6 @@
               </a:rPr>
               <a:t> v2 = 1;</a:t>
             </a:r>
-            <a:endParaRPr kumimoji="1" lang="en-US" altLang="ko-KR" sz="1200" dirty="0">
-              <a:solidFill>
-                <a:schemeClr val="tx1">
-                  <a:lumMod val="50000"/>
-                  <a:lumOff val="50000"/>
-                </a:schemeClr>
-              </a:solidFill>
-              <a:latin typeface="Consolas" panose="020B0609020204030204" pitchFamily="49" charset="0"/>
-              <a:ea typeface="Nanum Gothic" charset="-127"/>
-              <a:cs typeface="Consolas" panose="020B0609020204030204" pitchFamily="49" charset="0"/>
-            </a:endParaRPr>
           </a:p>
           <a:p>
             <a:pPr>
@@ -13857,7 +16090,7 @@
               </a:lnSpc>
             </a:pPr>
             <a:r>
-              <a:rPr kumimoji="1" lang="en-US" altLang="ko-KR" sz="1200" dirty="0" smtClean="0">
+              <a:rPr kumimoji="1" lang="en-US" altLang="ko-KR" sz="1200" dirty="0">
                 <a:solidFill>
                   <a:schemeClr val="tx1">
                     <a:lumMod val="50000"/>
@@ -13871,7 +16104,7 @@
               <a:t>    function </a:t>
             </a:r>
             <a:r>
-              <a:rPr kumimoji="1" lang="en-US" altLang="ko-KR" sz="1200" dirty="0" err="1" smtClean="0">
+              <a:rPr kumimoji="1" lang="en-US" altLang="ko-KR" sz="1200" dirty="0" err="1">
                 <a:solidFill>
                   <a:schemeClr val="tx1">
                     <a:lumMod val="50000"/>
@@ -13885,7 +16118,7 @@
               <a:t>innerFunc</a:t>
             </a:r>
             <a:r>
-              <a:rPr kumimoji="1" lang="en-US" altLang="ko-KR" sz="1200" dirty="0" smtClean="0">
+              <a:rPr kumimoji="1" lang="en-US" altLang="ko-KR" sz="1200" dirty="0">
                 <a:solidFill>
                   <a:schemeClr val="tx1">
                     <a:lumMod val="50000"/>
@@ -13906,7 +16139,7 @@
               </a:lnSpc>
             </a:pPr>
             <a:r>
-              <a:rPr kumimoji="1" lang="en-US" altLang="ko-KR" sz="1200" dirty="0" smtClean="0">
+              <a:rPr kumimoji="1" lang="en-US" altLang="ko-KR" sz="1200" dirty="0">
                 <a:solidFill>
                   <a:schemeClr val="tx1">
                     <a:lumMod val="50000"/>
@@ -13938,33 +16171,8 @@
                 <a:ea typeface="Nanum Gothic" charset="-127"/>
                 <a:cs typeface="Consolas" panose="020B0609020204030204" pitchFamily="49" charset="0"/>
               </a:rPr>
-              <a:t> </a:t>
-            </a:r>
-            <a:r>
-              <a:rPr kumimoji="1" lang="en-US" altLang="ko-KR" sz="1200" dirty="0" smtClean="0">
-                <a:solidFill>
-                  <a:schemeClr val="tx1">
-                    <a:lumMod val="50000"/>
-                    <a:lumOff val="50000"/>
-                  </a:schemeClr>
-                </a:solidFill>
-                <a:latin typeface="Consolas" panose="020B0609020204030204" pitchFamily="49" charset="0"/>
-                <a:ea typeface="Nanum Gothic" charset="-127"/>
-                <a:cs typeface="Consolas" panose="020B0609020204030204" pitchFamily="49" charset="0"/>
-              </a:rPr>
-              <a:t>   }</a:t>
-            </a:r>
-            <a:endParaRPr kumimoji="1" lang="en-US" altLang="ko-KR" sz="1200" dirty="0">
-              <a:solidFill>
-                <a:schemeClr val="tx1">
-                  <a:lumMod val="50000"/>
-                  <a:lumOff val="50000"/>
-                </a:schemeClr>
-              </a:solidFill>
-              <a:latin typeface="Consolas" panose="020B0609020204030204" pitchFamily="49" charset="0"/>
-              <a:ea typeface="Nanum Gothic" charset="-127"/>
-              <a:cs typeface="Consolas" panose="020B0609020204030204" pitchFamily="49" charset="0"/>
-            </a:endParaRPr>
+              <a:t>    }</a:t>
+            </a:r>
           </a:p>
           <a:p>
             <a:pPr>
@@ -13984,10 +16192,10 @@
                 <a:ea typeface="Nanum Gothic" charset="-127"/>
                 <a:cs typeface="Consolas" panose="020B0609020204030204" pitchFamily="49" charset="0"/>
               </a:rPr>
-              <a:t> </a:t>
-            </a:r>
-            <a:r>
-              <a:rPr kumimoji="1" lang="en-US" altLang="ko-KR" sz="1200" dirty="0" smtClean="0">
+              <a:t>    </a:t>
+            </a:r>
+            <a:r>
+              <a:rPr kumimoji="1" lang="en-US" altLang="ko-KR" sz="1200" dirty="0" err="1">
                 <a:solidFill>
                   <a:schemeClr val="tx1">
                     <a:lumMod val="50000"/>
@@ -13998,24 +16206,10 @@
                 <a:ea typeface="Nanum Gothic" charset="-127"/>
                 <a:cs typeface="Consolas" panose="020B0609020204030204" pitchFamily="49" charset="0"/>
               </a:rPr>
-              <a:t>   </a:t>
-            </a:r>
-            <a:r>
-              <a:rPr kumimoji="1" lang="en-US" altLang="ko-KR" sz="1200" dirty="0" err="1" smtClean="0">
-                <a:solidFill>
-                  <a:schemeClr val="tx1">
-                    <a:lumMod val="50000"/>
-                    <a:lumOff val="50000"/>
-                  </a:schemeClr>
-                </a:solidFill>
-                <a:latin typeface="Consolas" panose="020B0609020204030204" pitchFamily="49" charset="0"/>
-                <a:ea typeface="Nanum Gothic" charset="-127"/>
-                <a:cs typeface="Consolas" panose="020B0609020204030204" pitchFamily="49" charset="0"/>
-              </a:rPr>
               <a:t>innerFunc</a:t>
             </a:r>
             <a:r>
-              <a:rPr kumimoji="1" lang="en-US" altLang="ko-KR" sz="1200" dirty="0" smtClean="0">
+              <a:rPr kumimoji="1" lang="en-US" altLang="ko-KR" sz="1200" dirty="0">
                 <a:solidFill>
                   <a:schemeClr val="tx1">
                     <a:lumMod val="50000"/>
@@ -14036,7 +16230,7 @@
               </a:lnSpc>
             </a:pPr>
             <a:r>
-              <a:rPr kumimoji="1" lang="en-US" altLang="ko-KR" sz="1200" dirty="0" smtClean="0">
+              <a:rPr kumimoji="1" lang="en-US" altLang="ko-KR" sz="1200" dirty="0">
                 <a:solidFill>
                   <a:schemeClr val="tx1">
                     <a:lumMod val="50000"/>
@@ -14057,7 +16251,7 @@
           <p:cNvPr id="37" name="TextBox 6">
             <a:extLst>
               <a:ext uri="{FF2B5EF4-FFF2-40B4-BE49-F238E27FC236}">
-                <a16:creationId xmlns:a16="http://schemas.microsoft.com/office/drawing/2014/main" xmlns="" id="{FF918BCE-6F97-434A-B3A2-439095FDE56D}"/>
+                <a16:creationId xmlns:a16="http://schemas.microsoft.com/office/drawing/2014/main" id="{FF918BCE-6F97-434A-B3A2-439095FDE56D}"/>
               </a:ext>
             </a:extLst>
           </p:cNvPr>
@@ -14086,7 +16280,7 @@
               </a:lnSpc>
             </a:pPr>
             <a:r>
-              <a:rPr kumimoji="1" lang="en-US" altLang="ko-KR" sz="1400" dirty="0" err="1" smtClean="0">
+              <a:rPr kumimoji="1" lang="en-US" altLang="ko-KR" sz="1400" dirty="0" err="1">
                 <a:solidFill>
                   <a:schemeClr val="tx1">
                     <a:lumMod val="75000"/>
@@ -14100,7 +16294,7 @@
               <a:t>innerFunc</a:t>
             </a:r>
             <a:r>
-              <a:rPr kumimoji="1" lang="ko-KR" altLang="en-US" sz="1400" dirty="0" smtClean="0">
+              <a:rPr kumimoji="1" lang="ko-KR" altLang="en-US" sz="1400" dirty="0">
                 <a:solidFill>
                   <a:schemeClr val="tx1">
                     <a:lumMod val="75000"/>
@@ -14114,7 +16308,7 @@
               <a:t>의 </a:t>
             </a:r>
             <a:r>
-              <a:rPr kumimoji="1" lang="en-US" altLang="ko-KR" sz="1400" i="1" dirty="0" smtClean="0">
+              <a:rPr kumimoji="1" lang="en-US" altLang="ko-KR" sz="1400" i="1" dirty="0">
                 <a:solidFill>
                   <a:schemeClr val="tx1">
                     <a:lumMod val="75000"/>
@@ -14128,7 +16322,7 @@
               <a:t>v2</a:t>
             </a:r>
             <a:r>
-              <a:rPr kumimoji="1" lang="ko-KR" altLang="en-US" sz="1400" i="1" dirty="0" smtClean="0">
+              <a:rPr kumimoji="1" lang="ko-KR" altLang="en-US" sz="1400" i="1" dirty="0">
                 <a:solidFill>
                   <a:schemeClr val="tx1">
                     <a:lumMod val="75000"/>
@@ -14142,7 +16336,7 @@
               <a:t> </a:t>
             </a:r>
             <a:r>
-              <a:rPr kumimoji="1" lang="en-US" altLang="ko-KR" sz="1400" i="1" dirty="0" smtClean="0">
+              <a:rPr kumimoji="1" lang="en-US" altLang="ko-KR" sz="1400" i="1" dirty="0">
                 <a:solidFill>
                   <a:schemeClr val="tx1">
                     <a:lumMod val="75000"/>
@@ -14156,7 +16350,7 @@
               <a:t>=</a:t>
             </a:r>
             <a:r>
-              <a:rPr kumimoji="1" lang="ko-KR" altLang="en-US" sz="1400" i="1" dirty="0" smtClean="0">
+              <a:rPr kumimoji="1" lang="ko-KR" altLang="en-US" sz="1400" i="1" dirty="0">
                 <a:solidFill>
                   <a:schemeClr val="tx1">
                     <a:lumMod val="75000"/>
@@ -14170,7 +16364,7 @@
               <a:t> </a:t>
             </a:r>
             <a:r>
-              <a:rPr kumimoji="1" lang="en-US" altLang="ko-KR" sz="1400" i="1" dirty="0" smtClean="0">
+              <a:rPr kumimoji="1" lang="en-US" altLang="ko-KR" sz="1400" i="1" dirty="0">
                 <a:solidFill>
                   <a:schemeClr val="tx1">
                     <a:lumMod val="75000"/>
@@ -14184,7 +16378,7 @@
               <a:t>2;</a:t>
             </a:r>
             <a:r>
-              <a:rPr kumimoji="1" lang="en-US" altLang="ko-KR" sz="1400" dirty="0" smtClean="0">
+              <a:rPr kumimoji="1" lang="en-US" altLang="ko-KR" sz="1400" dirty="0">
                 <a:solidFill>
                   <a:schemeClr val="tx1">
                     <a:lumMod val="75000"/>
@@ -14198,7 +16392,7 @@
               <a:t> </a:t>
             </a:r>
             <a:r>
-              <a:rPr kumimoji="1" lang="ko-KR" altLang="en-US" sz="1400" dirty="0" smtClean="0">
+              <a:rPr kumimoji="1" lang="ko-KR" altLang="en-US" sz="1400" dirty="0">
                 <a:solidFill>
                   <a:schemeClr val="tx1">
                     <a:lumMod val="75000"/>
@@ -14212,7 +16406,7 @@
               <a:t>코드가 실행될때</a:t>
             </a:r>
             <a:r>
-              <a:rPr kumimoji="1" lang="en-US" altLang="ko-KR" sz="1400" dirty="0" smtClean="0">
+              <a:rPr kumimoji="1" lang="en-US" altLang="ko-KR" sz="1400" dirty="0">
                 <a:solidFill>
                   <a:schemeClr val="tx1">
                     <a:lumMod val="75000"/>
@@ -14232,297 +16426,6 @@
                 <a:spcPct val="120000"/>
               </a:lnSpc>
             </a:pPr>
-            <a:endParaRPr kumimoji="1" lang="en-US" altLang="ko-KR" sz="1400" dirty="0" smtClean="0">
-              <a:solidFill>
-                <a:schemeClr val="tx1">
-                  <a:lumMod val="75000"/>
-                  <a:lumOff val="25000"/>
-                </a:schemeClr>
-              </a:solidFill>
-              <a:latin typeface="Nanum Gothic" charset="-127"/>
-              <a:ea typeface="Nanum Gothic" charset="-127"/>
-              <a:cs typeface="Nanum Gothic" charset="-127"/>
-            </a:endParaRPr>
-          </a:p>
-          <a:p>
-            <a:pPr>
-              <a:lnSpc>
-                <a:spcPct val="120000"/>
-              </a:lnSpc>
-            </a:pPr>
-            <a:r>
-              <a:rPr kumimoji="1" lang="en-US" altLang="ko-KR" sz="1400" dirty="0" err="1" smtClean="0">
-                <a:solidFill>
-                  <a:schemeClr val="tx1">
-                    <a:lumMod val="75000"/>
-                    <a:lumOff val="25000"/>
-                  </a:schemeClr>
-                </a:solidFill>
-                <a:latin typeface="Nanum Gothic" charset="-127"/>
-                <a:ea typeface="Nanum Gothic" charset="-127"/>
-                <a:cs typeface="Nanum Gothic" charset="-127"/>
-              </a:rPr>
-              <a:t>innerFunc</a:t>
-            </a:r>
-            <a:r>
-              <a:rPr kumimoji="1" lang="ko-KR" altLang="en-US" sz="1400" dirty="0" smtClean="0">
-                <a:solidFill>
-                  <a:schemeClr val="tx1">
-                    <a:lumMod val="75000"/>
-                    <a:lumOff val="25000"/>
-                  </a:schemeClr>
-                </a:solidFill>
-                <a:latin typeface="Nanum Gothic" charset="-127"/>
-                <a:ea typeface="Nanum Gothic" charset="-127"/>
-                <a:cs typeface="Nanum Gothic" charset="-127"/>
-              </a:rPr>
-              <a:t>은 먼저 </a:t>
-            </a:r>
-            <a:r>
-              <a:rPr kumimoji="1" lang="en-US" altLang="ko-KR" sz="1400" dirty="0" smtClean="0">
-                <a:solidFill>
-                  <a:schemeClr val="tx1">
-                    <a:lumMod val="75000"/>
-                    <a:lumOff val="25000"/>
-                  </a:schemeClr>
-                </a:solidFill>
-                <a:latin typeface="Nanum Gothic" charset="-127"/>
-                <a:ea typeface="Nanum Gothic" charset="-127"/>
-                <a:cs typeface="Nanum Gothic" charset="-127"/>
-              </a:rPr>
-              <a:t>scope </a:t>
-            </a:r>
-            <a:r>
-              <a:rPr kumimoji="1" lang="ko-KR" altLang="en-US" sz="1400" dirty="0" smtClean="0">
-                <a:solidFill>
-                  <a:schemeClr val="tx1">
-                    <a:lumMod val="75000"/>
-                    <a:lumOff val="25000"/>
-                  </a:schemeClr>
-                </a:solidFill>
-                <a:latin typeface="Nanum Gothic" charset="-127"/>
-                <a:ea typeface="Nanum Gothic" charset="-127"/>
-                <a:cs typeface="Nanum Gothic" charset="-127"/>
-              </a:rPr>
-              <a:t>리스트의 가장 처음에 있는 자신의 활성객체에서 </a:t>
-            </a:r>
-            <a:r>
-              <a:rPr kumimoji="1" lang="en-US" altLang="ko-KR" sz="1400" dirty="0" smtClean="0">
-                <a:solidFill>
-                  <a:schemeClr val="tx1">
-                    <a:lumMod val="75000"/>
-                    <a:lumOff val="25000"/>
-                  </a:schemeClr>
-                </a:solidFill>
-                <a:latin typeface="Nanum Gothic" charset="-127"/>
-                <a:ea typeface="Nanum Gothic" charset="-127"/>
-                <a:cs typeface="Nanum Gothic" charset="-127"/>
-              </a:rPr>
-              <a:t>v2</a:t>
-            </a:r>
-            <a:r>
-              <a:rPr kumimoji="1" lang="ko-KR" altLang="en-US" sz="1400" dirty="0" smtClean="0">
-                <a:solidFill>
-                  <a:schemeClr val="tx1">
-                    <a:lumMod val="75000"/>
-                    <a:lumOff val="25000"/>
-                  </a:schemeClr>
-                </a:solidFill>
-                <a:latin typeface="Nanum Gothic" charset="-127"/>
-                <a:ea typeface="Nanum Gothic" charset="-127"/>
-                <a:cs typeface="Nanum Gothic" charset="-127"/>
-              </a:rPr>
-              <a:t> 변수를 찾을 것이다</a:t>
-            </a:r>
-            <a:r>
-              <a:rPr kumimoji="1" lang="en-US" altLang="ko-KR" sz="1400" dirty="0" smtClean="0">
-                <a:solidFill>
-                  <a:schemeClr val="tx1">
-                    <a:lumMod val="75000"/>
-                    <a:lumOff val="25000"/>
-                  </a:schemeClr>
-                </a:solidFill>
-                <a:latin typeface="Nanum Gothic" charset="-127"/>
-                <a:ea typeface="Nanum Gothic" charset="-127"/>
-                <a:cs typeface="Nanum Gothic" charset="-127"/>
-              </a:rPr>
-              <a:t>.</a:t>
-            </a:r>
-          </a:p>
-          <a:p>
-            <a:pPr>
-              <a:lnSpc>
-                <a:spcPct val="120000"/>
-              </a:lnSpc>
-            </a:pPr>
-            <a:r>
-              <a:rPr kumimoji="1" lang="ko-KR" altLang="en-US" sz="1400" dirty="0" smtClean="0">
-                <a:solidFill>
-                  <a:schemeClr val="tx1">
-                    <a:lumMod val="75000"/>
-                    <a:lumOff val="25000"/>
-                  </a:schemeClr>
-                </a:solidFill>
-                <a:latin typeface="Nanum Gothic" charset="-127"/>
-                <a:ea typeface="Nanum Gothic" charset="-127"/>
-                <a:cs typeface="Nanum Gothic" charset="-127"/>
-              </a:rPr>
-              <a:t>하지만 </a:t>
-            </a:r>
-            <a:r>
-              <a:rPr kumimoji="1" lang="en-US" altLang="ko-KR" sz="1400" dirty="0" smtClean="0">
-                <a:solidFill>
-                  <a:schemeClr val="tx1">
-                    <a:lumMod val="75000"/>
-                    <a:lumOff val="25000"/>
-                  </a:schemeClr>
-                </a:solidFill>
-                <a:latin typeface="Nanum Gothic" charset="-127"/>
-                <a:ea typeface="Nanum Gothic" charset="-127"/>
-                <a:cs typeface="Nanum Gothic" charset="-127"/>
-              </a:rPr>
-              <a:t>v2 </a:t>
-            </a:r>
-            <a:r>
-              <a:rPr kumimoji="1" lang="ko-KR" altLang="en-US" sz="1400" dirty="0" smtClean="0">
-                <a:solidFill>
-                  <a:schemeClr val="tx1">
-                    <a:lumMod val="75000"/>
-                    <a:lumOff val="25000"/>
-                  </a:schemeClr>
-                </a:solidFill>
-                <a:latin typeface="Nanum Gothic" charset="-127"/>
-                <a:ea typeface="Nanum Gothic" charset="-127"/>
-                <a:cs typeface="Nanum Gothic" charset="-127"/>
-              </a:rPr>
-              <a:t>변수가 없으니</a:t>
-            </a:r>
-            <a:r>
-              <a:rPr kumimoji="1" lang="en-US" altLang="ko-KR" sz="1400" dirty="0" smtClean="0">
-                <a:solidFill>
-                  <a:schemeClr val="tx1">
-                    <a:lumMod val="75000"/>
-                    <a:lumOff val="25000"/>
-                  </a:schemeClr>
-                </a:solidFill>
-                <a:latin typeface="Nanum Gothic" charset="-127"/>
-                <a:ea typeface="Nanum Gothic" charset="-127"/>
-                <a:cs typeface="Nanum Gothic" charset="-127"/>
-              </a:rPr>
-              <a:t>,</a:t>
-            </a:r>
-            <a:r>
-              <a:rPr kumimoji="1" lang="ko-KR" altLang="en-US" sz="1400" dirty="0" smtClean="0">
-                <a:solidFill>
-                  <a:schemeClr val="tx1">
-                    <a:lumMod val="75000"/>
-                    <a:lumOff val="25000"/>
-                  </a:schemeClr>
-                </a:solidFill>
-                <a:latin typeface="Nanum Gothic" charset="-127"/>
-                <a:ea typeface="Nanum Gothic" charset="-127"/>
-                <a:cs typeface="Nanum Gothic" charset="-127"/>
-              </a:rPr>
-              <a:t> </a:t>
-            </a:r>
-            <a:r>
-              <a:rPr kumimoji="1" lang="en-US" altLang="ko-KR" sz="1400" dirty="0" smtClean="0">
-                <a:solidFill>
-                  <a:schemeClr val="tx1">
-                    <a:lumMod val="75000"/>
-                    <a:lumOff val="25000"/>
-                  </a:schemeClr>
-                </a:solidFill>
-                <a:latin typeface="Nanum Gothic" charset="-127"/>
-                <a:ea typeface="Nanum Gothic" charset="-127"/>
-                <a:cs typeface="Nanum Gothic" charset="-127"/>
-              </a:rPr>
-              <a:t>scope </a:t>
-            </a:r>
-            <a:r>
-              <a:rPr kumimoji="1" lang="ko-KR" altLang="en-US" sz="1400" dirty="0" smtClean="0">
-                <a:solidFill>
-                  <a:schemeClr val="tx1">
-                    <a:lumMod val="75000"/>
-                    <a:lumOff val="25000"/>
-                  </a:schemeClr>
-                </a:solidFill>
-                <a:latin typeface="Nanum Gothic" charset="-127"/>
-                <a:ea typeface="Nanum Gothic" charset="-127"/>
-                <a:cs typeface="Nanum Gothic" charset="-127"/>
-              </a:rPr>
-              <a:t>리스트의 다음 활성객체인 </a:t>
-            </a:r>
-            <a:r>
-              <a:rPr kumimoji="1" lang="en-US" altLang="ko-KR" sz="1400" dirty="0" err="1" smtClean="0">
-                <a:solidFill>
-                  <a:schemeClr val="tx1">
-                    <a:lumMod val="75000"/>
-                    <a:lumOff val="25000"/>
-                  </a:schemeClr>
-                </a:solidFill>
-                <a:latin typeface="Nanum Gothic" charset="-127"/>
-                <a:ea typeface="Nanum Gothic" charset="-127"/>
-                <a:cs typeface="Nanum Gothic" charset="-127"/>
-              </a:rPr>
-              <a:t>outerFunc</a:t>
-            </a:r>
-            <a:r>
-              <a:rPr kumimoji="1" lang="en-US" altLang="ko-KR" sz="1400" dirty="0" smtClean="0">
-                <a:solidFill>
-                  <a:schemeClr val="tx1">
-                    <a:lumMod val="75000"/>
-                    <a:lumOff val="25000"/>
-                  </a:schemeClr>
-                </a:solidFill>
-                <a:latin typeface="Nanum Gothic" charset="-127"/>
-                <a:ea typeface="Nanum Gothic" charset="-127"/>
-                <a:cs typeface="Nanum Gothic" charset="-127"/>
-              </a:rPr>
-              <a:t> </a:t>
-            </a:r>
-            <a:r>
-              <a:rPr kumimoji="1" lang="ko-KR" altLang="en-US" sz="1400" dirty="0" smtClean="0">
-                <a:solidFill>
-                  <a:schemeClr val="tx1">
-                    <a:lumMod val="75000"/>
-                    <a:lumOff val="25000"/>
-                  </a:schemeClr>
-                </a:solidFill>
-                <a:latin typeface="Nanum Gothic" charset="-127"/>
-                <a:ea typeface="Nanum Gothic" charset="-127"/>
-                <a:cs typeface="Nanum Gothic" charset="-127"/>
-              </a:rPr>
-              <a:t>활성객체에서 </a:t>
-            </a:r>
-            <a:r>
-              <a:rPr kumimoji="1" lang="en-US" altLang="ko-KR" sz="1400" dirty="0" smtClean="0">
-                <a:solidFill>
-                  <a:schemeClr val="tx1">
-                    <a:lumMod val="75000"/>
-                    <a:lumOff val="25000"/>
-                  </a:schemeClr>
-                </a:solidFill>
-                <a:latin typeface="Nanum Gothic" charset="-127"/>
-                <a:ea typeface="Nanum Gothic" charset="-127"/>
-                <a:cs typeface="Nanum Gothic" charset="-127"/>
-              </a:rPr>
-              <a:t>v2 </a:t>
-            </a:r>
-            <a:r>
-              <a:rPr kumimoji="1" lang="ko-KR" altLang="en-US" sz="1400" dirty="0" smtClean="0">
-                <a:solidFill>
-                  <a:schemeClr val="tx1">
-                    <a:lumMod val="75000"/>
-                    <a:lumOff val="25000"/>
-                  </a:schemeClr>
-                </a:solidFill>
-                <a:latin typeface="Nanum Gothic" charset="-127"/>
-                <a:ea typeface="Nanum Gothic" charset="-127"/>
-                <a:cs typeface="Nanum Gothic" charset="-127"/>
-              </a:rPr>
-              <a:t>변수를 찾고</a:t>
-            </a:r>
             <a:endParaRPr kumimoji="1" lang="en-US" altLang="ko-KR" sz="1400" dirty="0">
               <a:solidFill>
                 <a:schemeClr val="tx1">
@@ -14542,7 +16445,298 @@
               </a:lnSpc>
             </a:pPr>
             <a:r>
-              <a:rPr kumimoji="1" lang="ko-KR" altLang="en-US" sz="1400" dirty="0" smtClean="0">
+              <a:rPr kumimoji="1" lang="en-US" altLang="ko-KR" sz="1400" dirty="0" err="1">
+                <a:solidFill>
+                  <a:schemeClr val="tx1">
+                    <a:lumMod val="75000"/>
+                    <a:lumOff val="25000"/>
+                  </a:schemeClr>
+                </a:solidFill>
+                <a:latin typeface="Nanum Gothic" charset="-127"/>
+                <a:ea typeface="Nanum Gothic" charset="-127"/>
+                <a:cs typeface="Nanum Gothic" charset="-127"/>
+              </a:rPr>
+              <a:t>innerFunc</a:t>
+            </a:r>
+            <a:r>
+              <a:rPr kumimoji="1" lang="ko-KR" altLang="en-US" sz="1400" dirty="0">
+                <a:solidFill>
+                  <a:schemeClr val="tx1">
+                    <a:lumMod val="75000"/>
+                    <a:lumOff val="25000"/>
+                  </a:schemeClr>
+                </a:solidFill>
+                <a:latin typeface="Nanum Gothic" charset="-127"/>
+                <a:ea typeface="Nanum Gothic" charset="-127"/>
+                <a:cs typeface="Nanum Gothic" charset="-127"/>
+              </a:rPr>
+              <a:t>은 먼저 </a:t>
+            </a:r>
+            <a:r>
+              <a:rPr kumimoji="1" lang="en-US" altLang="ko-KR" sz="1400" dirty="0">
+                <a:solidFill>
+                  <a:schemeClr val="tx1">
+                    <a:lumMod val="75000"/>
+                    <a:lumOff val="25000"/>
+                  </a:schemeClr>
+                </a:solidFill>
+                <a:latin typeface="Nanum Gothic" charset="-127"/>
+                <a:ea typeface="Nanum Gothic" charset="-127"/>
+                <a:cs typeface="Nanum Gothic" charset="-127"/>
+              </a:rPr>
+              <a:t>scope </a:t>
+            </a:r>
+            <a:r>
+              <a:rPr kumimoji="1" lang="ko-KR" altLang="en-US" sz="1400" dirty="0">
+                <a:solidFill>
+                  <a:schemeClr val="tx1">
+                    <a:lumMod val="75000"/>
+                    <a:lumOff val="25000"/>
+                  </a:schemeClr>
+                </a:solidFill>
+                <a:latin typeface="Nanum Gothic" charset="-127"/>
+                <a:ea typeface="Nanum Gothic" charset="-127"/>
+                <a:cs typeface="Nanum Gothic" charset="-127"/>
+              </a:rPr>
+              <a:t>리스트의 가장 처음에 있는 자신의 활성객체에서 </a:t>
+            </a:r>
+            <a:r>
+              <a:rPr kumimoji="1" lang="en-US" altLang="ko-KR" sz="1400" dirty="0">
+                <a:solidFill>
+                  <a:schemeClr val="tx1">
+                    <a:lumMod val="75000"/>
+                    <a:lumOff val="25000"/>
+                  </a:schemeClr>
+                </a:solidFill>
+                <a:latin typeface="Nanum Gothic" charset="-127"/>
+                <a:ea typeface="Nanum Gothic" charset="-127"/>
+                <a:cs typeface="Nanum Gothic" charset="-127"/>
+              </a:rPr>
+              <a:t>v2</a:t>
+            </a:r>
+            <a:r>
+              <a:rPr kumimoji="1" lang="ko-KR" altLang="en-US" sz="1400" dirty="0">
+                <a:solidFill>
+                  <a:schemeClr val="tx1">
+                    <a:lumMod val="75000"/>
+                    <a:lumOff val="25000"/>
+                  </a:schemeClr>
+                </a:solidFill>
+                <a:latin typeface="Nanum Gothic" charset="-127"/>
+                <a:ea typeface="Nanum Gothic" charset="-127"/>
+                <a:cs typeface="Nanum Gothic" charset="-127"/>
+              </a:rPr>
+              <a:t> 변수를 찾을 것이다</a:t>
+            </a:r>
+            <a:r>
+              <a:rPr kumimoji="1" lang="en-US" altLang="ko-KR" sz="1400" dirty="0">
+                <a:solidFill>
+                  <a:schemeClr val="tx1">
+                    <a:lumMod val="75000"/>
+                    <a:lumOff val="25000"/>
+                  </a:schemeClr>
+                </a:solidFill>
+                <a:latin typeface="Nanum Gothic" charset="-127"/>
+                <a:ea typeface="Nanum Gothic" charset="-127"/>
+                <a:cs typeface="Nanum Gothic" charset="-127"/>
+              </a:rPr>
+              <a:t>.</a:t>
+            </a:r>
+          </a:p>
+          <a:p>
+            <a:pPr>
+              <a:lnSpc>
+                <a:spcPct val="120000"/>
+              </a:lnSpc>
+            </a:pPr>
+            <a:r>
+              <a:rPr kumimoji="1" lang="ko-KR" altLang="en-US" sz="1400" dirty="0">
+                <a:solidFill>
+                  <a:schemeClr val="tx1">
+                    <a:lumMod val="75000"/>
+                    <a:lumOff val="25000"/>
+                  </a:schemeClr>
+                </a:solidFill>
+                <a:latin typeface="Nanum Gothic" charset="-127"/>
+                <a:ea typeface="Nanum Gothic" charset="-127"/>
+                <a:cs typeface="Nanum Gothic" charset="-127"/>
+              </a:rPr>
+              <a:t>하지만 </a:t>
+            </a:r>
+            <a:r>
+              <a:rPr kumimoji="1" lang="en-US" altLang="ko-KR" sz="1400" dirty="0">
+                <a:solidFill>
+                  <a:schemeClr val="tx1">
+                    <a:lumMod val="75000"/>
+                    <a:lumOff val="25000"/>
+                  </a:schemeClr>
+                </a:solidFill>
+                <a:latin typeface="Nanum Gothic" charset="-127"/>
+                <a:ea typeface="Nanum Gothic" charset="-127"/>
+                <a:cs typeface="Nanum Gothic" charset="-127"/>
+              </a:rPr>
+              <a:t>v2 </a:t>
+            </a:r>
+            <a:r>
+              <a:rPr kumimoji="1" lang="ko-KR" altLang="en-US" sz="1400" dirty="0">
+                <a:solidFill>
+                  <a:schemeClr val="tx1">
+                    <a:lumMod val="75000"/>
+                    <a:lumOff val="25000"/>
+                  </a:schemeClr>
+                </a:solidFill>
+                <a:latin typeface="Nanum Gothic" charset="-127"/>
+                <a:ea typeface="Nanum Gothic" charset="-127"/>
+                <a:cs typeface="Nanum Gothic" charset="-127"/>
+              </a:rPr>
+              <a:t>변수가 없으니</a:t>
+            </a:r>
+            <a:r>
+              <a:rPr kumimoji="1" lang="en-US" altLang="ko-KR" sz="1400" dirty="0">
+                <a:solidFill>
+                  <a:schemeClr val="tx1">
+                    <a:lumMod val="75000"/>
+                    <a:lumOff val="25000"/>
+                  </a:schemeClr>
+                </a:solidFill>
+                <a:latin typeface="Nanum Gothic" charset="-127"/>
+                <a:ea typeface="Nanum Gothic" charset="-127"/>
+                <a:cs typeface="Nanum Gothic" charset="-127"/>
+              </a:rPr>
+              <a:t>,</a:t>
+            </a:r>
+            <a:r>
+              <a:rPr kumimoji="1" lang="ko-KR" altLang="en-US" sz="1400" dirty="0">
+                <a:solidFill>
+                  <a:schemeClr val="tx1">
+                    <a:lumMod val="75000"/>
+                    <a:lumOff val="25000"/>
+                  </a:schemeClr>
+                </a:solidFill>
+                <a:latin typeface="Nanum Gothic" charset="-127"/>
+                <a:ea typeface="Nanum Gothic" charset="-127"/>
+                <a:cs typeface="Nanum Gothic" charset="-127"/>
+              </a:rPr>
+              <a:t> </a:t>
+            </a:r>
+            <a:r>
+              <a:rPr kumimoji="1" lang="en-US" altLang="ko-KR" sz="1400" dirty="0">
+                <a:solidFill>
+                  <a:schemeClr val="tx1">
+                    <a:lumMod val="75000"/>
+                    <a:lumOff val="25000"/>
+                  </a:schemeClr>
+                </a:solidFill>
+                <a:latin typeface="Nanum Gothic" charset="-127"/>
+                <a:ea typeface="Nanum Gothic" charset="-127"/>
+                <a:cs typeface="Nanum Gothic" charset="-127"/>
+              </a:rPr>
+              <a:t>scope </a:t>
+            </a:r>
+            <a:r>
+              <a:rPr kumimoji="1" lang="ko-KR" altLang="en-US" sz="1400" dirty="0">
+                <a:solidFill>
+                  <a:schemeClr val="tx1">
+                    <a:lumMod val="75000"/>
+                    <a:lumOff val="25000"/>
+                  </a:schemeClr>
+                </a:solidFill>
+                <a:latin typeface="Nanum Gothic" charset="-127"/>
+                <a:ea typeface="Nanum Gothic" charset="-127"/>
+                <a:cs typeface="Nanum Gothic" charset="-127"/>
+              </a:rPr>
+              <a:t>리스트의 다음 활성객체인 </a:t>
+            </a:r>
+            <a:r>
+              <a:rPr kumimoji="1" lang="en-US" altLang="ko-KR" sz="1400" dirty="0" err="1">
+                <a:solidFill>
+                  <a:schemeClr val="tx1">
+                    <a:lumMod val="75000"/>
+                    <a:lumOff val="25000"/>
+                  </a:schemeClr>
+                </a:solidFill>
+                <a:latin typeface="Nanum Gothic" charset="-127"/>
+                <a:ea typeface="Nanum Gothic" charset="-127"/>
+                <a:cs typeface="Nanum Gothic" charset="-127"/>
+              </a:rPr>
+              <a:t>outerFunc</a:t>
+            </a:r>
+            <a:r>
+              <a:rPr kumimoji="1" lang="en-US" altLang="ko-KR" sz="1400" dirty="0">
+                <a:solidFill>
+                  <a:schemeClr val="tx1">
+                    <a:lumMod val="75000"/>
+                    <a:lumOff val="25000"/>
+                  </a:schemeClr>
+                </a:solidFill>
+                <a:latin typeface="Nanum Gothic" charset="-127"/>
+                <a:ea typeface="Nanum Gothic" charset="-127"/>
+                <a:cs typeface="Nanum Gothic" charset="-127"/>
+              </a:rPr>
+              <a:t> </a:t>
+            </a:r>
+            <a:r>
+              <a:rPr kumimoji="1" lang="ko-KR" altLang="en-US" sz="1400" dirty="0">
+                <a:solidFill>
+                  <a:schemeClr val="tx1">
+                    <a:lumMod val="75000"/>
+                    <a:lumOff val="25000"/>
+                  </a:schemeClr>
+                </a:solidFill>
+                <a:latin typeface="Nanum Gothic" charset="-127"/>
+                <a:ea typeface="Nanum Gothic" charset="-127"/>
+                <a:cs typeface="Nanum Gothic" charset="-127"/>
+              </a:rPr>
+              <a:t>활성객체에서 </a:t>
+            </a:r>
+            <a:r>
+              <a:rPr kumimoji="1" lang="en-US" altLang="ko-KR" sz="1400" dirty="0">
+                <a:solidFill>
+                  <a:schemeClr val="tx1">
+                    <a:lumMod val="75000"/>
+                    <a:lumOff val="25000"/>
+                  </a:schemeClr>
+                </a:solidFill>
+                <a:latin typeface="Nanum Gothic" charset="-127"/>
+                <a:ea typeface="Nanum Gothic" charset="-127"/>
+                <a:cs typeface="Nanum Gothic" charset="-127"/>
+              </a:rPr>
+              <a:t>v2 </a:t>
+            </a:r>
+            <a:r>
+              <a:rPr kumimoji="1" lang="ko-KR" altLang="en-US" sz="1400" dirty="0">
+                <a:solidFill>
+                  <a:schemeClr val="tx1">
+                    <a:lumMod val="75000"/>
+                    <a:lumOff val="25000"/>
+                  </a:schemeClr>
+                </a:solidFill>
+                <a:latin typeface="Nanum Gothic" charset="-127"/>
+                <a:ea typeface="Nanum Gothic" charset="-127"/>
+                <a:cs typeface="Nanum Gothic" charset="-127"/>
+              </a:rPr>
+              <a:t>변수를 찾고</a:t>
+            </a:r>
+            <a:endParaRPr kumimoji="1" lang="en-US" altLang="ko-KR" sz="1400" dirty="0">
+              <a:solidFill>
+                <a:schemeClr val="tx1">
+                  <a:lumMod val="75000"/>
+                  <a:lumOff val="25000"/>
+                </a:schemeClr>
+              </a:solidFill>
+              <a:latin typeface="Nanum Gothic" charset="-127"/>
+              <a:ea typeface="Nanum Gothic" charset="-127"/>
+              <a:cs typeface="Nanum Gothic" charset="-127"/>
+            </a:endParaRPr>
+          </a:p>
+          <a:p>
+            <a:pPr>
+              <a:lnSpc>
+                <a:spcPct val="120000"/>
+              </a:lnSpc>
+            </a:pPr>
+            <a:r>
+              <a:rPr kumimoji="1" lang="ko-KR" altLang="en-US" sz="1400" dirty="0">
                 <a:solidFill>
                   <a:schemeClr val="tx1">
                     <a:lumMod val="75000"/>
@@ -14556,7 +16750,7 @@
               <a:t>해당 활성객체의 </a:t>
             </a:r>
             <a:r>
-              <a:rPr kumimoji="1" lang="en-US" altLang="ko-KR" sz="1400" dirty="0" smtClean="0">
+              <a:rPr kumimoji="1" lang="en-US" altLang="ko-KR" sz="1400" dirty="0">
                 <a:solidFill>
                   <a:schemeClr val="tx1">
                     <a:lumMod val="75000"/>
@@ -14570,7 +16764,7 @@
               <a:t>{[</a:t>
             </a:r>
             <a:r>
-              <a:rPr kumimoji="1" lang="en-US" altLang="ko-KR" sz="1400" dirty="0" err="1" smtClean="0">
+              <a:rPr kumimoji="1" lang="en-US" altLang="ko-KR" sz="1400" dirty="0" err="1">
                 <a:solidFill>
                   <a:schemeClr val="tx1">
                     <a:lumMod val="75000"/>
@@ -14584,7 +16778,7 @@
               <a:t>outerFunc</a:t>
             </a:r>
             <a:r>
-              <a:rPr kumimoji="1" lang="en-US" altLang="ko-KR" sz="1400" dirty="0" smtClean="0">
+              <a:rPr kumimoji="1" lang="en-US" altLang="ko-KR" sz="1400" dirty="0">
                 <a:solidFill>
                   <a:schemeClr val="tx1">
                     <a:lumMod val="75000"/>
@@ -14598,7 +16792,7 @@
               <a:t> </a:t>
             </a:r>
             <a:r>
-              <a:rPr kumimoji="1" lang="en-US" altLang="ko-KR" sz="1400" dirty="0" err="1" smtClean="0">
+              <a:rPr kumimoji="1" lang="en-US" altLang="ko-KR" sz="1400" dirty="0" err="1">
                 <a:solidFill>
                   <a:schemeClr val="tx1">
                     <a:lumMod val="75000"/>
@@ -14612,7 +16806,7 @@
               <a:t>VariableObject</a:t>
             </a:r>
             <a:r>
-              <a:rPr kumimoji="1" lang="en-US" altLang="ko-KR" sz="1400" dirty="0" smtClean="0">
+              <a:rPr kumimoji="1" lang="en-US" altLang="ko-KR" sz="1400" dirty="0">
                 <a:solidFill>
                   <a:schemeClr val="tx1">
                     <a:lumMod val="75000"/>
@@ -14626,7 +16820,7 @@
               <a:t>]}.v2 = 2; </a:t>
             </a:r>
             <a:r>
-              <a:rPr kumimoji="1" lang="ko-KR" altLang="en-US" sz="1400" dirty="0" smtClean="0">
+              <a:rPr kumimoji="1" lang="ko-KR" altLang="en-US" sz="1400" dirty="0">
                 <a:solidFill>
                   <a:schemeClr val="tx1">
                     <a:lumMod val="75000"/>
@@ -14640,7 +16834,7 @@
               <a:t>로 초기화하게된다</a:t>
             </a:r>
             <a:r>
-              <a:rPr kumimoji="1" lang="en-US" altLang="ko-KR" sz="1400" dirty="0" smtClean="0">
+              <a:rPr kumimoji="1" lang="en-US" altLang="ko-KR" sz="1400" dirty="0">
                 <a:solidFill>
                   <a:schemeClr val="tx1">
                     <a:lumMod val="75000"/>
@@ -14661,7 +16855,7 @@
           <p:cNvPr id="38" name="TextBox 6">
             <a:extLst>
               <a:ext uri="{FF2B5EF4-FFF2-40B4-BE49-F238E27FC236}">
-                <a16:creationId xmlns:a16="http://schemas.microsoft.com/office/drawing/2014/main" xmlns="" id="{6D527928-482C-E943-BBFB-D3D1130C192A}"/>
+                <a16:creationId xmlns:a16="http://schemas.microsoft.com/office/drawing/2014/main" id="{6D527928-482C-E943-BBFB-D3D1130C192A}"/>
               </a:ext>
             </a:extLst>
           </p:cNvPr>
@@ -14685,7 +16879,7 @@
           <a:lstStyle/>
           <a:p>
             <a:r>
-              <a:rPr kumimoji="1" lang="en-US" altLang="ko-KR" sz="1600" b="1" dirty="0" smtClean="0">
+              <a:rPr kumimoji="1" lang="en-US" altLang="ko-KR" sz="1600" b="1" dirty="0">
                 <a:solidFill>
                   <a:schemeClr val="accent6">
                     <a:lumMod val="50000"/>
@@ -14698,7 +16892,7 @@
               <a:t>scope  </a:t>
             </a:r>
             <a:r>
-              <a:rPr kumimoji="1" lang="ko-KR" altLang="en-US" sz="1600" b="1" dirty="0" smtClean="0">
+              <a:rPr kumimoji="1" lang="ko-KR" altLang="en-US" sz="1600" b="1" dirty="0">
                 <a:solidFill>
                   <a:schemeClr val="accent6">
                     <a:lumMod val="50000"/>
@@ -14728,7 +16922,7 @@
           <p:cNvPr id="39" name="TextBox 6">
             <a:extLst>
               <a:ext uri="{FF2B5EF4-FFF2-40B4-BE49-F238E27FC236}">
-                <a16:creationId xmlns:a16="http://schemas.microsoft.com/office/drawing/2014/main" xmlns="" id="{FF918BCE-6F97-434A-B3A2-439095FDE56D}"/>
+                <a16:creationId xmlns:a16="http://schemas.microsoft.com/office/drawing/2014/main" id="{FF918BCE-6F97-434A-B3A2-439095FDE56D}"/>
               </a:ext>
             </a:extLst>
           </p:cNvPr>
@@ -14757,7 +16951,7 @@
               </a:lnSpc>
             </a:pPr>
             <a:r>
-              <a:rPr kumimoji="1" lang="en-US" altLang="ko-KR" sz="1400" dirty="0" smtClean="0">
+              <a:rPr kumimoji="1" lang="en-US" altLang="ko-KR" sz="1400" dirty="0">
                 <a:solidFill>
                   <a:schemeClr val="tx1">
                     <a:lumMod val="75000"/>
@@ -14771,7 +16965,7 @@
               <a:t>scope </a:t>
             </a:r>
             <a:r>
-              <a:rPr kumimoji="1" lang="ko-KR" altLang="en-US" sz="1400" dirty="0" smtClean="0">
+              <a:rPr kumimoji="1" lang="ko-KR" altLang="en-US" sz="1400" dirty="0">
                 <a:solidFill>
                   <a:schemeClr val="tx1">
                     <a:lumMod val="75000"/>
@@ -14785,7 +16979,7 @@
               <a:t>정보는 단순히 실행 컨텍스트 스택</a:t>
             </a:r>
             <a:r>
-              <a:rPr kumimoji="1" lang="en-US" altLang="ko-KR" sz="1400" dirty="0" smtClean="0">
+              <a:rPr kumimoji="1" lang="en-US" altLang="ko-KR" sz="1400" dirty="0">
                 <a:solidFill>
                   <a:schemeClr val="tx1">
                     <a:lumMod val="75000"/>
@@ -14799,7 +16993,7 @@
               <a:t> </a:t>
             </a:r>
             <a:r>
-              <a:rPr kumimoji="1" lang="ko-KR" altLang="en-US" sz="1400" dirty="0" smtClean="0">
+              <a:rPr kumimoji="1" lang="ko-KR" altLang="en-US" sz="1400" dirty="0">
                 <a:solidFill>
                   <a:schemeClr val="tx1">
                     <a:lumMod val="75000"/>
@@ -14813,7 +17007,7 @@
               <a:t>상의 상위 컨텍스트를 연결리스트로 갖는 것이 아니고</a:t>
             </a:r>
             <a:r>
-              <a:rPr kumimoji="1" lang="en-US" altLang="ko-KR" sz="1400" dirty="0" smtClean="0">
+              <a:rPr kumimoji="1" lang="en-US" altLang="ko-KR" sz="1400" dirty="0">
                 <a:solidFill>
                   <a:schemeClr val="tx1">
                     <a:lumMod val="75000"/>
@@ -14834,7 +17028,7 @@
               </a:lnSpc>
             </a:pPr>
             <a:r>
-              <a:rPr kumimoji="1" lang="ko-KR" altLang="en-US" sz="1400" dirty="0" smtClean="0">
+              <a:rPr kumimoji="1" lang="ko-KR" altLang="en-US" sz="1400" dirty="0">
                 <a:solidFill>
                   <a:schemeClr val="tx1">
                     <a:lumMod val="75000"/>
@@ -14848,7 +17042,7 @@
               <a:t>자신의 컨텍스트의 상위 컨텍스트를 순차적으로 연결리스트로 갖는다</a:t>
             </a:r>
             <a:r>
-              <a:rPr kumimoji="1" lang="en-US" altLang="ko-KR" sz="1400" dirty="0" smtClean="0">
+              <a:rPr kumimoji="1" lang="en-US" altLang="ko-KR" sz="1400" dirty="0">
                 <a:solidFill>
                   <a:schemeClr val="tx1">
                     <a:lumMod val="75000"/>
@@ -14874,13 +17068,6 @@
   <p:clrMapOvr>
     <a:masterClrMapping/>
   </p:clrMapOvr>
-  <p:timing>
-    <p:tnLst>
-      <p:par>
-        <p:cTn id="1" dur="indefinite" restart="never" nodeType="tmRoot"/>
-      </p:par>
-    </p:tnLst>
-  </p:timing>
 </p:sld>
 </file>
 
@@ -14925,7 +17112,7 @@
           <a:p>
             <a:pPr algn="l"/>
             <a:r>
-              <a:rPr lang="en-US" altLang="ko-KR" sz="2000" b="1" dirty="0" smtClean="0">
+              <a:rPr lang="en-US" altLang="ko-KR" sz="2000" b="1" dirty="0">
                 <a:solidFill>
                   <a:schemeClr val="tx2"/>
                 </a:solidFill>
@@ -14936,7 +17123,7 @@
               <a:t>this </a:t>
             </a:r>
             <a:r>
-              <a:rPr lang="ko-KR" altLang="en-US" sz="2000" b="1" dirty="0" smtClean="0">
+              <a:rPr lang="ko-KR" altLang="en-US" sz="2000" b="1" dirty="0">
                 <a:solidFill>
                   <a:schemeClr val="tx2"/>
                 </a:solidFill>
@@ -14946,14 +17133,6 @@
               </a:rPr>
               <a:t>바인딩</a:t>
             </a:r>
-            <a:endParaRPr lang="ko-KR" altLang="en-US" sz="2000" b="1" dirty="0">
-              <a:solidFill>
-                <a:schemeClr val="tx2"/>
-              </a:solidFill>
-              <a:latin typeface="Nanum Gothic" charset="-127"/>
-              <a:ea typeface="Nanum Gothic" charset="-127"/>
-              <a:cs typeface="Nanum Gothic" charset="-127"/>
-            </a:endParaRPr>
           </a:p>
         </p:txBody>
       </p:sp>
@@ -15012,7 +17191,7 @@
           <p:cNvPr id="11" name="TextBox 6">
             <a:extLst>
               <a:ext uri="{FF2B5EF4-FFF2-40B4-BE49-F238E27FC236}">
-                <a16:creationId xmlns:a16="http://schemas.microsoft.com/office/drawing/2014/main" xmlns="" id="{FF918BCE-6F97-434A-B3A2-439095FDE56D}"/>
+                <a16:creationId xmlns:a16="http://schemas.microsoft.com/office/drawing/2014/main" id="{FF918BCE-6F97-434A-B3A2-439095FDE56D}"/>
               </a:ext>
             </a:extLst>
           </p:cNvPr>
@@ -15041,7 +17220,7 @@
               </a:lnSpc>
             </a:pPr>
             <a:r>
-              <a:rPr kumimoji="1" lang="ko-KR" altLang="en-US" sz="1400" dirty="0" smtClean="0">
+              <a:rPr kumimoji="1" lang="ko-KR" altLang="en-US" sz="1400" dirty="0">
                 <a:solidFill>
                   <a:schemeClr val="tx1">
                     <a:lumMod val="75000"/>
@@ -15055,7 +17234,7 @@
               <a:t>활성객체가 생성될 때 기본적으로 </a:t>
             </a:r>
             <a:r>
-              <a:rPr kumimoji="1" lang="en-US" altLang="ko-KR" sz="1400" dirty="0" smtClean="0">
+              <a:rPr kumimoji="1" lang="en-US" altLang="ko-KR" sz="1400" dirty="0">
                 <a:solidFill>
                   <a:schemeClr val="tx1">
                     <a:lumMod val="75000"/>
@@ -15069,7 +17248,7 @@
               <a:t>this</a:t>
             </a:r>
             <a:r>
-              <a:rPr kumimoji="1" lang="ko-KR" altLang="en-US" sz="1400" dirty="0" smtClean="0">
+              <a:rPr kumimoji="1" lang="ko-KR" altLang="en-US" sz="1400" dirty="0">
                 <a:solidFill>
                   <a:schemeClr val="tx1">
                     <a:lumMod val="75000"/>
@@ -15083,547 +17262,7 @@
               <a:t>에 어떤 객체가 바인딩 되는지 다루었다</a:t>
             </a:r>
             <a:r>
-              <a:rPr kumimoji="1" lang="en-US" altLang="ko-KR" sz="1400" dirty="0" smtClean="0">
-                <a:solidFill>
-                  <a:schemeClr val="tx1">
-                    <a:lumMod val="75000"/>
-                    <a:lumOff val="25000"/>
-                  </a:schemeClr>
-                </a:solidFill>
-                <a:latin typeface="Nanum Gothic" charset="-127"/>
-                <a:ea typeface="Nanum Gothic" charset="-127"/>
-                <a:cs typeface="Nanum Gothic" charset="-127"/>
-              </a:rPr>
-              <a:t>.</a:t>
-            </a:r>
-            <a:endParaRPr kumimoji="1" lang="en-US" altLang="ko-KR" sz="1400" dirty="0">
-              <a:solidFill>
-                <a:schemeClr val="tx1">
-                  <a:lumMod val="75000"/>
-                  <a:lumOff val="25000"/>
-                </a:schemeClr>
-              </a:solidFill>
-              <a:latin typeface="Nanum Gothic" charset="-127"/>
-              <a:ea typeface="Nanum Gothic" charset="-127"/>
-              <a:cs typeface="Nanum Gothic" charset="-127"/>
-            </a:endParaRPr>
-          </a:p>
-          <a:p>
-            <a:pPr>
-              <a:lnSpc>
-                <a:spcPct val="120000"/>
-              </a:lnSpc>
-            </a:pPr>
-            <a:endParaRPr kumimoji="1" lang="en-US" altLang="ko-KR" sz="1400" dirty="0" smtClean="0">
-              <a:solidFill>
-                <a:schemeClr val="tx1">
-                  <a:lumMod val="75000"/>
-                  <a:lumOff val="25000"/>
-                </a:schemeClr>
-              </a:solidFill>
-              <a:latin typeface="Nanum Gothic" charset="-127"/>
-              <a:ea typeface="Nanum Gothic" charset="-127"/>
-              <a:cs typeface="Nanum Gothic" charset="-127"/>
-            </a:endParaRPr>
-          </a:p>
-          <a:p>
-            <a:pPr>
-              <a:lnSpc>
-                <a:spcPct val="120000"/>
-              </a:lnSpc>
-            </a:pPr>
-            <a:r>
-              <a:rPr kumimoji="1" lang="ko-KR" altLang="en-US" sz="1400" dirty="0" smtClean="0">
-                <a:solidFill>
-                  <a:schemeClr val="tx1">
-                    <a:lumMod val="75000"/>
-                    <a:lumOff val="25000"/>
-                  </a:schemeClr>
-                </a:solidFill>
-                <a:latin typeface="Nanum Gothic" charset="-127"/>
-                <a:ea typeface="Nanum Gothic" charset="-127"/>
-                <a:cs typeface="Nanum Gothic" charset="-127"/>
-              </a:rPr>
-              <a:t>함수를 호출할 때 명시적으로 </a:t>
-            </a:r>
-            <a:r>
-              <a:rPr kumimoji="1" lang="en-US" altLang="ko-KR" sz="1400" dirty="0" smtClean="0">
-                <a:solidFill>
-                  <a:schemeClr val="tx1">
-                    <a:lumMod val="75000"/>
-                    <a:lumOff val="25000"/>
-                  </a:schemeClr>
-                </a:solidFill>
-                <a:latin typeface="Nanum Gothic" charset="-127"/>
-                <a:ea typeface="Nanum Gothic" charset="-127"/>
-                <a:cs typeface="Nanum Gothic" charset="-127"/>
-              </a:rPr>
-              <a:t>this </a:t>
-            </a:r>
-            <a:r>
-              <a:rPr kumimoji="1" lang="ko-KR" altLang="en-US" sz="1400" dirty="0" smtClean="0">
-                <a:solidFill>
-                  <a:schemeClr val="tx1">
-                    <a:lumMod val="75000"/>
-                    <a:lumOff val="25000"/>
-                  </a:schemeClr>
-                </a:solidFill>
-                <a:latin typeface="Nanum Gothic" charset="-127"/>
-                <a:ea typeface="Nanum Gothic" charset="-127"/>
-                <a:cs typeface="Nanum Gothic" charset="-127"/>
-              </a:rPr>
-              <a:t>바인딩 하는 방법</a:t>
-            </a:r>
-            <a:r>
-              <a:rPr kumimoji="1" lang="en-US" altLang="ko-KR" sz="1400" dirty="0" smtClean="0">
-                <a:solidFill>
-                  <a:schemeClr val="tx1">
-                    <a:lumMod val="75000"/>
-                    <a:lumOff val="25000"/>
-                  </a:schemeClr>
-                </a:solidFill>
-                <a:latin typeface="Nanum Gothic" charset="-127"/>
-                <a:ea typeface="Nanum Gothic" charset="-127"/>
-                <a:cs typeface="Nanum Gothic" charset="-127"/>
-              </a:rPr>
-              <a:t>,</a:t>
-            </a:r>
-            <a:r>
-              <a:rPr kumimoji="1" lang="ko-KR" altLang="en-US" sz="1400" dirty="0" smtClean="0">
-                <a:solidFill>
-                  <a:schemeClr val="tx1">
-                    <a:lumMod val="75000"/>
-                    <a:lumOff val="25000"/>
-                  </a:schemeClr>
-                </a:solidFill>
-                <a:latin typeface="Nanum Gothic" charset="-127"/>
-                <a:ea typeface="Nanum Gothic" charset="-127"/>
-                <a:cs typeface="Nanum Gothic" charset="-127"/>
-              </a:rPr>
-              <a:t> </a:t>
-            </a:r>
-            <a:r>
-              <a:rPr kumimoji="1" lang="en-US" altLang="ko-KR" sz="1400" dirty="0" smtClean="0">
-                <a:solidFill>
-                  <a:schemeClr val="tx1">
-                    <a:lumMod val="75000"/>
-                    <a:lumOff val="25000"/>
-                  </a:schemeClr>
-                </a:solidFill>
-                <a:latin typeface="Nanum Gothic" charset="-127"/>
-                <a:ea typeface="Nanum Gothic" charset="-127"/>
-                <a:cs typeface="Nanum Gothic" charset="-127"/>
-              </a:rPr>
-              <a:t>this</a:t>
-            </a:r>
-            <a:r>
-              <a:rPr kumimoji="1" lang="ko-KR" altLang="en-US" sz="1400" dirty="0" smtClean="0">
-                <a:solidFill>
-                  <a:schemeClr val="tx1">
-                    <a:lumMod val="75000"/>
-                    <a:lumOff val="25000"/>
-                  </a:schemeClr>
-                </a:solidFill>
-                <a:latin typeface="Nanum Gothic" charset="-127"/>
-                <a:ea typeface="Nanum Gothic" charset="-127"/>
-                <a:cs typeface="Nanum Gothic" charset="-127"/>
-              </a:rPr>
-              <a:t> 바인딩을 시켜 임시 메소드를 만드는 방법</a:t>
-            </a:r>
-            <a:endParaRPr kumimoji="1" lang="en-US" altLang="ko-KR" sz="1400" dirty="0" smtClean="0">
-              <a:solidFill>
-                <a:schemeClr val="tx1">
-                  <a:lumMod val="75000"/>
-                  <a:lumOff val="25000"/>
-                </a:schemeClr>
-              </a:solidFill>
-              <a:latin typeface="Nanum Gothic" charset="-127"/>
-              <a:ea typeface="Nanum Gothic" charset="-127"/>
-              <a:cs typeface="Nanum Gothic" charset="-127"/>
-            </a:endParaRPr>
-          </a:p>
-          <a:p>
-            <a:pPr>
-              <a:lnSpc>
-                <a:spcPct val="120000"/>
-              </a:lnSpc>
-            </a:pPr>
-            <a:r>
-              <a:rPr kumimoji="1" lang="ko-KR" altLang="en-US" sz="1400" dirty="0" smtClean="0">
-                <a:solidFill>
-                  <a:schemeClr val="tx1">
-                    <a:lumMod val="75000"/>
-                    <a:lumOff val="25000"/>
-                  </a:schemeClr>
-                </a:solidFill>
-                <a:latin typeface="Nanum Gothic" charset="-127"/>
-                <a:ea typeface="Nanum Gothic" charset="-127"/>
-                <a:cs typeface="Nanum Gothic" charset="-127"/>
-              </a:rPr>
-              <a:t>이 존재한다</a:t>
-            </a:r>
-            <a:r>
-              <a:rPr kumimoji="1" lang="en-US" altLang="ko-KR" sz="1400" dirty="0" smtClean="0">
-                <a:solidFill>
-                  <a:schemeClr val="tx1">
-                    <a:lumMod val="75000"/>
-                    <a:lumOff val="25000"/>
-                  </a:schemeClr>
-                </a:solidFill>
-                <a:latin typeface="Nanum Gothic" charset="-127"/>
-                <a:ea typeface="Nanum Gothic" charset="-127"/>
-                <a:cs typeface="Nanum Gothic" charset="-127"/>
-              </a:rPr>
-              <a:t>.</a:t>
-            </a:r>
-          </a:p>
-        </p:txBody>
-      </p:sp>
-      <p:sp>
-        <p:nvSpPr>
-          <p:cNvPr id="40" name="TextBox 6">
-            <a:extLst>
-              <a:ext uri="{FF2B5EF4-FFF2-40B4-BE49-F238E27FC236}">
-                <a16:creationId xmlns:a16="http://schemas.microsoft.com/office/drawing/2014/main" xmlns="" id="{6D527928-482C-E943-BBFB-D3D1130C192A}"/>
-              </a:ext>
-            </a:extLst>
-          </p:cNvPr>
-          <p:cNvSpPr txBox="1"/>
-          <p:nvPr/>
-        </p:nvSpPr>
-        <p:spPr>
-          <a:xfrm>
-            <a:off x="550896" y="1988840"/>
-            <a:ext cx="1750800" cy="338554"/>
-          </a:xfrm>
-          <a:prstGeom prst="rect">
-            <a:avLst/>
-          </a:prstGeom>
-          <a:noFill/>
-        </p:spPr>
-        <p:txBody>
-          <a:bodyPr wrap="none" rtlCol="0">
-            <a:spAutoFit/>
-          </a:bodyPr>
-          <a:lstStyle/>
-          <a:p>
-            <a:r>
-              <a:rPr kumimoji="1" lang="en-US" altLang="ko-KR" sz="1600" b="1" spc="100" dirty="0" smtClean="0">
-                <a:solidFill>
-                  <a:schemeClr val="accent6">
-                    <a:lumMod val="50000"/>
-                  </a:schemeClr>
-                </a:solidFill>
-                <a:latin typeface="Nanum Gothic" charset="-127"/>
-                <a:ea typeface="Nanum Gothic" charset="-127"/>
-                <a:cs typeface="Nanum Gothic" charset="-127"/>
-              </a:rPr>
-              <a:t>apply(</a:t>
-            </a:r>
-            <a:r>
-              <a:rPr kumimoji="1" lang="ko-KR" altLang="en-US" sz="1600" b="1" spc="100" dirty="0" smtClean="0">
-                <a:solidFill>
-                  <a:schemeClr val="accent6">
-                    <a:lumMod val="50000"/>
-                  </a:schemeClr>
-                </a:solidFill>
-                <a:latin typeface="Nanum Gothic" charset="-127"/>
-                <a:ea typeface="Nanum Gothic" charset="-127"/>
-                <a:cs typeface="Nanum Gothic" charset="-127"/>
-              </a:rPr>
-              <a:t> </a:t>
-            </a:r>
-            <a:r>
-              <a:rPr kumimoji="1" lang="en-US" altLang="ko-KR" sz="1600" b="1" spc="100" dirty="0" smtClean="0">
-                <a:solidFill>
-                  <a:schemeClr val="accent6">
-                    <a:lumMod val="50000"/>
-                  </a:schemeClr>
-                </a:solidFill>
-                <a:latin typeface="Nanum Gothic" charset="-127"/>
-                <a:ea typeface="Nanum Gothic" charset="-127"/>
-                <a:cs typeface="Nanum Gothic" charset="-127"/>
-              </a:rPr>
-              <a:t>), call(</a:t>
-            </a:r>
-            <a:r>
-              <a:rPr kumimoji="1" lang="ko-KR" altLang="en-US" sz="1600" b="1" spc="100" dirty="0" smtClean="0">
-                <a:solidFill>
-                  <a:schemeClr val="accent6">
-                    <a:lumMod val="50000"/>
-                  </a:schemeClr>
-                </a:solidFill>
-                <a:latin typeface="Nanum Gothic" charset="-127"/>
-                <a:ea typeface="Nanum Gothic" charset="-127"/>
-                <a:cs typeface="Nanum Gothic" charset="-127"/>
-              </a:rPr>
-              <a:t> </a:t>
-            </a:r>
-            <a:r>
-              <a:rPr kumimoji="1" lang="en-US" altLang="ko-KR" sz="1600" b="1" spc="100" dirty="0" smtClean="0">
-                <a:solidFill>
-                  <a:schemeClr val="accent6">
-                    <a:lumMod val="50000"/>
-                  </a:schemeClr>
-                </a:solidFill>
-                <a:latin typeface="Nanum Gothic" charset="-127"/>
-                <a:ea typeface="Nanum Gothic" charset="-127"/>
-                <a:cs typeface="Nanum Gothic" charset="-127"/>
-              </a:rPr>
-              <a:t>)</a:t>
-            </a:r>
-            <a:endParaRPr kumimoji="1" lang="en-US" altLang="ko-KR" sz="1600" b="1" spc="100" dirty="0">
-              <a:solidFill>
-                <a:schemeClr val="accent6">
-                  <a:lumMod val="50000"/>
-                </a:schemeClr>
-              </a:solidFill>
-              <a:latin typeface="Nanum Gothic" charset="-127"/>
-              <a:ea typeface="Nanum Gothic" charset="-127"/>
-              <a:cs typeface="Nanum Gothic" charset="-127"/>
-            </a:endParaRPr>
-          </a:p>
-        </p:txBody>
-      </p:sp>
-      <p:sp>
-        <p:nvSpPr>
-          <p:cNvPr id="41" name="TextBox 6">
-            <a:extLst>
-              <a:ext uri="{FF2B5EF4-FFF2-40B4-BE49-F238E27FC236}">
-                <a16:creationId xmlns:a16="http://schemas.microsoft.com/office/drawing/2014/main" xmlns="" id="{FF918BCE-6F97-434A-B3A2-439095FDE56D}"/>
-              </a:ext>
-            </a:extLst>
-          </p:cNvPr>
-          <p:cNvSpPr txBox="1"/>
-          <p:nvPr/>
-        </p:nvSpPr>
-        <p:spPr>
-          <a:xfrm>
-            <a:off x="515778" y="2327394"/>
-            <a:ext cx="6939720" cy="2419124"/>
-          </a:xfrm>
-          <a:prstGeom prst="rect">
-            <a:avLst/>
-          </a:prstGeom>
-          <a:noFill/>
-        </p:spPr>
-        <p:txBody>
-          <a:bodyPr wrap="none" rtlCol="0">
-            <a:spAutoFit/>
-          </a:bodyPr>
-          <a:lstStyle/>
-          <a:p>
-            <a:pPr>
-              <a:lnSpc>
-                <a:spcPct val="120000"/>
-              </a:lnSpc>
-            </a:pPr>
-            <a:r>
-              <a:rPr kumimoji="1" lang="ko-KR" altLang="en-US" sz="1400" dirty="0" smtClean="0">
-                <a:solidFill>
-                  <a:schemeClr val="tx1">
-                    <a:lumMod val="75000"/>
-                    <a:lumOff val="25000"/>
-                  </a:schemeClr>
-                </a:solidFill>
-                <a:latin typeface="Nanum Gothic" charset="-127"/>
-                <a:ea typeface="Nanum Gothic" charset="-127"/>
-                <a:cs typeface="Nanum Gothic" charset="-127"/>
-              </a:rPr>
-              <a:t>함수 객체의 내장함수로</a:t>
-            </a:r>
-            <a:endParaRPr kumimoji="1" lang="en-US" altLang="ko-KR" sz="1400" dirty="0" smtClean="0">
-              <a:solidFill>
-                <a:schemeClr val="tx1">
-                  <a:lumMod val="75000"/>
-                  <a:lumOff val="25000"/>
-                </a:schemeClr>
-              </a:solidFill>
-              <a:latin typeface="Nanum Gothic" charset="-127"/>
-              <a:ea typeface="Nanum Gothic" charset="-127"/>
-              <a:cs typeface="Nanum Gothic" charset="-127"/>
-            </a:endParaRPr>
-          </a:p>
-          <a:p>
-            <a:pPr>
-              <a:lnSpc>
-                <a:spcPct val="120000"/>
-              </a:lnSpc>
-            </a:pPr>
-            <a:r>
-              <a:rPr kumimoji="1" lang="ko-KR" altLang="en-US" sz="1400" u="sng" dirty="0" smtClean="0">
-                <a:solidFill>
-                  <a:schemeClr val="tx1">
-                    <a:lumMod val="75000"/>
-                    <a:lumOff val="25000"/>
-                  </a:schemeClr>
-                </a:solidFill>
-                <a:latin typeface="Nanum Gothic" charset="-127"/>
-                <a:ea typeface="Nanum Gothic" charset="-127"/>
-                <a:cs typeface="Nanum Gothic" charset="-127"/>
-              </a:rPr>
-              <a:t>함수를 호출할 때</a:t>
-            </a:r>
-            <a:r>
-              <a:rPr kumimoji="1" lang="ko-KR" altLang="en-US" sz="1400" dirty="0" smtClean="0">
-                <a:solidFill>
-                  <a:schemeClr val="tx1">
-                    <a:lumMod val="75000"/>
-                    <a:lumOff val="25000"/>
-                  </a:schemeClr>
-                </a:solidFill>
-                <a:latin typeface="Nanum Gothic" charset="-127"/>
-                <a:ea typeface="Nanum Gothic" charset="-127"/>
-                <a:cs typeface="Nanum Gothic" charset="-127"/>
-              </a:rPr>
-              <a:t> 명시적으로 </a:t>
-            </a:r>
-            <a:r>
-              <a:rPr kumimoji="1" lang="en-US" altLang="ko-KR" sz="1400" dirty="0" smtClean="0">
-                <a:solidFill>
-                  <a:schemeClr val="tx1">
-                    <a:lumMod val="75000"/>
-                    <a:lumOff val="25000"/>
-                  </a:schemeClr>
-                </a:solidFill>
-                <a:latin typeface="Nanum Gothic" charset="-127"/>
-                <a:ea typeface="Nanum Gothic" charset="-127"/>
-                <a:cs typeface="Nanum Gothic" charset="-127"/>
-              </a:rPr>
-              <a:t>this </a:t>
-            </a:r>
-            <a:r>
-              <a:rPr kumimoji="1" lang="ko-KR" altLang="en-US" sz="1400" dirty="0" smtClean="0">
-                <a:solidFill>
-                  <a:schemeClr val="tx1">
-                    <a:lumMod val="75000"/>
-                    <a:lumOff val="25000"/>
-                  </a:schemeClr>
-                </a:solidFill>
-                <a:latin typeface="Nanum Gothic" charset="-127"/>
-                <a:ea typeface="Nanum Gothic" charset="-127"/>
-                <a:cs typeface="Nanum Gothic" charset="-127"/>
-              </a:rPr>
-              <a:t>바인딩을 하여 사용하는 방법이다</a:t>
-            </a:r>
-            <a:r>
-              <a:rPr kumimoji="1" lang="en-US" altLang="ko-KR" sz="1400" dirty="0" smtClean="0">
-                <a:solidFill>
-                  <a:schemeClr val="tx1">
-                    <a:lumMod val="75000"/>
-                    <a:lumOff val="25000"/>
-                  </a:schemeClr>
-                </a:solidFill>
-                <a:latin typeface="Nanum Gothic" charset="-127"/>
-                <a:ea typeface="Nanum Gothic" charset="-127"/>
-                <a:cs typeface="Nanum Gothic" charset="-127"/>
-              </a:rPr>
-              <a:t>.</a:t>
-            </a:r>
-            <a:endParaRPr kumimoji="1" lang="en-US" altLang="ko-KR" sz="1400" dirty="0">
-              <a:solidFill>
-                <a:schemeClr val="tx1">
-                  <a:lumMod val="75000"/>
-                  <a:lumOff val="25000"/>
-                </a:schemeClr>
-              </a:solidFill>
-              <a:latin typeface="Nanum Gothic" charset="-127"/>
-              <a:ea typeface="Nanum Gothic" charset="-127"/>
-              <a:cs typeface="Nanum Gothic" charset="-127"/>
-            </a:endParaRPr>
-          </a:p>
-          <a:p>
-            <a:pPr>
-              <a:lnSpc>
-                <a:spcPct val="120000"/>
-              </a:lnSpc>
-            </a:pPr>
-            <a:r>
-              <a:rPr kumimoji="1" lang="en-US" altLang="ko-KR" sz="1400" dirty="0" smtClean="0">
-                <a:solidFill>
-                  <a:schemeClr val="tx1">
-                    <a:lumMod val="75000"/>
-                    <a:lumOff val="25000"/>
-                  </a:schemeClr>
-                </a:solidFill>
-                <a:latin typeface="Nanum Gothic" charset="-127"/>
-                <a:ea typeface="Nanum Gothic" charset="-127"/>
-                <a:cs typeface="Nanum Gothic" charset="-127"/>
-              </a:rPr>
-              <a:t>apply</a:t>
-            </a:r>
-            <a:r>
-              <a:rPr kumimoji="1" lang="ko-KR" altLang="en-US" sz="1400" dirty="0" smtClean="0">
-                <a:solidFill>
-                  <a:schemeClr val="tx1">
-                    <a:lumMod val="75000"/>
-                    <a:lumOff val="25000"/>
-                  </a:schemeClr>
-                </a:solidFill>
-                <a:latin typeface="Nanum Gothic" charset="-127"/>
-                <a:ea typeface="Nanum Gothic" charset="-127"/>
-                <a:cs typeface="Nanum Gothic" charset="-127"/>
-              </a:rPr>
-              <a:t>왁 </a:t>
-            </a:r>
-            <a:r>
-              <a:rPr kumimoji="1" lang="en-US" altLang="ko-KR" sz="1400" dirty="0" smtClean="0">
-                <a:solidFill>
-                  <a:schemeClr val="tx1">
-                    <a:lumMod val="75000"/>
-                    <a:lumOff val="25000"/>
-                  </a:schemeClr>
-                </a:solidFill>
-                <a:latin typeface="Nanum Gothic" charset="-127"/>
-                <a:ea typeface="Nanum Gothic" charset="-127"/>
-                <a:cs typeface="Nanum Gothic" charset="-127"/>
-              </a:rPr>
-              <a:t>call</a:t>
-            </a:r>
-            <a:r>
-              <a:rPr kumimoji="1" lang="ko-KR" altLang="en-US" sz="1400" dirty="0" smtClean="0">
-                <a:solidFill>
-                  <a:schemeClr val="tx1">
-                    <a:lumMod val="75000"/>
-                    <a:lumOff val="25000"/>
-                  </a:schemeClr>
-                </a:solidFill>
-                <a:latin typeface="Nanum Gothic" charset="-127"/>
-                <a:ea typeface="Nanum Gothic" charset="-127"/>
-                <a:cs typeface="Nanum Gothic" charset="-127"/>
-              </a:rPr>
-              <a:t>은 매개변수가 다를 뿐 동일하게 동작한다</a:t>
-            </a:r>
-            <a:r>
-              <a:rPr kumimoji="1" lang="en-US" altLang="ko-KR" sz="1400" dirty="0" smtClean="0">
-                <a:solidFill>
-                  <a:schemeClr val="tx1">
-                    <a:lumMod val="75000"/>
-                    <a:lumOff val="25000"/>
-                  </a:schemeClr>
-                </a:solidFill>
-                <a:latin typeface="Nanum Gothic" charset="-127"/>
-                <a:ea typeface="Nanum Gothic" charset="-127"/>
-                <a:cs typeface="Nanum Gothic" charset="-127"/>
-              </a:rPr>
-              <a:t>.</a:t>
-            </a:r>
-            <a:r>
-              <a:rPr kumimoji="1" lang="ko-KR" altLang="en-US" sz="1400" dirty="0" smtClean="0">
-                <a:solidFill>
-                  <a:schemeClr val="tx1">
-                    <a:lumMod val="75000"/>
-                    <a:lumOff val="25000"/>
-                  </a:schemeClr>
-                </a:solidFill>
-                <a:latin typeface="Nanum Gothic" charset="-127"/>
-                <a:ea typeface="Nanum Gothic" charset="-127"/>
-                <a:cs typeface="Nanum Gothic" charset="-127"/>
-              </a:rPr>
-              <a:t> 상황에 맞는 함수를 사용하면 된다</a:t>
-            </a:r>
-            <a:r>
-              <a:rPr kumimoji="1" lang="en-US" altLang="ko-KR" sz="1400" dirty="0" smtClean="0">
+              <a:rPr kumimoji="1" lang="en-US" altLang="ko-KR" sz="1400" dirty="0">
                 <a:solidFill>
                   <a:schemeClr val="tx1">
                     <a:lumMod val="75000"/>
@@ -15656,84 +17295,55 @@
             </a:endParaRPr>
           </a:p>
           <a:p>
-            <a:pPr marL="285750" indent="-285750">
+            <a:pPr>
               <a:lnSpc>
                 <a:spcPct val="120000"/>
               </a:lnSpc>
-              <a:buFontTx/>
-              <a:buChar char="-"/>
             </a:pPr>
             <a:r>
-              <a:rPr kumimoji="1" lang="en-US" altLang="ko-KR" sz="1400" dirty="0" smtClean="0">
-                <a:solidFill>
-                  <a:schemeClr val="tx1">
-                    <a:lumMod val="75000"/>
-                    <a:lumOff val="25000"/>
-                  </a:schemeClr>
-                </a:solidFill>
-                <a:latin typeface="Nanum Gothic" charset="-127"/>
-                <a:ea typeface="Nanum Gothic" charset="-127"/>
-                <a:cs typeface="Nanum Gothic" charset="-127"/>
-              </a:rPr>
-              <a:t>apply()</a:t>
-            </a:r>
-            <a:br>
-              <a:rPr kumimoji="1" lang="en-US" altLang="ko-KR" sz="1400" dirty="0" smtClean="0">
-                <a:solidFill>
-                  <a:schemeClr val="tx1">
-                    <a:lumMod val="75000"/>
-                    <a:lumOff val="25000"/>
-                  </a:schemeClr>
-                </a:solidFill>
-                <a:latin typeface="Nanum Gothic" charset="-127"/>
-                <a:ea typeface="Nanum Gothic" charset="-127"/>
-                <a:cs typeface="Nanum Gothic" charset="-127"/>
-              </a:rPr>
-            </a:br>
-            <a:r>
-              <a:rPr kumimoji="1" lang="ko-KR" altLang="en-US" sz="1400" dirty="0" smtClean="0">
-                <a:solidFill>
-                  <a:schemeClr val="tx1">
-                    <a:lumMod val="75000"/>
-                    <a:lumOff val="25000"/>
-                  </a:schemeClr>
-                </a:solidFill>
-                <a:latin typeface="Nanum Gothic" charset="-127"/>
-                <a:ea typeface="Nanum Gothic" charset="-127"/>
-                <a:cs typeface="Nanum Gothic" charset="-127"/>
-              </a:rPr>
-              <a:t>함수표현식</a:t>
-            </a:r>
-            <a:r>
-              <a:rPr kumimoji="1" lang="en-US" altLang="ko-KR" sz="1400" dirty="0" smtClean="0">
-                <a:solidFill>
-                  <a:schemeClr val="tx1">
-                    <a:lumMod val="75000"/>
-                    <a:lumOff val="25000"/>
-                  </a:schemeClr>
-                </a:solidFill>
-                <a:latin typeface="Nanum Gothic" charset="-127"/>
-                <a:ea typeface="Nanum Gothic" charset="-127"/>
-                <a:cs typeface="Nanum Gothic" charset="-127"/>
-              </a:rPr>
-              <a:t>.apply(</a:t>
-            </a:r>
-            <a:r>
-              <a:rPr kumimoji="1" lang="ko-KR" altLang="en-US" sz="1400" dirty="0" smtClean="0">
-                <a:solidFill>
-                  <a:schemeClr val="tx1">
-                    <a:lumMod val="75000"/>
-                    <a:lumOff val="25000"/>
-                  </a:schemeClr>
-                </a:solidFill>
-                <a:latin typeface="Nanum Gothic" charset="-127"/>
-                <a:ea typeface="Nanum Gothic" charset="-127"/>
-                <a:cs typeface="Nanum Gothic" charset="-127"/>
-              </a:rPr>
-              <a:t>바인딩할 객체</a:t>
-            </a:r>
-            <a:r>
-              <a:rPr kumimoji="1" lang="en-US" altLang="ko-KR" sz="1400" dirty="0" smtClean="0">
+              <a:rPr kumimoji="1" lang="ko-KR" altLang="en-US" sz="1400" dirty="0">
+                <a:solidFill>
+                  <a:schemeClr val="tx1">
+                    <a:lumMod val="75000"/>
+                    <a:lumOff val="25000"/>
+                  </a:schemeClr>
+                </a:solidFill>
+                <a:latin typeface="Nanum Gothic" charset="-127"/>
+                <a:ea typeface="Nanum Gothic" charset="-127"/>
+                <a:cs typeface="Nanum Gothic" charset="-127"/>
+              </a:rPr>
+              <a:t>함수를 호출할 때 명시적으로 </a:t>
+            </a:r>
+            <a:r>
+              <a:rPr kumimoji="1" lang="en-US" altLang="ko-KR" sz="1400" dirty="0">
+                <a:solidFill>
+                  <a:schemeClr val="tx1">
+                    <a:lumMod val="75000"/>
+                    <a:lumOff val="25000"/>
+                  </a:schemeClr>
+                </a:solidFill>
+                <a:latin typeface="Nanum Gothic" charset="-127"/>
+                <a:ea typeface="Nanum Gothic" charset="-127"/>
+                <a:cs typeface="Nanum Gothic" charset="-127"/>
+              </a:rPr>
+              <a:t>this </a:t>
+            </a:r>
+            <a:r>
+              <a:rPr kumimoji="1" lang="ko-KR" altLang="en-US" sz="1400" dirty="0">
+                <a:solidFill>
+                  <a:schemeClr val="tx1">
+                    <a:lumMod val="75000"/>
+                    <a:lumOff val="25000"/>
+                  </a:schemeClr>
+                </a:solidFill>
+                <a:latin typeface="Nanum Gothic" charset="-127"/>
+                <a:ea typeface="Nanum Gothic" charset="-127"/>
+                <a:cs typeface="Nanum Gothic" charset="-127"/>
+              </a:rPr>
+              <a:t>바인딩 하는 방법</a:t>
+            </a:r>
+            <a:r>
+              <a:rPr kumimoji="1" lang="en-US" altLang="ko-KR" sz="1400" dirty="0">
                 <a:solidFill>
                   <a:schemeClr val="tx1">
                     <a:lumMod val="75000"/>
@@ -15747,91 +17357,7 @@
               <a:t>,</a:t>
             </a:r>
             <a:r>
-              <a:rPr kumimoji="1" lang="ko-KR" altLang="en-US" sz="1400" dirty="0" smtClean="0">
-                <a:solidFill>
-                  <a:schemeClr val="tx1">
-                    <a:lumMod val="75000"/>
-                    <a:lumOff val="25000"/>
-                  </a:schemeClr>
-                </a:solidFill>
-                <a:latin typeface="Nanum Gothic" charset="-127"/>
-                <a:ea typeface="Nanum Gothic" charset="-127"/>
-                <a:cs typeface="Nanum Gothic" charset="-127"/>
-              </a:rPr>
-              <a:t> 매개변수</a:t>
-            </a:r>
-            <a:r>
-              <a:rPr kumimoji="1" lang="en-US" altLang="ko-KR" sz="1400" dirty="0" smtClean="0">
-                <a:solidFill>
-                  <a:schemeClr val="tx1">
-                    <a:lumMod val="75000"/>
-                    <a:lumOff val="25000"/>
-                  </a:schemeClr>
-                </a:solidFill>
-                <a:latin typeface="Nanum Gothic" charset="-127"/>
-                <a:ea typeface="Nanum Gothic" charset="-127"/>
-                <a:cs typeface="Nanum Gothic" charset="-127"/>
-              </a:rPr>
-              <a:t>1,</a:t>
-            </a:r>
-            <a:r>
-              <a:rPr kumimoji="1" lang="ko-KR" altLang="en-US" sz="1400" dirty="0" smtClean="0">
-                <a:solidFill>
-                  <a:schemeClr val="tx1">
-                    <a:lumMod val="75000"/>
-                    <a:lumOff val="25000"/>
-                  </a:schemeClr>
-                </a:solidFill>
-                <a:latin typeface="Nanum Gothic" charset="-127"/>
-                <a:ea typeface="Nanum Gothic" charset="-127"/>
-                <a:cs typeface="Nanum Gothic" charset="-127"/>
-              </a:rPr>
-              <a:t> 매개변수</a:t>
-            </a:r>
-            <a:r>
-              <a:rPr kumimoji="1" lang="en-US" altLang="ko-KR" sz="1400" dirty="0" smtClean="0">
-                <a:solidFill>
-                  <a:schemeClr val="tx1">
-                    <a:lumMod val="75000"/>
-                    <a:lumOff val="25000"/>
-                  </a:schemeClr>
-                </a:solidFill>
-                <a:latin typeface="Nanum Gothic" charset="-127"/>
-                <a:ea typeface="Nanum Gothic" charset="-127"/>
-                <a:cs typeface="Nanum Gothic" charset="-127"/>
-              </a:rPr>
-              <a:t>2,</a:t>
-            </a:r>
-            <a:r>
-              <a:rPr kumimoji="1" lang="ko-KR" altLang="en-US" sz="1400" dirty="0" smtClean="0">
-                <a:solidFill>
-                  <a:schemeClr val="tx1">
-                    <a:lumMod val="75000"/>
-                    <a:lumOff val="25000"/>
-                  </a:schemeClr>
-                </a:solidFill>
-                <a:latin typeface="Nanum Gothic" charset="-127"/>
-                <a:ea typeface="Nanum Gothic" charset="-127"/>
-                <a:cs typeface="Nanum Gothic" charset="-127"/>
-              </a:rPr>
-              <a:t> 매개변수</a:t>
-            </a:r>
-            <a:r>
-              <a:rPr kumimoji="1" lang="en-US" altLang="ko-KR" sz="1400" dirty="0" smtClean="0">
-                <a:solidFill>
-                  <a:schemeClr val="tx1">
-                    <a:lumMod val="75000"/>
-                    <a:lumOff val="25000"/>
-                  </a:schemeClr>
-                </a:solidFill>
-                <a:latin typeface="Nanum Gothic" charset="-127"/>
-                <a:ea typeface="Nanum Gothic" charset="-127"/>
-                <a:cs typeface="Nanum Gothic" charset="-127"/>
-              </a:rPr>
-              <a:t>3,</a:t>
-            </a:r>
-            <a:r>
-              <a:rPr kumimoji="1" lang="ko-KR" altLang="en-US" sz="1400" dirty="0" smtClean="0">
+              <a:rPr kumimoji="1" lang="ko-KR" altLang="en-US" sz="1400" dirty="0">
                 <a:solidFill>
                   <a:schemeClr val="tx1">
                     <a:lumMod val="75000"/>
@@ -15845,57 +17371,34 @@
               <a:t> </a:t>
             </a:r>
             <a:r>
-              <a:rPr kumimoji="1" lang="mr-IN" altLang="ko-KR" sz="1400" dirty="0" smtClean="0">
-                <a:solidFill>
-                  <a:schemeClr val="tx1">
-                    <a:lumMod val="75000"/>
-                    <a:lumOff val="25000"/>
-                  </a:schemeClr>
-                </a:solidFill>
-                <a:latin typeface="Nanum Gothic" charset="-127"/>
-                <a:ea typeface="Nanum Gothic" charset="-127"/>
-                <a:cs typeface="Nanum Gothic" charset="-127"/>
-              </a:rPr>
-              <a:t>…</a:t>
-            </a:r>
-            <a:r>
-              <a:rPr kumimoji="1" lang="ko-KR" altLang="en-US" sz="1400" dirty="0" smtClean="0">
-                <a:solidFill>
-                  <a:schemeClr val="tx1">
-                    <a:lumMod val="75000"/>
-                    <a:lumOff val="25000"/>
-                  </a:schemeClr>
-                </a:solidFill>
-                <a:latin typeface="Nanum Gothic" charset="-127"/>
-                <a:ea typeface="Nanum Gothic" charset="-127"/>
-                <a:cs typeface="Nanum Gothic" charset="-127"/>
-              </a:rPr>
-              <a:t> </a:t>
-            </a:r>
-            <a:r>
-              <a:rPr kumimoji="1" lang="en-US" altLang="ko-KR" sz="1400" dirty="0" smtClean="0">
-                <a:solidFill>
-                  <a:schemeClr val="tx1">
-                    <a:lumMod val="75000"/>
-                    <a:lumOff val="25000"/>
-                  </a:schemeClr>
-                </a:solidFill>
-                <a:latin typeface="Nanum Gothic" charset="-127"/>
-                <a:ea typeface="Nanum Gothic" charset="-127"/>
-                <a:cs typeface="Nanum Gothic" charset="-127"/>
-              </a:rPr>
-              <a:t>)</a:t>
-            </a:r>
-          </a:p>
-          <a:p>
-            <a:pPr marL="285750" indent="-285750">
-              <a:lnSpc>
-                <a:spcPct val="120000"/>
-              </a:lnSpc>
-              <a:buFontTx/>
-              <a:buChar char="-"/>
-            </a:pPr>
-            <a:endParaRPr kumimoji="1" lang="en-US" altLang="ko-KR" sz="1400" dirty="0" smtClean="0">
+              <a:rPr kumimoji="1" lang="en-US" altLang="ko-KR" sz="1400" dirty="0">
+                <a:solidFill>
+                  <a:schemeClr val="tx1">
+                    <a:lumMod val="75000"/>
+                    <a:lumOff val="25000"/>
+                  </a:schemeClr>
+                </a:solidFill>
+                <a:latin typeface="Nanum Gothic" charset="-127"/>
+                <a:ea typeface="Nanum Gothic" charset="-127"/>
+                <a:cs typeface="Nanum Gothic" charset="-127"/>
+              </a:rPr>
+              <a:t>this</a:t>
+            </a:r>
+            <a:r>
+              <a:rPr kumimoji="1" lang="ko-KR" altLang="en-US" sz="1400" dirty="0">
+                <a:solidFill>
+                  <a:schemeClr val="tx1">
+                    <a:lumMod val="75000"/>
+                    <a:lumOff val="25000"/>
+                  </a:schemeClr>
+                </a:solidFill>
+                <a:latin typeface="Nanum Gothic" charset="-127"/>
+                <a:ea typeface="Nanum Gothic" charset="-127"/>
+                <a:cs typeface="Nanum Gothic" charset="-127"/>
+              </a:rPr>
+              <a:t> 바인딩을 시켜 임시 메소드를 만드는 방법</a:t>
+            </a:r>
+            <a:endParaRPr kumimoji="1" lang="en-US" altLang="ko-KR" sz="1400" dirty="0">
               <a:solidFill>
                 <a:schemeClr val="tx1">
                   <a:lumMod val="75000"/>
@@ -15908,6 +17411,398 @@
             </a:endParaRPr>
           </a:p>
           <a:p>
+            <a:pPr>
+              <a:lnSpc>
+                <a:spcPct val="120000"/>
+              </a:lnSpc>
+            </a:pPr>
+            <a:r>
+              <a:rPr kumimoji="1" lang="ko-KR" altLang="en-US" sz="1400" dirty="0">
+                <a:solidFill>
+                  <a:schemeClr val="tx1">
+                    <a:lumMod val="75000"/>
+                    <a:lumOff val="25000"/>
+                  </a:schemeClr>
+                </a:solidFill>
+                <a:latin typeface="Nanum Gothic" charset="-127"/>
+                <a:ea typeface="Nanum Gothic" charset="-127"/>
+                <a:cs typeface="Nanum Gothic" charset="-127"/>
+              </a:rPr>
+              <a:t>이 존재한다</a:t>
+            </a:r>
+            <a:r>
+              <a:rPr kumimoji="1" lang="en-US" altLang="ko-KR" sz="1400" dirty="0">
+                <a:solidFill>
+                  <a:schemeClr val="tx1">
+                    <a:lumMod val="75000"/>
+                    <a:lumOff val="25000"/>
+                  </a:schemeClr>
+                </a:solidFill>
+                <a:latin typeface="Nanum Gothic" charset="-127"/>
+                <a:ea typeface="Nanum Gothic" charset="-127"/>
+                <a:cs typeface="Nanum Gothic" charset="-127"/>
+              </a:rPr>
+              <a:t>.</a:t>
+            </a:r>
+          </a:p>
+        </p:txBody>
+      </p:sp>
+      <p:sp>
+        <p:nvSpPr>
+          <p:cNvPr id="40" name="TextBox 6">
+            <a:extLst>
+              <a:ext uri="{FF2B5EF4-FFF2-40B4-BE49-F238E27FC236}">
+                <a16:creationId xmlns:a16="http://schemas.microsoft.com/office/drawing/2014/main" id="{6D527928-482C-E943-BBFB-D3D1130C192A}"/>
+              </a:ext>
+            </a:extLst>
+          </p:cNvPr>
+          <p:cNvSpPr txBox="1"/>
+          <p:nvPr/>
+        </p:nvSpPr>
+        <p:spPr>
+          <a:xfrm>
+            <a:off x="550896" y="1988840"/>
+            <a:ext cx="1750800" cy="338554"/>
+          </a:xfrm>
+          <a:prstGeom prst="rect">
+            <a:avLst/>
+          </a:prstGeom>
+          <a:noFill/>
+        </p:spPr>
+        <p:txBody>
+          <a:bodyPr wrap="none" rtlCol="0">
+            <a:spAutoFit/>
+          </a:bodyPr>
+          <a:lstStyle/>
+          <a:p>
+            <a:r>
+              <a:rPr kumimoji="1" lang="en-US" altLang="ko-KR" sz="1600" b="1" spc="100" dirty="0">
+                <a:solidFill>
+                  <a:schemeClr val="accent6">
+                    <a:lumMod val="50000"/>
+                  </a:schemeClr>
+                </a:solidFill>
+                <a:latin typeface="Nanum Gothic" charset="-127"/>
+                <a:ea typeface="Nanum Gothic" charset="-127"/>
+                <a:cs typeface="Nanum Gothic" charset="-127"/>
+              </a:rPr>
+              <a:t>apply(</a:t>
+            </a:r>
+            <a:r>
+              <a:rPr kumimoji="1" lang="ko-KR" altLang="en-US" sz="1600" b="1" spc="100" dirty="0">
+                <a:solidFill>
+                  <a:schemeClr val="accent6">
+                    <a:lumMod val="50000"/>
+                  </a:schemeClr>
+                </a:solidFill>
+                <a:latin typeface="Nanum Gothic" charset="-127"/>
+                <a:ea typeface="Nanum Gothic" charset="-127"/>
+                <a:cs typeface="Nanum Gothic" charset="-127"/>
+              </a:rPr>
+              <a:t> </a:t>
+            </a:r>
+            <a:r>
+              <a:rPr kumimoji="1" lang="en-US" altLang="ko-KR" sz="1600" b="1" spc="100" dirty="0">
+                <a:solidFill>
+                  <a:schemeClr val="accent6">
+                    <a:lumMod val="50000"/>
+                  </a:schemeClr>
+                </a:solidFill>
+                <a:latin typeface="Nanum Gothic" charset="-127"/>
+                <a:ea typeface="Nanum Gothic" charset="-127"/>
+                <a:cs typeface="Nanum Gothic" charset="-127"/>
+              </a:rPr>
+              <a:t>), call(</a:t>
+            </a:r>
+            <a:r>
+              <a:rPr kumimoji="1" lang="ko-KR" altLang="en-US" sz="1600" b="1" spc="100" dirty="0">
+                <a:solidFill>
+                  <a:schemeClr val="accent6">
+                    <a:lumMod val="50000"/>
+                  </a:schemeClr>
+                </a:solidFill>
+                <a:latin typeface="Nanum Gothic" charset="-127"/>
+                <a:ea typeface="Nanum Gothic" charset="-127"/>
+                <a:cs typeface="Nanum Gothic" charset="-127"/>
+              </a:rPr>
+              <a:t> </a:t>
+            </a:r>
+            <a:r>
+              <a:rPr kumimoji="1" lang="en-US" altLang="ko-KR" sz="1600" b="1" spc="100" dirty="0">
+                <a:solidFill>
+                  <a:schemeClr val="accent6">
+                    <a:lumMod val="50000"/>
+                  </a:schemeClr>
+                </a:solidFill>
+                <a:latin typeface="Nanum Gothic" charset="-127"/>
+                <a:ea typeface="Nanum Gothic" charset="-127"/>
+                <a:cs typeface="Nanum Gothic" charset="-127"/>
+              </a:rPr>
+              <a:t>)</a:t>
+            </a:r>
+          </a:p>
+        </p:txBody>
+      </p:sp>
+      <p:sp>
+        <p:nvSpPr>
+          <p:cNvPr id="41" name="TextBox 6">
+            <a:extLst>
+              <a:ext uri="{FF2B5EF4-FFF2-40B4-BE49-F238E27FC236}">
+                <a16:creationId xmlns:a16="http://schemas.microsoft.com/office/drawing/2014/main" id="{FF918BCE-6F97-434A-B3A2-439095FDE56D}"/>
+              </a:ext>
+            </a:extLst>
+          </p:cNvPr>
+          <p:cNvSpPr txBox="1"/>
+          <p:nvPr/>
+        </p:nvSpPr>
+        <p:spPr>
+          <a:xfrm>
+            <a:off x="515778" y="2327394"/>
+            <a:ext cx="6939720" cy="2419124"/>
+          </a:xfrm>
+          <a:prstGeom prst="rect">
+            <a:avLst/>
+          </a:prstGeom>
+          <a:noFill/>
+        </p:spPr>
+        <p:txBody>
+          <a:bodyPr wrap="none" rtlCol="0">
+            <a:spAutoFit/>
+          </a:bodyPr>
+          <a:lstStyle/>
+          <a:p>
+            <a:pPr>
+              <a:lnSpc>
+                <a:spcPct val="120000"/>
+              </a:lnSpc>
+            </a:pPr>
+            <a:r>
+              <a:rPr kumimoji="1" lang="ko-KR" altLang="en-US" sz="1400" dirty="0">
+                <a:solidFill>
+                  <a:schemeClr val="tx1">
+                    <a:lumMod val="75000"/>
+                    <a:lumOff val="25000"/>
+                  </a:schemeClr>
+                </a:solidFill>
+                <a:latin typeface="Nanum Gothic" charset="-127"/>
+                <a:ea typeface="Nanum Gothic" charset="-127"/>
+                <a:cs typeface="Nanum Gothic" charset="-127"/>
+              </a:rPr>
+              <a:t>함수 객체의 내장함수로</a:t>
+            </a:r>
+            <a:endParaRPr kumimoji="1" lang="en-US" altLang="ko-KR" sz="1400" dirty="0">
+              <a:solidFill>
+                <a:schemeClr val="tx1">
+                  <a:lumMod val="75000"/>
+                  <a:lumOff val="25000"/>
+                </a:schemeClr>
+              </a:solidFill>
+              <a:latin typeface="Nanum Gothic" charset="-127"/>
+              <a:ea typeface="Nanum Gothic" charset="-127"/>
+              <a:cs typeface="Nanum Gothic" charset="-127"/>
+            </a:endParaRPr>
+          </a:p>
+          <a:p>
+            <a:pPr>
+              <a:lnSpc>
+                <a:spcPct val="120000"/>
+              </a:lnSpc>
+            </a:pPr>
+            <a:r>
+              <a:rPr kumimoji="1" lang="ko-KR" altLang="en-US" sz="1400" u="sng" dirty="0">
+                <a:solidFill>
+                  <a:schemeClr val="tx1">
+                    <a:lumMod val="75000"/>
+                    <a:lumOff val="25000"/>
+                  </a:schemeClr>
+                </a:solidFill>
+                <a:latin typeface="Nanum Gothic" charset="-127"/>
+                <a:ea typeface="Nanum Gothic" charset="-127"/>
+                <a:cs typeface="Nanum Gothic" charset="-127"/>
+              </a:rPr>
+              <a:t>함수를 호출할 때</a:t>
+            </a:r>
+            <a:r>
+              <a:rPr kumimoji="1" lang="ko-KR" altLang="en-US" sz="1400" dirty="0">
+                <a:solidFill>
+                  <a:schemeClr val="tx1">
+                    <a:lumMod val="75000"/>
+                    <a:lumOff val="25000"/>
+                  </a:schemeClr>
+                </a:solidFill>
+                <a:latin typeface="Nanum Gothic" charset="-127"/>
+                <a:ea typeface="Nanum Gothic" charset="-127"/>
+                <a:cs typeface="Nanum Gothic" charset="-127"/>
+              </a:rPr>
+              <a:t> 명시적으로 </a:t>
+            </a:r>
+            <a:r>
+              <a:rPr kumimoji="1" lang="en-US" altLang="ko-KR" sz="1400" dirty="0">
+                <a:solidFill>
+                  <a:schemeClr val="tx1">
+                    <a:lumMod val="75000"/>
+                    <a:lumOff val="25000"/>
+                  </a:schemeClr>
+                </a:solidFill>
+                <a:latin typeface="Nanum Gothic" charset="-127"/>
+                <a:ea typeface="Nanum Gothic" charset="-127"/>
+                <a:cs typeface="Nanum Gothic" charset="-127"/>
+              </a:rPr>
+              <a:t>this </a:t>
+            </a:r>
+            <a:r>
+              <a:rPr kumimoji="1" lang="ko-KR" altLang="en-US" sz="1400" dirty="0">
+                <a:solidFill>
+                  <a:schemeClr val="tx1">
+                    <a:lumMod val="75000"/>
+                    <a:lumOff val="25000"/>
+                  </a:schemeClr>
+                </a:solidFill>
+                <a:latin typeface="Nanum Gothic" charset="-127"/>
+                <a:ea typeface="Nanum Gothic" charset="-127"/>
+                <a:cs typeface="Nanum Gothic" charset="-127"/>
+              </a:rPr>
+              <a:t>바인딩을 하여 사용하는 방법이다</a:t>
+            </a:r>
+            <a:r>
+              <a:rPr kumimoji="1" lang="en-US" altLang="ko-KR" sz="1400" dirty="0">
+                <a:solidFill>
+                  <a:schemeClr val="tx1">
+                    <a:lumMod val="75000"/>
+                    <a:lumOff val="25000"/>
+                  </a:schemeClr>
+                </a:solidFill>
+                <a:latin typeface="Nanum Gothic" charset="-127"/>
+                <a:ea typeface="Nanum Gothic" charset="-127"/>
+                <a:cs typeface="Nanum Gothic" charset="-127"/>
+              </a:rPr>
+              <a:t>.</a:t>
+            </a:r>
+          </a:p>
+          <a:p>
+            <a:pPr>
+              <a:lnSpc>
+                <a:spcPct val="120000"/>
+              </a:lnSpc>
+            </a:pPr>
+            <a:r>
+              <a:rPr kumimoji="1" lang="en-US" altLang="ko-KR" sz="1400" dirty="0">
+                <a:solidFill>
+                  <a:schemeClr val="tx1">
+                    <a:lumMod val="75000"/>
+                    <a:lumOff val="25000"/>
+                  </a:schemeClr>
+                </a:solidFill>
+                <a:latin typeface="Nanum Gothic" charset="-127"/>
+                <a:ea typeface="Nanum Gothic" charset="-127"/>
+                <a:cs typeface="Nanum Gothic" charset="-127"/>
+              </a:rPr>
+              <a:t>apply</a:t>
+            </a:r>
+            <a:r>
+              <a:rPr kumimoji="1" lang="ko-KR" altLang="en-US" sz="1400" dirty="0">
+                <a:solidFill>
+                  <a:schemeClr val="tx1">
+                    <a:lumMod val="75000"/>
+                    <a:lumOff val="25000"/>
+                  </a:schemeClr>
+                </a:solidFill>
+                <a:latin typeface="Nanum Gothic" charset="-127"/>
+                <a:ea typeface="Nanum Gothic" charset="-127"/>
+                <a:cs typeface="Nanum Gothic" charset="-127"/>
+              </a:rPr>
+              <a:t>왁 </a:t>
+            </a:r>
+            <a:r>
+              <a:rPr kumimoji="1" lang="en-US" altLang="ko-KR" sz="1400" dirty="0">
+                <a:solidFill>
+                  <a:schemeClr val="tx1">
+                    <a:lumMod val="75000"/>
+                    <a:lumOff val="25000"/>
+                  </a:schemeClr>
+                </a:solidFill>
+                <a:latin typeface="Nanum Gothic" charset="-127"/>
+                <a:ea typeface="Nanum Gothic" charset="-127"/>
+                <a:cs typeface="Nanum Gothic" charset="-127"/>
+              </a:rPr>
+              <a:t>call</a:t>
+            </a:r>
+            <a:r>
+              <a:rPr kumimoji="1" lang="ko-KR" altLang="en-US" sz="1400" dirty="0">
+                <a:solidFill>
+                  <a:schemeClr val="tx1">
+                    <a:lumMod val="75000"/>
+                    <a:lumOff val="25000"/>
+                  </a:schemeClr>
+                </a:solidFill>
+                <a:latin typeface="Nanum Gothic" charset="-127"/>
+                <a:ea typeface="Nanum Gothic" charset="-127"/>
+                <a:cs typeface="Nanum Gothic" charset="-127"/>
+              </a:rPr>
+              <a:t>은 매개변수가 다를 뿐 동일하게 동작한다</a:t>
+            </a:r>
+            <a:r>
+              <a:rPr kumimoji="1" lang="en-US" altLang="ko-KR" sz="1400" dirty="0">
+                <a:solidFill>
+                  <a:schemeClr val="tx1">
+                    <a:lumMod val="75000"/>
+                    <a:lumOff val="25000"/>
+                  </a:schemeClr>
+                </a:solidFill>
+                <a:latin typeface="Nanum Gothic" charset="-127"/>
+                <a:ea typeface="Nanum Gothic" charset="-127"/>
+                <a:cs typeface="Nanum Gothic" charset="-127"/>
+              </a:rPr>
+              <a:t>.</a:t>
+            </a:r>
+            <a:r>
+              <a:rPr kumimoji="1" lang="ko-KR" altLang="en-US" sz="1400" dirty="0">
+                <a:solidFill>
+                  <a:schemeClr val="tx1">
+                    <a:lumMod val="75000"/>
+                    <a:lumOff val="25000"/>
+                  </a:schemeClr>
+                </a:solidFill>
+                <a:latin typeface="Nanum Gothic" charset="-127"/>
+                <a:ea typeface="Nanum Gothic" charset="-127"/>
+                <a:cs typeface="Nanum Gothic" charset="-127"/>
+              </a:rPr>
+              <a:t> 상황에 맞는 함수를 사용하면 된다</a:t>
+            </a:r>
+            <a:r>
+              <a:rPr kumimoji="1" lang="en-US" altLang="ko-KR" sz="1400" dirty="0">
+                <a:solidFill>
+                  <a:schemeClr val="tx1">
+                    <a:lumMod val="75000"/>
+                    <a:lumOff val="25000"/>
+                  </a:schemeClr>
+                </a:solidFill>
+                <a:latin typeface="Nanum Gothic" charset="-127"/>
+                <a:ea typeface="Nanum Gothic" charset="-127"/>
+                <a:cs typeface="Nanum Gothic" charset="-127"/>
+              </a:rPr>
+              <a:t>.</a:t>
+            </a:r>
+          </a:p>
+          <a:p>
+            <a:pPr>
+              <a:lnSpc>
+                <a:spcPct val="120000"/>
+              </a:lnSpc>
+            </a:pPr>
+            <a:endParaRPr kumimoji="1" lang="en-US" altLang="ko-KR" sz="1400" dirty="0">
+              <a:solidFill>
+                <a:schemeClr val="tx1">
+                  <a:lumMod val="75000"/>
+                  <a:lumOff val="25000"/>
+                </a:schemeClr>
+              </a:solidFill>
+              <a:latin typeface="Nanum Gothic" charset="-127"/>
+              <a:ea typeface="Nanum Gothic" charset="-127"/>
+              <a:cs typeface="Nanum Gothic" charset="-127"/>
+            </a:endParaRPr>
+          </a:p>
+          <a:p>
             <a:pPr marL="285750" indent="-285750">
               <a:lnSpc>
                 <a:spcPct val="120000"/>
@@ -15916,20 +17811,6 @@
               <a:buChar char="-"/>
             </a:pPr>
             <a:r>
-              <a:rPr kumimoji="1" lang="en-US" altLang="ko-KR" sz="1400" dirty="0" smtClean="0">
-                <a:solidFill>
-                  <a:schemeClr val="tx1">
-                    <a:lumMod val="75000"/>
-                    <a:lumOff val="25000"/>
-                  </a:schemeClr>
-                </a:solidFill>
-                <a:latin typeface="Nanum Gothic" charset="-127"/>
-                <a:ea typeface="Nanum Gothic" charset="-127"/>
-                <a:cs typeface="Nanum Gothic" charset="-127"/>
-              </a:rPr>
-              <a:t>call()</a:t>
-            </a:r>
-            <a:r>
               <a:rPr kumimoji="1" lang="en-US" altLang="ko-KR" sz="1400" dirty="0">
                 <a:solidFill>
                   <a:schemeClr val="tx1">
@@ -15941,7 +17822,7 @@
                 <a:ea typeface="Nanum Gothic" charset="-127"/>
                 <a:cs typeface="Nanum Gothic" charset="-127"/>
               </a:rPr>
-              <a:t/>
+              <a:t>apply()</a:t>
             </a:r>
             <a:br>
               <a:rPr kumimoji="1" lang="en-US" altLang="ko-KR" sz="1400" dirty="0">
@@ -15957,7 +17838,7 @@
               </a:rPr>
             </a:br>
             <a:r>
-              <a:rPr kumimoji="1" lang="ko-KR" altLang="en-US" sz="1400" dirty="0" smtClean="0">
+              <a:rPr kumimoji="1" lang="ko-KR" altLang="en-US" sz="1400" dirty="0">
                 <a:solidFill>
                   <a:schemeClr val="tx1">
                     <a:lumMod val="75000"/>
@@ -15971,7 +17852,259 @@
               <a:t>함수표현식</a:t>
             </a:r>
             <a:r>
-              <a:rPr kumimoji="1" lang="en-US" altLang="ko-KR" sz="1400" dirty="0" smtClean="0">
+              <a:rPr kumimoji="1" lang="en-US" altLang="ko-KR" sz="1400" dirty="0">
+                <a:solidFill>
+                  <a:schemeClr val="tx1">
+                    <a:lumMod val="75000"/>
+                    <a:lumOff val="25000"/>
+                  </a:schemeClr>
+                </a:solidFill>
+                <a:latin typeface="Nanum Gothic" charset="-127"/>
+                <a:ea typeface="Nanum Gothic" charset="-127"/>
+                <a:cs typeface="Nanum Gothic" charset="-127"/>
+              </a:rPr>
+              <a:t>.apply(</a:t>
+            </a:r>
+            <a:r>
+              <a:rPr kumimoji="1" lang="ko-KR" altLang="en-US" sz="1400" dirty="0">
+                <a:solidFill>
+                  <a:schemeClr val="tx1">
+                    <a:lumMod val="75000"/>
+                    <a:lumOff val="25000"/>
+                  </a:schemeClr>
+                </a:solidFill>
+                <a:latin typeface="Nanum Gothic" charset="-127"/>
+                <a:ea typeface="Nanum Gothic" charset="-127"/>
+                <a:cs typeface="Nanum Gothic" charset="-127"/>
+              </a:rPr>
+              <a:t>바인딩할 객체</a:t>
+            </a:r>
+            <a:r>
+              <a:rPr kumimoji="1" lang="en-US" altLang="ko-KR" sz="1400" dirty="0">
+                <a:solidFill>
+                  <a:schemeClr val="tx1">
+                    <a:lumMod val="75000"/>
+                    <a:lumOff val="25000"/>
+                  </a:schemeClr>
+                </a:solidFill>
+                <a:latin typeface="Nanum Gothic" charset="-127"/>
+                <a:ea typeface="Nanum Gothic" charset="-127"/>
+                <a:cs typeface="Nanum Gothic" charset="-127"/>
+              </a:rPr>
+              <a:t>,</a:t>
+            </a:r>
+            <a:r>
+              <a:rPr kumimoji="1" lang="ko-KR" altLang="en-US" sz="1400" dirty="0">
+                <a:solidFill>
+                  <a:schemeClr val="tx1">
+                    <a:lumMod val="75000"/>
+                    <a:lumOff val="25000"/>
+                  </a:schemeClr>
+                </a:solidFill>
+                <a:latin typeface="Nanum Gothic" charset="-127"/>
+                <a:ea typeface="Nanum Gothic" charset="-127"/>
+                <a:cs typeface="Nanum Gothic" charset="-127"/>
+              </a:rPr>
+              <a:t> 매개변수</a:t>
+            </a:r>
+            <a:r>
+              <a:rPr kumimoji="1" lang="en-US" altLang="ko-KR" sz="1400" dirty="0">
+                <a:solidFill>
+                  <a:schemeClr val="tx1">
+                    <a:lumMod val="75000"/>
+                    <a:lumOff val="25000"/>
+                  </a:schemeClr>
+                </a:solidFill>
+                <a:latin typeface="Nanum Gothic" charset="-127"/>
+                <a:ea typeface="Nanum Gothic" charset="-127"/>
+                <a:cs typeface="Nanum Gothic" charset="-127"/>
+              </a:rPr>
+              <a:t>1,</a:t>
+            </a:r>
+            <a:r>
+              <a:rPr kumimoji="1" lang="ko-KR" altLang="en-US" sz="1400" dirty="0">
+                <a:solidFill>
+                  <a:schemeClr val="tx1">
+                    <a:lumMod val="75000"/>
+                    <a:lumOff val="25000"/>
+                  </a:schemeClr>
+                </a:solidFill>
+                <a:latin typeface="Nanum Gothic" charset="-127"/>
+                <a:ea typeface="Nanum Gothic" charset="-127"/>
+                <a:cs typeface="Nanum Gothic" charset="-127"/>
+              </a:rPr>
+              <a:t> 매개변수</a:t>
+            </a:r>
+            <a:r>
+              <a:rPr kumimoji="1" lang="en-US" altLang="ko-KR" sz="1400" dirty="0">
+                <a:solidFill>
+                  <a:schemeClr val="tx1">
+                    <a:lumMod val="75000"/>
+                    <a:lumOff val="25000"/>
+                  </a:schemeClr>
+                </a:solidFill>
+                <a:latin typeface="Nanum Gothic" charset="-127"/>
+                <a:ea typeface="Nanum Gothic" charset="-127"/>
+                <a:cs typeface="Nanum Gothic" charset="-127"/>
+              </a:rPr>
+              <a:t>2,</a:t>
+            </a:r>
+            <a:r>
+              <a:rPr kumimoji="1" lang="ko-KR" altLang="en-US" sz="1400" dirty="0">
+                <a:solidFill>
+                  <a:schemeClr val="tx1">
+                    <a:lumMod val="75000"/>
+                    <a:lumOff val="25000"/>
+                  </a:schemeClr>
+                </a:solidFill>
+                <a:latin typeface="Nanum Gothic" charset="-127"/>
+                <a:ea typeface="Nanum Gothic" charset="-127"/>
+                <a:cs typeface="Nanum Gothic" charset="-127"/>
+              </a:rPr>
+              <a:t> 매개변수</a:t>
+            </a:r>
+            <a:r>
+              <a:rPr kumimoji="1" lang="en-US" altLang="ko-KR" sz="1400" dirty="0">
+                <a:solidFill>
+                  <a:schemeClr val="tx1">
+                    <a:lumMod val="75000"/>
+                    <a:lumOff val="25000"/>
+                  </a:schemeClr>
+                </a:solidFill>
+                <a:latin typeface="Nanum Gothic" charset="-127"/>
+                <a:ea typeface="Nanum Gothic" charset="-127"/>
+                <a:cs typeface="Nanum Gothic" charset="-127"/>
+              </a:rPr>
+              <a:t>3,</a:t>
+            </a:r>
+            <a:r>
+              <a:rPr kumimoji="1" lang="ko-KR" altLang="en-US" sz="1400" dirty="0">
+                <a:solidFill>
+                  <a:schemeClr val="tx1">
+                    <a:lumMod val="75000"/>
+                    <a:lumOff val="25000"/>
+                  </a:schemeClr>
+                </a:solidFill>
+                <a:latin typeface="Nanum Gothic" charset="-127"/>
+                <a:ea typeface="Nanum Gothic" charset="-127"/>
+                <a:cs typeface="Nanum Gothic" charset="-127"/>
+              </a:rPr>
+              <a:t> </a:t>
+            </a:r>
+            <a:r>
+              <a:rPr kumimoji="1" lang="mr-IN" altLang="ko-KR" sz="1400" dirty="0">
+                <a:solidFill>
+                  <a:schemeClr val="tx1">
+                    <a:lumMod val="75000"/>
+                    <a:lumOff val="25000"/>
+                  </a:schemeClr>
+                </a:solidFill>
+                <a:latin typeface="Nanum Gothic" charset="-127"/>
+                <a:ea typeface="Nanum Gothic" charset="-127"/>
+                <a:cs typeface="Nanum Gothic" charset="-127"/>
+              </a:rPr>
+              <a:t>…</a:t>
+            </a:r>
+            <a:r>
+              <a:rPr kumimoji="1" lang="ko-KR" altLang="en-US" sz="1400" dirty="0">
+                <a:solidFill>
+                  <a:schemeClr val="tx1">
+                    <a:lumMod val="75000"/>
+                    <a:lumOff val="25000"/>
+                  </a:schemeClr>
+                </a:solidFill>
+                <a:latin typeface="Nanum Gothic" charset="-127"/>
+                <a:ea typeface="Nanum Gothic" charset="-127"/>
+                <a:cs typeface="Nanum Gothic" charset="-127"/>
+              </a:rPr>
+              <a:t> </a:t>
+            </a:r>
+            <a:r>
+              <a:rPr kumimoji="1" lang="en-US" altLang="ko-KR" sz="1400" dirty="0">
+                <a:solidFill>
+                  <a:schemeClr val="tx1">
+                    <a:lumMod val="75000"/>
+                    <a:lumOff val="25000"/>
+                  </a:schemeClr>
+                </a:solidFill>
+                <a:latin typeface="Nanum Gothic" charset="-127"/>
+                <a:ea typeface="Nanum Gothic" charset="-127"/>
+                <a:cs typeface="Nanum Gothic" charset="-127"/>
+              </a:rPr>
+              <a:t>)</a:t>
+            </a:r>
+          </a:p>
+          <a:p>
+            <a:pPr marL="285750" indent="-285750">
+              <a:lnSpc>
+                <a:spcPct val="120000"/>
+              </a:lnSpc>
+              <a:buFontTx/>
+              <a:buChar char="-"/>
+            </a:pPr>
+            <a:endParaRPr kumimoji="1" lang="en-US" altLang="ko-KR" sz="1400" dirty="0">
+              <a:solidFill>
+                <a:schemeClr val="tx1">
+                  <a:lumMod val="75000"/>
+                  <a:lumOff val="25000"/>
+                </a:schemeClr>
+              </a:solidFill>
+              <a:latin typeface="Nanum Gothic" charset="-127"/>
+              <a:ea typeface="Nanum Gothic" charset="-127"/>
+              <a:cs typeface="Nanum Gothic" charset="-127"/>
+            </a:endParaRPr>
+          </a:p>
+          <a:p>
+            <a:pPr marL="285750" indent="-285750">
+              <a:lnSpc>
+                <a:spcPct val="120000"/>
+              </a:lnSpc>
+              <a:buFontTx/>
+              <a:buChar char="-"/>
+            </a:pPr>
+            <a:r>
+              <a:rPr kumimoji="1" lang="en-US" altLang="ko-KR" sz="1400" dirty="0">
+                <a:solidFill>
+                  <a:schemeClr val="tx1">
+                    <a:lumMod val="75000"/>
+                    <a:lumOff val="25000"/>
+                  </a:schemeClr>
+                </a:solidFill>
+                <a:latin typeface="Nanum Gothic" charset="-127"/>
+                <a:ea typeface="Nanum Gothic" charset="-127"/>
+                <a:cs typeface="Nanum Gothic" charset="-127"/>
+              </a:rPr>
+              <a:t>call()</a:t>
+            </a:r>
+            <a:br>
+              <a:rPr kumimoji="1" lang="en-US" altLang="ko-KR" sz="1400" dirty="0">
+                <a:solidFill>
+                  <a:schemeClr val="tx1">
+                    <a:lumMod val="75000"/>
+                    <a:lumOff val="25000"/>
+                  </a:schemeClr>
+                </a:solidFill>
+                <a:latin typeface="Nanum Gothic" charset="-127"/>
+                <a:ea typeface="Nanum Gothic" charset="-127"/>
+                <a:cs typeface="Nanum Gothic" charset="-127"/>
+              </a:rPr>
+            </a:br>
+            <a:r>
+              <a:rPr kumimoji="1" lang="ko-KR" altLang="en-US" sz="1400" dirty="0">
+                <a:solidFill>
+                  <a:schemeClr val="tx1">
+                    <a:lumMod val="75000"/>
+                    <a:lumOff val="25000"/>
+                  </a:schemeClr>
+                </a:solidFill>
+                <a:latin typeface="Nanum Gothic" charset="-127"/>
+                <a:ea typeface="Nanum Gothic" charset="-127"/>
+                <a:cs typeface="Nanum Gothic" charset="-127"/>
+              </a:rPr>
+              <a:t>함수표현식</a:t>
+            </a:r>
+            <a:r>
+              <a:rPr kumimoji="1" lang="en-US" altLang="ko-KR" sz="1400" dirty="0">
                 <a:solidFill>
                   <a:schemeClr val="tx1">
                     <a:lumMod val="75000"/>
@@ -15985,7 +18118,7 @@
               <a:t>.call(</a:t>
             </a:r>
             <a:r>
-              <a:rPr kumimoji="1" lang="ko-KR" altLang="en-US" sz="1400" dirty="0" smtClean="0">
+              <a:rPr kumimoji="1" lang="ko-KR" altLang="en-US" sz="1400" dirty="0">
                 <a:solidFill>
                   <a:schemeClr val="tx1">
                     <a:lumMod val="75000"/>
@@ -15999,7 +18132,7 @@
               <a:t>바인딩할 객체</a:t>
             </a:r>
             <a:r>
-              <a:rPr kumimoji="1" lang="en-US" altLang="ko-KR" sz="1400" dirty="0" smtClean="0">
+              <a:rPr kumimoji="1" lang="en-US" altLang="ko-KR" sz="1400" dirty="0">
                 <a:solidFill>
                   <a:schemeClr val="tx1">
                     <a:lumMod val="75000"/>
@@ -16013,7 +18146,7 @@
               <a:t>,</a:t>
             </a:r>
             <a:r>
-              <a:rPr kumimoji="1" lang="ko-KR" altLang="en-US" sz="1400" dirty="0" smtClean="0">
+              <a:rPr kumimoji="1" lang="ko-KR" altLang="en-US" sz="1400" dirty="0">
                 <a:solidFill>
                   <a:schemeClr val="tx1">
                     <a:lumMod val="75000"/>
@@ -16027,7 +18160,7 @@
               <a:t> 매개변수의 배열</a:t>
             </a:r>
             <a:r>
-              <a:rPr kumimoji="1" lang="en-US" altLang="ko-KR" sz="1400" dirty="0" smtClean="0">
+              <a:rPr kumimoji="1" lang="en-US" altLang="ko-KR" sz="1400" dirty="0">
                 <a:solidFill>
                   <a:schemeClr val="tx1">
                     <a:lumMod val="75000"/>
@@ -16048,7 +18181,7 @@
           <p:cNvPr id="42" name="TextBox 6">
             <a:extLst>
               <a:ext uri="{FF2B5EF4-FFF2-40B4-BE49-F238E27FC236}">
-                <a16:creationId xmlns:a16="http://schemas.microsoft.com/office/drawing/2014/main" xmlns="" id="{6D527928-482C-E943-BBFB-D3D1130C192A}"/>
+                <a16:creationId xmlns:a16="http://schemas.microsoft.com/office/drawing/2014/main" id="{6D527928-482C-E943-BBFB-D3D1130C192A}"/>
               </a:ext>
             </a:extLst>
           </p:cNvPr>
@@ -16072,7 +18205,7 @@
           <a:lstStyle/>
           <a:p>
             <a:r>
-              <a:rPr kumimoji="1" lang="en-US" altLang="ko-KR" sz="1600" b="1" spc="100" dirty="0" smtClean="0">
+              <a:rPr kumimoji="1" lang="en-US" altLang="ko-KR" sz="1600" b="1" spc="100" dirty="0">
                 <a:solidFill>
                   <a:schemeClr val="accent6">
                     <a:lumMod val="50000"/>
@@ -16084,16 +18217,6 @@
               </a:rPr>
               <a:t>bind()</a:t>
             </a:r>
-            <a:endParaRPr kumimoji="1" lang="en-US" altLang="ko-KR" sz="1600" b="1" spc="100" dirty="0">
-              <a:solidFill>
-                <a:schemeClr val="accent6">
-                  <a:lumMod val="50000"/>
-                </a:schemeClr>
-              </a:solidFill>
-              <a:latin typeface="Nanum Gothic" charset="-127"/>
-              <a:ea typeface="Nanum Gothic" charset="-127"/>
-              <a:cs typeface="Nanum Gothic" charset="-127"/>
-            </a:endParaRPr>
           </a:p>
         </p:txBody>
       </p:sp>
@@ -16102,7 +18225,7 @@
           <p:cNvPr id="43" name="TextBox 6">
             <a:extLst>
               <a:ext uri="{FF2B5EF4-FFF2-40B4-BE49-F238E27FC236}">
-                <a16:creationId xmlns:a16="http://schemas.microsoft.com/office/drawing/2014/main" xmlns="" id="{FF918BCE-6F97-434A-B3A2-439095FDE56D}"/>
+                <a16:creationId xmlns:a16="http://schemas.microsoft.com/office/drawing/2014/main" id="{FF918BCE-6F97-434A-B3A2-439095FDE56D}"/>
               </a:ext>
             </a:extLst>
           </p:cNvPr>
@@ -16131,7 +18254,7 @@
               </a:lnSpc>
             </a:pPr>
             <a:r>
-              <a:rPr kumimoji="1" lang="en-US" altLang="ko-KR" sz="1400" dirty="0" smtClean="0">
+              <a:rPr kumimoji="1" lang="en-US" altLang="ko-KR" sz="1400" dirty="0">
                 <a:solidFill>
                   <a:schemeClr val="tx1">
                     <a:lumMod val="75000"/>
@@ -16145,7 +18268,7 @@
               <a:t>ECMA Script5</a:t>
             </a:r>
             <a:r>
-              <a:rPr kumimoji="1" lang="ko-KR" altLang="en-US" sz="1400" dirty="0" smtClean="0">
+              <a:rPr kumimoji="1" lang="ko-KR" altLang="en-US" sz="1400" dirty="0">
                 <a:solidFill>
                   <a:schemeClr val="tx1">
                     <a:lumMod val="75000"/>
@@ -16159,7 +18282,7 @@
               <a:t>에 추가된 기능이다</a:t>
             </a:r>
             <a:r>
-              <a:rPr kumimoji="1" lang="en-US" altLang="ko-KR" sz="1400" dirty="0" smtClean="0">
+              <a:rPr kumimoji="1" lang="en-US" altLang="ko-KR" sz="1400" dirty="0">
                 <a:solidFill>
                   <a:schemeClr val="tx1">
                     <a:lumMod val="75000"/>
@@ -16180,7 +18303,7 @@
               </a:lnSpc>
             </a:pPr>
             <a:r>
-              <a:rPr kumimoji="1" lang="en-US" altLang="ko-KR" sz="1400" dirty="0" smtClean="0">
+              <a:rPr kumimoji="1" lang="en-US" altLang="ko-KR" sz="1400" dirty="0">
                 <a:solidFill>
                   <a:schemeClr val="tx1">
                     <a:lumMod val="75000"/>
@@ -16194,7 +18317,7 @@
               <a:t>bind() </a:t>
             </a:r>
             <a:r>
-              <a:rPr kumimoji="1" lang="ko-KR" altLang="en-US" sz="1400" dirty="0" smtClean="0">
+              <a:rPr kumimoji="1" lang="ko-KR" altLang="en-US" sz="1400" dirty="0">
                 <a:solidFill>
                   <a:schemeClr val="tx1">
                     <a:lumMod val="75000"/>
@@ -16208,7 +18331,7 @@
               <a:t>함수는 해당 함수표현식을 호출하는 것이 아니라 바인딩시킨 메소드를 만들어 반환한다</a:t>
             </a:r>
             <a:r>
-              <a:rPr kumimoji="1" lang="en-US" altLang="ko-KR" sz="1400" dirty="0" smtClean="0">
+              <a:rPr kumimoji="1" lang="en-US" altLang="ko-KR" sz="1400" dirty="0">
                 <a:solidFill>
                   <a:schemeClr val="tx1">
                     <a:lumMod val="75000"/>
@@ -16229,7 +18352,7 @@
               </a:lnSpc>
             </a:pPr>
             <a:r>
-              <a:rPr kumimoji="1" lang="en-US" altLang="ko-KR" sz="1400" dirty="0" smtClean="0">
+              <a:rPr kumimoji="1" lang="en-US" altLang="ko-KR" sz="1400" dirty="0">
                 <a:solidFill>
                   <a:schemeClr val="tx1">
                     <a:lumMod val="75000"/>
@@ -16243,7 +18366,7 @@
               <a:t>this </a:t>
             </a:r>
             <a:r>
-              <a:rPr kumimoji="1" lang="ko-KR" altLang="en-US" sz="1400" dirty="0" smtClean="0">
+              <a:rPr kumimoji="1" lang="ko-KR" altLang="en-US" sz="1400" dirty="0">
                 <a:solidFill>
                   <a:schemeClr val="tx1">
                     <a:lumMod val="75000"/>
@@ -16257,7 +18380,7 @@
               <a:t>바인드 뿐 아니라 매개변수 또한 </a:t>
             </a:r>
             <a:r>
-              <a:rPr kumimoji="1" lang="en-US" altLang="ko-KR" sz="1400" dirty="0" smtClean="0">
+              <a:rPr kumimoji="1" lang="en-US" altLang="ko-KR" sz="1400" dirty="0">
                 <a:solidFill>
                   <a:schemeClr val="tx1">
                     <a:lumMod val="75000"/>
@@ -16271,7 +18394,7 @@
               <a:t>bind</a:t>
             </a:r>
             <a:r>
-              <a:rPr kumimoji="1" lang="ko-KR" altLang="en-US" sz="1400" dirty="0" smtClean="0">
+              <a:rPr kumimoji="1" lang="ko-KR" altLang="en-US" sz="1400" dirty="0">
                 <a:solidFill>
                   <a:schemeClr val="tx1">
                     <a:lumMod val="75000"/>
@@ -16285,7 +18408,7 @@
               <a:t>를 해둘 수 있다</a:t>
             </a:r>
             <a:r>
-              <a:rPr kumimoji="1" lang="en-US" altLang="ko-KR" sz="1400" dirty="0" smtClean="0">
+              <a:rPr kumimoji="1" lang="en-US" altLang="ko-KR" sz="1400" dirty="0">
                 <a:solidFill>
                   <a:schemeClr val="tx1">
                     <a:lumMod val="75000"/>
@@ -16305,7 +18428,7 @@
                 <a:spcPct val="120000"/>
               </a:lnSpc>
             </a:pPr>
-            <a:endParaRPr kumimoji="1" lang="en-US" altLang="ko-KR" sz="1400" dirty="0" smtClean="0">
+            <a:endParaRPr kumimoji="1" lang="en-US" altLang="ko-KR" sz="1400" dirty="0">
               <a:solidFill>
                 <a:schemeClr val="tx1">
                   <a:lumMod val="75000"/>
@@ -16324,7 +18447,7 @@
               </a:lnSpc>
             </a:pPr>
             <a:r>
-              <a:rPr kumimoji="1" lang="en-US" altLang="ko-KR" sz="1400" dirty="0" err="1" smtClean="0">
+              <a:rPr kumimoji="1" lang="en-US" altLang="ko-KR" sz="1400" dirty="0" err="1">
                 <a:solidFill>
                   <a:schemeClr val="tx1">
                     <a:lumMod val="75000"/>
@@ -16338,7 +18461,7 @@
               <a:t>var</a:t>
             </a:r>
             <a:r>
-              <a:rPr kumimoji="1" lang="en-US" altLang="ko-KR" sz="1400" dirty="0" smtClean="0">
+              <a:rPr kumimoji="1" lang="en-US" altLang="ko-KR" sz="1400" dirty="0">
                 <a:solidFill>
                   <a:schemeClr val="tx1">
                     <a:lumMod val="75000"/>
@@ -16352,7 +18475,7 @@
               <a:t> </a:t>
             </a:r>
             <a:r>
-              <a:rPr kumimoji="1" lang="ko-KR" altLang="en-US" sz="1400" dirty="0" smtClean="0">
+              <a:rPr kumimoji="1" lang="ko-KR" altLang="en-US" sz="1400" dirty="0">
                 <a:solidFill>
                   <a:schemeClr val="tx1">
                     <a:lumMod val="75000"/>
@@ -16366,7 +18489,7 @@
               <a:t>생성되는 메소드 </a:t>
             </a:r>
             <a:r>
-              <a:rPr kumimoji="1" lang="en-US" altLang="ko-KR" sz="1400" dirty="0" smtClean="0">
+              <a:rPr kumimoji="1" lang="en-US" altLang="ko-KR" sz="1400" dirty="0">
                 <a:solidFill>
                   <a:schemeClr val="tx1">
                     <a:lumMod val="75000"/>
@@ -16380,7 +18503,7 @@
               <a:t>=</a:t>
             </a:r>
             <a:r>
-              <a:rPr kumimoji="1" lang="ko-KR" altLang="en-US" sz="1400" dirty="0" smtClean="0">
+              <a:rPr kumimoji="1" lang="ko-KR" altLang="en-US" sz="1400" dirty="0">
                 <a:solidFill>
                   <a:schemeClr val="tx1">
                     <a:lumMod val="75000"/>
@@ -16394,7 +18517,7 @@
               <a:t> 함수표현식</a:t>
             </a:r>
             <a:r>
-              <a:rPr kumimoji="1" lang="en-US" altLang="ko-KR" sz="1400" dirty="0" smtClean="0">
+              <a:rPr kumimoji="1" lang="en-US" altLang="ko-KR" sz="1400" dirty="0">
                 <a:solidFill>
                   <a:schemeClr val="tx1">
                     <a:lumMod val="75000"/>
@@ -16408,7 +18531,7 @@
               <a:t>.bind(</a:t>
             </a:r>
             <a:r>
-              <a:rPr kumimoji="1" lang="ko-KR" altLang="en-US" sz="1400" dirty="0" smtClean="0">
+              <a:rPr kumimoji="1" lang="ko-KR" altLang="en-US" sz="1400" dirty="0">
                 <a:solidFill>
                   <a:schemeClr val="tx1">
                     <a:lumMod val="75000"/>
@@ -16422,7 +18545,7 @@
               <a:t>바인딩할 객체</a:t>
             </a:r>
             <a:r>
-              <a:rPr kumimoji="1" lang="en-US" altLang="ko-KR" sz="1400" dirty="0" smtClean="0">
+              <a:rPr kumimoji="1" lang="en-US" altLang="ko-KR" sz="1400" dirty="0">
                 <a:solidFill>
                   <a:schemeClr val="tx1">
                     <a:lumMod val="75000"/>
@@ -16436,7 +18559,7 @@
               <a:t>,</a:t>
             </a:r>
             <a:r>
-              <a:rPr kumimoji="1" lang="ko-KR" altLang="en-US" sz="1400" dirty="0" smtClean="0">
+              <a:rPr kumimoji="1" lang="ko-KR" altLang="en-US" sz="1400" dirty="0">
                 <a:solidFill>
                   <a:schemeClr val="tx1">
                     <a:lumMod val="75000"/>
@@ -16450,7 +18573,7 @@
               <a:t> 바인딩할 매개변수</a:t>
             </a:r>
             <a:r>
-              <a:rPr kumimoji="1" lang="en-US" altLang="ko-KR" sz="1400" dirty="0" smtClean="0">
+              <a:rPr kumimoji="1" lang="en-US" altLang="ko-KR" sz="1400" dirty="0">
                 <a:solidFill>
                   <a:schemeClr val="tx1">
                     <a:lumMod val="75000"/>
@@ -16475,24 +18598,10 @@
                 <a:ea typeface="Nanum Gothic" charset="-127"/>
                 <a:cs typeface="Nanum Gothic" charset="-127"/>
               </a:rPr>
-              <a:t> 바인딩할 </a:t>
-            </a:r>
-            <a:r>
-              <a:rPr kumimoji="1" lang="ko-KR" altLang="en-US" sz="1400" dirty="0" smtClean="0">
-                <a:solidFill>
-                  <a:schemeClr val="tx1">
-                    <a:lumMod val="75000"/>
-                    <a:lumOff val="25000"/>
-                  </a:schemeClr>
-                </a:solidFill>
-                <a:latin typeface="Nanum Gothic" charset="-127"/>
-                <a:ea typeface="Nanum Gothic" charset="-127"/>
-                <a:cs typeface="Nanum Gothic" charset="-127"/>
-              </a:rPr>
-              <a:t>매개변수</a:t>
-            </a:r>
-            <a:r>
-              <a:rPr kumimoji="1" lang="en-US" altLang="ko-KR" sz="1400" dirty="0" smtClean="0">
+              <a:t> 바인딩할 매개변수</a:t>
+            </a:r>
+            <a:r>
+              <a:rPr kumimoji="1" lang="en-US" altLang="ko-KR" sz="1400" dirty="0">
                 <a:solidFill>
                   <a:schemeClr val="tx1">
                     <a:lumMod val="75000"/>
@@ -16506,7 +18615,7 @@
               <a:t>2</a:t>
             </a:r>
             <a:r>
-              <a:rPr kumimoji="1" lang="ko-KR" altLang="en-US" sz="1400" dirty="0" smtClean="0">
+              <a:rPr kumimoji="1" lang="ko-KR" altLang="en-US" sz="1400" dirty="0">
                 <a:solidFill>
                   <a:schemeClr val="tx1">
                     <a:lumMod val="75000"/>
@@ -16520,7 +18629,7 @@
               <a:t> </a:t>
             </a:r>
             <a:r>
-              <a:rPr kumimoji="1" lang="mr-IN" altLang="ko-KR" sz="1400" dirty="0" smtClean="0">
+              <a:rPr kumimoji="1" lang="mr-IN" altLang="ko-KR" sz="1400" dirty="0">
                 <a:solidFill>
                   <a:schemeClr val="tx1">
                     <a:lumMod val="75000"/>
@@ -16534,7 +18643,7 @@
               <a:t>…</a:t>
             </a:r>
             <a:r>
-              <a:rPr kumimoji="1" lang="en-US" altLang="ko-KR" sz="1400" dirty="0" smtClean="0">
+              <a:rPr kumimoji="1" lang="en-US" altLang="ko-KR" sz="1400" dirty="0">
                 <a:solidFill>
                   <a:schemeClr val="tx1">
                     <a:lumMod val="75000"/>
@@ -16548,7 +18657,7 @@
               <a:t>);</a:t>
             </a:r>
             <a:r>
-              <a:rPr kumimoji="1" lang="ko-KR" altLang="en-US" sz="1400" dirty="0" smtClean="0">
+              <a:rPr kumimoji="1" lang="ko-KR" altLang="en-US" sz="1400" dirty="0">
                 <a:solidFill>
                   <a:schemeClr val="tx1">
                     <a:lumMod val="75000"/>
@@ -16561,7 +18670,7 @@
               </a:rPr>
               <a:t> </a:t>
             </a:r>
-            <a:endParaRPr kumimoji="1" lang="en-US" altLang="ko-KR" sz="1400" dirty="0" smtClean="0">
+            <a:endParaRPr kumimoji="1" lang="en-US" altLang="ko-KR" sz="1400" dirty="0">
               <a:solidFill>
                 <a:schemeClr val="tx1">
                   <a:lumMod val="75000"/>
@@ -16585,13 +18694,6 @@
   <p:clrMapOvr>
     <a:masterClrMapping/>
   </p:clrMapOvr>
-  <p:timing>
-    <p:tnLst>
-      <p:par>
-        <p:cTn id="1" dur="indefinite" restart="never" nodeType="tmRoot"/>
-      </p:par>
-    </p:tnLst>
-  </p:timing>
 </p:sld>
 </file>
 
@@ -16636,7 +18738,7 @@
           <a:p>
             <a:pPr algn="l"/>
             <a:r>
-              <a:rPr lang="ko-KR" altLang="en-US" sz="2000" b="1" dirty="0" smtClean="0">
+              <a:rPr lang="ko-KR" altLang="en-US" sz="2000" b="1" dirty="0">
                 <a:solidFill>
                   <a:schemeClr val="accent6">
                     <a:lumMod val="50000"/>
@@ -16648,16 +18750,6 @@
               </a:rPr>
               <a:t>문제</a:t>
             </a:r>
-            <a:endParaRPr lang="ko-KR" altLang="en-US" sz="2000" b="1" dirty="0">
-              <a:solidFill>
-                <a:schemeClr val="accent6">
-                  <a:lumMod val="50000"/>
-                </a:schemeClr>
-              </a:solidFill>
-              <a:latin typeface="Nanum Gothic" charset="-127"/>
-              <a:ea typeface="Nanum Gothic" charset="-127"/>
-              <a:cs typeface="Nanum Gothic" charset="-127"/>
-            </a:endParaRPr>
           </a:p>
         </p:txBody>
       </p:sp>
@@ -16666,7 +18758,7 @@
           <p:cNvPr id="11" name="TextBox 6">
             <a:extLst>
               <a:ext uri="{FF2B5EF4-FFF2-40B4-BE49-F238E27FC236}">
-                <a16:creationId xmlns:a16="http://schemas.microsoft.com/office/drawing/2014/main" xmlns="" id="{FF918BCE-6F97-434A-B3A2-439095FDE56D}"/>
+                <a16:creationId xmlns:a16="http://schemas.microsoft.com/office/drawing/2014/main" id="{FF918BCE-6F97-434A-B3A2-439095FDE56D}"/>
               </a:ext>
             </a:extLst>
           </p:cNvPr>
@@ -16695,7 +18787,7 @@
               </a:lnSpc>
             </a:pPr>
             <a:r>
-              <a:rPr kumimoji="1" lang="ko-KR" altLang="en-US" sz="1400" dirty="0" smtClean="0">
+              <a:rPr kumimoji="1" lang="ko-KR" altLang="en-US" sz="1400" dirty="0">
                 <a:solidFill>
                   <a:schemeClr val="tx1">
                     <a:lumMod val="75000"/>
@@ -16709,7 +18801,7 @@
               <a:t>다음 코드에서 </a:t>
             </a:r>
             <a:r>
-              <a:rPr kumimoji="1" lang="en-US" altLang="ko-KR" sz="1400" dirty="0" smtClean="0">
+              <a:rPr kumimoji="1" lang="en-US" altLang="ko-KR" sz="1400" dirty="0">
                 <a:solidFill>
                   <a:schemeClr val="tx1">
                     <a:lumMod val="75000"/>
@@ -16723,7 +18815,7 @@
               <a:t>testFunc1, testFunc2, </a:t>
             </a:r>
             <a:r>
-              <a:rPr kumimoji="1" lang="en-US" altLang="ko-KR" sz="1400" dirty="0" err="1" smtClean="0">
+              <a:rPr kumimoji="1" lang="en-US" altLang="ko-KR" sz="1400" dirty="0" err="1">
                 <a:solidFill>
                   <a:schemeClr val="tx1">
                     <a:lumMod val="75000"/>
@@ -16737,7 +18829,7 @@
               <a:t>innerFunc</a:t>
             </a:r>
             <a:r>
-              <a:rPr kumimoji="1" lang="en-US" altLang="ko-KR" sz="1400" dirty="0" smtClean="0">
+              <a:rPr kumimoji="1" lang="en-US" altLang="ko-KR" sz="1400" dirty="0">
                 <a:solidFill>
                   <a:schemeClr val="tx1">
                     <a:lumMod val="75000"/>
@@ -16751,7 +18843,7 @@
               <a:t> </a:t>
             </a:r>
             <a:r>
-              <a:rPr kumimoji="1" lang="ko-KR" altLang="en-US" sz="1400" dirty="0" smtClean="0">
+              <a:rPr kumimoji="1" lang="ko-KR" altLang="en-US" sz="1400" dirty="0">
                 <a:solidFill>
                   <a:schemeClr val="tx1">
                     <a:lumMod val="75000"/>
@@ -16764,7 +18856,7 @@
               </a:rPr>
               <a:t>의 </a:t>
             </a:r>
-            <a:endParaRPr kumimoji="1" lang="en-US" altLang="ko-KR" sz="1400" dirty="0" smtClean="0">
+            <a:endParaRPr kumimoji="1" lang="en-US" altLang="ko-KR" sz="1400" dirty="0">
               <a:solidFill>
                 <a:schemeClr val="tx1">
                   <a:lumMod val="75000"/>
@@ -16783,7 +18875,7 @@
               </a:lnSpc>
             </a:pPr>
             <a:r>
-              <a:rPr kumimoji="1" lang="ko-KR" altLang="en-US" sz="1400" dirty="0" smtClean="0">
+              <a:rPr kumimoji="1" lang="ko-KR" altLang="en-US" sz="1400" dirty="0">
                 <a:solidFill>
                   <a:schemeClr val="tx1">
                     <a:lumMod val="75000"/>
@@ -16797,7 +18889,7 @@
               <a:t>코드 실행에 따라서 활성객체가 어떻게 생성될지 순서대로 그려보시오</a:t>
             </a:r>
             <a:r>
-              <a:rPr kumimoji="1" lang="en-US" altLang="ko-KR" sz="1400" dirty="0" smtClean="0">
+              <a:rPr kumimoji="1" lang="en-US" altLang="ko-KR" sz="1400" dirty="0">
                 <a:solidFill>
                   <a:schemeClr val="tx1">
                     <a:lumMod val="75000"/>
@@ -16810,17 +18902,6 @@
               </a:rPr>
               <a:t>.</a:t>
             </a:r>
-            <a:endParaRPr kumimoji="1" lang="en-US" altLang="ko-KR" sz="1400" dirty="0" smtClean="0">
-              <a:solidFill>
-                <a:schemeClr val="tx1">
-                  <a:lumMod val="75000"/>
-                  <a:lumOff val="25000"/>
-                </a:schemeClr>
-              </a:solidFill>
-              <a:latin typeface="Nanum Gothic" charset="-127"/>
-              <a:ea typeface="Nanum Gothic" charset="-127"/>
-              <a:cs typeface="Nanum Gothic" charset="-127"/>
-            </a:endParaRPr>
           </a:p>
         </p:txBody>
       </p:sp>
@@ -16829,7 +18910,7 @@
           <p:cNvPr id="35" name="TextBox 6">
             <a:extLst>
               <a:ext uri="{FF2B5EF4-FFF2-40B4-BE49-F238E27FC236}">
-                <a16:creationId xmlns:a16="http://schemas.microsoft.com/office/drawing/2014/main" xmlns="" id="{4C433121-55F9-BF41-9CAB-571182E75852}"/>
+                <a16:creationId xmlns:a16="http://schemas.microsoft.com/office/drawing/2014/main" id="{4C433121-55F9-BF41-9CAB-571182E75852}"/>
               </a:ext>
             </a:extLst>
           </p:cNvPr>
@@ -16858,7 +18939,7 @@
               </a:lnSpc>
             </a:pPr>
             <a:r>
-              <a:rPr kumimoji="1" lang="en-US" altLang="ko-KR" sz="1200" dirty="0" smtClean="0">
+              <a:rPr kumimoji="1" lang="en-US" altLang="ko-KR" sz="1200" dirty="0">
                 <a:solidFill>
                   <a:schemeClr val="tx1">
                     <a:lumMod val="50000"/>
@@ -16879,7 +18960,7 @@
               </a:lnSpc>
             </a:pPr>
             <a:r>
-              <a:rPr kumimoji="1" lang="en-US" altLang="ko-KR" sz="1200" dirty="0" smtClean="0">
+              <a:rPr kumimoji="1" lang="en-US" altLang="ko-KR" sz="1200" dirty="0">
                 <a:solidFill>
                   <a:schemeClr val="tx1">
                     <a:lumMod val="50000"/>
@@ -16913,17 +18994,6 @@
               </a:rPr>
               <a:t>}</a:t>
             </a:r>
-            <a:endParaRPr kumimoji="1" lang="en-US" altLang="ko-KR" sz="1200" dirty="0" smtClean="0">
-              <a:solidFill>
-                <a:schemeClr val="tx1">
-                  <a:lumMod val="50000"/>
-                  <a:lumOff val="50000"/>
-                </a:schemeClr>
-              </a:solidFill>
-              <a:latin typeface="Consolas" panose="020B0609020204030204" pitchFamily="49" charset="0"/>
-              <a:ea typeface="Nanum Gothic" charset="-127"/>
-              <a:cs typeface="Consolas" panose="020B0609020204030204" pitchFamily="49" charset="0"/>
-            </a:endParaRPr>
           </a:p>
           <a:p>
             <a:pPr>
@@ -16950,7 +19020,7 @@
               </a:lnSpc>
             </a:pPr>
             <a:r>
-              <a:rPr kumimoji="1" lang="en-US" altLang="ko-KR" sz="1200" dirty="0" smtClean="0">
+              <a:rPr kumimoji="1" lang="en-US" altLang="ko-KR" sz="1200" dirty="0">
                 <a:solidFill>
                   <a:schemeClr val="tx1">
                     <a:lumMod val="50000"/>
@@ -16961,49 +19031,7 @@
                 <a:ea typeface="Nanum Gothic" charset="-127"/>
                 <a:cs typeface="Consolas" panose="020B0609020204030204" pitchFamily="49" charset="0"/>
               </a:rPr>
-              <a:t>f</a:t>
-            </a:r>
-            <a:r>
-              <a:rPr kumimoji="1" lang="en-US" altLang="ko-KR" sz="1200" dirty="0" smtClean="0">
-                <a:solidFill>
-                  <a:schemeClr val="tx1">
-                    <a:lumMod val="50000"/>
-                    <a:lumOff val="50000"/>
-                  </a:schemeClr>
-                </a:solidFill>
-                <a:latin typeface="Consolas" panose="020B0609020204030204" pitchFamily="49" charset="0"/>
-                <a:ea typeface="Nanum Gothic" charset="-127"/>
-                <a:cs typeface="Consolas" panose="020B0609020204030204" pitchFamily="49" charset="0"/>
-              </a:rPr>
-              <a:t>unction </a:t>
-            </a:r>
-            <a:r>
-              <a:rPr kumimoji="1" lang="en-US" altLang="ko-KR" sz="1200" dirty="0" smtClean="0">
-                <a:solidFill>
-                  <a:schemeClr val="tx1">
-                    <a:lumMod val="50000"/>
-                    <a:lumOff val="50000"/>
-                  </a:schemeClr>
-                </a:solidFill>
-                <a:latin typeface="Consolas" panose="020B0609020204030204" pitchFamily="49" charset="0"/>
-                <a:ea typeface="Nanum Gothic" charset="-127"/>
-                <a:cs typeface="Consolas" panose="020B0609020204030204" pitchFamily="49" charset="0"/>
-              </a:rPr>
-              <a:t>test</a:t>
-            </a:r>
-            <a:r>
-              <a:rPr kumimoji="1" lang="en-US" altLang="ko-KR" sz="1200" dirty="0" smtClean="0">
-                <a:solidFill>
-                  <a:schemeClr val="tx1">
-                    <a:lumMod val="50000"/>
-                    <a:lumOff val="50000"/>
-                  </a:schemeClr>
-                </a:solidFill>
-                <a:latin typeface="Consolas" panose="020B0609020204030204" pitchFamily="49" charset="0"/>
-                <a:ea typeface="Nanum Gothic" charset="-127"/>
-                <a:cs typeface="Consolas" panose="020B0609020204030204" pitchFamily="49" charset="0"/>
-              </a:rPr>
-              <a:t>Func2(p1, p2, p3) {</a:t>
+              <a:t>function testFunc2(p1, p2, p3) {</a:t>
             </a:r>
           </a:p>
           <a:p>
@@ -17013,7 +19041,7 @@
               </a:lnSpc>
             </a:pPr>
             <a:r>
-              <a:rPr kumimoji="1" lang="en-US" altLang="ko-KR" sz="1200" dirty="0" smtClean="0">
+              <a:rPr kumimoji="1" lang="en-US" altLang="ko-KR" sz="1200" dirty="0">
                 <a:solidFill>
                   <a:schemeClr val="tx1">
                     <a:lumMod val="50000"/>
@@ -17027,7 +19055,7 @@
               <a:t>    </a:t>
             </a:r>
             <a:r>
-              <a:rPr kumimoji="1" lang="en-US" altLang="ko-KR" sz="1200" dirty="0" err="1" smtClean="0">
+              <a:rPr kumimoji="1" lang="en-US" altLang="ko-KR" sz="1200" dirty="0" err="1">
                 <a:solidFill>
                   <a:schemeClr val="tx1">
                     <a:lumMod val="50000"/>
@@ -17041,7 +19069,7 @@
               <a:t>var</a:t>
             </a:r>
             <a:r>
-              <a:rPr kumimoji="1" lang="en-US" altLang="ko-KR" sz="1200" dirty="0" smtClean="0">
+              <a:rPr kumimoji="1" lang="en-US" altLang="ko-KR" sz="1200" dirty="0">
                 <a:solidFill>
                   <a:schemeClr val="tx1">
                     <a:lumMod val="50000"/>
@@ -17054,17 +19082,6 @@
               </a:rPr>
               <a:t> v1 = 1, v2 = 3;</a:t>
             </a:r>
-            <a:endParaRPr kumimoji="1" lang="en-US" altLang="ko-KR" sz="1200" dirty="0">
-              <a:solidFill>
-                <a:schemeClr val="tx1">
-                  <a:lumMod val="50000"/>
-                  <a:lumOff val="50000"/>
-                </a:schemeClr>
-              </a:solidFill>
-              <a:latin typeface="Consolas" panose="020B0609020204030204" pitchFamily="49" charset="0"/>
-              <a:ea typeface="Nanum Gothic" charset="-127"/>
-              <a:cs typeface="Consolas" panose="020B0609020204030204" pitchFamily="49" charset="0"/>
-            </a:endParaRPr>
           </a:p>
           <a:p>
             <a:pPr>
@@ -17073,7 +19090,7 @@
               </a:lnSpc>
             </a:pPr>
             <a:r>
-              <a:rPr kumimoji="1" lang="en-US" altLang="ko-KR" sz="1200" dirty="0" smtClean="0">
+              <a:rPr kumimoji="1" lang="en-US" altLang="ko-KR" sz="1200" dirty="0">
                 <a:solidFill>
                   <a:schemeClr val="tx1">
                     <a:lumMod val="50000"/>
@@ -17087,7 +19104,7 @@
               <a:t>    function </a:t>
             </a:r>
             <a:r>
-              <a:rPr kumimoji="1" lang="en-US" altLang="ko-KR" sz="1200" dirty="0" err="1" smtClean="0">
+              <a:rPr kumimoji="1" lang="en-US" altLang="ko-KR" sz="1200" dirty="0" err="1">
                 <a:solidFill>
                   <a:schemeClr val="tx1">
                     <a:lumMod val="50000"/>
@@ -17101,7 +19118,7 @@
               <a:t>innerFunc</a:t>
             </a:r>
             <a:r>
-              <a:rPr kumimoji="1" lang="en-US" altLang="ko-KR" sz="1200" dirty="0" smtClean="0">
+              <a:rPr kumimoji="1" lang="en-US" altLang="ko-KR" sz="1200" dirty="0">
                 <a:solidFill>
                   <a:schemeClr val="tx1">
                     <a:lumMod val="50000"/>
@@ -17122,7 +19139,7 @@
               </a:lnSpc>
             </a:pPr>
             <a:r>
-              <a:rPr kumimoji="1" lang="en-US" altLang="ko-KR" sz="1200" dirty="0" smtClean="0">
+              <a:rPr kumimoji="1" lang="en-US" altLang="ko-KR" sz="1200" dirty="0">
                 <a:solidFill>
                   <a:schemeClr val="tx1">
                     <a:lumMod val="50000"/>
@@ -17143,7 +19160,7 @@
               </a:lnSpc>
             </a:pPr>
             <a:r>
-              <a:rPr kumimoji="1" lang="en-US" altLang="ko-KR" sz="1200" dirty="0" smtClean="0">
+              <a:rPr kumimoji="1" lang="en-US" altLang="ko-KR" sz="1200" dirty="0">
                 <a:solidFill>
                   <a:schemeClr val="tx1">
                     <a:lumMod val="50000"/>
@@ -17175,33 +19192,8 @@
                 <a:ea typeface="Nanum Gothic" charset="-127"/>
                 <a:cs typeface="Consolas" panose="020B0609020204030204" pitchFamily="49" charset="0"/>
               </a:rPr>
-              <a:t> </a:t>
-            </a:r>
-            <a:r>
-              <a:rPr kumimoji="1" lang="en-US" altLang="ko-KR" sz="1200" dirty="0" smtClean="0">
-                <a:solidFill>
-                  <a:schemeClr val="tx1">
-                    <a:lumMod val="50000"/>
-                    <a:lumOff val="50000"/>
-                  </a:schemeClr>
-                </a:solidFill>
-                <a:latin typeface="Consolas" panose="020B0609020204030204" pitchFamily="49" charset="0"/>
-                <a:ea typeface="Nanum Gothic" charset="-127"/>
-                <a:cs typeface="Consolas" panose="020B0609020204030204" pitchFamily="49" charset="0"/>
-              </a:rPr>
-              <a:t>   }</a:t>
-            </a:r>
-            <a:endParaRPr kumimoji="1" lang="en-US" altLang="ko-KR" sz="1200" dirty="0">
-              <a:solidFill>
-                <a:schemeClr val="tx1">
-                  <a:lumMod val="50000"/>
-                  <a:lumOff val="50000"/>
-                </a:schemeClr>
-              </a:solidFill>
-              <a:latin typeface="Consolas" panose="020B0609020204030204" pitchFamily="49" charset="0"/>
-              <a:ea typeface="Nanum Gothic" charset="-127"/>
-              <a:cs typeface="Consolas" panose="020B0609020204030204" pitchFamily="49" charset="0"/>
-            </a:endParaRPr>
+              <a:t>    }</a:t>
+            </a:r>
           </a:p>
           <a:p>
             <a:pPr>
@@ -17221,10 +19213,10 @@
                 <a:ea typeface="Nanum Gothic" charset="-127"/>
                 <a:cs typeface="Consolas" panose="020B0609020204030204" pitchFamily="49" charset="0"/>
               </a:rPr>
-              <a:t> </a:t>
-            </a:r>
-            <a:r>
-              <a:rPr kumimoji="1" lang="en-US" altLang="ko-KR" sz="1200" dirty="0" smtClean="0">
+              <a:t>    </a:t>
+            </a:r>
+            <a:r>
+              <a:rPr kumimoji="1" lang="en-US" altLang="ko-KR" sz="1200" dirty="0" err="1">
                 <a:solidFill>
                   <a:schemeClr val="tx1">
                     <a:lumMod val="50000"/>
@@ -17235,24 +19227,10 @@
                 <a:ea typeface="Nanum Gothic" charset="-127"/>
                 <a:cs typeface="Consolas" panose="020B0609020204030204" pitchFamily="49" charset="0"/>
               </a:rPr>
-              <a:t>   </a:t>
-            </a:r>
-            <a:r>
-              <a:rPr kumimoji="1" lang="en-US" altLang="ko-KR" sz="1200" dirty="0" err="1" smtClean="0">
-                <a:solidFill>
-                  <a:schemeClr val="tx1">
-                    <a:lumMod val="50000"/>
-                    <a:lumOff val="50000"/>
-                  </a:schemeClr>
-                </a:solidFill>
-                <a:latin typeface="Consolas" panose="020B0609020204030204" pitchFamily="49" charset="0"/>
-                <a:ea typeface="Nanum Gothic" charset="-127"/>
-                <a:cs typeface="Consolas" panose="020B0609020204030204" pitchFamily="49" charset="0"/>
-              </a:rPr>
               <a:t>innerFunc</a:t>
             </a:r>
             <a:r>
-              <a:rPr kumimoji="1" lang="en-US" altLang="ko-KR" sz="1200" dirty="0" smtClean="0">
+              <a:rPr kumimoji="1" lang="en-US" altLang="ko-KR" sz="1200" dirty="0">
                 <a:solidFill>
                   <a:schemeClr val="tx1">
                     <a:lumMod val="50000"/>
@@ -17273,7 +19251,7 @@
               </a:lnSpc>
             </a:pPr>
             <a:r>
-              <a:rPr kumimoji="1" lang="en-US" altLang="ko-KR" sz="1200" dirty="0" smtClean="0">
+              <a:rPr kumimoji="1" lang="en-US" altLang="ko-KR" sz="1200" dirty="0">
                 <a:solidFill>
                   <a:schemeClr val="tx1">
                     <a:lumMod val="50000"/>
@@ -17312,7 +19290,7 @@
               </a:lnSpc>
             </a:pPr>
             <a:r>
-              <a:rPr kumimoji="1" lang="en-US" altLang="ko-KR" sz="1200" dirty="0" smtClean="0">
+              <a:rPr kumimoji="1" lang="en-US" altLang="ko-KR" sz="1200" dirty="0">
                 <a:solidFill>
                   <a:schemeClr val="tx1">
                     <a:lumMod val="50000"/>
@@ -17338,13 +19316,6 @@
   <p:clrMapOvr>
     <a:masterClrMapping/>
   </p:clrMapOvr>
-  <p:timing>
-    <p:tnLst>
-      <p:par>
-        <p:cTn id="1" dur="indefinite" restart="never" nodeType="tmRoot"/>
-      </p:par>
-    </p:tnLst>
-  </p:timing>
 </p:sld>
 </file>
 
@@ -17468,7 +19439,7 @@
           <p:cNvPr id="10" name="제목 1">
             <a:extLst>
               <a:ext uri="{FF2B5EF4-FFF2-40B4-BE49-F238E27FC236}">
-                <a16:creationId xmlns:a16="http://schemas.microsoft.com/office/drawing/2014/main" xmlns="" id="{0E498A0E-6AFE-5542-9539-8A498B955B52}"/>
+                <a16:creationId xmlns:a16="http://schemas.microsoft.com/office/drawing/2014/main" id="{0E498A0E-6AFE-5542-9539-8A498B955B52}"/>
               </a:ext>
             </a:extLst>
           </p:cNvPr>
@@ -17527,7 +19498,7 @@
           <p:cNvPr id="11" name="제목 1">
             <a:extLst>
               <a:ext uri="{FF2B5EF4-FFF2-40B4-BE49-F238E27FC236}">
-                <a16:creationId xmlns:a16="http://schemas.microsoft.com/office/drawing/2014/main" xmlns="" id="{5B58744F-7323-0447-9907-AAC6C937C11E}"/>
+                <a16:creationId xmlns:a16="http://schemas.microsoft.com/office/drawing/2014/main" id="{5B58744F-7323-0447-9907-AAC6C937C11E}"/>
               </a:ext>
             </a:extLst>
           </p:cNvPr>
@@ -17583,7 +19554,7 @@
           <p:cNvPr id="12" name="제목 1">
             <a:extLst>
               <a:ext uri="{FF2B5EF4-FFF2-40B4-BE49-F238E27FC236}">
-                <a16:creationId xmlns:a16="http://schemas.microsoft.com/office/drawing/2014/main" xmlns="" id="{9C9DDEE2-EC18-E145-A856-D3D5409C57E6}"/>
+                <a16:creationId xmlns:a16="http://schemas.microsoft.com/office/drawing/2014/main" id="{9C9DDEE2-EC18-E145-A856-D3D5409C57E6}"/>
               </a:ext>
             </a:extLst>
           </p:cNvPr>
@@ -17642,7 +19613,7 @@
           <p:cNvPr id="7" name="제목 1">
             <a:extLst>
               <a:ext uri="{FF2B5EF4-FFF2-40B4-BE49-F238E27FC236}">
-                <a16:creationId xmlns:a16="http://schemas.microsoft.com/office/drawing/2014/main" xmlns="" id="{9346C264-0E4E-3641-9A07-7D619DB334A1}"/>
+                <a16:creationId xmlns:a16="http://schemas.microsoft.com/office/drawing/2014/main" id="{9346C264-0E4E-3641-9A07-7D619DB334A1}"/>
               </a:ext>
             </a:extLst>
           </p:cNvPr>
@@ -17701,7 +19672,7 @@
           <p:cNvPr id="8" name="제목 1">
             <a:extLst>
               <a:ext uri="{FF2B5EF4-FFF2-40B4-BE49-F238E27FC236}">
-                <a16:creationId xmlns:a16="http://schemas.microsoft.com/office/drawing/2014/main" xmlns="" id="{50F140DF-1351-C941-A99B-EC2E71A63F30}"/>
+                <a16:creationId xmlns:a16="http://schemas.microsoft.com/office/drawing/2014/main" id="{50F140DF-1351-C941-A99B-EC2E71A63F30}"/>
               </a:ext>
             </a:extLst>
           </p:cNvPr>
@@ -17765,13 +19736,6 @@
   <p:clrMapOvr>
     <a:masterClrMapping/>
   </p:clrMapOvr>
-  <p:timing>
-    <p:tnLst>
-      <p:par>
-        <p:cTn id="1" dur="indefinite" restart="never" nodeType="tmRoot"/>
-      </p:par>
-    </p:tnLst>
-  </p:timing>
 </p:sld>
 </file>
 
@@ -17884,7 +19848,7 @@
           <p:cNvPr id="11" name="TextBox 6">
             <a:extLst>
               <a:ext uri="{FF2B5EF4-FFF2-40B4-BE49-F238E27FC236}">
-                <a16:creationId xmlns:a16="http://schemas.microsoft.com/office/drawing/2014/main" xmlns="" id="{6D527928-482C-E943-BBFB-D3D1130C192A}"/>
+                <a16:creationId xmlns:a16="http://schemas.microsoft.com/office/drawing/2014/main" id="{6D527928-482C-E943-BBFB-D3D1130C192A}"/>
               </a:ext>
             </a:extLst>
           </p:cNvPr>
@@ -17938,7 +19902,7 @@
           <p:cNvPr id="13" name="TextBox 6">
             <a:extLst>
               <a:ext uri="{FF2B5EF4-FFF2-40B4-BE49-F238E27FC236}">
-                <a16:creationId xmlns:a16="http://schemas.microsoft.com/office/drawing/2014/main" xmlns="" id="{212573A1-855A-1340-B5DD-1CB0EF68C5FE}"/>
+                <a16:creationId xmlns:a16="http://schemas.microsoft.com/office/drawing/2014/main" id="{212573A1-855A-1340-B5DD-1CB0EF68C5FE}"/>
               </a:ext>
             </a:extLst>
           </p:cNvPr>
@@ -18083,7 +20047,7 @@
           <p:cNvPr id="14" name="TextBox 6">
             <a:extLst>
               <a:ext uri="{FF2B5EF4-FFF2-40B4-BE49-F238E27FC236}">
-                <a16:creationId xmlns:a16="http://schemas.microsoft.com/office/drawing/2014/main" xmlns="" id="{15972864-CA74-2A4E-8C86-22B579E92837}"/>
+                <a16:creationId xmlns:a16="http://schemas.microsoft.com/office/drawing/2014/main" id="{15972864-CA74-2A4E-8C86-22B579E92837}"/>
               </a:ext>
             </a:extLst>
           </p:cNvPr>
@@ -18222,7 +20186,7 @@
           <p:cNvPr id="23" name="TextBox 6">
             <a:extLst>
               <a:ext uri="{FF2B5EF4-FFF2-40B4-BE49-F238E27FC236}">
-                <a16:creationId xmlns:a16="http://schemas.microsoft.com/office/drawing/2014/main" xmlns="" id="{76FB57A3-37F4-8642-B8CF-EE03A08AAF74}"/>
+                <a16:creationId xmlns:a16="http://schemas.microsoft.com/office/drawing/2014/main" id="{76FB57A3-37F4-8642-B8CF-EE03A08AAF74}"/>
               </a:ext>
             </a:extLst>
           </p:cNvPr>
@@ -18342,7 +20306,7 @@
           <p:cNvPr id="12" name="TextBox 6">
             <a:extLst>
               <a:ext uri="{FF2B5EF4-FFF2-40B4-BE49-F238E27FC236}">
-                <a16:creationId xmlns:a16="http://schemas.microsoft.com/office/drawing/2014/main" xmlns="" id="{5B8050A3-2861-1447-8F2F-9349DC54494D}"/>
+                <a16:creationId xmlns:a16="http://schemas.microsoft.com/office/drawing/2014/main" id="{5B8050A3-2861-1447-8F2F-9349DC54494D}"/>
               </a:ext>
             </a:extLst>
           </p:cNvPr>
@@ -18558,7 +20522,7 @@
           <p:cNvPr id="15" name="TextBox 6">
             <a:extLst>
               <a:ext uri="{FF2B5EF4-FFF2-40B4-BE49-F238E27FC236}">
-                <a16:creationId xmlns:a16="http://schemas.microsoft.com/office/drawing/2014/main" xmlns="" id="{3B4CACBA-9B29-9241-9D48-F79A553C99D9}"/>
+                <a16:creationId xmlns:a16="http://schemas.microsoft.com/office/drawing/2014/main" id="{3B4CACBA-9B29-9241-9D48-F79A553C99D9}"/>
               </a:ext>
             </a:extLst>
           </p:cNvPr>
@@ -18636,7 +20600,7 @@
           <p:cNvPr id="16" name="TextBox 6">
             <a:extLst>
               <a:ext uri="{FF2B5EF4-FFF2-40B4-BE49-F238E27FC236}">
-                <a16:creationId xmlns:a16="http://schemas.microsoft.com/office/drawing/2014/main" xmlns="" id="{8929B54C-B7A2-984E-9476-2C90D470B3DE}"/>
+                <a16:creationId xmlns:a16="http://schemas.microsoft.com/office/drawing/2014/main" id="{8929B54C-B7A2-984E-9476-2C90D470B3DE}"/>
               </a:ext>
             </a:extLst>
           </p:cNvPr>
@@ -19056,13 +21020,6 @@
   <p:clrMapOvr>
     <a:masterClrMapping/>
   </p:clrMapOvr>
-  <p:timing>
-    <p:tnLst>
-      <p:par>
-        <p:cTn id="1" dur="indefinite" restart="never" nodeType="tmRoot"/>
-      </p:par>
-    </p:tnLst>
-  </p:timing>
 </p:sld>
 </file>
 

--- a/Javascript_Perfect_Guide/week05_c08.pptx
+++ b/Javascript_Perfect_Guide/week05_c08.pptx
@@ -223,7 +223,7 @@
           <a:p>
             <a:fld id="{05C7776E-DE5C-4F05-B07F-00A91CF8752B}" type="datetimeFigureOut">
               <a:rPr lang="ko-KR" altLang="en-US" smtClean="0"/>
-              <a:t>2018. 1. 31.</a:t>
+              <a:t>2018. 2. 3.</a:t>
             </a:fld>
             <a:endParaRPr lang="ko-KR" altLang="en-US"/>
           </a:p>
@@ -2045,7 +2045,7 @@
           <a:p>
             <a:fld id="{0D376A1C-8576-477A-9EF2-422E0DEFCEB8}" type="datetimeFigureOut">
               <a:rPr lang="ko-KR" altLang="en-US" smtClean="0"/>
-              <a:t>2018. 1. 31.</a:t>
+              <a:t>2018. 2. 3.</a:t>
             </a:fld>
             <a:endParaRPr lang="ko-KR" altLang="en-US"/>
           </a:p>
@@ -2208,7 +2208,7 @@
           <a:p>
             <a:fld id="{0D376A1C-8576-477A-9EF2-422E0DEFCEB8}" type="datetimeFigureOut">
               <a:rPr lang="ko-KR" altLang="en-US" smtClean="0"/>
-              <a:t>2018. 1. 31.</a:t>
+              <a:t>2018. 2. 3.</a:t>
             </a:fld>
             <a:endParaRPr lang="ko-KR" altLang="en-US"/>
           </a:p>
@@ -2381,7 +2381,7 @@
           <a:p>
             <a:fld id="{0D376A1C-8576-477A-9EF2-422E0DEFCEB8}" type="datetimeFigureOut">
               <a:rPr lang="ko-KR" altLang="en-US" smtClean="0"/>
-              <a:t>2018. 1. 31.</a:t>
+              <a:t>2018. 2. 3.</a:t>
             </a:fld>
             <a:endParaRPr lang="ko-KR" altLang="en-US"/>
           </a:p>
@@ -2544,7 +2544,7 @@
           <a:p>
             <a:fld id="{0D376A1C-8576-477A-9EF2-422E0DEFCEB8}" type="datetimeFigureOut">
               <a:rPr lang="ko-KR" altLang="en-US" smtClean="0"/>
-              <a:t>2018. 1. 31.</a:t>
+              <a:t>2018. 2. 3.</a:t>
             </a:fld>
             <a:endParaRPr lang="ko-KR" altLang="en-US"/>
           </a:p>
@@ -2784,7 +2784,7 @@
           <a:p>
             <a:fld id="{0D376A1C-8576-477A-9EF2-422E0DEFCEB8}" type="datetimeFigureOut">
               <a:rPr lang="ko-KR" altLang="en-US" smtClean="0"/>
-              <a:t>2018. 1. 31.</a:t>
+              <a:t>2018. 2. 3.</a:t>
             </a:fld>
             <a:endParaRPr lang="ko-KR" altLang="en-US"/>
           </a:p>
@@ -3064,7 +3064,7 @@
           <a:p>
             <a:fld id="{0D376A1C-8576-477A-9EF2-422E0DEFCEB8}" type="datetimeFigureOut">
               <a:rPr lang="ko-KR" altLang="en-US" smtClean="0"/>
-              <a:t>2018. 1. 31.</a:t>
+              <a:t>2018. 2. 3.</a:t>
             </a:fld>
             <a:endParaRPr lang="ko-KR" altLang="en-US"/>
           </a:p>
@@ -3478,7 +3478,7 @@
           <a:p>
             <a:fld id="{0D376A1C-8576-477A-9EF2-422E0DEFCEB8}" type="datetimeFigureOut">
               <a:rPr lang="ko-KR" altLang="en-US" smtClean="0"/>
-              <a:t>2018. 1. 31.</a:t>
+              <a:t>2018. 2. 3.</a:t>
             </a:fld>
             <a:endParaRPr lang="ko-KR" altLang="en-US"/>
           </a:p>
@@ -3590,7 +3590,7 @@
           <a:p>
             <a:fld id="{0D376A1C-8576-477A-9EF2-422E0DEFCEB8}" type="datetimeFigureOut">
               <a:rPr lang="ko-KR" altLang="en-US" smtClean="0"/>
-              <a:t>2018. 1. 31.</a:t>
+              <a:t>2018. 2. 3.</a:t>
             </a:fld>
             <a:endParaRPr lang="ko-KR" altLang="en-US"/>
           </a:p>
@@ -3680,7 +3680,7 @@
           <a:p>
             <a:fld id="{0D376A1C-8576-477A-9EF2-422E0DEFCEB8}" type="datetimeFigureOut">
               <a:rPr lang="ko-KR" altLang="en-US" smtClean="0"/>
-              <a:t>2018. 1. 31.</a:t>
+              <a:t>2018. 2. 3.</a:t>
             </a:fld>
             <a:endParaRPr lang="ko-KR" altLang="en-US"/>
           </a:p>
@@ -3950,7 +3950,7 @@
           <a:p>
             <a:fld id="{0D376A1C-8576-477A-9EF2-422E0DEFCEB8}" type="datetimeFigureOut">
               <a:rPr lang="ko-KR" altLang="en-US" smtClean="0"/>
-              <a:t>2018. 1. 31.</a:t>
+              <a:t>2018. 2. 3.</a:t>
             </a:fld>
             <a:endParaRPr lang="ko-KR" altLang="en-US"/>
           </a:p>
@@ -4197,7 +4197,7 @@
           <a:p>
             <a:fld id="{0D376A1C-8576-477A-9EF2-422E0DEFCEB8}" type="datetimeFigureOut">
               <a:rPr lang="ko-KR" altLang="en-US" smtClean="0"/>
-              <a:t>2018. 1. 31.</a:t>
+              <a:t>2018. 2. 3.</a:t>
             </a:fld>
             <a:endParaRPr lang="ko-KR" altLang="en-US"/>
           </a:p>
@@ -4403,7 +4403,7 @@
           <a:p>
             <a:fld id="{0D376A1C-8576-477A-9EF2-422E0DEFCEB8}" type="datetimeFigureOut">
               <a:rPr lang="ko-KR" altLang="en-US" smtClean="0"/>
-              <a:t>2018. 1. 31.</a:t>
+              <a:t>2018. 2. 3.</a:t>
             </a:fld>
             <a:endParaRPr lang="ko-KR" altLang="en-US"/>
           </a:p>
@@ -5185,7 +5185,7 @@
           <p:nvPr>
             <p:extLst>
               <p:ext uri="{D42A27DB-BD31-4B8C-83A1-F6EECF244321}">
-                <p14:modId xmlns:p14="http://schemas.microsoft.com/office/powerpoint/2010/main" val="3984301053"/>
+                <p14:modId xmlns:p14="http://schemas.microsoft.com/office/powerpoint/2010/main" val="760290761"/>
               </p:ext>
             </p:extLst>
           </p:nvPr>
@@ -5204,14 +5204,14 @@
                 <a:gridCol w="720000">
                   <a:extLst>
                     <a:ext uri="{9D8B030D-6E8A-4147-A177-3AD203B41FA5}">
-                      <a16:colId xmlns:a16="http://schemas.microsoft.com/office/drawing/2014/main" val="20000"/>
+                      <a16:colId xmlns="" xmlns:a16="http://schemas.microsoft.com/office/drawing/2014/main" val="20000"/>
                     </a:ext>
                   </a:extLst>
                 </a:gridCol>
                 <a:gridCol w="4270000">
                   <a:extLst>
                     <a:ext uri="{9D8B030D-6E8A-4147-A177-3AD203B41FA5}">
-                      <a16:colId xmlns:a16="http://schemas.microsoft.com/office/drawing/2014/main" val="20001"/>
+                      <a16:colId xmlns="" xmlns:a16="http://schemas.microsoft.com/office/drawing/2014/main" val="20001"/>
                     </a:ext>
                   </a:extLst>
                 </a:gridCol>
@@ -5355,7 +5355,7 @@
                 </a:tc>
                 <a:extLst>
                   <a:ext uri="{0D108BD9-81ED-4DB2-BD59-A6C34878D82A}">
-                    <a16:rowId xmlns:a16="http://schemas.microsoft.com/office/drawing/2014/main" val="10000"/>
+                    <a16:rowId xmlns="" xmlns:a16="http://schemas.microsoft.com/office/drawing/2014/main" val="10000"/>
                   </a:ext>
                 </a:extLst>
               </a:tr>
@@ -5477,7 +5477,7 @@
                 </a:tc>
                 <a:extLst>
                   <a:ext uri="{0D108BD9-81ED-4DB2-BD59-A6C34878D82A}">
-                    <a16:rowId xmlns:a16="http://schemas.microsoft.com/office/drawing/2014/main" val="3781827053"/>
+                    <a16:rowId xmlns="" xmlns:a16="http://schemas.microsoft.com/office/drawing/2014/main" val="3781827053"/>
                   </a:ext>
                 </a:extLst>
               </a:tr>
@@ -5596,7 +5596,7 @@
                 </a:tc>
                 <a:extLst>
                   <a:ext uri="{0D108BD9-81ED-4DB2-BD59-A6C34878D82A}">
-                    <a16:rowId xmlns:a16="http://schemas.microsoft.com/office/drawing/2014/main" val="10006"/>
+                    <a16:rowId xmlns="" xmlns:a16="http://schemas.microsoft.com/office/drawing/2014/main" val="10006"/>
                   </a:ext>
                 </a:extLst>
               </a:tr>
@@ -5701,7 +5701,7 @@
                 </a:tc>
                 <a:extLst>
                   <a:ext uri="{0D108BD9-81ED-4DB2-BD59-A6C34878D82A}">
-                    <a16:rowId xmlns:a16="http://schemas.microsoft.com/office/drawing/2014/main" val="3135941519"/>
+                    <a16:rowId xmlns="" xmlns:a16="http://schemas.microsoft.com/office/drawing/2014/main" val="3135941519"/>
                   </a:ext>
                 </a:extLst>
               </a:tr>
@@ -5814,7 +5814,7 @@
                 </a:tc>
                 <a:extLst>
                   <a:ext uri="{0D108BD9-81ED-4DB2-BD59-A6C34878D82A}">
-                    <a16:rowId xmlns:a16="http://schemas.microsoft.com/office/drawing/2014/main" val="10002"/>
+                    <a16:rowId xmlns="" xmlns:a16="http://schemas.microsoft.com/office/drawing/2014/main" val="10002"/>
                   </a:ext>
                 </a:extLst>
               </a:tr>
@@ -5905,7 +5905,7 @@
                 </a:tc>
                 <a:extLst>
                   <a:ext uri="{0D108BD9-81ED-4DB2-BD59-A6C34878D82A}">
-                    <a16:rowId xmlns:a16="http://schemas.microsoft.com/office/drawing/2014/main" val="830414056"/>
+                    <a16:rowId xmlns="" xmlns:a16="http://schemas.microsoft.com/office/drawing/2014/main" val="830414056"/>
                   </a:ext>
                 </a:extLst>
               </a:tr>
@@ -5996,7 +5996,7 @@
                 </a:tc>
                 <a:extLst>
                   <a:ext uri="{0D108BD9-81ED-4DB2-BD59-A6C34878D82A}">
-                    <a16:rowId xmlns:a16="http://schemas.microsoft.com/office/drawing/2014/main" val="10003"/>
+                    <a16:rowId xmlns="" xmlns:a16="http://schemas.microsoft.com/office/drawing/2014/main" val="10003"/>
                   </a:ext>
                 </a:extLst>
               </a:tr>
@@ -6087,7 +6087,7 @@
                 </a:tc>
                 <a:extLst>
                   <a:ext uri="{0D108BD9-81ED-4DB2-BD59-A6C34878D82A}">
-                    <a16:rowId xmlns:a16="http://schemas.microsoft.com/office/drawing/2014/main" val="3502526133"/>
+                    <a16:rowId xmlns="" xmlns:a16="http://schemas.microsoft.com/office/drawing/2014/main" val="3502526133"/>
                   </a:ext>
                 </a:extLst>
               </a:tr>
@@ -6148,7 +6148,7 @@
                         <a:defRPr/>
                       </a:pPr>
                       <a:r>
-                        <a:rPr kumimoji="1" lang="ko-KR" altLang="en-US" sz="1200" dirty="0">
+                        <a:rPr kumimoji="1" lang="ko-KR" altLang="en-US" sz="1200" smtClean="0">
                           <a:solidFill>
                             <a:schemeClr val="tx1">
                               <a:lumMod val="65000"/>
@@ -6178,7 +6178,7 @@
                 </a:tc>
                 <a:extLst>
                   <a:ext uri="{0D108BD9-81ED-4DB2-BD59-A6C34878D82A}">
-                    <a16:rowId xmlns:a16="http://schemas.microsoft.com/office/drawing/2014/main" val="2661599193"/>
+                    <a16:rowId xmlns="" xmlns:a16="http://schemas.microsoft.com/office/drawing/2014/main" val="2661599193"/>
                   </a:ext>
                 </a:extLst>
               </a:tr>
@@ -6288,7 +6288,7 @@
                 </a:tc>
                 <a:extLst>
                   <a:ext uri="{0D108BD9-81ED-4DB2-BD59-A6C34878D82A}">
-                    <a16:rowId xmlns:a16="http://schemas.microsoft.com/office/drawing/2014/main" val="10004"/>
+                    <a16:rowId xmlns="" xmlns:a16="http://schemas.microsoft.com/office/drawing/2014/main" val="10004"/>
                   </a:ext>
                 </a:extLst>
               </a:tr>
@@ -6376,7 +6376,7 @@
                 </a:tc>
                 <a:extLst>
                   <a:ext uri="{0D108BD9-81ED-4DB2-BD59-A6C34878D82A}">
-                    <a16:rowId xmlns:a16="http://schemas.microsoft.com/office/drawing/2014/main" val="10005"/>
+                    <a16:rowId xmlns="" xmlns:a16="http://schemas.microsoft.com/office/drawing/2014/main" val="10005"/>
                   </a:ext>
                 </a:extLst>
               </a:tr>
@@ -6467,7 +6467,7 @@
                 </a:tc>
                 <a:extLst>
                   <a:ext uri="{0D108BD9-81ED-4DB2-BD59-A6C34878D82A}">
-                    <a16:rowId xmlns:a16="http://schemas.microsoft.com/office/drawing/2014/main" val="2058244213"/>
+                    <a16:rowId xmlns="" xmlns:a16="http://schemas.microsoft.com/office/drawing/2014/main" val="2058244213"/>
                   </a:ext>
                 </a:extLst>
               </a:tr>
@@ -6480,7 +6480,7 @@
           <p:cNvPr id="6" name="TextBox 7">
             <a:extLst>
               <a:ext uri="{FF2B5EF4-FFF2-40B4-BE49-F238E27FC236}">
-                <a16:creationId xmlns:a16="http://schemas.microsoft.com/office/drawing/2014/main" id="{3E5D1CC2-638E-124B-B94B-1CB5F624ACDA}"/>
+                <a16:creationId xmlns="" xmlns:a16="http://schemas.microsoft.com/office/drawing/2014/main" id="{3E5D1CC2-638E-124B-B94B-1CB5F624ACDA}"/>
               </a:ext>
             </a:extLst>
           </p:cNvPr>
@@ -6678,7 +6678,7 @@
           <p:cNvPr id="11" name="TextBox 6">
             <a:extLst>
               <a:ext uri="{FF2B5EF4-FFF2-40B4-BE49-F238E27FC236}">
-                <a16:creationId xmlns:a16="http://schemas.microsoft.com/office/drawing/2014/main" id="{6D527928-482C-E943-BBFB-D3D1130C192A}"/>
+                <a16:creationId xmlns="" xmlns:a16="http://schemas.microsoft.com/office/drawing/2014/main" id="{6D527928-482C-E943-BBFB-D3D1130C192A}"/>
               </a:ext>
             </a:extLst>
           </p:cNvPr>
@@ -6735,7 +6735,7 @@
           <p:cNvPr id="13" name="TextBox 6">
             <a:extLst>
               <a:ext uri="{FF2B5EF4-FFF2-40B4-BE49-F238E27FC236}">
-                <a16:creationId xmlns:a16="http://schemas.microsoft.com/office/drawing/2014/main" id="{212573A1-855A-1340-B5DD-1CB0EF68C5FE}"/>
+                <a16:creationId xmlns="" xmlns:a16="http://schemas.microsoft.com/office/drawing/2014/main" id="{212573A1-855A-1340-B5DD-1CB0EF68C5FE}"/>
               </a:ext>
             </a:extLst>
           </p:cNvPr>
@@ -6831,7 +6831,7 @@
           <p:cNvPr id="14" name="TextBox 6">
             <a:extLst>
               <a:ext uri="{FF2B5EF4-FFF2-40B4-BE49-F238E27FC236}">
-                <a16:creationId xmlns:a16="http://schemas.microsoft.com/office/drawing/2014/main" id="{15972864-CA74-2A4E-8C86-22B579E92837}"/>
+                <a16:creationId xmlns="" xmlns:a16="http://schemas.microsoft.com/office/drawing/2014/main" id="{15972864-CA74-2A4E-8C86-22B579E92837}"/>
               </a:ext>
             </a:extLst>
           </p:cNvPr>
@@ -6979,7 +6979,7 @@
           <p:cNvPr id="19" name="TextBox 6">
             <a:extLst>
               <a:ext uri="{FF2B5EF4-FFF2-40B4-BE49-F238E27FC236}">
-                <a16:creationId xmlns:a16="http://schemas.microsoft.com/office/drawing/2014/main" id="{BF8AB98C-2AF5-9E44-8765-AA8016C4B1F2}"/>
+                <a16:creationId xmlns="" xmlns:a16="http://schemas.microsoft.com/office/drawing/2014/main" id="{BF8AB98C-2AF5-9E44-8765-AA8016C4B1F2}"/>
               </a:ext>
             </a:extLst>
           </p:cNvPr>
@@ -7033,7 +7033,7 @@
           <p:cNvPr id="20" name="TextBox 6">
             <a:extLst>
               <a:ext uri="{FF2B5EF4-FFF2-40B4-BE49-F238E27FC236}">
-                <a16:creationId xmlns:a16="http://schemas.microsoft.com/office/drawing/2014/main" id="{FF918BCE-6F97-434A-B3A2-439095FDE56D}"/>
+                <a16:creationId xmlns="" xmlns:a16="http://schemas.microsoft.com/office/drawing/2014/main" id="{FF918BCE-6F97-434A-B3A2-439095FDE56D}"/>
               </a:ext>
             </a:extLst>
           </p:cNvPr>
@@ -7213,7 +7213,7 @@
           <p:cNvPr id="21" name="TextBox 6">
             <a:extLst>
               <a:ext uri="{FF2B5EF4-FFF2-40B4-BE49-F238E27FC236}">
-                <a16:creationId xmlns:a16="http://schemas.microsoft.com/office/drawing/2014/main" id="{A34547BB-7EEC-4C49-A8A2-1C55ABEEBFD0}"/>
+                <a16:creationId xmlns="" xmlns:a16="http://schemas.microsoft.com/office/drawing/2014/main" id="{A34547BB-7EEC-4C49-A8A2-1C55ABEEBFD0}"/>
               </a:ext>
             </a:extLst>
           </p:cNvPr>
@@ -7267,7 +7267,7 @@
           <p:cNvPr id="22" name="TextBox 6">
             <a:extLst>
               <a:ext uri="{FF2B5EF4-FFF2-40B4-BE49-F238E27FC236}">
-                <a16:creationId xmlns:a16="http://schemas.microsoft.com/office/drawing/2014/main" id="{38A16BBC-8817-0741-8AEE-9D316E04CBD1}"/>
+                <a16:creationId xmlns="" xmlns:a16="http://schemas.microsoft.com/office/drawing/2014/main" id="{38A16BBC-8817-0741-8AEE-9D316E04CBD1}"/>
               </a:ext>
             </a:extLst>
           </p:cNvPr>
@@ -7366,7 +7366,7 @@
           <p:cNvPr id="23" name="TextBox 6">
             <a:extLst>
               <a:ext uri="{FF2B5EF4-FFF2-40B4-BE49-F238E27FC236}">
-                <a16:creationId xmlns:a16="http://schemas.microsoft.com/office/drawing/2014/main" id="{76FB57A3-37F4-8642-B8CF-EE03A08AAF74}"/>
+                <a16:creationId xmlns="" xmlns:a16="http://schemas.microsoft.com/office/drawing/2014/main" id="{76FB57A3-37F4-8642-B8CF-EE03A08AAF74}"/>
               </a:ext>
             </a:extLst>
           </p:cNvPr>
@@ -7561,7 +7561,7 @@
           <p:cNvPr id="13" name="TextBox 6">
             <a:extLst>
               <a:ext uri="{FF2B5EF4-FFF2-40B4-BE49-F238E27FC236}">
-                <a16:creationId xmlns:a16="http://schemas.microsoft.com/office/drawing/2014/main" id="{212573A1-855A-1340-B5DD-1CB0EF68C5FE}"/>
+                <a16:creationId xmlns="" xmlns:a16="http://schemas.microsoft.com/office/drawing/2014/main" id="{212573A1-855A-1340-B5DD-1CB0EF68C5FE}"/>
               </a:ext>
             </a:extLst>
           </p:cNvPr>
@@ -7625,7 +7625,7 @@
           <p:cNvPr id="14" name="TextBox 6">
             <a:extLst>
               <a:ext uri="{FF2B5EF4-FFF2-40B4-BE49-F238E27FC236}">
-                <a16:creationId xmlns:a16="http://schemas.microsoft.com/office/drawing/2014/main" id="{15972864-CA74-2A4E-8C86-22B579E92837}"/>
+                <a16:creationId xmlns="" xmlns:a16="http://schemas.microsoft.com/office/drawing/2014/main" id="{15972864-CA74-2A4E-8C86-22B579E92837}"/>
               </a:ext>
             </a:extLst>
           </p:cNvPr>
@@ -7811,7 +7811,7 @@
           <p:cNvPr id="23" name="TextBox 6">
             <a:extLst>
               <a:ext uri="{FF2B5EF4-FFF2-40B4-BE49-F238E27FC236}">
-                <a16:creationId xmlns:a16="http://schemas.microsoft.com/office/drawing/2014/main" id="{76FB57A3-37F4-8642-B8CF-EE03A08AAF74}"/>
+                <a16:creationId xmlns="" xmlns:a16="http://schemas.microsoft.com/office/drawing/2014/main" id="{76FB57A3-37F4-8642-B8CF-EE03A08AAF74}"/>
               </a:ext>
             </a:extLst>
           </p:cNvPr>
@@ -7945,7 +7945,7 @@
           <p:cNvPr id="12" name="TextBox 6">
             <a:extLst>
               <a:ext uri="{FF2B5EF4-FFF2-40B4-BE49-F238E27FC236}">
-                <a16:creationId xmlns:a16="http://schemas.microsoft.com/office/drawing/2014/main" id="{BCC312F4-8E64-1647-A96E-C34E155D7993}"/>
+                <a16:creationId xmlns="" xmlns:a16="http://schemas.microsoft.com/office/drawing/2014/main" id="{BCC312F4-8E64-1647-A96E-C34E155D7993}"/>
               </a:ext>
             </a:extLst>
           </p:cNvPr>
@@ -8037,7 +8037,7 @@
           <p:cNvPr id="15" name="TextBox 6">
             <a:extLst>
               <a:ext uri="{FF2B5EF4-FFF2-40B4-BE49-F238E27FC236}">
-                <a16:creationId xmlns:a16="http://schemas.microsoft.com/office/drawing/2014/main" id="{4C433121-55F9-BF41-9CAB-571182E75852}"/>
+                <a16:creationId xmlns="" xmlns:a16="http://schemas.microsoft.com/office/drawing/2014/main" id="{4C433121-55F9-BF41-9CAB-571182E75852}"/>
               </a:ext>
             </a:extLst>
           </p:cNvPr>
@@ -8246,7 +8246,7 @@
           <p:cNvPr id="11" name="TextBox 6">
             <a:extLst>
               <a:ext uri="{FF2B5EF4-FFF2-40B4-BE49-F238E27FC236}">
-                <a16:creationId xmlns:a16="http://schemas.microsoft.com/office/drawing/2014/main" id="{6D527928-482C-E943-BBFB-D3D1130C192A}"/>
+                <a16:creationId xmlns="" xmlns:a16="http://schemas.microsoft.com/office/drawing/2014/main" id="{6D527928-482C-E943-BBFB-D3D1130C192A}"/>
               </a:ext>
             </a:extLst>
           </p:cNvPr>
@@ -8326,7 +8326,7 @@
           <p:cNvPr id="13" name="TextBox 6">
             <a:extLst>
               <a:ext uri="{FF2B5EF4-FFF2-40B4-BE49-F238E27FC236}">
-                <a16:creationId xmlns:a16="http://schemas.microsoft.com/office/drawing/2014/main" id="{212573A1-855A-1340-B5DD-1CB0EF68C5FE}"/>
+                <a16:creationId xmlns="" xmlns:a16="http://schemas.microsoft.com/office/drawing/2014/main" id="{212573A1-855A-1340-B5DD-1CB0EF68C5FE}"/>
               </a:ext>
             </a:extLst>
           </p:cNvPr>
@@ -8515,7 +8515,7 @@
           <p:cNvPr id="19" name="TextBox 6">
             <a:extLst>
               <a:ext uri="{FF2B5EF4-FFF2-40B4-BE49-F238E27FC236}">
-                <a16:creationId xmlns:a16="http://schemas.microsoft.com/office/drawing/2014/main" id="{BF8AB98C-2AF5-9E44-8765-AA8016C4B1F2}"/>
+                <a16:creationId xmlns="" xmlns:a16="http://schemas.microsoft.com/office/drawing/2014/main" id="{BF8AB98C-2AF5-9E44-8765-AA8016C4B1F2}"/>
               </a:ext>
             </a:extLst>
           </p:cNvPr>
@@ -8569,7 +8569,7 @@
           <p:cNvPr id="20" name="TextBox 6">
             <a:extLst>
               <a:ext uri="{FF2B5EF4-FFF2-40B4-BE49-F238E27FC236}">
-                <a16:creationId xmlns:a16="http://schemas.microsoft.com/office/drawing/2014/main" id="{FF918BCE-6F97-434A-B3A2-439095FDE56D}"/>
+                <a16:creationId xmlns="" xmlns:a16="http://schemas.microsoft.com/office/drawing/2014/main" id="{FF918BCE-6F97-434A-B3A2-439095FDE56D}"/>
               </a:ext>
             </a:extLst>
           </p:cNvPr>
@@ -8840,7 +8840,7 @@
           <p:cNvPr id="8" name="TextBox 6">
             <a:extLst>
               <a:ext uri="{FF2B5EF4-FFF2-40B4-BE49-F238E27FC236}">
-                <a16:creationId xmlns:a16="http://schemas.microsoft.com/office/drawing/2014/main" id="{BF8AB98C-2AF5-9E44-8765-AA8016C4B1F2}"/>
+                <a16:creationId xmlns="" xmlns:a16="http://schemas.microsoft.com/office/drawing/2014/main" id="{BF8AB98C-2AF5-9E44-8765-AA8016C4B1F2}"/>
               </a:ext>
             </a:extLst>
           </p:cNvPr>
@@ -8907,7 +8907,7 @@
           <p:cNvPr id="9" name="TextBox 6">
             <a:extLst>
               <a:ext uri="{FF2B5EF4-FFF2-40B4-BE49-F238E27FC236}">
-                <a16:creationId xmlns:a16="http://schemas.microsoft.com/office/drawing/2014/main" id="{FF918BCE-6F97-434A-B3A2-439095FDE56D}"/>
+                <a16:creationId xmlns="" xmlns:a16="http://schemas.microsoft.com/office/drawing/2014/main" id="{FF918BCE-6F97-434A-B3A2-439095FDE56D}"/>
               </a:ext>
             </a:extLst>
           </p:cNvPr>
@@ -9078,7 +9078,7 @@
           <p:cNvPr id="19" name="TextBox 6">
             <a:extLst>
               <a:ext uri="{FF2B5EF4-FFF2-40B4-BE49-F238E27FC236}">
-                <a16:creationId xmlns:a16="http://schemas.microsoft.com/office/drawing/2014/main" id="{BF8AB98C-2AF5-9E44-8765-AA8016C4B1F2}"/>
+                <a16:creationId xmlns="" xmlns:a16="http://schemas.microsoft.com/office/drawing/2014/main" id="{BF8AB98C-2AF5-9E44-8765-AA8016C4B1F2}"/>
               </a:ext>
             </a:extLst>
           </p:cNvPr>
@@ -9145,7 +9145,7 @@
           <p:cNvPr id="20" name="TextBox 6">
             <a:extLst>
               <a:ext uri="{FF2B5EF4-FFF2-40B4-BE49-F238E27FC236}">
-                <a16:creationId xmlns:a16="http://schemas.microsoft.com/office/drawing/2014/main" id="{FF918BCE-6F97-434A-B3A2-439095FDE56D}"/>
+                <a16:creationId xmlns="" xmlns:a16="http://schemas.microsoft.com/office/drawing/2014/main" id="{FF918BCE-6F97-434A-B3A2-439095FDE56D}"/>
               </a:ext>
             </a:extLst>
           </p:cNvPr>
@@ -9300,7 +9300,7 @@
           <p:cNvPr id="9" name="TextBox 6">
             <a:extLst>
               <a:ext uri="{FF2B5EF4-FFF2-40B4-BE49-F238E27FC236}">
-                <a16:creationId xmlns:a16="http://schemas.microsoft.com/office/drawing/2014/main" id="{FF918BCE-6F97-434A-B3A2-439095FDE56D}"/>
+                <a16:creationId xmlns="" xmlns:a16="http://schemas.microsoft.com/office/drawing/2014/main" id="{FF918BCE-6F97-434A-B3A2-439095FDE56D}"/>
               </a:ext>
             </a:extLst>
           </p:cNvPr>
@@ -9752,7 +9752,7 @@
           <p:cNvPr id="10" name="제목 1">
             <a:extLst>
               <a:ext uri="{FF2B5EF4-FFF2-40B4-BE49-F238E27FC236}">
-                <a16:creationId xmlns:a16="http://schemas.microsoft.com/office/drawing/2014/main" id="{0E498A0E-6AFE-5542-9539-8A498B955B52}"/>
+                <a16:creationId xmlns="" xmlns:a16="http://schemas.microsoft.com/office/drawing/2014/main" id="{0E498A0E-6AFE-5542-9539-8A498B955B52}"/>
               </a:ext>
             </a:extLst>
           </p:cNvPr>
@@ -9811,7 +9811,7 @@
           <p:cNvPr id="11" name="제목 1">
             <a:extLst>
               <a:ext uri="{FF2B5EF4-FFF2-40B4-BE49-F238E27FC236}">
-                <a16:creationId xmlns:a16="http://schemas.microsoft.com/office/drawing/2014/main" id="{5B58744F-7323-0447-9907-AAC6C937C11E}"/>
+                <a16:creationId xmlns="" xmlns:a16="http://schemas.microsoft.com/office/drawing/2014/main" id="{5B58744F-7323-0447-9907-AAC6C937C11E}"/>
               </a:ext>
             </a:extLst>
           </p:cNvPr>
@@ -9867,7 +9867,7 @@
           <p:cNvPr id="12" name="제목 1">
             <a:extLst>
               <a:ext uri="{FF2B5EF4-FFF2-40B4-BE49-F238E27FC236}">
-                <a16:creationId xmlns:a16="http://schemas.microsoft.com/office/drawing/2014/main" id="{9C9DDEE2-EC18-E145-A856-D3D5409C57E6}"/>
+                <a16:creationId xmlns="" xmlns:a16="http://schemas.microsoft.com/office/drawing/2014/main" id="{9C9DDEE2-EC18-E145-A856-D3D5409C57E6}"/>
               </a:ext>
             </a:extLst>
           </p:cNvPr>
@@ -9926,7 +9926,7 @@
           <p:cNvPr id="7" name="제목 1">
             <a:extLst>
               <a:ext uri="{FF2B5EF4-FFF2-40B4-BE49-F238E27FC236}">
-                <a16:creationId xmlns:a16="http://schemas.microsoft.com/office/drawing/2014/main" id="{9346C264-0E4E-3641-9A07-7D619DB334A1}"/>
+                <a16:creationId xmlns="" xmlns:a16="http://schemas.microsoft.com/office/drawing/2014/main" id="{9346C264-0E4E-3641-9A07-7D619DB334A1}"/>
               </a:ext>
             </a:extLst>
           </p:cNvPr>
@@ -10102,7 +10102,7 @@
           <p:cNvPr id="14" name="TextBox 6">
             <a:extLst>
               <a:ext uri="{FF2B5EF4-FFF2-40B4-BE49-F238E27FC236}">
-                <a16:creationId xmlns:a16="http://schemas.microsoft.com/office/drawing/2014/main" id="{15972864-CA74-2A4E-8C86-22B579E92837}"/>
+                <a16:creationId xmlns="" xmlns:a16="http://schemas.microsoft.com/office/drawing/2014/main" id="{15972864-CA74-2A4E-8C86-22B579E92837}"/>
               </a:ext>
             </a:extLst>
           </p:cNvPr>
@@ -10458,7 +10458,7 @@
           <p:cNvPr id="9" name="TextBox 6">
             <a:extLst>
               <a:ext uri="{FF2B5EF4-FFF2-40B4-BE49-F238E27FC236}">
-                <a16:creationId xmlns:a16="http://schemas.microsoft.com/office/drawing/2014/main" id="{B9A9763B-5943-2044-931E-92FCA2CC5136}"/>
+                <a16:creationId xmlns="" xmlns:a16="http://schemas.microsoft.com/office/drawing/2014/main" id="{B9A9763B-5943-2044-931E-92FCA2CC5136}"/>
               </a:ext>
             </a:extLst>
           </p:cNvPr>
@@ -10782,566 +10782,6 @@
           </a:p>
         </p:txBody>
       </p:sp>
-      <p:sp>
-        <p:nvSpPr>
-          <p:cNvPr id="14" name="TextBox 6">
-            <a:extLst>
-              <a:ext uri="{FF2B5EF4-FFF2-40B4-BE49-F238E27FC236}">
-                <a16:creationId xmlns:a16="http://schemas.microsoft.com/office/drawing/2014/main" id="{15972864-CA74-2A4E-8C86-22B579E92837}"/>
-              </a:ext>
-            </a:extLst>
-          </p:cNvPr>
-          <p:cNvSpPr txBox="1"/>
-          <p:nvPr/>
-        </p:nvSpPr>
-        <p:spPr>
-          <a:xfrm>
-            <a:off x="421891" y="865539"/>
-            <a:ext cx="8470589" cy="2160591"/>
-          </a:xfrm>
-          <a:prstGeom prst="rect">
-            <a:avLst/>
-          </a:prstGeom>
-          <a:noFill/>
-        </p:spPr>
-        <p:txBody>
-          <a:bodyPr wrap="none" rtlCol="0">
-            <a:spAutoFit/>
-          </a:bodyPr>
-          <a:lstStyle/>
-          <a:p>
-            <a:pPr>
-              <a:lnSpc>
-                <a:spcPct val="120000"/>
-              </a:lnSpc>
-            </a:pPr>
-            <a:r>
-              <a:rPr kumimoji="1" lang="ko-KR" altLang="en-US" sz="1400" dirty="0">
-                <a:solidFill>
-                  <a:schemeClr val="tx1">
-                    <a:lumMod val="75000"/>
-                    <a:lumOff val="25000"/>
-                  </a:schemeClr>
-                </a:solidFill>
-                <a:latin typeface="Nanum Gothic" charset="-127"/>
-                <a:ea typeface="Nanum Gothic" charset="-127"/>
-                <a:cs typeface="Nanum Gothic" charset="-127"/>
-              </a:rPr>
-              <a:t>일반적인 컴퓨터과학에서 클로저</a:t>
-            </a:r>
-            <a:r>
-              <a:rPr kumimoji="1" lang="en-US" altLang="ko-KR" sz="1400" dirty="0">
-                <a:solidFill>
-                  <a:schemeClr val="tx1">
-                    <a:lumMod val="75000"/>
-                    <a:lumOff val="25000"/>
-                  </a:schemeClr>
-                </a:solidFill>
-                <a:latin typeface="Nanum Gothic" charset="-127"/>
-                <a:ea typeface="Nanum Gothic" charset="-127"/>
-                <a:cs typeface="Nanum Gothic" charset="-127"/>
-              </a:rPr>
-              <a:t>(Closure)</a:t>
-            </a:r>
-            <a:r>
-              <a:rPr kumimoji="1" lang="ko-KR" altLang="en-US" sz="1400" dirty="0">
-                <a:solidFill>
-                  <a:schemeClr val="tx1">
-                    <a:lumMod val="75000"/>
-                    <a:lumOff val="25000"/>
-                  </a:schemeClr>
-                </a:solidFill>
-                <a:latin typeface="Nanum Gothic" charset="-127"/>
-                <a:ea typeface="Nanum Gothic" charset="-127"/>
-                <a:cs typeface="Nanum Gothic" charset="-127"/>
-              </a:rPr>
-              <a:t>란 함수의 변수 유효범위를 뜻한다</a:t>
-            </a:r>
-            <a:r>
-              <a:rPr kumimoji="1" lang="en-US" altLang="ko-KR" sz="1400" dirty="0">
-                <a:solidFill>
-                  <a:schemeClr val="tx1">
-                    <a:lumMod val="75000"/>
-                    <a:lumOff val="25000"/>
-                  </a:schemeClr>
-                </a:solidFill>
-                <a:latin typeface="Nanum Gothic" charset="-127"/>
-                <a:ea typeface="Nanum Gothic" charset="-127"/>
-                <a:cs typeface="Nanum Gothic" charset="-127"/>
-              </a:rPr>
-              <a:t>.</a:t>
-            </a:r>
-          </a:p>
-          <a:p>
-            <a:pPr>
-              <a:lnSpc>
-                <a:spcPct val="120000"/>
-              </a:lnSpc>
-            </a:pPr>
-            <a:r>
-              <a:rPr kumimoji="1" lang="ko-KR" altLang="en-US" sz="1400" dirty="0">
-                <a:solidFill>
-                  <a:schemeClr val="tx1">
-                    <a:lumMod val="75000"/>
-                    <a:lumOff val="25000"/>
-                  </a:schemeClr>
-                </a:solidFill>
-                <a:latin typeface="Nanum Gothic" charset="-127"/>
-                <a:ea typeface="Nanum Gothic" charset="-127"/>
-                <a:cs typeface="Nanum Gothic" charset="-127"/>
-              </a:rPr>
-              <a:t>자바스크립트 언어는 유효범위를 함수 단위로 갖기 때문에 모든 함수는 기술적으로 클로저라고 할 수 있다</a:t>
-            </a:r>
-            <a:r>
-              <a:rPr kumimoji="1" lang="en-US" altLang="ko-KR" sz="1400" dirty="0">
-                <a:solidFill>
-                  <a:schemeClr val="tx1">
-                    <a:lumMod val="75000"/>
-                    <a:lumOff val="25000"/>
-                  </a:schemeClr>
-                </a:solidFill>
-                <a:latin typeface="Nanum Gothic" charset="-127"/>
-                <a:ea typeface="Nanum Gothic" charset="-127"/>
-                <a:cs typeface="Nanum Gothic" charset="-127"/>
-              </a:rPr>
-              <a:t>.</a:t>
-            </a:r>
-          </a:p>
-          <a:p>
-            <a:pPr>
-              <a:lnSpc>
-                <a:spcPct val="120000"/>
-              </a:lnSpc>
-            </a:pPr>
-            <a:endParaRPr kumimoji="1" lang="en-US" altLang="ko-KR" sz="1400" dirty="0">
-              <a:solidFill>
-                <a:schemeClr val="tx1">
-                  <a:lumMod val="75000"/>
-                  <a:lumOff val="25000"/>
-                </a:schemeClr>
-              </a:solidFill>
-              <a:latin typeface="Nanum Gothic" charset="-127"/>
-              <a:ea typeface="Nanum Gothic" charset="-127"/>
-              <a:cs typeface="Nanum Gothic" charset="-127"/>
-            </a:endParaRPr>
-          </a:p>
-          <a:p>
-            <a:pPr>
-              <a:lnSpc>
-                <a:spcPct val="120000"/>
-              </a:lnSpc>
-            </a:pPr>
-            <a:r>
-              <a:rPr kumimoji="1" lang="ko-KR" altLang="en-US" sz="1400" dirty="0">
-                <a:solidFill>
-                  <a:schemeClr val="tx1">
-                    <a:lumMod val="75000"/>
-                    <a:lumOff val="25000"/>
-                  </a:schemeClr>
-                </a:solidFill>
-                <a:latin typeface="Nanum Gothic" charset="-127"/>
-                <a:ea typeface="Nanum Gothic" charset="-127"/>
-                <a:cs typeface="Nanum Gothic" charset="-127"/>
-              </a:rPr>
-              <a:t>일반적으로 클로저를 구현한다는 것은 </a:t>
-            </a:r>
-            <a:r>
-              <a:rPr kumimoji="1" lang="en-US" altLang="ko-KR" sz="1400" u="sng" dirty="0">
-                <a:solidFill>
-                  <a:schemeClr val="tx1">
-                    <a:lumMod val="75000"/>
-                    <a:lumOff val="25000"/>
-                  </a:schemeClr>
-                </a:solidFill>
-                <a:latin typeface="Nanum Gothic" charset="-127"/>
-                <a:ea typeface="Nanum Gothic" charset="-127"/>
-                <a:cs typeface="Nanum Gothic" charset="-127"/>
-              </a:rPr>
-              <a:t>scope </a:t>
-            </a:r>
-            <a:r>
-              <a:rPr kumimoji="1" lang="ko-KR" altLang="en-US" sz="1400" u="sng" dirty="0">
-                <a:solidFill>
-                  <a:schemeClr val="tx1">
-                    <a:lumMod val="75000"/>
-                    <a:lumOff val="25000"/>
-                  </a:schemeClr>
-                </a:solidFill>
-                <a:latin typeface="Nanum Gothic" charset="-127"/>
-                <a:ea typeface="Nanum Gothic" charset="-127"/>
-                <a:cs typeface="Nanum Gothic" charset="-127"/>
-              </a:rPr>
-              <a:t>체이닝의 원리를 이용해서 변수를 바인딩하는 것</a:t>
-            </a:r>
-            <a:r>
-              <a:rPr kumimoji="1" lang="ko-KR" altLang="en-US" sz="1400" dirty="0">
-                <a:solidFill>
-                  <a:schemeClr val="tx1">
-                    <a:lumMod val="75000"/>
-                    <a:lumOff val="25000"/>
-                  </a:schemeClr>
-                </a:solidFill>
-                <a:latin typeface="Nanum Gothic" charset="-127"/>
-                <a:ea typeface="Nanum Gothic" charset="-127"/>
-                <a:cs typeface="Nanum Gothic" charset="-127"/>
-              </a:rPr>
-              <a:t>을 뜻한다</a:t>
-            </a:r>
-            <a:r>
-              <a:rPr kumimoji="1" lang="en-US" altLang="ko-KR" sz="1400" dirty="0">
-                <a:solidFill>
-                  <a:schemeClr val="tx1">
-                    <a:lumMod val="75000"/>
-                    <a:lumOff val="25000"/>
-                  </a:schemeClr>
-                </a:solidFill>
-                <a:latin typeface="Nanum Gothic" charset="-127"/>
-                <a:ea typeface="Nanum Gothic" charset="-127"/>
-                <a:cs typeface="Nanum Gothic" charset="-127"/>
-              </a:rPr>
-              <a:t>.</a:t>
-            </a:r>
-          </a:p>
-          <a:p>
-            <a:pPr>
-              <a:lnSpc>
-                <a:spcPct val="120000"/>
-              </a:lnSpc>
-            </a:pPr>
-            <a:endParaRPr kumimoji="1" lang="en-US" altLang="ko-KR" sz="1400" dirty="0">
-              <a:solidFill>
-                <a:schemeClr val="tx1">
-                  <a:lumMod val="75000"/>
-                  <a:lumOff val="25000"/>
-                </a:schemeClr>
-              </a:solidFill>
-              <a:latin typeface="Nanum Gothic" charset="-127"/>
-              <a:ea typeface="Nanum Gothic" charset="-127"/>
-              <a:cs typeface="Nanum Gothic" charset="-127"/>
-            </a:endParaRPr>
-          </a:p>
-          <a:p>
-            <a:pPr>
-              <a:lnSpc>
-                <a:spcPct val="120000"/>
-              </a:lnSpc>
-            </a:pPr>
-            <a:r>
-              <a:rPr kumimoji="1" lang="ko-KR" altLang="en-US" sz="1400" dirty="0">
-                <a:solidFill>
-                  <a:schemeClr val="tx1">
-                    <a:lumMod val="75000"/>
-                    <a:lumOff val="25000"/>
-                  </a:schemeClr>
-                </a:solidFill>
-                <a:latin typeface="Nanum Gothic" charset="-127"/>
-                <a:ea typeface="Nanum Gothic" charset="-127"/>
-                <a:cs typeface="Nanum Gothic" charset="-127"/>
-              </a:rPr>
-              <a:t>클로저를 잘 활용하면 </a:t>
-            </a:r>
-            <a:r>
-              <a:rPr kumimoji="1" lang="en-US" altLang="ko-KR" sz="1400" dirty="0">
-                <a:solidFill>
-                  <a:schemeClr val="tx1">
-                    <a:lumMod val="75000"/>
-                    <a:lumOff val="25000"/>
-                  </a:schemeClr>
-                </a:solidFill>
-                <a:latin typeface="Nanum Gothic" charset="-127"/>
-                <a:ea typeface="Nanum Gothic" charset="-127"/>
-                <a:cs typeface="Nanum Gothic" charset="-127"/>
-              </a:rPr>
-              <a:t>private </a:t>
-            </a:r>
-            <a:r>
-              <a:rPr kumimoji="1" lang="ko-KR" altLang="en-US" sz="1400" dirty="0">
-                <a:solidFill>
-                  <a:schemeClr val="tx1">
-                    <a:lumMod val="75000"/>
-                    <a:lumOff val="25000"/>
-                  </a:schemeClr>
-                </a:solidFill>
-                <a:latin typeface="Nanum Gothic" charset="-127"/>
-                <a:ea typeface="Nanum Gothic" charset="-127"/>
-                <a:cs typeface="Nanum Gothic" charset="-127"/>
-              </a:rPr>
-              <a:t>변수와 같은 효과를 낼 수도 있다</a:t>
-            </a:r>
-            <a:r>
-              <a:rPr kumimoji="1" lang="en-US" altLang="ko-KR" sz="1400" dirty="0">
-                <a:solidFill>
-                  <a:schemeClr val="tx1">
-                    <a:lumMod val="75000"/>
-                    <a:lumOff val="25000"/>
-                  </a:schemeClr>
-                </a:solidFill>
-                <a:latin typeface="Nanum Gothic" charset="-127"/>
-                <a:ea typeface="Nanum Gothic" charset="-127"/>
-                <a:cs typeface="Nanum Gothic" charset="-127"/>
-              </a:rPr>
-              <a:t>.</a:t>
-            </a:r>
-          </a:p>
-          <a:p>
-            <a:pPr>
-              <a:lnSpc>
-                <a:spcPct val="120000"/>
-              </a:lnSpc>
-            </a:pPr>
-            <a:endParaRPr kumimoji="1" lang="en-US" altLang="ko-KR" sz="1400" dirty="0">
-              <a:solidFill>
-                <a:schemeClr val="tx1">
-                  <a:lumMod val="75000"/>
-                  <a:lumOff val="25000"/>
-                </a:schemeClr>
-              </a:solidFill>
-              <a:latin typeface="Nanum Gothic" charset="-127"/>
-              <a:ea typeface="Nanum Gothic" charset="-127"/>
-              <a:cs typeface="Nanum Gothic" charset="-127"/>
-            </a:endParaRPr>
-          </a:p>
-          <a:p>
-            <a:pPr>
-              <a:lnSpc>
-                <a:spcPct val="120000"/>
-              </a:lnSpc>
-            </a:pPr>
-            <a:r>
-              <a:rPr kumimoji="1" lang="ko-KR" altLang="en-US" sz="1400" dirty="0">
-                <a:solidFill>
-                  <a:schemeClr val="tx1">
-                    <a:lumMod val="75000"/>
-                    <a:lumOff val="25000"/>
-                  </a:schemeClr>
-                </a:solidFill>
-                <a:latin typeface="Nanum Gothic" charset="-127"/>
-                <a:ea typeface="Nanum Gothic" charset="-127"/>
-                <a:cs typeface="Nanum Gothic" charset="-127"/>
-              </a:rPr>
-              <a:t>다음 예제를 통해 클로저를 이해하자</a:t>
-            </a:r>
-            <a:r>
-              <a:rPr kumimoji="1" lang="en-US" altLang="ko-KR" sz="1400" dirty="0">
-                <a:solidFill>
-                  <a:schemeClr val="tx1">
-                    <a:lumMod val="75000"/>
-                    <a:lumOff val="25000"/>
-                  </a:schemeClr>
-                </a:solidFill>
-                <a:latin typeface="Nanum Gothic" charset="-127"/>
-                <a:ea typeface="Nanum Gothic" charset="-127"/>
-                <a:cs typeface="Nanum Gothic" charset="-127"/>
-              </a:rPr>
-              <a:t>.</a:t>
-            </a:r>
-          </a:p>
-        </p:txBody>
-      </p:sp>
-      <p:sp>
-        <p:nvSpPr>
-          <p:cNvPr id="9" name="TextBox 6">
-            <a:extLst>
-              <a:ext uri="{FF2B5EF4-FFF2-40B4-BE49-F238E27FC236}">
-                <a16:creationId xmlns:a16="http://schemas.microsoft.com/office/drawing/2014/main" id="{B9A9763B-5943-2044-931E-92FCA2CC5136}"/>
-              </a:ext>
-            </a:extLst>
-          </p:cNvPr>
-          <p:cNvSpPr txBox="1"/>
-          <p:nvPr/>
-        </p:nvSpPr>
-        <p:spPr>
-          <a:xfrm>
-            <a:off x="550896" y="3270981"/>
-            <a:ext cx="3667992" cy="1643527"/>
-          </a:xfrm>
-          <a:prstGeom prst="rect">
-            <a:avLst/>
-          </a:prstGeom>
-          <a:noFill/>
-        </p:spPr>
-        <p:txBody>
-          <a:bodyPr wrap="none" rtlCol="0">
-            <a:spAutoFit/>
-          </a:bodyPr>
-          <a:lstStyle/>
-          <a:p>
-            <a:pPr>
-              <a:lnSpc>
-                <a:spcPct val="120000"/>
-              </a:lnSpc>
-            </a:pPr>
-            <a:r>
-              <a:rPr kumimoji="1" lang="en-US" altLang="ko-KR" sz="1200" dirty="0">
-                <a:solidFill>
-                  <a:schemeClr val="tx1">
-                    <a:lumMod val="50000"/>
-                    <a:lumOff val="50000"/>
-                  </a:schemeClr>
-                </a:solidFill>
-                <a:latin typeface="Consolas" panose="020B0609020204030204" pitchFamily="49" charset="0"/>
-                <a:ea typeface="Nanum Gothic" charset="-127"/>
-                <a:cs typeface="Consolas" panose="020B0609020204030204" pitchFamily="49" charset="0"/>
-              </a:rPr>
-              <a:t>function counter() {</a:t>
-            </a:r>
-          </a:p>
-          <a:p>
-            <a:pPr>
-              <a:lnSpc>
-                <a:spcPct val="120000"/>
-              </a:lnSpc>
-            </a:pPr>
-            <a:r>
-              <a:rPr kumimoji="1" lang="en-US" altLang="ko-KR" sz="1200" dirty="0">
-                <a:solidFill>
-                  <a:schemeClr val="tx1">
-                    <a:lumMod val="50000"/>
-                    <a:lumOff val="50000"/>
-                  </a:schemeClr>
-                </a:solidFill>
-                <a:latin typeface="Consolas" panose="020B0609020204030204" pitchFamily="49" charset="0"/>
-                <a:ea typeface="Nanum Gothic" charset="-127"/>
-                <a:cs typeface="Consolas" panose="020B0609020204030204" pitchFamily="49" charset="0"/>
-              </a:rPr>
-              <a:t>    </a:t>
-            </a:r>
-            <a:r>
-              <a:rPr kumimoji="1" lang="en-US" altLang="ko-KR" sz="1200" dirty="0" err="1">
-                <a:solidFill>
-                  <a:schemeClr val="tx1">
-                    <a:lumMod val="50000"/>
-                    <a:lumOff val="50000"/>
-                  </a:schemeClr>
-                </a:solidFill>
-                <a:latin typeface="Consolas" panose="020B0609020204030204" pitchFamily="49" charset="0"/>
-                <a:ea typeface="Nanum Gothic" charset="-127"/>
-                <a:cs typeface="Consolas" panose="020B0609020204030204" pitchFamily="49" charset="0"/>
-              </a:rPr>
-              <a:t>var</a:t>
-            </a:r>
-            <a:r>
-              <a:rPr kumimoji="1" lang="en-US" altLang="ko-KR" sz="1200" dirty="0">
-                <a:solidFill>
-                  <a:schemeClr val="tx1">
-                    <a:lumMod val="50000"/>
-                    <a:lumOff val="50000"/>
-                  </a:schemeClr>
-                </a:solidFill>
-                <a:latin typeface="Consolas" panose="020B0609020204030204" pitchFamily="49" charset="0"/>
-                <a:ea typeface="Nanum Gothic" charset="-127"/>
-                <a:cs typeface="Consolas" panose="020B0609020204030204" pitchFamily="49" charset="0"/>
-              </a:rPr>
-              <a:t> n = 0;</a:t>
-            </a:r>
-          </a:p>
-          <a:p>
-            <a:pPr>
-              <a:lnSpc>
-                <a:spcPct val="120000"/>
-              </a:lnSpc>
-            </a:pPr>
-            <a:r>
-              <a:rPr kumimoji="1" lang="en-US" altLang="ko-KR" sz="1200" dirty="0">
-                <a:solidFill>
-                  <a:schemeClr val="tx1">
-                    <a:lumMod val="50000"/>
-                    <a:lumOff val="50000"/>
-                  </a:schemeClr>
-                </a:solidFill>
-                <a:latin typeface="Consolas" panose="020B0609020204030204" pitchFamily="49" charset="0"/>
-                <a:ea typeface="Nanum Gothic" charset="-127"/>
-                <a:cs typeface="Consolas" panose="020B0609020204030204" pitchFamily="49" charset="0"/>
-              </a:rPr>
-              <a:t>    return {</a:t>
-            </a:r>
-          </a:p>
-          <a:p>
-            <a:pPr>
-              <a:lnSpc>
-                <a:spcPct val="120000"/>
-              </a:lnSpc>
-            </a:pPr>
-            <a:r>
-              <a:rPr kumimoji="1" lang="en-US" altLang="ko-KR" sz="1200" dirty="0">
-                <a:solidFill>
-                  <a:schemeClr val="tx1">
-                    <a:lumMod val="50000"/>
-                    <a:lumOff val="50000"/>
-                  </a:schemeClr>
-                </a:solidFill>
-                <a:latin typeface="Consolas" panose="020B0609020204030204" pitchFamily="49" charset="0"/>
-                <a:ea typeface="Nanum Gothic" charset="-127"/>
-                <a:cs typeface="Consolas" panose="020B0609020204030204" pitchFamily="49" charset="0"/>
-              </a:rPr>
-              <a:t>        count: function() { return n++; }</a:t>
-            </a:r>
-          </a:p>
-          <a:p>
-            <a:pPr>
-              <a:lnSpc>
-                <a:spcPct val="120000"/>
-              </a:lnSpc>
-            </a:pPr>
-            <a:r>
-              <a:rPr kumimoji="1" lang="en-US" altLang="ko-KR" sz="1200" dirty="0">
-                <a:solidFill>
-                  <a:schemeClr val="tx1">
-                    <a:lumMod val="50000"/>
-                    <a:lumOff val="50000"/>
-                  </a:schemeClr>
-                </a:solidFill>
-                <a:latin typeface="Consolas" panose="020B0609020204030204" pitchFamily="49" charset="0"/>
-                <a:ea typeface="Nanum Gothic" charset="-127"/>
-                <a:cs typeface="Consolas" panose="020B0609020204030204" pitchFamily="49" charset="0"/>
-              </a:rPr>
-              <a:t>        reset: function() { n = 0; }</a:t>
-            </a:r>
-          </a:p>
-          <a:p>
-            <a:pPr>
-              <a:lnSpc>
-                <a:spcPct val="120000"/>
-              </a:lnSpc>
-            </a:pPr>
-            <a:r>
-              <a:rPr kumimoji="1" lang="en-US" altLang="ko-KR" sz="1200" dirty="0">
-                <a:solidFill>
-                  <a:schemeClr val="tx1">
-                    <a:lumMod val="50000"/>
-                    <a:lumOff val="50000"/>
-                  </a:schemeClr>
-                </a:solidFill>
-                <a:latin typeface="Consolas" panose="020B0609020204030204" pitchFamily="49" charset="0"/>
-                <a:ea typeface="Nanum Gothic" charset="-127"/>
-                <a:cs typeface="Consolas" panose="020B0609020204030204" pitchFamily="49" charset="0"/>
-              </a:rPr>
-              <a:t>    };</a:t>
-            </a:r>
-          </a:p>
-          <a:p>
-            <a:pPr>
-              <a:lnSpc>
-                <a:spcPct val="120000"/>
-              </a:lnSpc>
-            </a:pPr>
-            <a:r>
-              <a:rPr kumimoji="1" lang="en-US" altLang="ko-KR" sz="1200" dirty="0">
-                <a:solidFill>
-                  <a:schemeClr val="tx1">
-                    <a:lumMod val="50000"/>
-                    <a:lumOff val="50000"/>
-                  </a:schemeClr>
-                </a:solidFill>
-                <a:latin typeface="Consolas" panose="020B0609020204030204" pitchFamily="49" charset="0"/>
-                <a:ea typeface="Nanum Gothic" charset="-127"/>
-                <a:cs typeface="Consolas" panose="020B0609020204030204" pitchFamily="49" charset="0"/>
-              </a:rPr>
-              <a:t>}</a:t>
-            </a:r>
-          </a:p>
-        </p:txBody>
-      </p:sp>
     </p:spTree>
     <p:extLst>
       <p:ext uri="{BB962C8B-B14F-4D97-AF65-F5344CB8AC3E}">
@@ -11494,7 +10934,7 @@
           <p:cNvPr id="10" name="제목 1">
             <a:extLst>
               <a:ext uri="{FF2B5EF4-FFF2-40B4-BE49-F238E27FC236}">
-                <a16:creationId xmlns:a16="http://schemas.microsoft.com/office/drawing/2014/main" id="{0E498A0E-6AFE-5542-9539-8A498B955B52}"/>
+                <a16:creationId xmlns="" xmlns:a16="http://schemas.microsoft.com/office/drawing/2014/main" id="{0E498A0E-6AFE-5542-9539-8A498B955B52}"/>
               </a:ext>
             </a:extLst>
           </p:cNvPr>
@@ -11553,7 +10993,7 @@
           <p:cNvPr id="11" name="제목 1">
             <a:extLst>
               <a:ext uri="{FF2B5EF4-FFF2-40B4-BE49-F238E27FC236}">
-                <a16:creationId xmlns:a16="http://schemas.microsoft.com/office/drawing/2014/main" id="{5B58744F-7323-0447-9907-AAC6C937C11E}"/>
+                <a16:creationId xmlns="" xmlns:a16="http://schemas.microsoft.com/office/drawing/2014/main" id="{5B58744F-7323-0447-9907-AAC6C937C11E}"/>
               </a:ext>
             </a:extLst>
           </p:cNvPr>
@@ -11609,7 +11049,7 @@
           <p:cNvPr id="12" name="제목 1">
             <a:extLst>
               <a:ext uri="{FF2B5EF4-FFF2-40B4-BE49-F238E27FC236}">
-                <a16:creationId xmlns:a16="http://schemas.microsoft.com/office/drawing/2014/main" id="{9C9DDEE2-EC18-E145-A856-D3D5409C57E6}"/>
+                <a16:creationId xmlns="" xmlns:a16="http://schemas.microsoft.com/office/drawing/2014/main" id="{9C9DDEE2-EC18-E145-A856-D3D5409C57E6}"/>
               </a:ext>
             </a:extLst>
           </p:cNvPr>
@@ -11679,7 +11119,7 @@
           <p:cNvPr id="7" name="제목 1">
             <a:extLst>
               <a:ext uri="{FF2B5EF4-FFF2-40B4-BE49-F238E27FC236}">
-                <a16:creationId xmlns:a16="http://schemas.microsoft.com/office/drawing/2014/main" id="{9C9DDEE2-EC18-E145-A856-D3D5409C57E6}"/>
+                <a16:creationId xmlns="" xmlns:a16="http://schemas.microsoft.com/office/drawing/2014/main" id="{9C9DDEE2-EC18-E145-A856-D3D5409C57E6}"/>
               </a:ext>
             </a:extLst>
           </p:cNvPr>
@@ -11866,7 +11306,7 @@
           <p:cNvPr id="10" name="TextBox 6">
             <a:extLst>
               <a:ext uri="{FF2B5EF4-FFF2-40B4-BE49-F238E27FC236}">
-                <a16:creationId xmlns:a16="http://schemas.microsoft.com/office/drawing/2014/main" id="{6D527928-482C-E943-BBFB-D3D1130C192A}"/>
+                <a16:creationId xmlns="" xmlns:a16="http://schemas.microsoft.com/office/drawing/2014/main" id="{6D527928-482C-E943-BBFB-D3D1130C192A}"/>
               </a:ext>
             </a:extLst>
           </p:cNvPr>
@@ -11920,7 +11360,7 @@
           <p:cNvPr id="11" name="TextBox 6">
             <a:extLst>
               <a:ext uri="{FF2B5EF4-FFF2-40B4-BE49-F238E27FC236}">
-                <a16:creationId xmlns:a16="http://schemas.microsoft.com/office/drawing/2014/main" id="{FF918BCE-6F97-434A-B3A2-439095FDE56D}"/>
+                <a16:creationId xmlns="" xmlns:a16="http://schemas.microsoft.com/office/drawing/2014/main" id="{FF918BCE-6F97-434A-B3A2-439095FDE56D}"/>
               </a:ext>
             </a:extLst>
           </p:cNvPr>
@@ -12278,7 +11718,7 @@
           <p:cNvPr id="12" name="TextBox 6">
             <a:extLst>
               <a:ext uri="{FF2B5EF4-FFF2-40B4-BE49-F238E27FC236}">
-                <a16:creationId xmlns:a16="http://schemas.microsoft.com/office/drawing/2014/main" id="{FF918BCE-6F97-434A-B3A2-439095FDE56D}"/>
+                <a16:creationId xmlns="" xmlns:a16="http://schemas.microsoft.com/office/drawing/2014/main" id="{FF918BCE-6F97-434A-B3A2-439095FDE56D}"/>
               </a:ext>
             </a:extLst>
           </p:cNvPr>
@@ -13317,7 +12757,7 @@
           <p:cNvPr id="36" name="TextBox 6">
             <a:extLst>
               <a:ext uri="{FF2B5EF4-FFF2-40B4-BE49-F238E27FC236}">
-                <a16:creationId xmlns:a16="http://schemas.microsoft.com/office/drawing/2014/main" id="{4C433121-55F9-BF41-9CAB-571182E75852}"/>
+                <a16:creationId xmlns="" xmlns:a16="http://schemas.microsoft.com/office/drawing/2014/main" id="{4C433121-55F9-BF41-9CAB-571182E75852}"/>
               </a:ext>
             </a:extLst>
           </p:cNvPr>
@@ -13495,7 +12935,7 @@
           <p:cNvPr id="10" name="TextBox 6">
             <a:extLst>
               <a:ext uri="{FF2B5EF4-FFF2-40B4-BE49-F238E27FC236}">
-                <a16:creationId xmlns:a16="http://schemas.microsoft.com/office/drawing/2014/main" id="{6D527928-482C-E943-BBFB-D3D1130C192A}"/>
+                <a16:creationId xmlns="" xmlns:a16="http://schemas.microsoft.com/office/drawing/2014/main" id="{6D527928-482C-E943-BBFB-D3D1130C192A}"/>
               </a:ext>
             </a:extLst>
           </p:cNvPr>
@@ -13549,7 +12989,7 @@
           <p:cNvPr id="11" name="TextBox 6">
             <a:extLst>
               <a:ext uri="{FF2B5EF4-FFF2-40B4-BE49-F238E27FC236}">
-                <a16:creationId xmlns:a16="http://schemas.microsoft.com/office/drawing/2014/main" id="{FF918BCE-6F97-434A-B3A2-439095FDE56D}"/>
+                <a16:creationId xmlns="" xmlns:a16="http://schemas.microsoft.com/office/drawing/2014/main" id="{FF918BCE-6F97-434A-B3A2-439095FDE56D}"/>
               </a:ext>
             </a:extLst>
           </p:cNvPr>
@@ -14197,7 +13637,7 @@
           <p:cNvPr id="38" name="TextBox 6">
             <a:extLst>
               <a:ext uri="{FF2B5EF4-FFF2-40B4-BE49-F238E27FC236}">
-                <a16:creationId xmlns:a16="http://schemas.microsoft.com/office/drawing/2014/main" id="{4C433121-55F9-BF41-9CAB-571182E75852}"/>
+                <a16:creationId xmlns="" xmlns:a16="http://schemas.microsoft.com/office/drawing/2014/main" id="{4C433121-55F9-BF41-9CAB-571182E75852}"/>
               </a:ext>
             </a:extLst>
           </p:cNvPr>
@@ -15394,7 +14834,7 @@
           <p:cNvPr id="47" name="TextBox 6">
             <a:extLst>
               <a:ext uri="{FF2B5EF4-FFF2-40B4-BE49-F238E27FC236}">
-                <a16:creationId xmlns:a16="http://schemas.microsoft.com/office/drawing/2014/main" id="{FF918BCE-6F97-434A-B3A2-439095FDE56D}"/>
+                <a16:creationId xmlns="" xmlns:a16="http://schemas.microsoft.com/office/drawing/2014/main" id="{FF918BCE-6F97-434A-B3A2-439095FDE56D}"/>
               </a:ext>
             </a:extLst>
           </p:cNvPr>
@@ -15699,7 +15139,7 @@
           <p:cNvPr id="11" name="TextBox 6">
             <a:extLst>
               <a:ext uri="{FF2B5EF4-FFF2-40B4-BE49-F238E27FC236}">
-                <a16:creationId xmlns:a16="http://schemas.microsoft.com/office/drawing/2014/main" id="{FF918BCE-6F97-434A-B3A2-439095FDE56D}"/>
+                <a16:creationId xmlns="" xmlns:a16="http://schemas.microsoft.com/office/drawing/2014/main" id="{FF918BCE-6F97-434A-B3A2-439095FDE56D}"/>
               </a:ext>
             </a:extLst>
           </p:cNvPr>
@@ -15963,7 +15403,7 @@
           <p:cNvPr id="35" name="TextBox 6">
             <a:extLst>
               <a:ext uri="{FF2B5EF4-FFF2-40B4-BE49-F238E27FC236}">
-                <a16:creationId xmlns:a16="http://schemas.microsoft.com/office/drawing/2014/main" id="{4C433121-55F9-BF41-9CAB-571182E75852}"/>
+                <a16:creationId xmlns="" xmlns:a16="http://schemas.microsoft.com/office/drawing/2014/main" id="{4C433121-55F9-BF41-9CAB-571182E75852}"/>
               </a:ext>
             </a:extLst>
           </p:cNvPr>
@@ -16251,7 +15691,7 @@
           <p:cNvPr id="37" name="TextBox 6">
             <a:extLst>
               <a:ext uri="{FF2B5EF4-FFF2-40B4-BE49-F238E27FC236}">
-                <a16:creationId xmlns:a16="http://schemas.microsoft.com/office/drawing/2014/main" id="{FF918BCE-6F97-434A-B3A2-439095FDE56D}"/>
+                <a16:creationId xmlns="" xmlns:a16="http://schemas.microsoft.com/office/drawing/2014/main" id="{FF918BCE-6F97-434A-B3A2-439095FDE56D}"/>
               </a:ext>
             </a:extLst>
           </p:cNvPr>
@@ -16855,7 +16295,7 @@
           <p:cNvPr id="38" name="TextBox 6">
             <a:extLst>
               <a:ext uri="{FF2B5EF4-FFF2-40B4-BE49-F238E27FC236}">
-                <a16:creationId xmlns:a16="http://schemas.microsoft.com/office/drawing/2014/main" id="{6D527928-482C-E943-BBFB-D3D1130C192A}"/>
+                <a16:creationId xmlns="" xmlns:a16="http://schemas.microsoft.com/office/drawing/2014/main" id="{6D527928-482C-E943-BBFB-D3D1130C192A}"/>
               </a:ext>
             </a:extLst>
           </p:cNvPr>
@@ -16922,7 +16362,7 @@
           <p:cNvPr id="39" name="TextBox 6">
             <a:extLst>
               <a:ext uri="{FF2B5EF4-FFF2-40B4-BE49-F238E27FC236}">
-                <a16:creationId xmlns:a16="http://schemas.microsoft.com/office/drawing/2014/main" id="{FF918BCE-6F97-434A-B3A2-439095FDE56D}"/>
+                <a16:creationId xmlns="" xmlns:a16="http://schemas.microsoft.com/office/drawing/2014/main" id="{FF918BCE-6F97-434A-B3A2-439095FDE56D}"/>
               </a:ext>
             </a:extLst>
           </p:cNvPr>
@@ -17191,7 +16631,7 @@
           <p:cNvPr id="11" name="TextBox 6">
             <a:extLst>
               <a:ext uri="{FF2B5EF4-FFF2-40B4-BE49-F238E27FC236}">
-                <a16:creationId xmlns:a16="http://schemas.microsoft.com/office/drawing/2014/main" id="{FF918BCE-6F97-434A-B3A2-439095FDE56D}"/>
+                <a16:creationId xmlns="" xmlns:a16="http://schemas.microsoft.com/office/drawing/2014/main" id="{FF918BCE-6F97-434A-B3A2-439095FDE56D}"/>
               </a:ext>
             </a:extLst>
           </p:cNvPr>
@@ -17452,7 +16892,7 @@
           <p:cNvPr id="40" name="TextBox 6">
             <a:extLst>
               <a:ext uri="{FF2B5EF4-FFF2-40B4-BE49-F238E27FC236}">
-                <a16:creationId xmlns:a16="http://schemas.microsoft.com/office/drawing/2014/main" id="{6D527928-482C-E943-BBFB-D3D1130C192A}"/>
+                <a16:creationId xmlns="" xmlns:a16="http://schemas.microsoft.com/office/drawing/2014/main" id="{6D527928-482C-E943-BBFB-D3D1130C192A}"/>
               </a:ext>
             </a:extLst>
           </p:cNvPr>
@@ -17548,7 +16988,7 @@
           <p:cNvPr id="41" name="TextBox 6">
             <a:extLst>
               <a:ext uri="{FF2B5EF4-FFF2-40B4-BE49-F238E27FC236}">
-                <a16:creationId xmlns:a16="http://schemas.microsoft.com/office/drawing/2014/main" id="{FF918BCE-6F97-434A-B3A2-439095FDE56D}"/>
+                <a16:creationId xmlns="" xmlns:a16="http://schemas.microsoft.com/office/drawing/2014/main" id="{FF918BCE-6F97-434A-B3A2-439095FDE56D}"/>
               </a:ext>
             </a:extLst>
           </p:cNvPr>
@@ -18181,7 +17621,7 @@
           <p:cNvPr id="42" name="TextBox 6">
             <a:extLst>
               <a:ext uri="{FF2B5EF4-FFF2-40B4-BE49-F238E27FC236}">
-                <a16:creationId xmlns:a16="http://schemas.microsoft.com/office/drawing/2014/main" id="{6D527928-482C-E943-BBFB-D3D1130C192A}"/>
+                <a16:creationId xmlns="" xmlns:a16="http://schemas.microsoft.com/office/drawing/2014/main" id="{6D527928-482C-E943-BBFB-D3D1130C192A}"/>
               </a:ext>
             </a:extLst>
           </p:cNvPr>
@@ -18225,7 +17665,7 @@
           <p:cNvPr id="43" name="TextBox 6">
             <a:extLst>
               <a:ext uri="{FF2B5EF4-FFF2-40B4-BE49-F238E27FC236}">
-                <a16:creationId xmlns:a16="http://schemas.microsoft.com/office/drawing/2014/main" id="{FF918BCE-6F97-434A-B3A2-439095FDE56D}"/>
+                <a16:creationId xmlns="" xmlns:a16="http://schemas.microsoft.com/office/drawing/2014/main" id="{FF918BCE-6F97-434A-B3A2-439095FDE56D}"/>
               </a:ext>
             </a:extLst>
           </p:cNvPr>
@@ -18758,7 +18198,7 @@
           <p:cNvPr id="11" name="TextBox 6">
             <a:extLst>
               <a:ext uri="{FF2B5EF4-FFF2-40B4-BE49-F238E27FC236}">
-                <a16:creationId xmlns:a16="http://schemas.microsoft.com/office/drawing/2014/main" id="{FF918BCE-6F97-434A-B3A2-439095FDE56D}"/>
+                <a16:creationId xmlns="" xmlns:a16="http://schemas.microsoft.com/office/drawing/2014/main" id="{FF918BCE-6F97-434A-B3A2-439095FDE56D}"/>
               </a:ext>
             </a:extLst>
           </p:cNvPr>
@@ -18910,7 +18350,7 @@
           <p:cNvPr id="35" name="TextBox 6">
             <a:extLst>
               <a:ext uri="{FF2B5EF4-FFF2-40B4-BE49-F238E27FC236}">
-                <a16:creationId xmlns:a16="http://schemas.microsoft.com/office/drawing/2014/main" id="{4C433121-55F9-BF41-9CAB-571182E75852}"/>
+                <a16:creationId xmlns="" xmlns:a16="http://schemas.microsoft.com/office/drawing/2014/main" id="{4C433121-55F9-BF41-9CAB-571182E75852}"/>
               </a:ext>
             </a:extLst>
           </p:cNvPr>
@@ -19439,7 +18879,7 @@
           <p:cNvPr id="10" name="제목 1">
             <a:extLst>
               <a:ext uri="{FF2B5EF4-FFF2-40B4-BE49-F238E27FC236}">
-                <a16:creationId xmlns:a16="http://schemas.microsoft.com/office/drawing/2014/main" id="{0E498A0E-6AFE-5542-9539-8A498B955B52}"/>
+                <a16:creationId xmlns="" xmlns:a16="http://schemas.microsoft.com/office/drawing/2014/main" id="{0E498A0E-6AFE-5542-9539-8A498B955B52}"/>
               </a:ext>
             </a:extLst>
           </p:cNvPr>
@@ -19498,7 +18938,7 @@
           <p:cNvPr id="11" name="제목 1">
             <a:extLst>
               <a:ext uri="{FF2B5EF4-FFF2-40B4-BE49-F238E27FC236}">
-                <a16:creationId xmlns:a16="http://schemas.microsoft.com/office/drawing/2014/main" id="{5B58744F-7323-0447-9907-AAC6C937C11E}"/>
+                <a16:creationId xmlns="" xmlns:a16="http://schemas.microsoft.com/office/drawing/2014/main" id="{5B58744F-7323-0447-9907-AAC6C937C11E}"/>
               </a:ext>
             </a:extLst>
           </p:cNvPr>
@@ -19554,7 +18994,7 @@
           <p:cNvPr id="12" name="제목 1">
             <a:extLst>
               <a:ext uri="{FF2B5EF4-FFF2-40B4-BE49-F238E27FC236}">
-                <a16:creationId xmlns:a16="http://schemas.microsoft.com/office/drawing/2014/main" id="{9C9DDEE2-EC18-E145-A856-D3D5409C57E6}"/>
+                <a16:creationId xmlns="" xmlns:a16="http://schemas.microsoft.com/office/drawing/2014/main" id="{9C9DDEE2-EC18-E145-A856-D3D5409C57E6}"/>
               </a:ext>
             </a:extLst>
           </p:cNvPr>
@@ -19613,7 +19053,7 @@
           <p:cNvPr id="7" name="제목 1">
             <a:extLst>
               <a:ext uri="{FF2B5EF4-FFF2-40B4-BE49-F238E27FC236}">
-                <a16:creationId xmlns:a16="http://schemas.microsoft.com/office/drawing/2014/main" id="{9346C264-0E4E-3641-9A07-7D619DB334A1}"/>
+                <a16:creationId xmlns="" xmlns:a16="http://schemas.microsoft.com/office/drawing/2014/main" id="{9346C264-0E4E-3641-9A07-7D619DB334A1}"/>
               </a:ext>
             </a:extLst>
           </p:cNvPr>
@@ -19672,7 +19112,7 @@
           <p:cNvPr id="8" name="제목 1">
             <a:extLst>
               <a:ext uri="{FF2B5EF4-FFF2-40B4-BE49-F238E27FC236}">
-                <a16:creationId xmlns:a16="http://schemas.microsoft.com/office/drawing/2014/main" id="{50F140DF-1351-C941-A99B-EC2E71A63F30}"/>
+                <a16:creationId xmlns="" xmlns:a16="http://schemas.microsoft.com/office/drawing/2014/main" id="{50F140DF-1351-C941-A99B-EC2E71A63F30}"/>
               </a:ext>
             </a:extLst>
           </p:cNvPr>
@@ -19848,7 +19288,7 @@
           <p:cNvPr id="11" name="TextBox 6">
             <a:extLst>
               <a:ext uri="{FF2B5EF4-FFF2-40B4-BE49-F238E27FC236}">
-                <a16:creationId xmlns:a16="http://schemas.microsoft.com/office/drawing/2014/main" id="{6D527928-482C-E943-BBFB-D3D1130C192A}"/>
+                <a16:creationId xmlns="" xmlns:a16="http://schemas.microsoft.com/office/drawing/2014/main" id="{6D527928-482C-E943-BBFB-D3D1130C192A}"/>
               </a:ext>
             </a:extLst>
           </p:cNvPr>
@@ -19902,7 +19342,7 @@
           <p:cNvPr id="13" name="TextBox 6">
             <a:extLst>
               <a:ext uri="{FF2B5EF4-FFF2-40B4-BE49-F238E27FC236}">
-                <a16:creationId xmlns:a16="http://schemas.microsoft.com/office/drawing/2014/main" id="{212573A1-855A-1340-B5DD-1CB0EF68C5FE}"/>
+                <a16:creationId xmlns="" xmlns:a16="http://schemas.microsoft.com/office/drawing/2014/main" id="{212573A1-855A-1340-B5DD-1CB0EF68C5FE}"/>
               </a:ext>
             </a:extLst>
           </p:cNvPr>
@@ -20047,7 +19487,7 @@
           <p:cNvPr id="14" name="TextBox 6">
             <a:extLst>
               <a:ext uri="{FF2B5EF4-FFF2-40B4-BE49-F238E27FC236}">
-                <a16:creationId xmlns:a16="http://schemas.microsoft.com/office/drawing/2014/main" id="{15972864-CA74-2A4E-8C86-22B579E92837}"/>
+                <a16:creationId xmlns="" xmlns:a16="http://schemas.microsoft.com/office/drawing/2014/main" id="{15972864-CA74-2A4E-8C86-22B579E92837}"/>
               </a:ext>
             </a:extLst>
           </p:cNvPr>
@@ -20186,7 +19626,7 @@
           <p:cNvPr id="23" name="TextBox 6">
             <a:extLst>
               <a:ext uri="{FF2B5EF4-FFF2-40B4-BE49-F238E27FC236}">
-                <a16:creationId xmlns:a16="http://schemas.microsoft.com/office/drawing/2014/main" id="{76FB57A3-37F4-8642-B8CF-EE03A08AAF74}"/>
+                <a16:creationId xmlns="" xmlns:a16="http://schemas.microsoft.com/office/drawing/2014/main" id="{76FB57A3-37F4-8642-B8CF-EE03A08AAF74}"/>
               </a:ext>
             </a:extLst>
           </p:cNvPr>
@@ -20306,7 +19746,7 @@
           <p:cNvPr id="12" name="TextBox 6">
             <a:extLst>
               <a:ext uri="{FF2B5EF4-FFF2-40B4-BE49-F238E27FC236}">
-                <a16:creationId xmlns:a16="http://schemas.microsoft.com/office/drawing/2014/main" id="{5B8050A3-2861-1447-8F2F-9349DC54494D}"/>
+                <a16:creationId xmlns="" xmlns:a16="http://schemas.microsoft.com/office/drawing/2014/main" id="{5B8050A3-2861-1447-8F2F-9349DC54494D}"/>
               </a:ext>
             </a:extLst>
           </p:cNvPr>
@@ -20522,7 +19962,7 @@
           <p:cNvPr id="15" name="TextBox 6">
             <a:extLst>
               <a:ext uri="{FF2B5EF4-FFF2-40B4-BE49-F238E27FC236}">
-                <a16:creationId xmlns:a16="http://schemas.microsoft.com/office/drawing/2014/main" id="{3B4CACBA-9B29-9241-9D48-F79A553C99D9}"/>
+                <a16:creationId xmlns="" xmlns:a16="http://schemas.microsoft.com/office/drawing/2014/main" id="{3B4CACBA-9B29-9241-9D48-F79A553C99D9}"/>
               </a:ext>
             </a:extLst>
           </p:cNvPr>
@@ -20600,7 +20040,7 @@
           <p:cNvPr id="16" name="TextBox 6">
             <a:extLst>
               <a:ext uri="{FF2B5EF4-FFF2-40B4-BE49-F238E27FC236}">
-                <a16:creationId xmlns:a16="http://schemas.microsoft.com/office/drawing/2014/main" id="{8929B54C-B7A2-984E-9476-2C90D470B3DE}"/>
+                <a16:creationId xmlns="" xmlns:a16="http://schemas.microsoft.com/office/drawing/2014/main" id="{8929B54C-B7A2-984E-9476-2C90D470B3DE}"/>
               </a:ext>
             </a:extLst>
           </p:cNvPr>
